--- a/Um Algoritmo de Colônia de Formigas para Otimização.pptx
+++ b/Um Algoritmo de Colônia de Formigas para Otimização.pptx
@@ -4,11 +4,27 @@
   <p:sldMasterIdLst>
     <p:sldMasterId id="2147483708" r:id="rId1"/>
   </p:sldMasterIdLst>
+  <p:notesMasterIdLst>
+    <p:notesMasterId r:id="rId19"/>
+  </p:notesMasterIdLst>
   <p:sldIdLst>
     <p:sldId id="256" r:id="rId2"/>
     <p:sldId id="258" r:id="rId3"/>
-    <p:sldId id="257" r:id="rId4"/>
-    <p:sldId id="259" r:id="rId5"/>
+    <p:sldId id="260" r:id="rId4"/>
+    <p:sldId id="261" r:id="rId5"/>
+    <p:sldId id="262" r:id="rId6"/>
+    <p:sldId id="263" r:id="rId7"/>
+    <p:sldId id="264" r:id="rId8"/>
+    <p:sldId id="265" r:id="rId9"/>
+    <p:sldId id="266" r:id="rId10"/>
+    <p:sldId id="267" r:id="rId11"/>
+    <p:sldId id="268" r:id="rId12"/>
+    <p:sldId id="269" r:id="rId13"/>
+    <p:sldId id="270" r:id="rId14"/>
+    <p:sldId id="271" r:id="rId15"/>
+    <p:sldId id="272" r:id="rId16"/>
+    <p:sldId id="273" r:id="rId17"/>
+    <p:sldId id="259" r:id="rId18"/>
   </p:sldIdLst>
   <p:sldSz cx="12192000" cy="6858000"/>
   <p:notesSz cx="6858000" cy="9144000"/>
@@ -107,7 +123,555 @@
       </a:defRPr>
     </a:lvl9pPr>
   </p:defaultTextStyle>
+  <p:extLst>
+    <p:ext uri="{EFAFB233-063F-42B5-8137-9DF3F51BA10A}">
+      <p15:sldGuideLst xmlns:p15="http://schemas.microsoft.com/office/powerpoint/2012/main">
+        <p15:guide id="1" orient="horz" pos="2160" userDrawn="1">
+          <p15:clr>
+            <a:srgbClr val="A4A3A4"/>
+          </p15:clr>
+        </p15:guide>
+        <p15:guide id="2" pos="3840" userDrawn="1">
+          <p15:clr>
+            <a:srgbClr val="A4A3A4"/>
+          </p15:clr>
+        </p15:guide>
+      </p15:sldGuideLst>
+    </p:ext>
+    <p:ext uri="{2D200454-40CA-4A62-9FC3-DE9A4176ACB9}">
+      <p15:notesGuideLst xmlns:p15="http://schemas.microsoft.com/office/powerpoint/2012/main">
+        <p15:guide id="1" orient="horz" pos="2880" userDrawn="1">
+          <p15:clr>
+            <a:srgbClr val="A4A3A4"/>
+          </p15:clr>
+        </p15:guide>
+        <p15:guide id="2" pos="2160" userDrawn="1">
+          <p15:clr>
+            <a:srgbClr val="A4A3A4"/>
+          </p15:clr>
+        </p15:guide>
+      </p15:notesGuideLst>
+    </p:ext>
+  </p:extLst>
 </p:presentation>
+</file>
+
+<file path=ppt/notesMasters/notesMaster1.xml><?xml version="1.0" encoding="utf-8"?>
+<p:notesMaster xmlns:a="http://schemas.openxmlformats.org/drawingml/2006/main" xmlns:r="http://schemas.openxmlformats.org/officeDocument/2006/relationships" xmlns:p="http://schemas.openxmlformats.org/presentationml/2006/main">
+  <p:cSld>
+    <p:bg>
+      <p:bgRef idx="1001">
+        <a:schemeClr val="bg1"/>
+      </p:bgRef>
+    </p:bg>
+    <p:spTree>
+      <p:nvGrpSpPr>
+        <p:cNvPr id="1" name=""/>
+        <p:cNvGrpSpPr/>
+        <p:nvPr/>
+      </p:nvGrpSpPr>
+      <p:grpSpPr>
+        <a:xfrm>
+          <a:off x="0" y="0"/>
+          <a:ext cx="0" cy="0"/>
+          <a:chOff x="0" y="0"/>
+          <a:chExt cx="0" cy="0"/>
+        </a:xfrm>
+      </p:grpSpPr>
+      <p:sp>
+        <p:nvSpPr>
+          <p:cNvPr id="2" name="Header Placeholder 1"/>
+          <p:cNvSpPr>
+            <a:spLocks noGrp="1"/>
+          </p:cNvSpPr>
+          <p:nvPr>
+            <p:ph type="hdr" sz="quarter"/>
+          </p:nvPr>
+        </p:nvSpPr>
+        <p:spPr>
+          <a:xfrm>
+            <a:off x="0" y="0"/>
+            <a:ext cx="2971800" cy="458788"/>
+          </a:xfrm>
+          <a:prstGeom prst="rect">
+            <a:avLst/>
+          </a:prstGeom>
+        </p:spPr>
+        <p:txBody>
+          <a:bodyPr vert="horz" lIns="91440" tIns="45720" rIns="91440" bIns="45720" rtlCol="0"/>
+          <a:lstStyle>
+            <a:lvl1pPr algn="l">
+              <a:defRPr sz="1200"/>
+            </a:lvl1pPr>
+          </a:lstStyle>
+          <a:p>
+            <a:endParaRPr lang="en-US"/>
+          </a:p>
+        </p:txBody>
+      </p:sp>
+      <p:sp>
+        <p:nvSpPr>
+          <p:cNvPr id="3" name="Date Placeholder 2"/>
+          <p:cNvSpPr>
+            <a:spLocks noGrp="1"/>
+          </p:cNvSpPr>
+          <p:nvPr>
+            <p:ph type="dt" idx="1"/>
+          </p:nvPr>
+        </p:nvSpPr>
+        <p:spPr>
+          <a:xfrm>
+            <a:off x="3884613" y="0"/>
+            <a:ext cx="2971800" cy="458788"/>
+          </a:xfrm>
+          <a:prstGeom prst="rect">
+            <a:avLst/>
+          </a:prstGeom>
+        </p:spPr>
+        <p:txBody>
+          <a:bodyPr vert="horz" lIns="91440" tIns="45720" rIns="91440" bIns="45720" rtlCol="0"/>
+          <a:lstStyle>
+            <a:lvl1pPr algn="r">
+              <a:defRPr sz="1200"/>
+            </a:lvl1pPr>
+          </a:lstStyle>
+          <a:p>
+            <a:fld id="{FE4B5F3C-4E97-4791-AF82-E013943474B6}" type="datetimeFigureOut">
+              <a:rPr lang="en-US" smtClean="0"/>
+              <a:t>11/26/2017</a:t>
+            </a:fld>
+            <a:endParaRPr lang="en-US"/>
+          </a:p>
+        </p:txBody>
+      </p:sp>
+      <p:sp>
+        <p:nvSpPr>
+          <p:cNvPr id="4" name="Slide Image Placeholder 3"/>
+          <p:cNvSpPr>
+            <a:spLocks noGrp="1" noRot="1" noChangeAspect="1"/>
+          </p:cNvSpPr>
+          <p:nvPr>
+            <p:ph type="sldImg" idx="2"/>
+          </p:nvPr>
+        </p:nvSpPr>
+        <p:spPr>
+          <a:xfrm>
+            <a:off x="685800" y="1143000"/>
+            <a:ext cx="5486400" cy="3086100"/>
+          </a:xfrm>
+          <a:prstGeom prst="rect">
+            <a:avLst/>
+          </a:prstGeom>
+          <a:noFill/>
+          <a:ln w="12700">
+            <a:solidFill>
+              <a:prstClr val="black"/>
+            </a:solidFill>
+          </a:ln>
+        </p:spPr>
+        <p:txBody>
+          <a:bodyPr vert="horz" lIns="91440" tIns="45720" rIns="91440" bIns="45720" rtlCol="0" anchor="ctr"/>
+          <a:lstStyle/>
+          <a:p>
+            <a:endParaRPr lang="en-US"/>
+          </a:p>
+        </p:txBody>
+      </p:sp>
+      <p:sp>
+        <p:nvSpPr>
+          <p:cNvPr id="5" name="Notes Placeholder 4"/>
+          <p:cNvSpPr>
+            <a:spLocks noGrp="1"/>
+          </p:cNvSpPr>
+          <p:nvPr>
+            <p:ph type="body" sz="quarter" idx="3"/>
+          </p:nvPr>
+        </p:nvSpPr>
+        <p:spPr>
+          <a:xfrm>
+            <a:off x="685800" y="4400550"/>
+            <a:ext cx="5486400" cy="3600450"/>
+          </a:xfrm>
+          <a:prstGeom prst="rect">
+            <a:avLst/>
+          </a:prstGeom>
+        </p:spPr>
+        <p:txBody>
+          <a:bodyPr vert="horz" lIns="91440" tIns="45720" rIns="91440" bIns="45720" rtlCol="0"/>
+          <a:lstStyle/>
+          <a:p>
+            <a:pPr lvl="0"/>
+            <a:r>
+              <a:rPr lang="en-US" smtClean="0"/>
+              <a:t>Click to edit Master text styles</a:t>
+            </a:r>
+          </a:p>
+          <a:p>
+            <a:pPr lvl="1"/>
+            <a:r>
+              <a:rPr lang="en-US" smtClean="0"/>
+              <a:t>Second level</a:t>
+            </a:r>
+          </a:p>
+          <a:p>
+            <a:pPr lvl="2"/>
+            <a:r>
+              <a:rPr lang="en-US" smtClean="0"/>
+              <a:t>Third level</a:t>
+            </a:r>
+          </a:p>
+          <a:p>
+            <a:pPr lvl="3"/>
+            <a:r>
+              <a:rPr lang="en-US" smtClean="0"/>
+              <a:t>Fourth level</a:t>
+            </a:r>
+          </a:p>
+          <a:p>
+            <a:pPr lvl="4"/>
+            <a:r>
+              <a:rPr lang="en-US" smtClean="0"/>
+              <a:t>Fifth level</a:t>
+            </a:r>
+            <a:endParaRPr lang="en-US"/>
+          </a:p>
+        </p:txBody>
+      </p:sp>
+      <p:sp>
+        <p:nvSpPr>
+          <p:cNvPr id="6" name="Footer Placeholder 5"/>
+          <p:cNvSpPr>
+            <a:spLocks noGrp="1"/>
+          </p:cNvSpPr>
+          <p:nvPr>
+            <p:ph type="ftr" sz="quarter" idx="4"/>
+          </p:nvPr>
+        </p:nvSpPr>
+        <p:spPr>
+          <a:xfrm>
+            <a:off x="0" y="8685213"/>
+            <a:ext cx="2971800" cy="458787"/>
+          </a:xfrm>
+          <a:prstGeom prst="rect">
+            <a:avLst/>
+          </a:prstGeom>
+        </p:spPr>
+        <p:txBody>
+          <a:bodyPr vert="horz" lIns="91440" tIns="45720" rIns="91440" bIns="45720" rtlCol="0" anchor="b"/>
+          <a:lstStyle>
+            <a:lvl1pPr algn="l">
+              <a:defRPr sz="1200"/>
+            </a:lvl1pPr>
+          </a:lstStyle>
+          <a:p>
+            <a:endParaRPr lang="en-US"/>
+          </a:p>
+        </p:txBody>
+      </p:sp>
+      <p:sp>
+        <p:nvSpPr>
+          <p:cNvPr id="7" name="Slide Number Placeholder 6"/>
+          <p:cNvSpPr>
+            <a:spLocks noGrp="1"/>
+          </p:cNvSpPr>
+          <p:nvPr>
+            <p:ph type="sldNum" sz="quarter" idx="5"/>
+          </p:nvPr>
+        </p:nvSpPr>
+        <p:spPr>
+          <a:xfrm>
+            <a:off x="3884613" y="8685213"/>
+            <a:ext cx="2971800" cy="458787"/>
+          </a:xfrm>
+          <a:prstGeom prst="rect">
+            <a:avLst/>
+          </a:prstGeom>
+        </p:spPr>
+        <p:txBody>
+          <a:bodyPr vert="horz" lIns="91440" tIns="45720" rIns="91440" bIns="45720" rtlCol="0" anchor="b"/>
+          <a:lstStyle>
+            <a:lvl1pPr algn="r">
+              <a:defRPr sz="1200"/>
+            </a:lvl1pPr>
+          </a:lstStyle>
+          <a:p>
+            <a:fld id="{BED062FB-354B-4EDE-924A-EAFF7698A06E}" type="slidenum">
+              <a:rPr lang="en-US" smtClean="0"/>
+              <a:t>‹#›</a:t>
+            </a:fld>
+            <a:endParaRPr lang="en-US"/>
+          </a:p>
+        </p:txBody>
+      </p:sp>
+    </p:spTree>
+    <p:extLst>
+      <p:ext uri="{BB962C8B-B14F-4D97-AF65-F5344CB8AC3E}">
+        <p14:creationId xmlns:p14="http://schemas.microsoft.com/office/powerpoint/2010/main" val="1064779642"/>
+      </p:ext>
+    </p:extLst>
+  </p:cSld>
+  <p:clrMap bg1="lt1" tx1="dk1" bg2="lt2" tx2="dk2" accent1="accent1" accent2="accent2" accent3="accent3" accent4="accent4" accent5="accent5" accent6="accent6" hlink="hlink" folHlink="folHlink"/>
+  <p:notesStyle>
+    <a:lvl1pPr marL="0" algn="l" defTabSz="914400" rtl="0" eaLnBrk="1" latinLnBrk="0" hangingPunct="1">
+      <a:defRPr sz="1200" kern="1200">
+        <a:solidFill>
+          <a:schemeClr val="tx1"/>
+        </a:solidFill>
+        <a:latin typeface="+mn-lt"/>
+        <a:ea typeface="+mn-ea"/>
+        <a:cs typeface="+mn-cs"/>
+      </a:defRPr>
+    </a:lvl1pPr>
+    <a:lvl2pPr marL="457200" algn="l" defTabSz="914400" rtl="0" eaLnBrk="1" latinLnBrk="0" hangingPunct="1">
+      <a:defRPr sz="1200" kern="1200">
+        <a:solidFill>
+          <a:schemeClr val="tx1"/>
+        </a:solidFill>
+        <a:latin typeface="+mn-lt"/>
+        <a:ea typeface="+mn-ea"/>
+        <a:cs typeface="+mn-cs"/>
+      </a:defRPr>
+    </a:lvl2pPr>
+    <a:lvl3pPr marL="914400" algn="l" defTabSz="914400" rtl="0" eaLnBrk="1" latinLnBrk="0" hangingPunct="1">
+      <a:defRPr sz="1200" kern="1200">
+        <a:solidFill>
+          <a:schemeClr val="tx1"/>
+        </a:solidFill>
+        <a:latin typeface="+mn-lt"/>
+        <a:ea typeface="+mn-ea"/>
+        <a:cs typeface="+mn-cs"/>
+      </a:defRPr>
+    </a:lvl3pPr>
+    <a:lvl4pPr marL="1371600" algn="l" defTabSz="914400" rtl="0" eaLnBrk="1" latinLnBrk="0" hangingPunct="1">
+      <a:defRPr sz="1200" kern="1200">
+        <a:solidFill>
+          <a:schemeClr val="tx1"/>
+        </a:solidFill>
+        <a:latin typeface="+mn-lt"/>
+        <a:ea typeface="+mn-ea"/>
+        <a:cs typeface="+mn-cs"/>
+      </a:defRPr>
+    </a:lvl4pPr>
+    <a:lvl5pPr marL="1828800" algn="l" defTabSz="914400" rtl="0" eaLnBrk="1" latinLnBrk="0" hangingPunct="1">
+      <a:defRPr sz="1200" kern="1200">
+        <a:solidFill>
+          <a:schemeClr val="tx1"/>
+        </a:solidFill>
+        <a:latin typeface="+mn-lt"/>
+        <a:ea typeface="+mn-ea"/>
+        <a:cs typeface="+mn-cs"/>
+      </a:defRPr>
+    </a:lvl5pPr>
+    <a:lvl6pPr marL="2286000" algn="l" defTabSz="914400" rtl="0" eaLnBrk="1" latinLnBrk="0" hangingPunct="1">
+      <a:defRPr sz="1200" kern="1200">
+        <a:solidFill>
+          <a:schemeClr val="tx1"/>
+        </a:solidFill>
+        <a:latin typeface="+mn-lt"/>
+        <a:ea typeface="+mn-ea"/>
+        <a:cs typeface="+mn-cs"/>
+      </a:defRPr>
+    </a:lvl6pPr>
+    <a:lvl7pPr marL="2743200" algn="l" defTabSz="914400" rtl="0" eaLnBrk="1" latinLnBrk="0" hangingPunct="1">
+      <a:defRPr sz="1200" kern="1200">
+        <a:solidFill>
+          <a:schemeClr val="tx1"/>
+        </a:solidFill>
+        <a:latin typeface="+mn-lt"/>
+        <a:ea typeface="+mn-ea"/>
+        <a:cs typeface="+mn-cs"/>
+      </a:defRPr>
+    </a:lvl7pPr>
+    <a:lvl8pPr marL="3200400" algn="l" defTabSz="914400" rtl="0" eaLnBrk="1" latinLnBrk="0" hangingPunct="1">
+      <a:defRPr sz="1200" kern="1200">
+        <a:solidFill>
+          <a:schemeClr val="tx1"/>
+        </a:solidFill>
+        <a:latin typeface="+mn-lt"/>
+        <a:ea typeface="+mn-ea"/>
+        <a:cs typeface="+mn-cs"/>
+      </a:defRPr>
+    </a:lvl8pPr>
+    <a:lvl9pPr marL="3657600" algn="l" defTabSz="914400" rtl="0" eaLnBrk="1" latinLnBrk="0" hangingPunct="1">
+      <a:defRPr sz="1200" kern="1200">
+        <a:solidFill>
+          <a:schemeClr val="tx1"/>
+        </a:solidFill>
+        <a:latin typeface="+mn-lt"/>
+        <a:ea typeface="+mn-ea"/>
+        <a:cs typeface="+mn-cs"/>
+      </a:defRPr>
+    </a:lvl9pPr>
+  </p:notesStyle>
+</p:notesMaster>
+</file>
+
+<file path=ppt/notesSlides/notesSlide1.xml><?xml version="1.0" encoding="utf-8"?>
+<p:notes xmlns:a="http://schemas.openxmlformats.org/drawingml/2006/main" xmlns:r="http://schemas.openxmlformats.org/officeDocument/2006/relationships" xmlns:p="http://schemas.openxmlformats.org/presentationml/2006/main">
+  <p:cSld>
+    <p:spTree>
+      <p:nvGrpSpPr>
+        <p:cNvPr id="1" name=""/>
+        <p:cNvGrpSpPr/>
+        <p:nvPr/>
+      </p:nvGrpSpPr>
+      <p:grpSpPr>
+        <a:xfrm>
+          <a:off x="0" y="0"/>
+          <a:ext cx="0" cy="0"/>
+          <a:chOff x="0" y="0"/>
+          <a:chExt cx="0" cy="0"/>
+        </a:xfrm>
+      </p:grpSpPr>
+      <p:sp>
+        <p:nvSpPr>
+          <p:cNvPr id="2" name="Slide Image Placeholder 1"/>
+          <p:cNvSpPr>
+            <a:spLocks noGrp="1" noRot="1" noChangeAspect="1"/>
+          </p:cNvSpPr>
+          <p:nvPr>
+            <p:ph type="sldImg"/>
+          </p:nvPr>
+        </p:nvSpPr>
+        <p:spPr/>
+      </p:sp>
+      <p:sp>
+        <p:nvSpPr>
+          <p:cNvPr id="3" name="Notes Placeholder 2"/>
+          <p:cNvSpPr>
+            <a:spLocks noGrp="1"/>
+          </p:cNvSpPr>
+          <p:nvPr>
+            <p:ph type="body" idx="1"/>
+          </p:nvPr>
+        </p:nvSpPr>
+        <p:spPr/>
+        <p:txBody>
+          <a:bodyPr/>
+          <a:lstStyle/>
+          <a:p>
+            <a:endParaRPr lang="en-US"/>
+          </a:p>
+        </p:txBody>
+      </p:sp>
+      <p:sp>
+        <p:nvSpPr>
+          <p:cNvPr id="4" name="Slide Number Placeholder 3"/>
+          <p:cNvSpPr>
+            <a:spLocks noGrp="1"/>
+          </p:cNvSpPr>
+          <p:nvPr>
+            <p:ph type="sldNum" sz="quarter" idx="10"/>
+          </p:nvPr>
+        </p:nvSpPr>
+        <p:spPr/>
+        <p:txBody>
+          <a:bodyPr/>
+          <a:lstStyle/>
+          <a:p>
+            <a:fld id="{BED062FB-354B-4EDE-924A-EAFF7698A06E}" type="slidenum">
+              <a:rPr lang="en-US" smtClean="0"/>
+              <a:t>1</a:t>
+            </a:fld>
+            <a:endParaRPr lang="en-US"/>
+          </a:p>
+        </p:txBody>
+      </p:sp>
+    </p:spTree>
+    <p:extLst>
+      <p:ext uri="{BB962C8B-B14F-4D97-AF65-F5344CB8AC3E}">
+        <p14:creationId xmlns:p14="http://schemas.microsoft.com/office/powerpoint/2010/main" val="2070549510"/>
+      </p:ext>
+    </p:extLst>
+  </p:cSld>
+  <p:clrMapOvr>
+    <a:masterClrMapping/>
+  </p:clrMapOvr>
+</p:notes>
+</file>
+
+<file path=ppt/notesSlides/notesSlide2.xml><?xml version="1.0" encoding="utf-8"?>
+<p:notes xmlns:a="http://schemas.openxmlformats.org/drawingml/2006/main" xmlns:r="http://schemas.openxmlformats.org/officeDocument/2006/relationships" xmlns:p="http://schemas.openxmlformats.org/presentationml/2006/main">
+  <p:cSld>
+    <p:spTree>
+      <p:nvGrpSpPr>
+        <p:cNvPr id="1" name=""/>
+        <p:cNvGrpSpPr/>
+        <p:nvPr/>
+      </p:nvGrpSpPr>
+      <p:grpSpPr>
+        <a:xfrm>
+          <a:off x="0" y="0"/>
+          <a:ext cx="0" cy="0"/>
+          <a:chOff x="0" y="0"/>
+          <a:chExt cx="0" cy="0"/>
+        </a:xfrm>
+      </p:grpSpPr>
+      <p:sp>
+        <p:nvSpPr>
+          <p:cNvPr id="2" name="Slide Image Placeholder 1"/>
+          <p:cNvSpPr>
+            <a:spLocks noGrp="1" noRot="1" noChangeAspect="1"/>
+          </p:cNvSpPr>
+          <p:nvPr>
+            <p:ph type="sldImg"/>
+          </p:nvPr>
+        </p:nvSpPr>
+        <p:spPr/>
+      </p:sp>
+      <p:sp>
+        <p:nvSpPr>
+          <p:cNvPr id="3" name="Notes Placeholder 2"/>
+          <p:cNvSpPr>
+            <a:spLocks noGrp="1"/>
+          </p:cNvSpPr>
+          <p:nvPr>
+            <p:ph type="body" idx="1"/>
+          </p:nvPr>
+        </p:nvSpPr>
+        <p:spPr/>
+        <p:txBody>
+          <a:bodyPr/>
+          <a:lstStyle/>
+          <a:p>
+            <a:endParaRPr lang="en-US" dirty="0"/>
+          </a:p>
+        </p:txBody>
+      </p:sp>
+      <p:sp>
+        <p:nvSpPr>
+          <p:cNvPr id="4" name="Slide Number Placeholder 3"/>
+          <p:cNvSpPr>
+            <a:spLocks noGrp="1"/>
+          </p:cNvSpPr>
+          <p:nvPr>
+            <p:ph type="sldNum" sz="quarter" idx="10"/>
+          </p:nvPr>
+        </p:nvSpPr>
+        <p:spPr/>
+        <p:txBody>
+          <a:bodyPr/>
+          <a:lstStyle/>
+          <a:p>
+            <a:fld id="{BED062FB-354B-4EDE-924A-EAFF7698A06E}" type="slidenum">
+              <a:rPr lang="en-US" smtClean="0"/>
+              <a:t>2</a:t>
+            </a:fld>
+            <a:endParaRPr lang="en-US"/>
+          </a:p>
+        </p:txBody>
+      </p:sp>
+    </p:spTree>
+    <p:extLst>
+      <p:ext uri="{BB962C8B-B14F-4D97-AF65-F5344CB8AC3E}">
+        <p14:creationId xmlns:p14="http://schemas.microsoft.com/office/powerpoint/2010/main" val="3431414895"/>
+      </p:ext>
+    </p:extLst>
+  </p:cSld>
+  <p:clrMapOvr>
+    <a:masterClrMapping/>
+  </p:clrMapOvr>
+</p:notes>
 </file>
 
 <file path=ppt/slideLayouts/slideLayout1.xml><?xml version="1.0" encoding="utf-8"?>
@@ -295,7 +859,7 @@
           <a:p>
             <a:fld id="{1453F4C1-D305-4231-817D-8E4804B7754D}" type="datetimeFigureOut">
               <a:rPr lang="en-US" smtClean="0"/>
-              <a:t>11/23/2017</a:t>
+              <a:t>11/26/2017</a:t>
             </a:fld>
             <a:endParaRPr lang="en-US"/>
           </a:p>
@@ -598,7 +1162,7 @@
           <a:p>
             <a:fld id="{1453F4C1-D305-4231-817D-8E4804B7754D}" type="datetimeFigureOut">
               <a:rPr lang="en-US" smtClean="0"/>
-              <a:t>11/23/2017</a:t>
+              <a:t>11/26/2017</a:t>
             </a:fld>
             <a:endParaRPr lang="en-US"/>
           </a:p>
@@ -790,7 +1354,7 @@
           <a:p>
             <a:fld id="{1453F4C1-D305-4231-817D-8E4804B7754D}" type="datetimeFigureOut">
               <a:rPr lang="en-US" smtClean="0"/>
-              <a:t>11/23/2017</a:t>
+              <a:t>11/26/2017</a:t>
             </a:fld>
             <a:endParaRPr lang="en-US"/>
           </a:p>
@@ -1051,7 +1615,7 @@
           <a:p>
             <a:fld id="{1453F4C1-D305-4231-817D-8E4804B7754D}" type="datetimeFigureOut">
               <a:rPr lang="en-US" smtClean="0"/>
-              <a:t>11/23/2017</a:t>
+              <a:t>11/26/2017</a:t>
             </a:fld>
             <a:endParaRPr lang="en-US"/>
           </a:p>
@@ -1475,7 +2039,7 @@
           <a:p>
             <a:fld id="{1453F4C1-D305-4231-817D-8E4804B7754D}" type="datetimeFigureOut">
               <a:rPr lang="en-US" smtClean="0"/>
-              <a:t>11/23/2017</a:t>
+              <a:t>11/26/2017</a:t>
             </a:fld>
             <a:endParaRPr lang="en-US"/>
           </a:p>
@@ -2012,7 +2576,7 @@
           <a:p>
             <a:fld id="{1453F4C1-D305-4231-817D-8E4804B7754D}" type="datetimeFigureOut">
               <a:rPr lang="en-US" smtClean="0"/>
-              <a:t>11/23/2017</a:t>
+              <a:t>11/26/2017</a:t>
             </a:fld>
             <a:endParaRPr lang="en-US"/>
           </a:p>
@@ -2876,7 +3440,7 @@
           <a:p>
             <a:fld id="{1453F4C1-D305-4231-817D-8E4804B7754D}" type="datetimeFigureOut">
               <a:rPr lang="en-US" smtClean="0"/>
-              <a:t>11/23/2017</a:t>
+              <a:t>11/26/2017</a:t>
             </a:fld>
             <a:endParaRPr lang="en-US"/>
           </a:p>
@@ -3046,7 +3610,7 @@
           <a:p>
             <a:fld id="{1453F4C1-D305-4231-817D-8E4804B7754D}" type="datetimeFigureOut">
               <a:rPr lang="en-US" smtClean="0"/>
-              <a:t>11/23/2017</a:t>
+              <a:t>11/26/2017</a:t>
             </a:fld>
             <a:endParaRPr lang="en-US"/>
           </a:p>
@@ -3230,7 +3794,7 @@
           <a:p>
             <a:fld id="{1453F4C1-D305-4231-817D-8E4804B7754D}" type="datetimeFigureOut">
               <a:rPr lang="en-US" smtClean="0"/>
-              <a:t>11/23/2017</a:t>
+              <a:t>11/26/2017</a:t>
             </a:fld>
             <a:endParaRPr lang="en-US"/>
           </a:p>
@@ -3405,7 +3969,7 @@
           <a:p>
             <a:fld id="{1453F4C1-D305-4231-817D-8E4804B7754D}" type="datetimeFigureOut">
               <a:rPr lang="en-US" smtClean="0"/>
-              <a:t>11/23/2017</a:t>
+              <a:t>11/26/2017</a:t>
             </a:fld>
             <a:endParaRPr lang="en-US"/>
           </a:p>
@@ -3649,7 +4213,7 @@
           <a:p>
             <a:fld id="{1453F4C1-D305-4231-817D-8E4804B7754D}" type="datetimeFigureOut">
               <a:rPr lang="en-US" smtClean="0"/>
-              <a:t>11/23/2017</a:t>
+              <a:t>11/26/2017</a:t>
             </a:fld>
             <a:endParaRPr lang="en-US"/>
           </a:p>
@@ -3890,7 +4454,7 @@
           <a:p>
             <a:fld id="{1453F4C1-D305-4231-817D-8E4804B7754D}" type="datetimeFigureOut">
               <a:rPr lang="en-US" smtClean="0"/>
-              <a:t>11/23/2017</a:t>
+              <a:t>11/26/2017</a:t>
             </a:fld>
             <a:endParaRPr lang="en-US"/>
           </a:p>
@@ -4356,7 +4920,7 @@
           <a:p>
             <a:fld id="{1453F4C1-D305-4231-817D-8E4804B7754D}" type="datetimeFigureOut">
               <a:rPr lang="en-US" smtClean="0"/>
-              <a:t>11/23/2017</a:t>
+              <a:t>11/26/2017</a:t>
             </a:fld>
             <a:endParaRPr lang="en-US"/>
           </a:p>
@@ -4474,7 +5038,7 @@
           <a:p>
             <a:fld id="{1453F4C1-D305-4231-817D-8E4804B7754D}" type="datetimeFigureOut">
               <a:rPr lang="en-US" smtClean="0"/>
-              <a:t>11/23/2017</a:t>
+              <a:t>11/26/2017</a:t>
             </a:fld>
             <a:endParaRPr lang="en-US"/>
           </a:p>
@@ -4569,7 +5133,7 @@
           <a:p>
             <a:fld id="{1453F4C1-D305-4231-817D-8E4804B7754D}" type="datetimeFigureOut">
               <a:rPr lang="en-US" smtClean="0"/>
-              <a:t>11/23/2017</a:t>
+              <a:t>11/26/2017</a:t>
             </a:fld>
             <a:endParaRPr lang="en-US"/>
           </a:p>
@@ -4824,7 +5388,7 @@
           <a:p>
             <a:fld id="{1453F4C1-D305-4231-817D-8E4804B7754D}" type="datetimeFigureOut">
               <a:rPr lang="en-US" smtClean="0"/>
-              <a:t>11/23/2017</a:t>
+              <a:t>11/26/2017</a:t>
             </a:fld>
             <a:endParaRPr lang="en-US"/>
           </a:p>
@@ -5124,7 +5688,7 @@
           <a:p>
             <a:fld id="{1453F4C1-D305-4231-817D-8E4804B7754D}" type="datetimeFigureOut">
               <a:rPr lang="en-US" smtClean="0"/>
-              <a:t>11/23/2017</a:t>
+              <a:t>11/26/2017</a:t>
             </a:fld>
             <a:endParaRPr lang="en-US"/>
           </a:p>
@@ -5358,7 +5922,7 @@
           <a:p>
             <a:fld id="{1453F4C1-D305-4231-817D-8E4804B7754D}" type="datetimeFigureOut">
               <a:rPr lang="en-US" smtClean="0"/>
-              <a:t>11/23/2017</a:t>
+              <a:t>11/26/2017</a:t>
             </a:fld>
             <a:endParaRPr lang="en-US"/>
           </a:p>
@@ -5513,6 +6077,13 @@
     <p:sldLayoutId id="2147483724" r:id="rId16"/>
     <p:sldLayoutId id="2147483725" r:id="rId17"/>
   </p:sldLayoutIdLst>
+  <p:timing>
+    <p:tnLst>
+      <p:par>
+        <p:cTn id="1" dur="indefinite" restart="never" nodeType="tmRoot"/>
+      </p:par>
+    </p:tnLst>
+  </p:timing>
   <p:txStyles>
     <p:titleStyle>
       <a:lvl1pPr algn="ctr" defTabSz="457200" rtl="0" eaLnBrk="1" latinLnBrk="0" hangingPunct="1">
@@ -6090,74 +6661,10 @@
           <a:lstStyle/>
           <a:p>
             <a:r>
-              <a:rPr lang="en-US" dirty="0" smtClean="0"/>
-              <a:t>Um </a:t>
-            </a:r>
-            <a:r>
-              <a:rPr lang="en-US" dirty="0" err="1" smtClean="0"/>
-              <a:t>Algoritmo</a:t>
-            </a:r>
-            <a:r>
-              <a:rPr lang="en-US" dirty="0" smtClean="0"/>
-              <a:t> de </a:t>
-            </a:r>
-            <a:r>
-              <a:rPr lang="en-US" dirty="0" err="1" smtClean="0"/>
-              <a:t>Colônia</a:t>
-            </a:r>
-            <a:r>
-              <a:rPr lang="en-US" dirty="0" smtClean="0"/>
-              <a:t> de </a:t>
-            </a:r>
-            <a:r>
-              <a:rPr lang="en-US" dirty="0" err="1" smtClean="0"/>
-              <a:t>Formigas</a:t>
-            </a:r>
-            <a:r>
-              <a:rPr lang="en-US" dirty="0" smtClean="0"/>
-              <a:t> para </a:t>
-            </a:r>
-            <a:r>
-              <a:rPr lang="en-US" dirty="0" err="1" smtClean="0"/>
-              <a:t>Otimização</a:t>
-            </a:r>
-            <a:r>
-              <a:rPr lang="en-US" dirty="0" smtClean="0"/>
-              <a:t> das </a:t>
-            </a:r>
-            <a:r>
-              <a:rPr lang="en-US" dirty="0" err="1" smtClean="0"/>
-              <a:t>Rotas</a:t>
-            </a:r>
-            <a:r>
-              <a:rPr lang="en-US" dirty="0" smtClean="0"/>
-              <a:t> de </a:t>
-            </a:r>
-            <a:r>
-              <a:rPr lang="en-US" dirty="0" err="1" smtClean="0"/>
-              <a:t>Ônibus</a:t>
-            </a:r>
-            <a:r>
-              <a:rPr lang="en-US" dirty="0" smtClean="0"/>
-              <a:t> </a:t>
-            </a:r>
-            <a:r>
-              <a:rPr lang="en-US" dirty="0"/>
-              <a:t>d</a:t>
-            </a:r>
-            <a:r>
-              <a:rPr lang="en-US" dirty="0" smtClean="0"/>
-              <a:t>a </a:t>
-            </a:r>
-            <a:r>
-              <a:rPr lang="en-US" dirty="0" err="1" smtClean="0"/>
-              <a:t>Cidade</a:t>
-            </a:r>
-            <a:r>
-              <a:rPr lang="en-US" dirty="0" smtClean="0"/>
-              <a:t> do México</a:t>
-            </a:r>
-            <a:endParaRPr lang="en-US" dirty="0"/>
+              <a:rPr lang="pt-BR" dirty="0" smtClean="0"/>
+              <a:t>Um Algoritmo de Colônia de Formigas para Otimização de Rotas de Ônibus na Cidade do México</a:t>
+            </a:r>
+            <a:endParaRPr lang="pt-BR" dirty="0"/>
           </a:p>
         </p:txBody>
       </p:sp>
@@ -6191,12 +6698,16 @@
           </a:p>
           <a:p>
             <a:r>
-              <a:rPr lang="en-US" dirty="0" err="1" smtClean="0"/>
+              <a:rPr lang="pt-BR" dirty="0" smtClean="0"/>
               <a:t>Orientador</a:t>
             </a:r>
             <a:r>
               <a:rPr lang="en-US" dirty="0" smtClean="0"/>
-              <a:t>: Prof. Dr. Rodrigo Coelho Barros</a:t>
+              <a:t>: </a:t>
+            </a:r>
+            <a:r>
+              <a:rPr lang="en-US" dirty="0" smtClean="0"/>
+              <a:t>Prof. Dr. Rodrigo Coelho Barros</a:t>
             </a:r>
             <a:endParaRPr lang="en-US" dirty="0"/>
           </a:p>
@@ -6238,6 +6749,941 @@
   <p:clrMapOvr>
     <a:masterClrMapping/>
   </p:clrMapOvr>
+  <mc:AlternateContent xmlns:mc="http://schemas.openxmlformats.org/markup-compatibility/2006">
+    <mc:Choice xmlns:p14="http://schemas.microsoft.com/office/powerpoint/2010/main" Requires="p14">
+      <p:transition spd="slow" p14:dur="2000" advTm="21638"/>
+    </mc:Choice>
+    <mc:Fallback>
+      <p:transition spd="slow" advTm="21638"/>
+    </mc:Fallback>
+  </mc:AlternateContent>
+  <p:timing>
+    <p:tnLst>
+      <p:par>
+        <p:cTn id="1" dur="indefinite" restart="never" nodeType="tmRoot"/>
+      </p:par>
+    </p:tnLst>
+  </p:timing>
+</p:sld>
+</file>
+
+<file path=ppt/slides/slide10.xml><?xml version="1.0" encoding="utf-8"?>
+<p:sld xmlns:a="http://schemas.openxmlformats.org/drawingml/2006/main" xmlns:r="http://schemas.openxmlformats.org/officeDocument/2006/relationships" xmlns:p="http://schemas.openxmlformats.org/presentationml/2006/main">
+  <p:cSld>
+    <p:spTree>
+      <p:nvGrpSpPr>
+        <p:cNvPr id="1" name=""/>
+        <p:cNvGrpSpPr/>
+        <p:nvPr/>
+      </p:nvGrpSpPr>
+      <p:grpSpPr>
+        <a:xfrm>
+          <a:off x="0" y="0"/>
+          <a:ext cx="0" cy="0"/>
+          <a:chOff x="0" y="0"/>
+          <a:chExt cx="0" cy="0"/>
+        </a:xfrm>
+      </p:grpSpPr>
+      <p:sp>
+        <p:nvSpPr>
+          <p:cNvPr id="3" name="Content Placeholder 2"/>
+          <p:cNvSpPr>
+            <a:spLocks noGrp="1"/>
+          </p:cNvSpPr>
+          <p:nvPr>
+            <p:ph sz="half" idx="1"/>
+          </p:nvPr>
+        </p:nvSpPr>
+        <p:spPr/>
+        <p:txBody>
+          <a:bodyPr/>
+          <a:lstStyle/>
+          <a:p>
+            <a:r>
+              <a:rPr lang="pt-BR" dirty="0" smtClean="0"/>
+              <a:t>Construir Solução</a:t>
+            </a:r>
+            <a:endParaRPr lang="en-US" dirty="0"/>
+          </a:p>
+        </p:txBody>
+      </p:sp>
+      <p:sp>
+        <p:nvSpPr>
+          <p:cNvPr id="4" name="Content Placeholder 3"/>
+          <p:cNvSpPr>
+            <a:spLocks noGrp="1"/>
+          </p:cNvSpPr>
+          <p:nvPr>
+            <p:ph sz="half" idx="2"/>
+          </p:nvPr>
+        </p:nvSpPr>
+        <p:spPr/>
+        <p:txBody>
+          <a:bodyPr/>
+          <a:lstStyle/>
+          <a:p>
+            <a:r>
+              <a:rPr lang="pt-BR" dirty="0" smtClean="0"/>
+              <a:t>Atualizar Feromônios</a:t>
+            </a:r>
+            <a:endParaRPr lang="en-US" dirty="0"/>
+          </a:p>
+        </p:txBody>
+      </p:sp>
+    </p:spTree>
+    <p:extLst>
+      <p:ext uri="{BB962C8B-B14F-4D97-AF65-F5344CB8AC3E}">
+        <p14:creationId xmlns:p14="http://schemas.microsoft.com/office/powerpoint/2010/main" val="1792934434"/>
+      </p:ext>
+    </p:extLst>
+  </p:cSld>
+  <p:clrMapOvr>
+    <a:masterClrMapping/>
+  </p:clrMapOvr>
+  <mc:AlternateContent xmlns:mc="http://schemas.openxmlformats.org/markup-compatibility/2006">
+    <mc:Choice xmlns:p14="http://schemas.microsoft.com/office/powerpoint/2010/main" Requires="p14">
+      <p:transition spd="slow" p14:dur="2000" advTm="88110"/>
+    </mc:Choice>
+    <mc:Fallback>
+      <p:transition spd="slow" advTm="88110"/>
+    </mc:Fallback>
+  </mc:AlternateContent>
+  <p:timing>
+    <p:tnLst>
+      <p:par>
+        <p:cTn id="1" dur="indefinite" restart="never" nodeType="tmRoot"/>
+      </p:par>
+    </p:tnLst>
+  </p:timing>
+</p:sld>
+</file>
+
+<file path=ppt/slides/slide11.xml><?xml version="1.0" encoding="utf-8"?>
+<p:sld xmlns:a="http://schemas.openxmlformats.org/drawingml/2006/main" xmlns:r="http://schemas.openxmlformats.org/officeDocument/2006/relationships" xmlns:p="http://schemas.openxmlformats.org/presentationml/2006/main">
+  <p:cSld>
+    <p:spTree>
+      <p:nvGrpSpPr>
+        <p:cNvPr id="1" name=""/>
+        <p:cNvGrpSpPr/>
+        <p:nvPr/>
+      </p:nvGrpSpPr>
+      <p:grpSpPr>
+        <a:xfrm>
+          <a:off x="0" y="0"/>
+          <a:ext cx="0" cy="0"/>
+          <a:chOff x="0" y="0"/>
+          <a:chExt cx="0" cy="0"/>
+        </a:xfrm>
+      </p:grpSpPr>
+      <p:sp>
+        <p:nvSpPr>
+          <p:cNvPr id="2" name="Title 1"/>
+          <p:cNvSpPr>
+            <a:spLocks noGrp="1"/>
+          </p:cNvSpPr>
+          <p:nvPr>
+            <p:ph type="title"/>
+          </p:nvPr>
+        </p:nvSpPr>
+        <p:spPr/>
+        <p:txBody>
+          <a:bodyPr/>
+          <a:lstStyle/>
+          <a:p>
+            <a:r>
+              <a:rPr lang="pt-BR" dirty="0" smtClean="0"/>
+              <a:t>Trabalhos Relacionados</a:t>
+            </a:r>
+            <a:endParaRPr lang="en-US" dirty="0"/>
+          </a:p>
+        </p:txBody>
+      </p:sp>
+      <p:sp>
+        <p:nvSpPr>
+          <p:cNvPr id="3" name="Content Placeholder 2"/>
+          <p:cNvSpPr>
+            <a:spLocks noGrp="1"/>
+          </p:cNvSpPr>
+          <p:nvPr>
+            <p:ph sz="half" idx="1"/>
+          </p:nvPr>
+        </p:nvSpPr>
+        <p:spPr/>
+        <p:txBody>
+          <a:bodyPr/>
+          <a:lstStyle/>
+          <a:p>
+            <a:r>
+              <a:rPr lang="pt-BR" dirty="0" smtClean="0"/>
+              <a:t>Algoritmo A*</a:t>
+            </a:r>
+            <a:endParaRPr lang="en-US" dirty="0"/>
+          </a:p>
+        </p:txBody>
+      </p:sp>
+      <p:sp>
+        <p:nvSpPr>
+          <p:cNvPr id="4" name="Content Placeholder 3"/>
+          <p:cNvSpPr>
+            <a:spLocks noGrp="1"/>
+          </p:cNvSpPr>
+          <p:nvPr>
+            <p:ph sz="half" idx="2"/>
+          </p:nvPr>
+        </p:nvSpPr>
+        <p:spPr/>
+        <p:txBody>
+          <a:bodyPr/>
+          <a:lstStyle/>
+          <a:p>
+            <a:r>
+              <a:rPr lang="pt-BR" dirty="0" smtClean="0"/>
+              <a:t>Algoritmo de </a:t>
+            </a:r>
+            <a:r>
+              <a:rPr lang="pt-BR" dirty="0" err="1" smtClean="0"/>
+              <a:t>Dijkstra</a:t>
+            </a:r>
+            <a:endParaRPr lang="en-US" dirty="0"/>
+          </a:p>
+        </p:txBody>
+      </p:sp>
+    </p:spTree>
+    <p:extLst>
+      <p:ext uri="{BB962C8B-B14F-4D97-AF65-F5344CB8AC3E}">
+        <p14:creationId xmlns:p14="http://schemas.microsoft.com/office/powerpoint/2010/main" val="704920574"/>
+      </p:ext>
+    </p:extLst>
+  </p:cSld>
+  <p:clrMapOvr>
+    <a:masterClrMapping/>
+  </p:clrMapOvr>
+  <mc:AlternateContent xmlns:mc="http://schemas.openxmlformats.org/markup-compatibility/2006">
+    <mc:Choice xmlns:p14="http://schemas.microsoft.com/office/powerpoint/2010/main" Requires="p14">
+      <p:transition spd="slow" p14:dur="2000" advTm="70223"/>
+    </mc:Choice>
+    <mc:Fallback>
+      <p:transition spd="slow" advTm="70223"/>
+    </mc:Fallback>
+  </mc:AlternateContent>
+  <p:timing>
+    <p:tnLst>
+      <p:par>
+        <p:cTn id="1" dur="indefinite" restart="never" nodeType="tmRoot"/>
+      </p:par>
+    </p:tnLst>
+  </p:timing>
+</p:sld>
+</file>
+
+<file path=ppt/slides/slide12.xml><?xml version="1.0" encoding="utf-8"?>
+<p:sld xmlns:a="http://schemas.openxmlformats.org/drawingml/2006/main" xmlns:r="http://schemas.openxmlformats.org/officeDocument/2006/relationships" xmlns:p="http://schemas.openxmlformats.org/presentationml/2006/main">
+  <p:cSld>
+    <p:spTree>
+      <p:nvGrpSpPr>
+        <p:cNvPr id="1" name=""/>
+        <p:cNvGrpSpPr/>
+        <p:nvPr/>
+      </p:nvGrpSpPr>
+      <p:grpSpPr>
+        <a:xfrm>
+          <a:off x="0" y="0"/>
+          <a:ext cx="0" cy="0"/>
+          <a:chOff x="0" y="0"/>
+          <a:chExt cx="0" cy="0"/>
+        </a:xfrm>
+      </p:grpSpPr>
+      <p:sp>
+        <p:nvSpPr>
+          <p:cNvPr id="2" name="Title 1"/>
+          <p:cNvSpPr>
+            <a:spLocks noGrp="1"/>
+          </p:cNvSpPr>
+          <p:nvPr>
+            <p:ph type="title"/>
+          </p:nvPr>
+        </p:nvSpPr>
+        <p:spPr/>
+        <p:txBody>
+          <a:bodyPr/>
+          <a:lstStyle/>
+          <a:p>
+            <a:r>
+              <a:rPr lang="pt-BR" dirty="0" smtClean="0"/>
+              <a:t>Metodologia</a:t>
+            </a:r>
+            <a:endParaRPr lang="en-US" dirty="0"/>
+          </a:p>
+        </p:txBody>
+      </p:sp>
+      <p:sp>
+        <p:nvSpPr>
+          <p:cNvPr id="3" name="Content Placeholder 2"/>
+          <p:cNvSpPr>
+            <a:spLocks noGrp="1"/>
+          </p:cNvSpPr>
+          <p:nvPr>
+            <p:ph sz="half" idx="1"/>
+          </p:nvPr>
+        </p:nvSpPr>
+        <p:spPr/>
+        <p:txBody>
+          <a:bodyPr>
+            <a:normAutofit fontScale="92500" lnSpcReduction="10000"/>
+          </a:bodyPr>
+          <a:lstStyle/>
+          <a:p>
+            <a:r>
+              <a:rPr lang="pt-BR" dirty="0" smtClean="0"/>
+              <a:t>O que foi utilizado para construir a solução</a:t>
+            </a:r>
+          </a:p>
+          <a:p>
+            <a:pPr lvl="1"/>
+            <a:r>
+              <a:rPr lang="pt-BR" dirty="0" smtClean="0"/>
+              <a:t>Dados</a:t>
+            </a:r>
+          </a:p>
+          <a:p>
+            <a:pPr lvl="1"/>
+            <a:r>
+              <a:rPr lang="pt-BR" dirty="0" smtClean="0"/>
+              <a:t>SQL Server</a:t>
+            </a:r>
+          </a:p>
+          <a:p>
+            <a:pPr lvl="1"/>
+            <a:r>
+              <a:rPr lang="pt-BR" dirty="0" smtClean="0"/>
+              <a:t>Python</a:t>
+            </a:r>
+          </a:p>
+          <a:p>
+            <a:pPr lvl="1"/>
+            <a:r>
+              <a:rPr lang="pt-BR" dirty="0" smtClean="0"/>
+              <a:t>Java</a:t>
+            </a:r>
+          </a:p>
+          <a:p>
+            <a:pPr lvl="1"/>
+            <a:r>
+              <a:rPr lang="pt-BR" dirty="0" err="1"/>
+              <a:t>NetworkX</a:t>
+            </a:r>
+            <a:endParaRPr lang="pt-BR" dirty="0"/>
+          </a:p>
+          <a:p>
+            <a:pPr lvl="1"/>
+            <a:r>
+              <a:rPr lang="pt-BR" dirty="0" err="1"/>
+              <a:t>Matplotlib</a:t>
+            </a:r>
+            <a:endParaRPr lang="pt-BR" dirty="0"/>
+          </a:p>
+          <a:p>
+            <a:pPr lvl="1"/>
+            <a:r>
+              <a:rPr lang="pt-BR" dirty="0"/>
+              <a:t>Pandas</a:t>
+            </a:r>
+          </a:p>
+          <a:p>
+            <a:pPr lvl="1"/>
+            <a:r>
+              <a:rPr lang="pt-BR" dirty="0"/>
+              <a:t>Visual Studio </a:t>
+            </a:r>
+            <a:r>
+              <a:rPr lang="pt-BR" dirty="0" err="1"/>
+              <a:t>Code</a:t>
+            </a:r>
+            <a:endParaRPr lang="pt-BR" dirty="0"/>
+          </a:p>
+          <a:p>
+            <a:pPr lvl="1"/>
+            <a:r>
+              <a:rPr lang="pt-BR" dirty="0"/>
+              <a:t>Sublime </a:t>
+            </a:r>
+            <a:r>
+              <a:rPr lang="pt-BR" dirty="0" err="1"/>
+              <a:t>Text</a:t>
+            </a:r>
+            <a:endParaRPr lang="pt-BR" dirty="0"/>
+          </a:p>
+          <a:p>
+            <a:pPr lvl="1"/>
+            <a:r>
+              <a:rPr lang="pt-BR" dirty="0"/>
+              <a:t>GitHub</a:t>
+            </a:r>
+            <a:endParaRPr lang="en-US" dirty="0"/>
+          </a:p>
+          <a:p>
+            <a:pPr lvl="1"/>
+            <a:endParaRPr lang="en-US" dirty="0" smtClean="0"/>
+          </a:p>
+        </p:txBody>
+      </p:sp>
+      <p:sp>
+        <p:nvSpPr>
+          <p:cNvPr id="4" name="Content Placeholder 3"/>
+          <p:cNvSpPr>
+            <a:spLocks noGrp="1"/>
+          </p:cNvSpPr>
+          <p:nvPr>
+            <p:ph sz="half" idx="2"/>
+          </p:nvPr>
+        </p:nvSpPr>
+        <p:spPr/>
+        <p:txBody>
+          <a:bodyPr>
+            <a:normAutofit fontScale="92500" lnSpcReduction="10000"/>
+          </a:bodyPr>
+          <a:lstStyle/>
+          <a:p>
+            <a:r>
+              <a:rPr lang="pt-BR" dirty="0"/>
+              <a:t>Construção do </a:t>
+            </a:r>
+            <a:r>
+              <a:rPr lang="pt-BR" dirty="0" smtClean="0"/>
+              <a:t>Grafo</a:t>
+            </a:r>
+          </a:p>
+          <a:p>
+            <a:pPr lvl="1"/>
+            <a:r>
+              <a:rPr lang="pt-BR" dirty="0" smtClean="0"/>
+              <a:t>300m de distância</a:t>
+            </a:r>
+          </a:p>
+          <a:p>
+            <a:pPr lvl="1"/>
+            <a:r>
+              <a:rPr lang="pt-BR" dirty="0" smtClean="0"/>
+              <a:t>Paradas = nodos</a:t>
+            </a:r>
+          </a:p>
+          <a:p>
+            <a:pPr lvl="1"/>
+            <a:r>
+              <a:rPr lang="pt-BR" dirty="0" smtClean="0"/>
+              <a:t>Distâncias ou tempos = arestas</a:t>
+            </a:r>
+            <a:endParaRPr lang="pt-BR" dirty="0"/>
+          </a:p>
+        </p:txBody>
+      </p:sp>
+    </p:spTree>
+    <p:extLst>
+      <p:ext uri="{BB962C8B-B14F-4D97-AF65-F5344CB8AC3E}">
+        <p14:creationId xmlns:p14="http://schemas.microsoft.com/office/powerpoint/2010/main" val="2470447900"/>
+      </p:ext>
+    </p:extLst>
+  </p:cSld>
+  <p:clrMapOvr>
+    <a:masterClrMapping/>
+  </p:clrMapOvr>
+  <p:timing>
+    <p:tnLst>
+      <p:par>
+        <p:cTn id="1" dur="indefinite" restart="never" nodeType="tmRoot"/>
+      </p:par>
+    </p:tnLst>
+  </p:timing>
+</p:sld>
+</file>
+
+<file path=ppt/slides/slide13.xml><?xml version="1.0" encoding="utf-8"?>
+<p:sld xmlns:a="http://schemas.openxmlformats.org/drawingml/2006/main" xmlns:r="http://schemas.openxmlformats.org/officeDocument/2006/relationships" xmlns:p="http://schemas.openxmlformats.org/presentationml/2006/main">
+  <p:cSld>
+    <p:spTree>
+      <p:nvGrpSpPr>
+        <p:cNvPr id="1" name=""/>
+        <p:cNvGrpSpPr/>
+        <p:nvPr/>
+      </p:nvGrpSpPr>
+      <p:grpSpPr>
+        <a:xfrm>
+          <a:off x="0" y="0"/>
+          <a:ext cx="0" cy="0"/>
+          <a:chOff x="0" y="0"/>
+          <a:chExt cx="0" cy="0"/>
+        </a:xfrm>
+      </p:grpSpPr>
+      <p:sp>
+        <p:nvSpPr>
+          <p:cNvPr id="2" name="Title 1"/>
+          <p:cNvSpPr>
+            <a:spLocks noGrp="1"/>
+          </p:cNvSpPr>
+          <p:nvPr>
+            <p:ph type="title"/>
+          </p:nvPr>
+        </p:nvSpPr>
+        <p:spPr/>
+        <p:txBody>
+          <a:bodyPr/>
+          <a:lstStyle/>
+          <a:p>
+            <a:r>
+              <a:rPr lang="pt-BR" dirty="0" smtClean="0"/>
+              <a:t>Metodologia de Testes</a:t>
+            </a:r>
+            <a:endParaRPr lang="en-US" dirty="0"/>
+          </a:p>
+        </p:txBody>
+      </p:sp>
+      <p:sp>
+        <p:nvSpPr>
+          <p:cNvPr id="3" name="Content Placeholder 2"/>
+          <p:cNvSpPr>
+            <a:spLocks noGrp="1"/>
+          </p:cNvSpPr>
+          <p:nvPr>
+            <p:ph idx="1"/>
+          </p:nvPr>
+        </p:nvSpPr>
+        <p:spPr/>
+        <p:txBody>
+          <a:bodyPr/>
+          <a:lstStyle/>
+          <a:p>
+            <a:r>
+              <a:rPr lang="pt-BR" dirty="0" smtClean="0"/>
+              <a:t>Região de Parâmetros</a:t>
+            </a:r>
+          </a:p>
+          <a:p>
+            <a:pPr lvl="1"/>
+            <a:r>
+              <a:rPr lang="pt-BR" dirty="0" smtClean="0"/>
+              <a:t>10 pares de distâncias </a:t>
+            </a:r>
+          </a:p>
+          <a:p>
+            <a:pPr lvl="1"/>
+            <a:r>
+              <a:rPr lang="pt-BR" dirty="0" smtClean="0"/>
+              <a:t>Configuração dos parâmetros</a:t>
+            </a:r>
+          </a:p>
+          <a:p>
+            <a:pPr lvl="1"/>
+            <a:r>
+              <a:rPr lang="pt-BR" dirty="0" smtClean="0"/>
+              <a:t>Todos os parâmetros e ranges</a:t>
+            </a:r>
+          </a:p>
+          <a:p>
+            <a:pPr lvl="1"/>
+            <a:r>
+              <a:rPr lang="pt-BR" dirty="0" smtClean="0"/>
+              <a:t>Roda 20 configurações diferentes</a:t>
+            </a:r>
+          </a:p>
+          <a:p>
+            <a:pPr lvl="1"/>
+            <a:r>
+              <a:rPr lang="pt-BR" dirty="0" smtClean="0"/>
+              <a:t>Cada configuração roda 5x</a:t>
+            </a:r>
+          </a:p>
+          <a:p>
+            <a:pPr lvl="1"/>
+            <a:r>
+              <a:rPr lang="pt-BR" dirty="0" smtClean="0"/>
+              <a:t>Salva os melhores resultados</a:t>
+            </a:r>
+          </a:p>
+          <a:p>
+            <a:r>
+              <a:rPr lang="pt-BR" dirty="0"/>
+              <a:t>Região de Testes</a:t>
+            </a:r>
+          </a:p>
+          <a:p>
+            <a:pPr lvl="1"/>
+            <a:r>
+              <a:rPr lang="pt-BR" dirty="0"/>
+              <a:t>Aplica os melhores parâmetros coletados</a:t>
+            </a:r>
+            <a:endParaRPr lang="en-US" dirty="0"/>
+          </a:p>
+          <a:p>
+            <a:endParaRPr lang="en-US" dirty="0"/>
+          </a:p>
+        </p:txBody>
+      </p:sp>
+    </p:spTree>
+    <p:extLst>
+      <p:ext uri="{BB962C8B-B14F-4D97-AF65-F5344CB8AC3E}">
+        <p14:creationId xmlns:p14="http://schemas.microsoft.com/office/powerpoint/2010/main" val="3999211973"/>
+      </p:ext>
+    </p:extLst>
+  </p:cSld>
+  <p:clrMapOvr>
+    <a:masterClrMapping/>
+  </p:clrMapOvr>
+  <p:timing>
+    <p:tnLst>
+      <p:par>
+        <p:cTn id="1" dur="indefinite" restart="never" nodeType="tmRoot"/>
+      </p:par>
+    </p:tnLst>
+  </p:timing>
+</p:sld>
+</file>
+
+<file path=ppt/slides/slide14.xml><?xml version="1.0" encoding="utf-8"?>
+<p:sld xmlns:a="http://schemas.openxmlformats.org/drawingml/2006/main" xmlns:r="http://schemas.openxmlformats.org/officeDocument/2006/relationships" xmlns:p="http://schemas.openxmlformats.org/presentationml/2006/main">
+  <p:cSld>
+    <p:spTree>
+      <p:nvGrpSpPr>
+        <p:cNvPr id="1" name=""/>
+        <p:cNvGrpSpPr/>
+        <p:nvPr/>
+      </p:nvGrpSpPr>
+      <p:grpSpPr>
+        <a:xfrm>
+          <a:off x="0" y="0"/>
+          <a:ext cx="0" cy="0"/>
+          <a:chOff x="0" y="0"/>
+          <a:chExt cx="0" cy="0"/>
+        </a:xfrm>
+      </p:grpSpPr>
+      <p:sp>
+        <p:nvSpPr>
+          <p:cNvPr id="2" name="Title 1"/>
+          <p:cNvSpPr>
+            <a:spLocks noGrp="1"/>
+          </p:cNvSpPr>
+          <p:nvPr>
+            <p:ph type="title"/>
+          </p:nvPr>
+        </p:nvSpPr>
+        <p:spPr/>
+        <p:txBody>
+          <a:bodyPr/>
+          <a:lstStyle/>
+          <a:p>
+            <a:r>
+              <a:rPr lang="pt-BR" dirty="0" smtClean="0"/>
+              <a:t>Resultados</a:t>
+            </a:r>
+            <a:endParaRPr lang="en-US" dirty="0"/>
+          </a:p>
+        </p:txBody>
+      </p:sp>
+      <p:sp>
+        <p:nvSpPr>
+          <p:cNvPr id="3" name="Content Placeholder 2"/>
+          <p:cNvSpPr>
+            <a:spLocks noGrp="1"/>
+          </p:cNvSpPr>
+          <p:nvPr>
+            <p:ph idx="1"/>
+          </p:nvPr>
+        </p:nvSpPr>
+        <p:spPr/>
+        <p:txBody>
+          <a:bodyPr/>
+          <a:lstStyle/>
+          <a:p>
+            <a:r>
+              <a:rPr lang="pt-BR" dirty="0" smtClean="0"/>
+              <a:t>Colar as tabelas</a:t>
+            </a:r>
+            <a:endParaRPr lang="en-US" dirty="0"/>
+          </a:p>
+        </p:txBody>
+      </p:sp>
+    </p:spTree>
+    <p:extLst>
+      <p:ext uri="{BB962C8B-B14F-4D97-AF65-F5344CB8AC3E}">
+        <p14:creationId xmlns:p14="http://schemas.microsoft.com/office/powerpoint/2010/main" val="1649514800"/>
+      </p:ext>
+    </p:extLst>
+  </p:cSld>
+  <p:clrMapOvr>
+    <a:masterClrMapping/>
+  </p:clrMapOvr>
+  <p:timing>
+    <p:tnLst>
+      <p:par>
+        <p:cTn id="1" dur="indefinite" restart="never" nodeType="tmRoot"/>
+      </p:par>
+    </p:tnLst>
+  </p:timing>
+</p:sld>
+</file>
+
+<file path=ppt/slides/slide15.xml><?xml version="1.0" encoding="utf-8"?>
+<p:sld xmlns:a="http://schemas.openxmlformats.org/drawingml/2006/main" xmlns:r="http://schemas.openxmlformats.org/officeDocument/2006/relationships" xmlns:p="http://schemas.openxmlformats.org/presentationml/2006/main">
+  <p:cSld>
+    <p:spTree>
+      <p:nvGrpSpPr>
+        <p:cNvPr id="1" name=""/>
+        <p:cNvGrpSpPr/>
+        <p:nvPr/>
+      </p:nvGrpSpPr>
+      <p:grpSpPr>
+        <a:xfrm>
+          <a:off x="0" y="0"/>
+          <a:ext cx="0" cy="0"/>
+          <a:chOff x="0" y="0"/>
+          <a:chExt cx="0" cy="0"/>
+        </a:xfrm>
+      </p:grpSpPr>
+      <p:sp>
+        <p:nvSpPr>
+          <p:cNvPr id="2" name="Title 1"/>
+          <p:cNvSpPr>
+            <a:spLocks noGrp="1"/>
+          </p:cNvSpPr>
+          <p:nvPr>
+            <p:ph type="title"/>
+          </p:nvPr>
+        </p:nvSpPr>
+        <p:spPr/>
+        <p:txBody>
+          <a:bodyPr/>
+          <a:lstStyle/>
+          <a:p>
+            <a:r>
+              <a:rPr lang="pt-BR" dirty="0" smtClean="0"/>
+              <a:t>Análises</a:t>
+            </a:r>
+            <a:endParaRPr lang="en-US" dirty="0"/>
+          </a:p>
+        </p:txBody>
+      </p:sp>
+      <p:sp>
+        <p:nvSpPr>
+          <p:cNvPr id="3" name="Content Placeholder 2"/>
+          <p:cNvSpPr>
+            <a:spLocks noGrp="1"/>
+          </p:cNvSpPr>
+          <p:nvPr>
+            <p:ph idx="1"/>
+          </p:nvPr>
+        </p:nvSpPr>
+        <p:spPr/>
+        <p:txBody>
+          <a:bodyPr/>
+          <a:lstStyle/>
+          <a:p>
+            <a:r>
+              <a:rPr lang="pt-BR" dirty="0" smtClean="0"/>
+              <a:t>Cola tabelas</a:t>
+            </a:r>
+            <a:endParaRPr lang="en-US" dirty="0"/>
+          </a:p>
+        </p:txBody>
+      </p:sp>
+    </p:spTree>
+    <p:extLst>
+      <p:ext uri="{BB962C8B-B14F-4D97-AF65-F5344CB8AC3E}">
+        <p14:creationId xmlns:p14="http://schemas.microsoft.com/office/powerpoint/2010/main" val="1087596411"/>
+      </p:ext>
+    </p:extLst>
+  </p:cSld>
+  <p:clrMapOvr>
+    <a:masterClrMapping/>
+  </p:clrMapOvr>
+  <p:timing>
+    <p:tnLst>
+      <p:par>
+        <p:cTn id="1" dur="indefinite" restart="never" nodeType="tmRoot"/>
+      </p:par>
+    </p:tnLst>
+  </p:timing>
+</p:sld>
+</file>
+
+<file path=ppt/slides/slide16.xml><?xml version="1.0" encoding="utf-8"?>
+<p:sld xmlns:a="http://schemas.openxmlformats.org/drawingml/2006/main" xmlns:r="http://schemas.openxmlformats.org/officeDocument/2006/relationships" xmlns:p="http://schemas.openxmlformats.org/presentationml/2006/main">
+  <p:cSld>
+    <p:spTree>
+      <p:nvGrpSpPr>
+        <p:cNvPr id="1" name=""/>
+        <p:cNvGrpSpPr/>
+        <p:nvPr/>
+      </p:nvGrpSpPr>
+      <p:grpSpPr>
+        <a:xfrm>
+          <a:off x="0" y="0"/>
+          <a:ext cx="0" cy="0"/>
+          <a:chOff x="0" y="0"/>
+          <a:chExt cx="0" cy="0"/>
+        </a:xfrm>
+      </p:grpSpPr>
+      <p:sp>
+        <p:nvSpPr>
+          <p:cNvPr id="2" name="Title 1"/>
+          <p:cNvSpPr>
+            <a:spLocks noGrp="1"/>
+          </p:cNvSpPr>
+          <p:nvPr>
+            <p:ph type="title"/>
+          </p:nvPr>
+        </p:nvSpPr>
+        <p:spPr/>
+        <p:txBody>
+          <a:bodyPr>
+            <a:normAutofit/>
+          </a:bodyPr>
+          <a:lstStyle/>
+          <a:p>
+            <a:r>
+              <a:rPr lang="pt-BR" dirty="0" smtClean="0"/>
+              <a:t>Conclusão</a:t>
+            </a:r>
+            <a:endParaRPr lang="en-US" dirty="0"/>
+          </a:p>
+        </p:txBody>
+      </p:sp>
+      <p:sp>
+        <p:nvSpPr>
+          <p:cNvPr id="3" name="Content Placeholder 2"/>
+          <p:cNvSpPr>
+            <a:spLocks noGrp="1"/>
+          </p:cNvSpPr>
+          <p:nvPr>
+            <p:ph idx="1"/>
+          </p:nvPr>
+        </p:nvSpPr>
+        <p:spPr/>
+        <p:txBody>
+          <a:bodyPr/>
+          <a:lstStyle/>
+          <a:p>
+            <a:r>
+              <a:rPr lang="pt-BR" dirty="0" smtClean="0"/>
+              <a:t>Repete introdução</a:t>
+            </a:r>
+          </a:p>
+          <a:p>
+            <a:r>
+              <a:rPr lang="pt-BR" dirty="0" smtClean="0"/>
+              <a:t>Fala que os resultados foram coco</a:t>
+            </a:r>
+          </a:p>
+          <a:p>
+            <a:r>
+              <a:rPr lang="pt-BR" dirty="0" smtClean="0"/>
+              <a:t>Problemas encontrados</a:t>
+            </a:r>
+          </a:p>
+          <a:p>
+            <a:r>
+              <a:rPr lang="pt-BR" dirty="0" smtClean="0"/>
+              <a:t>Trabalhos futuros</a:t>
+            </a:r>
+            <a:endParaRPr lang="en-US" dirty="0"/>
+          </a:p>
+        </p:txBody>
+      </p:sp>
+    </p:spTree>
+    <p:extLst>
+      <p:ext uri="{BB962C8B-B14F-4D97-AF65-F5344CB8AC3E}">
+        <p14:creationId xmlns:p14="http://schemas.microsoft.com/office/powerpoint/2010/main" val="921413125"/>
+      </p:ext>
+    </p:extLst>
+  </p:cSld>
+  <p:clrMapOvr>
+    <a:masterClrMapping/>
+  </p:clrMapOvr>
+  <p:timing>
+    <p:tnLst>
+      <p:par>
+        <p:cTn id="1" dur="indefinite" restart="never" nodeType="tmRoot"/>
+      </p:par>
+    </p:tnLst>
+  </p:timing>
+</p:sld>
+</file>
+
+<file path=ppt/slides/slide17.xml><?xml version="1.0" encoding="utf-8"?>
+<p:sld xmlns:a="http://schemas.openxmlformats.org/drawingml/2006/main" xmlns:r="http://schemas.openxmlformats.org/officeDocument/2006/relationships" xmlns:p="http://schemas.openxmlformats.org/presentationml/2006/main">
+  <p:cSld>
+    <p:spTree>
+      <p:nvGrpSpPr>
+        <p:cNvPr id="1" name=""/>
+        <p:cNvGrpSpPr/>
+        <p:nvPr/>
+      </p:nvGrpSpPr>
+      <p:grpSpPr>
+        <a:xfrm>
+          <a:off x="0" y="0"/>
+          <a:ext cx="0" cy="0"/>
+          <a:chOff x="0" y="0"/>
+          <a:chExt cx="0" cy="0"/>
+        </a:xfrm>
+      </p:grpSpPr>
+      <p:sp>
+        <p:nvSpPr>
+          <p:cNvPr id="2" name="Title 1"/>
+          <p:cNvSpPr>
+            <a:spLocks noGrp="1"/>
+          </p:cNvSpPr>
+          <p:nvPr>
+            <p:ph type="title"/>
+          </p:nvPr>
+        </p:nvSpPr>
+        <p:spPr/>
+        <p:txBody>
+          <a:bodyPr/>
+          <a:lstStyle/>
+          <a:p>
+            <a:r>
+              <a:rPr lang="pt-BR" dirty="0" smtClean="0"/>
+              <a:t>Referências Bibliográficas	</a:t>
+            </a:r>
+            <a:endParaRPr lang="pt-BR" dirty="0"/>
+          </a:p>
+        </p:txBody>
+      </p:sp>
+      <p:sp>
+        <p:nvSpPr>
+          <p:cNvPr id="3" name="Content Placeholder 2"/>
+          <p:cNvSpPr>
+            <a:spLocks noGrp="1"/>
+          </p:cNvSpPr>
+          <p:nvPr>
+            <p:ph idx="1"/>
+          </p:nvPr>
+        </p:nvSpPr>
+        <p:spPr/>
+        <p:txBody>
+          <a:bodyPr/>
+          <a:lstStyle/>
+          <a:p>
+            <a:endParaRPr lang="en-US" dirty="0"/>
+          </a:p>
+        </p:txBody>
+      </p:sp>
+    </p:spTree>
+    <p:extLst>
+      <p:ext uri="{BB962C8B-B14F-4D97-AF65-F5344CB8AC3E}">
+        <p14:creationId xmlns:p14="http://schemas.microsoft.com/office/powerpoint/2010/main" val="4262234390"/>
+      </p:ext>
+    </p:extLst>
+  </p:cSld>
+  <p:clrMapOvr>
+    <a:masterClrMapping/>
+  </p:clrMapOvr>
+  <mc:AlternateContent xmlns:mc="http://schemas.openxmlformats.org/markup-compatibility/2006">
+    <mc:Choice xmlns:p14="http://schemas.microsoft.com/office/powerpoint/2010/main" Requires="p14">
+      <p:transition spd="slow" p14:dur="2000" advTm="8297"/>
+    </mc:Choice>
+    <mc:Fallback>
+      <p:transition spd="slow" advTm="8297"/>
+    </mc:Fallback>
+  </mc:AlternateContent>
   <p:timing>
     <p:tnLst>
       <p:par>
@@ -6283,29 +7729,67 @@
           <a:lstStyle/>
           <a:p>
             <a:r>
-              <a:rPr lang="en-US" dirty="0" err="1" smtClean="0"/>
+              <a:rPr lang="pt-BR" dirty="0" smtClean="0"/>
               <a:t>Introdução</a:t>
             </a:r>
+            <a:endParaRPr lang="pt-BR" dirty="0"/>
+          </a:p>
+        </p:txBody>
+      </p:sp>
+      <p:sp>
+        <p:nvSpPr>
+          <p:cNvPr id="3" name="Content Placeholder 2"/>
+          <p:cNvSpPr>
+            <a:spLocks noGrp="1"/>
+          </p:cNvSpPr>
+          <p:nvPr>
+            <p:ph idx="1"/>
+          </p:nvPr>
+        </p:nvSpPr>
+        <p:spPr/>
+        <p:txBody>
+          <a:bodyPr/>
+          <a:lstStyle/>
+          <a:p>
+            <a:r>
+              <a:rPr lang="pt-BR" dirty="0" smtClean="0"/>
+              <a:t>Problemas de transito na Cidade do México</a:t>
+            </a:r>
+          </a:p>
+          <a:p>
+            <a:r>
+              <a:rPr lang="pt-BR" dirty="0" smtClean="0"/>
+              <a:t>Projeto de pesquisa Mapatón CDMX mapeou as rotas dos </a:t>
+            </a:r>
+            <a:r>
+              <a:rPr lang="pt-BR" i="1" dirty="0" smtClean="0"/>
+              <a:t>peseros.</a:t>
+            </a:r>
+          </a:p>
+          <a:p>
+            <a:r>
+              <a:rPr lang="pt-BR" dirty="0" smtClean="0"/>
+              <a:t>Cidades Inteligentes</a:t>
+            </a:r>
+            <a:endParaRPr lang="pt-BR" dirty="0" smtClean="0"/>
+          </a:p>
+          <a:p>
+            <a:r>
+              <a:rPr lang="pt-BR" dirty="0" smtClean="0"/>
+              <a:t>Como chegar de um ponto ao outro da forma menos custosa</a:t>
+            </a:r>
+          </a:p>
+          <a:p>
+            <a:r>
+              <a:rPr lang="pt-BR" dirty="0" smtClean="0"/>
+              <a:t>Algoritmo de computação bio-inspirada</a:t>
+            </a:r>
+          </a:p>
+          <a:p>
+            <a:pPr marL="36900" indent="0">
+              <a:buNone/>
+            </a:pPr>
             <a:endParaRPr lang="en-US" dirty="0"/>
-          </a:p>
-        </p:txBody>
-      </p:sp>
-      <p:sp>
-        <p:nvSpPr>
-          <p:cNvPr id="3" name="Content Placeholder 2"/>
-          <p:cNvSpPr>
-            <a:spLocks noGrp="1"/>
-          </p:cNvSpPr>
-          <p:nvPr>
-            <p:ph idx="1"/>
-          </p:nvPr>
-        </p:nvSpPr>
-        <p:spPr/>
-        <p:txBody>
-          <a:bodyPr/>
-          <a:lstStyle/>
-          <a:p>
-            <a:endParaRPr lang="en-US"/>
           </a:p>
         </p:txBody>
       </p:sp>
@@ -6319,6 +7803,21 @@
   <p:clrMapOvr>
     <a:masterClrMapping/>
   </p:clrMapOvr>
+  <mc:AlternateContent xmlns:mc="http://schemas.openxmlformats.org/markup-compatibility/2006">
+    <mc:Choice xmlns:p14="http://schemas.microsoft.com/office/powerpoint/2010/main" Requires="p14">
+      <p:transition spd="slow" p14:dur="2000" advTm="60821"/>
+    </mc:Choice>
+    <mc:Fallback>
+      <p:transition spd="slow" advTm="60821"/>
+    </mc:Fallback>
+  </mc:AlternateContent>
+  <p:timing>
+    <p:tnLst>
+      <p:par>
+        <p:cTn id="1" dur="indefinite" restart="never" nodeType="tmRoot"/>
+      </p:par>
+    </p:tnLst>
+  </p:timing>
 </p:sld>
 </file>
 
@@ -6357,8 +7856,8 @@
           <a:lstStyle/>
           <a:p>
             <a:r>
-              <a:rPr lang="en-US" dirty="0" err="1" smtClean="0"/>
-              <a:t>Motivação</a:t>
+              <a:rPr lang="pt-BR" dirty="0" smtClean="0"/>
+              <a:t>Problemas da Cidade do México</a:t>
             </a:r>
             <a:endParaRPr lang="en-US" dirty="0"/>
           </a:p>
@@ -6380,36 +7879,30 @@
           <a:lstStyle/>
           <a:p>
             <a:r>
-              <a:rPr lang="en-US" dirty="0" err="1" smtClean="0"/>
-              <a:t>Abrir</a:t>
-            </a:r>
-            <a:r>
-              <a:rPr lang="en-US" dirty="0" smtClean="0"/>
-              <a:t> </a:t>
-            </a:r>
-            <a:r>
-              <a:rPr lang="en-US" dirty="0" smtClean="0">
+              <a:rPr lang="pt-BR" dirty="0" smtClean="0">
                 <a:hlinkClick r:id="rId2"/>
               </a:rPr>
-              <a:t>TomTom</a:t>
-            </a:r>
-            <a:endParaRPr lang="en-US" dirty="0" smtClean="0"/>
-          </a:p>
-          <a:p>
-            <a:r>
-              <a:rPr lang="en-US" dirty="0" err="1" smtClean="0"/>
-              <a:t>Abrir</a:t>
+              <a:t>Dados históricos obtidos pelo TomTom</a:t>
             </a:r>
             <a:r>
               <a:rPr lang="en-US" dirty="0" smtClean="0"/>
-              <a:t> </a:t>
-            </a:r>
-            <a:r>
-              <a:rPr lang="en-US" dirty="0" smtClean="0">
+              <a:t>.</a:t>
+            </a:r>
+          </a:p>
+          <a:p>
+            <a:r>
+              <a:rPr lang="pt-BR" dirty="0" smtClean="0">
                 <a:hlinkClick r:id="rId3"/>
               </a:rPr>
-              <a:t>Mapatón</a:t>
-            </a:r>
+              <a:t>Trafego em tempo real</a:t>
+            </a:r>
+            <a:r>
+              <a:rPr lang="pt-BR" dirty="0" smtClean="0"/>
+              <a:t>.</a:t>
+            </a:r>
+            <a:endParaRPr lang="en-US" dirty="0"/>
+          </a:p>
+          <a:p>
             <a:endParaRPr lang="en-US" dirty="0"/>
           </a:p>
         </p:txBody>
@@ -6417,13 +7910,28 @@
     </p:spTree>
     <p:extLst>
       <p:ext uri="{BB962C8B-B14F-4D97-AF65-F5344CB8AC3E}">
-        <p14:creationId xmlns:p14="http://schemas.microsoft.com/office/powerpoint/2010/main" val="3096181294"/>
+        <p14:creationId xmlns:p14="http://schemas.microsoft.com/office/powerpoint/2010/main" val="166537996"/>
       </p:ext>
     </p:extLst>
   </p:cSld>
   <p:clrMapOvr>
     <a:masterClrMapping/>
   </p:clrMapOvr>
+  <mc:AlternateContent xmlns:mc="http://schemas.openxmlformats.org/markup-compatibility/2006">
+    <mc:Choice xmlns:p14="http://schemas.microsoft.com/office/powerpoint/2010/main" Requires="p14">
+      <p:transition spd="slow" p14:dur="2000" advTm="65649"/>
+    </mc:Choice>
+    <mc:Fallback>
+      <p:transition spd="slow" advTm="65649"/>
+    </mc:Fallback>
+  </mc:AlternateContent>
+  <p:timing>
+    <p:tnLst>
+      <p:par>
+        <p:cTn id="1" dur="indefinite" restart="never" nodeType="tmRoot"/>
+      </p:par>
+    </p:tnLst>
+  </p:timing>
 </p:sld>
 </file>
 
@@ -6460,12 +7968,8 @@
           <a:lstStyle/>
           <a:p>
             <a:r>
-              <a:rPr lang="en-US" dirty="0" err="1" smtClean="0"/>
-              <a:t>Referencial</a:t>
-            </a:r>
-            <a:r>
-              <a:rPr lang="en-US" dirty="0" smtClean="0"/>
-              <a:t> 	</a:t>
+              <a:rPr lang="pt-BR" dirty="0" smtClean="0"/>
+              <a:t>Solução</a:t>
             </a:r>
             <a:endParaRPr lang="en-US" dirty="0"/>
           </a:p>
@@ -6486,20 +7990,797 @@
           <a:bodyPr/>
           <a:lstStyle/>
           <a:p>
-            <a:endParaRPr lang="en-US"/>
+            <a:r>
+              <a:rPr lang="en-US" dirty="0" err="1"/>
+              <a:t>Abrir</a:t>
+            </a:r>
+            <a:r>
+              <a:rPr lang="en-US" dirty="0"/>
+              <a:t> </a:t>
+            </a:r>
+            <a:r>
+              <a:rPr lang="en-US" dirty="0">
+                <a:hlinkClick r:id="rId2"/>
+              </a:rPr>
+              <a:t>Mapatón</a:t>
+            </a:r>
+            <a:endParaRPr lang="en-US" dirty="0"/>
+          </a:p>
+          <a:p>
+            <a:endParaRPr lang="en-US" dirty="0"/>
           </a:p>
         </p:txBody>
       </p:sp>
     </p:spTree>
     <p:extLst>
       <p:ext uri="{BB962C8B-B14F-4D97-AF65-F5344CB8AC3E}">
-        <p14:creationId xmlns:p14="http://schemas.microsoft.com/office/powerpoint/2010/main" val="4262234390"/>
+        <p14:creationId xmlns:p14="http://schemas.microsoft.com/office/powerpoint/2010/main" val="1568856463"/>
       </p:ext>
     </p:extLst>
   </p:cSld>
   <p:clrMapOvr>
     <a:masterClrMapping/>
   </p:clrMapOvr>
+  <mc:AlternateContent xmlns:mc="http://schemas.openxmlformats.org/markup-compatibility/2006">
+    <mc:Choice xmlns:p14="http://schemas.microsoft.com/office/powerpoint/2010/main" Requires="p14">
+      <p:transition spd="slow" p14:dur="2000" advTm="35364"/>
+    </mc:Choice>
+    <mc:Fallback>
+      <p:transition spd="slow" advTm="35364"/>
+    </mc:Fallback>
+  </mc:AlternateContent>
+  <p:timing>
+    <p:tnLst>
+      <p:par>
+        <p:cTn id="1" dur="indefinite" restart="never" nodeType="tmRoot"/>
+      </p:par>
+    </p:tnLst>
+  </p:timing>
+</p:sld>
+</file>
+
+<file path=ppt/slides/slide5.xml><?xml version="1.0" encoding="utf-8"?>
+<p:sld xmlns:a="http://schemas.openxmlformats.org/drawingml/2006/main" xmlns:r="http://schemas.openxmlformats.org/officeDocument/2006/relationships" xmlns:p="http://schemas.openxmlformats.org/presentationml/2006/main">
+  <p:cSld>
+    <p:spTree>
+      <p:nvGrpSpPr>
+        <p:cNvPr id="1" name=""/>
+        <p:cNvGrpSpPr/>
+        <p:nvPr/>
+      </p:nvGrpSpPr>
+      <p:grpSpPr>
+        <a:xfrm>
+          <a:off x="0" y="0"/>
+          <a:ext cx="0" cy="0"/>
+          <a:chOff x="0" y="0"/>
+          <a:chExt cx="0" cy="0"/>
+        </a:xfrm>
+      </p:grpSpPr>
+      <p:sp>
+        <p:nvSpPr>
+          <p:cNvPr id="2" name="Title 1"/>
+          <p:cNvSpPr>
+            <a:spLocks noGrp="1"/>
+          </p:cNvSpPr>
+          <p:nvPr>
+            <p:ph type="title"/>
+          </p:nvPr>
+        </p:nvSpPr>
+        <p:spPr/>
+        <p:txBody>
+          <a:bodyPr/>
+          <a:lstStyle/>
+          <a:p>
+            <a:r>
+              <a:rPr lang="pt-BR" dirty="0" smtClean="0"/>
+              <a:t>Dados</a:t>
+            </a:r>
+            <a:endParaRPr lang="en-US" dirty="0"/>
+          </a:p>
+        </p:txBody>
+      </p:sp>
+      <p:sp>
+        <p:nvSpPr>
+          <p:cNvPr id="3" name="Content Placeholder 2"/>
+          <p:cNvSpPr>
+            <a:spLocks noGrp="1"/>
+          </p:cNvSpPr>
+          <p:nvPr>
+            <p:ph idx="1"/>
+          </p:nvPr>
+        </p:nvSpPr>
+        <p:spPr/>
+        <p:txBody>
+          <a:bodyPr/>
+          <a:lstStyle/>
+          <a:p>
+            <a:r>
+              <a:rPr lang="en-US" dirty="0">
+                <a:hlinkClick r:id="rId2"/>
+              </a:rPr>
+              <a:t>http://</a:t>
+            </a:r>
+            <a:r>
+              <a:rPr lang="en-US" dirty="0" smtClean="0">
+                <a:hlinkClick r:id="rId2"/>
+              </a:rPr>
+              <a:t>datos.labcd.mx/dataset/mapaton-cdmx-gtfs</a:t>
+            </a:r>
+            <a:endParaRPr lang="en-US" dirty="0" smtClean="0"/>
+          </a:p>
+          <a:p>
+            <a:endParaRPr lang="en-US" dirty="0"/>
+          </a:p>
+        </p:txBody>
+      </p:sp>
+    </p:spTree>
+    <p:extLst>
+      <p:ext uri="{BB962C8B-B14F-4D97-AF65-F5344CB8AC3E}">
+        <p14:creationId xmlns:p14="http://schemas.microsoft.com/office/powerpoint/2010/main" val="2971863233"/>
+      </p:ext>
+    </p:extLst>
+  </p:cSld>
+  <p:clrMapOvr>
+    <a:masterClrMapping/>
+  </p:clrMapOvr>
+  <mc:AlternateContent xmlns:mc="http://schemas.openxmlformats.org/markup-compatibility/2006">
+    <mc:Choice xmlns:p14="http://schemas.microsoft.com/office/powerpoint/2010/main" Requires="p14">
+      <p:transition spd="slow" p14:dur="2000" advTm="32272"/>
+    </mc:Choice>
+    <mc:Fallback>
+      <p:transition spd="slow" advTm="32272"/>
+    </mc:Fallback>
+  </mc:AlternateContent>
+  <p:timing>
+    <p:tnLst>
+      <p:par>
+        <p:cTn id="1" dur="indefinite" restart="never" nodeType="tmRoot"/>
+      </p:par>
+    </p:tnLst>
+  </p:timing>
+</p:sld>
+</file>
+
+<file path=ppt/slides/slide6.xml><?xml version="1.0" encoding="utf-8"?>
+<p:sld xmlns:a="http://schemas.openxmlformats.org/drawingml/2006/main" xmlns:r="http://schemas.openxmlformats.org/officeDocument/2006/relationships" xmlns:p="http://schemas.openxmlformats.org/presentationml/2006/main">
+  <p:cSld>
+    <p:spTree>
+      <p:nvGrpSpPr>
+        <p:cNvPr id="1" name=""/>
+        <p:cNvGrpSpPr/>
+        <p:nvPr/>
+      </p:nvGrpSpPr>
+      <p:grpSpPr>
+        <a:xfrm>
+          <a:off x="0" y="0"/>
+          <a:ext cx="0" cy="0"/>
+          <a:chOff x="0" y="0"/>
+          <a:chExt cx="0" cy="0"/>
+        </a:xfrm>
+      </p:grpSpPr>
+      <p:sp>
+        <p:nvSpPr>
+          <p:cNvPr id="2" name="Title 1"/>
+          <p:cNvSpPr>
+            <a:spLocks noGrp="1"/>
+          </p:cNvSpPr>
+          <p:nvPr>
+            <p:ph type="title"/>
+          </p:nvPr>
+        </p:nvSpPr>
+        <p:spPr/>
+        <p:txBody>
+          <a:bodyPr/>
+          <a:lstStyle/>
+          <a:p>
+            <a:r>
+              <a:rPr lang="pt-BR" dirty="0" smtClean="0"/>
+              <a:t>Mapa</a:t>
+            </a:r>
+            <a:endParaRPr lang="en-US" dirty="0"/>
+          </a:p>
+        </p:txBody>
+      </p:sp>
+      <p:sp>
+        <p:nvSpPr>
+          <p:cNvPr id="3" name="Content Placeholder 2"/>
+          <p:cNvSpPr>
+            <a:spLocks noGrp="1"/>
+          </p:cNvSpPr>
+          <p:nvPr>
+            <p:ph idx="1"/>
+          </p:nvPr>
+        </p:nvSpPr>
+        <p:spPr/>
+        <p:txBody>
+          <a:bodyPr/>
+          <a:lstStyle/>
+          <a:p>
+            <a:r>
+              <a:rPr lang="en-US" dirty="0">
+                <a:hlinkClick r:id="rId2" action="ppaction://hlinkfile"/>
+              </a:rPr>
+              <a:t>file:///C:/</a:t>
+            </a:r>
+            <a:r>
+              <a:rPr lang="en-US" dirty="0" smtClean="0">
+                <a:hlinkClick r:id="rId2" action="ppaction://hlinkfile"/>
+              </a:rPr>
+              <a:t>poc_maps/index.html</a:t>
+            </a:r>
+            <a:r>
+              <a:rPr lang="en-US" dirty="0" smtClean="0"/>
+              <a:t> </a:t>
+            </a:r>
+            <a:endParaRPr lang="en-US" dirty="0"/>
+          </a:p>
+        </p:txBody>
+      </p:sp>
+    </p:spTree>
+    <p:extLst>
+      <p:ext uri="{BB962C8B-B14F-4D97-AF65-F5344CB8AC3E}">
+        <p14:creationId xmlns:p14="http://schemas.microsoft.com/office/powerpoint/2010/main" val="3487425670"/>
+      </p:ext>
+    </p:extLst>
+  </p:cSld>
+  <p:clrMapOvr>
+    <a:masterClrMapping/>
+  </p:clrMapOvr>
+  <mc:AlternateContent xmlns:mc="http://schemas.openxmlformats.org/markup-compatibility/2006">
+    <mc:Choice xmlns:p14="http://schemas.microsoft.com/office/powerpoint/2010/main" Requires="p14">
+      <p:transition spd="slow" p14:dur="2000" advTm="29792"/>
+    </mc:Choice>
+    <mc:Fallback>
+      <p:transition spd="slow" advTm="29792"/>
+    </mc:Fallback>
+  </mc:AlternateContent>
+  <p:timing>
+    <p:tnLst>
+      <p:par>
+        <p:cTn id="1" dur="indefinite" restart="never" nodeType="tmRoot"/>
+      </p:par>
+    </p:tnLst>
+  </p:timing>
+</p:sld>
+</file>
+
+<file path=ppt/slides/slide7.xml><?xml version="1.0" encoding="utf-8"?>
+<p:sld xmlns:a="http://schemas.openxmlformats.org/drawingml/2006/main" xmlns:r="http://schemas.openxmlformats.org/officeDocument/2006/relationships" xmlns:p="http://schemas.openxmlformats.org/presentationml/2006/main">
+  <p:cSld>
+    <p:spTree>
+      <p:nvGrpSpPr>
+        <p:cNvPr id="1" name=""/>
+        <p:cNvGrpSpPr/>
+        <p:nvPr/>
+      </p:nvGrpSpPr>
+      <p:grpSpPr>
+        <a:xfrm>
+          <a:off x="0" y="0"/>
+          <a:ext cx="0" cy="0"/>
+          <a:chOff x="0" y="0"/>
+          <a:chExt cx="0" cy="0"/>
+        </a:xfrm>
+      </p:grpSpPr>
+      <p:sp>
+        <p:nvSpPr>
+          <p:cNvPr id="2" name="Title 1"/>
+          <p:cNvSpPr>
+            <a:spLocks noGrp="1"/>
+          </p:cNvSpPr>
+          <p:nvPr>
+            <p:ph type="title"/>
+          </p:nvPr>
+        </p:nvSpPr>
+        <p:spPr/>
+        <p:txBody>
+          <a:bodyPr/>
+          <a:lstStyle/>
+          <a:p>
+            <a:r>
+              <a:rPr lang="pt-BR" dirty="0" smtClean="0"/>
+              <a:t>Computação Bio-Inspirada</a:t>
+            </a:r>
+            <a:endParaRPr lang="en-US" dirty="0"/>
+          </a:p>
+        </p:txBody>
+      </p:sp>
+      <p:sp>
+        <p:nvSpPr>
+          <p:cNvPr id="3" name="Content Placeholder 2"/>
+          <p:cNvSpPr>
+            <a:spLocks noGrp="1"/>
+          </p:cNvSpPr>
+          <p:nvPr>
+            <p:ph idx="1"/>
+          </p:nvPr>
+        </p:nvSpPr>
+        <p:spPr/>
+        <p:txBody>
+          <a:bodyPr/>
+          <a:lstStyle/>
+          <a:p>
+            <a:r>
+              <a:rPr lang="pt-BR" dirty="0" smtClean="0"/>
+              <a:t>Inteligência de Enxames</a:t>
+            </a:r>
+          </a:p>
+          <a:p>
+            <a:r>
+              <a:rPr lang="pt-BR" dirty="0" smtClean="0"/>
+              <a:t>Mostrar </a:t>
+            </a:r>
+            <a:r>
+              <a:rPr lang="pt-BR" dirty="0" err="1" smtClean="0"/>
+              <a:t>NetLogo</a:t>
+            </a:r>
+            <a:endParaRPr lang="pt-BR" dirty="0" smtClean="0"/>
+          </a:p>
+          <a:p>
+            <a:r>
+              <a:rPr lang="pt-BR" dirty="0" smtClean="0"/>
+              <a:t>ACO</a:t>
+            </a:r>
+            <a:endParaRPr lang="en-US" dirty="0"/>
+          </a:p>
+        </p:txBody>
+      </p:sp>
+    </p:spTree>
+    <p:extLst>
+      <p:ext uri="{BB962C8B-B14F-4D97-AF65-F5344CB8AC3E}">
+        <p14:creationId xmlns:p14="http://schemas.microsoft.com/office/powerpoint/2010/main" val="432716110"/>
+      </p:ext>
+    </p:extLst>
+  </p:cSld>
+  <p:clrMapOvr>
+    <a:masterClrMapping/>
+  </p:clrMapOvr>
+  <mc:AlternateContent xmlns:mc="http://schemas.openxmlformats.org/markup-compatibility/2006">
+    <mc:Choice xmlns:p14="http://schemas.microsoft.com/office/powerpoint/2010/main" Requires="p14">
+      <p:transition spd="slow" p14:dur="2000" advTm="60953"/>
+    </mc:Choice>
+    <mc:Fallback>
+      <p:transition spd="slow" advTm="60953"/>
+    </mc:Fallback>
+  </mc:AlternateContent>
+  <p:timing>
+    <p:tnLst>
+      <p:par>
+        <p:cTn id="1" dur="indefinite" restart="never" nodeType="tmRoot"/>
+      </p:par>
+    </p:tnLst>
+  </p:timing>
+</p:sld>
+</file>
+
+<file path=ppt/slides/slide8.xml><?xml version="1.0" encoding="utf-8"?>
+<p:sld xmlns:a="http://schemas.openxmlformats.org/drawingml/2006/main" xmlns:r="http://schemas.openxmlformats.org/officeDocument/2006/relationships" xmlns:p="http://schemas.openxmlformats.org/presentationml/2006/main">
+  <p:cSld>
+    <p:spTree>
+      <p:nvGrpSpPr>
+        <p:cNvPr id="1" name=""/>
+        <p:cNvGrpSpPr/>
+        <p:nvPr/>
+      </p:nvGrpSpPr>
+      <p:grpSpPr>
+        <a:xfrm>
+          <a:off x="0" y="0"/>
+          <a:ext cx="0" cy="0"/>
+          <a:chOff x="0" y="0"/>
+          <a:chExt cx="0" cy="0"/>
+        </a:xfrm>
+      </p:grpSpPr>
+      <p:sp>
+        <p:nvSpPr>
+          <p:cNvPr id="2" name="Title 1"/>
+          <p:cNvSpPr>
+            <a:spLocks noGrp="1"/>
+          </p:cNvSpPr>
+          <p:nvPr>
+            <p:ph type="title"/>
+          </p:nvPr>
+        </p:nvSpPr>
+        <p:spPr/>
+        <p:txBody>
+          <a:bodyPr/>
+          <a:lstStyle/>
+          <a:p>
+            <a:r>
+              <a:rPr lang="pt-BR" dirty="0" smtClean="0"/>
+              <a:t>Algoritmo de Colônia de Formigas</a:t>
+            </a:r>
+            <a:endParaRPr lang="en-US" dirty="0"/>
+          </a:p>
+        </p:txBody>
+      </p:sp>
+      <p:sp>
+        <p:nvSpPr>
+          <p:cNvPr id="6" name="Content Placeholder 5"/>
+          <p:cNvSpPr>
+            <a:spLocks noGrp="1"/>
+          </p:cNvSpPr>
+          <p:nvPr>
+            <p:ph idx="1"/>
+          </p:nvPr>
+        </p:nvSpPr>
+        <p:spPr/>
+        <p:txBody>
+          <a:bodyPr/>
+          <a:lstStyle/>
+          <a:p>
+            <a:r>
+              <a:rPr lang="pt-BR" dirty="0" smtClean="0"/>
+              <a:t>Histórico – 1992 – Marco </a:t>
+            </a:r>
+            <a:r>
+              <a:rPr lang="pt-BR" dirty="0" err="1" smtClean="0"/>
+              <a:t>Dorigo</a:t>
+            </a:r>
+            <a:r>
+              <a:rPr lang="pt-BR" dirty="0" smtClean="0"/>
+              <a:t> Tese PhD – </a:t>
+            </a:r>
+            <a:r>
+              <a:rPr lang="pt-BR" dirty="0" err="1" smtClean="0"/>
+              <a:t>Ant</a:t>
+            </a:r>
+            <a:r>
+              <a:rPr lang="pt-BR" dirty="0" smtClean="0"/>
+              <a:t> System (AS)</a:t>
+            </a:r>
+          </a:p>
+          <a:p>
+            <a:r>
+              <a:rPr lang="pt-BR" dirty="0" smtClean="0"/>
+              <a:t>Meta-heurística de ACO</a:t>
+            </a:r>
+            <a:endParaRPr lang="en-US" dirty="0"/>
+          </a:p>
+        </p:txBody>
+      </p:sp>
+      <p:pic>
+        <p:nvPicPr>
+          <p:cNvPr id="7" name="Content Placeholder 3"/>
+          <p:cNvPicPr>
+            <a:picLocks noChangeAspect="1"/>
+          </p:cNvPicPr>
+          <p:nvPr/>
+        </p:nvPicPr>
+        <p:blipFill>
+          <a:blip r:embed="rId2">
+            <a:extLst>
+              <a:ext uri="{28A0092B-C50C-407E-A947-70E740481C1C}">
+                <a14:useLocalDpi xmlns:a14="http://schemas.microsoft.com/office/drawing/2010/main" val="0"/>
+              </a:ext>
+            </a:extLst>
+          </a:blip>
+          <a:stretch>
+            <a:fillRect/>
+          </a:stretch>
+        </p:blipFill>
+        <p:spPr>
+          <a:xfrm>
+            <a:off x="3895926" y="2646301"/>
+            <a:ext cx="4389500" cy="1874682"/>
+          </a:xfrm>
+          <a:prstGeom prst="rect">
+            <a:avLst/>
+          </a:prstGeom>
+          <a:effectLst>
+            <a:outerShdw blurRad="25400" dir="17880000">
+              <a:srgbClr val="000000">
+                <a:alpha val="46000"/>
+              </a:srgbClr>
+            </a:outerShdw>
+          </a:effectLst>
+        </p:spPr>
+      </p:pic>
+      <p:sp>
+        <p:nvSpPr>
+          <p:cNvPr id="8" name="TextBox 7"/>
+          <p:cNvSpPr txBox="1"/>
+          <p:nvPr/>
+        </p:nvSpPr>
+        <p:spPr>
+          <a:xfrm>
+            <a:off x="2354362" y="4673382"/>
+            <a:ext cx="7461979" cy="400110"/>
+          </a:xfrm>
+          <a:prstGeom prst="rect">
+            <a:avLst/>
+          </a:prstGeom>
+          <a:noFill/>
+        </p:spPr>
+        <p:txBody>
+          <a:bodyPr wrap="none" rtlCol="0">
+            <a:spAutoFit/>
+          </a:bodyPr>
+          <a:lstStyle/>
+          <a:p>
+            <a:r>
+              <a:rPr lang="pt-BR" sz="2000" dirty="0">
+                <a:ln>
+                  <a:solidFill>
+                    <a:schemeClr val="bg1">
+                      <a:lumMod val="75000"/>
+                      <a:lumOff val="25000"/>
+                      <a:alpha val="10000"/>
+                    </a:schemeClr>
+                  </a:solidFill>
+                </a:ln>
+                <a:solidFill>
+                  <a:schemeClr val="tx2"/>
+                </a:solidFill>
+                <a:effectLst>
+                  <a:outerShdw blurRad="9525" dist="25400" dir="14640000" algn="tl" rotWithShape="0">
+                    <a:schemeClr val="bg1">
+                      <a:alpha val="30000"/>
+                    </a:schemeClr>
+                  </a:outerShdw>
+                </a:effectLst>
+              </a:rPr>
+              <a:t>Formigas seguindo a concentração de feromônios. Adaptado de [8]</a:t>
+            </a:r>
+            <a:endParaRPr lang="en-US" sz="2000" dirty="0">
+              <a:ln>
+                <a:solidFill>
+                  <a:schemeClr val="bg1">
+                    <a:lumMod val="75000"/>
+                    <a:lumOff val="25000"/>
+                    <a:alpha val="10000"/>
+                  </a:schemeClr>
+                </a:solidFill>
+              </a:ln>
+              <a:solidFill>
+                <a:schemeClr val="tx2"/>
+              </a:solidFill>
+              <a:effectLst>
+                <a:outerShdw blurRad="9525" dist="25400" dir="14640000" algn="tl" rotWithShape="0">
+                  <a:schemeClr val="bg1">
+                    <a:alpha val="30000"/>
+                  </a:schemeClr>
+                </a:outerShdw>
+              </a:effectLst>
+            </a:endParaRPr>
+          </a:p>
+        </p:txBody>
+      </p:sp>
+    </p:spTree>
+    <p:extLst>
+      <p:ext uri="{BB962C8B-B14F-4D97-AF65-F5344CB8AC3E}">
+        <p14:creationId xmlns:p14="http://schemas.microsoft.com/office/powerpoint/2010/main" val="2240725226"/>
+      </p:ext>
+    </p:extLst>
+  </p:cSld>
+  <p:clrMapOvr>
+    <a:masterClrMapping/>
+  </p:clrMapOvr>
+  <mc:AlternateContent xmlns:mc="http://schemas.openxmlformats.org/markup-compatibility/2006">
+    <mc:Choice xmlns:p14="http://schemas.microsoft.com/office/powerpoint/2010/main" Requires="p14">
+      <p:transition spd="slow" p14:dur="2000" advTm="77718"/>
+    </mc:Choice>
+    <mc:Fallback>
+      <p:transition spd="slow" advTm="77718"/>
+    </mc:Fallback>
+  </mc:AlternateContent>
+  <p:timing>
+    <p:tnLst>
+      <p:par>
+        <p:cTn id="1" dur="indefinite" restart="never" nodeType="tmRoot"/>
+      </p:par>
+    </p:tnLst>
+  </p:timing>
+</p:sld>
+</file>
+
+<file path=ppt/slides/slide9.xml><?xml version="1.0" encoding="utf-8"?>
+<p:sld xmlns:a="http://schemas.openxmlformats.org/drawingml/2006/main" xmlns:r="http://schemas.openxmlformats.org/officeDocument/2006/relationships" xmlns:p="http://schemas.openxmlformats.org/presentationml/2006/main">
+  <p:cSld>
+    <p:spTree>
+      <p:nvGrpSpPr>
+        <p:cNvPr id="1" name=""/>
+        <p:cNvGrpSpPr/>
+        <p:nvPr/>
+      </p:nvGrpSpPr>
+      <p:grpSpPr>
+        <a:xfrm>
+          <a:off x="0" y="0"/>
+          <a:ext cx="0" cy="0"/>
+          <a:chOff x="0" y="0"/>
+          <a:chExt cx="0" cy="0"/>
+        </a:xfrm>
+      </p:grpSpPr>
+      <p:sp>
+        <p:nvSpPr>
+          <p:cNvPr id="11" name="Title 10"/>
+          <p:cNvSpPr>
+            <a:spLocks noGrp="1"/>
+          </p:cNvSpPr>
+          <p:nvPr>
+            <p:ph type="title"/>
+          </p:nvPr>
+        </p:nvSpPr>
+        <p:spPr/>
+        <p:txBody>
+          <a:bodyPr/>
+          <a:lstStyle/>
+          <a:p>
+            <a:r>
+              <a:rPr lang="pt-BR" dirty="0" err="1" smtClean="0"/>
+              <a:t>Pseudocodigo</a:t>
+            </a:r>
+            <a:endParaRPr lang="en-US" dirty="0"/>
+          </a:p>
+        </p:txBody>
+      </p:sp>
+      <p:pic>
+        <p:nvPicPr>
+          <p:cNvPr id="8" name="Content Placeholder 7"/>
+          <p:cNvPicPr>
+            <a:picLocks noGrp="1" noChangeAspect="1"/>
+          </p:cNvPicPr>
+          <p:nvPr>
+            <p:ph sz="half" idx="1"/>
+          </p:nvPr>
+        </p:nvPicPr>
+        <p:blipFill>
+          <a:blip r:embed="rId2"/>
+          <a:stretch>
+            <a:fillRect/>
+          </a:stretch>
+        </p:blipFill>
+        <p:spPr>
+          <a:xfrm>
+            <a:off x="1410494" y="3018631"/>
+            <a:ext cx="4067175" cy="1485900"/>
+          </a:xfrm>
+          <a:prstGeom prst="rect">
+            <a:avLst/>
+          </a:prstGeom>
+        </p:spPr>
+      </p:pic>
+      <p:sp>
+        <p:nvSpPr>
+          <p:cNvPr id="14" name="Content Placeholder 13"/>
+          <p:cNvSpPr>
+            <a:spLocks noGrp="1"/>
+          </p:cNvSpPr>
+          <p:nvPr>
+            <p:ph sz="half" idx="2"/>
+          </p:nvPr>
+        </p:nvSpPr>
+        <p:spPr/>
+        <p:txBody>
+          <a:bodyPr/>
+          <a:lstStyle/>
+          <a:p>
+            <a:r>
+              <a:rPr lang="pt-BR" dirty="0" smtClean="0"/>
+              <a:t>Construir Solução</a:t>
+            </a:r>
+          </a:p>
+          <a:p>
+            <a:endParaRPr lang="pt-BR" dirty="0" smtClean="0"/>
+          </a:p>
+          <a:p>
+            <a:r>
+              <a:rPr lang="pt-BR" dirty="0" smtClean="0"/>
+              <a:t>Fazer Busca Local</a:t>
+            </a:r>
+          </a:p>
+          <a:p>
+            <a:endParaRPr lang="pt-BR" dirty="0" smtClean="0"/>
+          </a:p>
+          <a:p>
+            <a:r>
+              <a:rPr lang="pt-BR" dirty="0" smtClean="0"/>
+              <a:t>Atualizar </a:t>
+            </a:r>
+            <a:r>
+              <a:rPr lang="pt-BR" dirty="0" err="1" smtClean="0"/>
+              <a:t>Feromonios</a:t>
+            </a:r>
+            <a:endParaRPr lang="pt-BR" dirty="0" smtClean="0"/>
+          </a:p>
+          <a:p>
+            <a:endParaRPr lang="en-US" dirty="0"/>
+          </a:p>
+        </p:txBody>
+      </p:sp>
+      <p:sp>
+        <p:nvSpPr>
+          <p:cNvPr id="15" name="TextBox 14"/>
+          <p:cNvSpPr txBox="1"/>
+          <p:nvPr/>
+        </p:nvSpPr>
+        <p:spPr>
+          <a:xfrm>
+            <a:off x="611478" y="4656930"/>
+            <a:ext cx="5665205" cy="400110"/>
+          </a:xfrm>
+          <a:prstGeom prst="rect">
+            <a:avLst/>
+          </a:prstGeom>
+          <a:noFill/>
+        </p:spPr>
+        <p:txBody>
+          <a:bodyPr wrap="none" rtlCol="0">
+            <a:spAutoFit/>
+          </a:bodyPr>
+          <a:lstStyle/>
+          <a:p>
+            <a:r>
+              <a:rPr lang="pt-BR" sz="2000" dirty="0">
+                <a:ln>
+                  <a:solidFill>
+                    <a:schemeClr val="bg1">
+                      <a:lumMod val="75000"/>
+                      <a:lumOff val="25000"/>
+                      <a:alpha val="10000"/>
+                    </a:schemeClr>
+                  </a:solidFill>
+                </a:ln>
+                <a:solidFill>
+                  <a:schemeClr val="tx2"/>
+                </a:solidFill>
+                <a:effectLst>
+                  <a:outerShdw blurRad="9525" dist="25400" dir="14640000" algn="tl" rotWithShape="0">
+                    <a:schemeClr val="bg1">
+                      <a:alpha val="30000"/>
+                    </a:schemeClr>
+                  </a:outerShdw>
+                </a:effectLst>
+              </a:rPr>
+              <a:t>Algoritmo genérico de ACO. Adaptado de [16, 19]</a:t>
+            </a:r>
+            <a:endParaRPr lang="en-US" sz="2000" dirty="0">
+              <a:ln>
+                <a:solidFill>
+                  <a:schemeClr val="bg1">
+                    <a:lumMod val="75000"/>
+                    <a:lumOff val="25000"/>
+                    <a:alpha val="10000"/>
+                  </a:schemeClr>
+                </a:solidFill>
+              </a:ln>
+              <a:solidFill>
+                <a:schemeClr val="tx2"/>
+              </a:solidFill>
+              <a:effectLst>
+                <a:outerShdw blurRad="9525" dist="25400" dir="14640000" algn="tl" rotWithShape="0">
+                  <a:schemeClr val="bg1">
+                    <a:alpha val="30000"/>
+                  </a:schemeClr>
+                </a:outerShdw>
+              </a:effectLst>
+            </a:endParaRPr>
+          </a:p>
+        </p:txBody>
+      </p:sp>
+    </p:spTree>
+    <p:extLst>
+      <p:ext uri="{BB962C8B-B14F-4D97-AF65-F5344CB8AC3E}">
+        <p14:creationId xmlns:p14="http://schemas.microsoft.com/office/powerpoint/2010/main" val="1169595047"/>
+      </p:ext>
+    </p:extLst>
+  </p:cSld>
+  <p:clrMapOvr>
+    <a:masterClrMapping/>
+  </p:clrMapOvr>
+  <mc:AlternateContent xmlns:mc="http://schemas.openxmlformats.org/markup-compatibility/2006">
+    <mc:Choice xmlns:p14="http://schemas.microsoft.com/office/powerpoint/2010/main" Requires="p14">
+      <p:transition spd="slow" p14:dur="2000" advTm="36034"/>
+    </mc:Choice>
+    <mc:Fallback>
+      <p:transition spd="slow" advTm="36034"/>
+    </mc:Fallback>
+  </mc:AlternateContent>
+  <p:timing>
+    <p:tnLst>
+      <p:par>
+        <p:cTn id="1" dur="indefinite" restart="never" nodeType="tmRoot"/>
+      </p:par>
+    </p:tnLst>
+  </p:timing>
 </p:sld>
 </file>
 
@@ -6743,4 +9024,265 @@
     </a:ext>
   </a:extLst>
 </a:theme>
+</file>
+
+<file path=ppt/theme/theme2.xml><?xml version="1.0" encoding="utf-8"?>
+<a:theme xmlns:a="http://schemas.openxmlformats.org/drawingml/2006/main" name="Office Theme">
+  <a:themeElements>
+    <a:clrScheme name="Office">
+      <a:dk1>
+        <a:sysClr val="windowText" lastClr="000000"/>
+      </a:dk1>
+      <a:lt1>
+        <a:sysClr val="window" lastClr="FFFFFF"/>
+      </a:lt1>
+      <a:dk2>
+        <a:srgbClr val="44546A"/>
+      </a:dk2>
+      <a:lt2>
+        <a:srgbClr val="E7E6E6"/>
+      </a:lt2>
+      <a:accent1>
+        <a:srgbClr val="5B9BD5"/>
+      </a:accent1>
+      <a:accent2>
+        <a:srgbClr val="ED7D31"/>
+      </a:accent2>
+      <a:accent3>
+        <a:srgbClr val="A5A5A5"/>
+      </a:accent3>
+      <a:accent4>
+        <a:srgbClr val="FFC000"/>
+      </a:accent4>
+      <a:accent5>
+        <a:srgbClr val="4472C4"/>
+      </a:accent5>
+      <a:accent6>
+        <a:srgbClr val="70AD47"/>
+      </a:accent6>
+      <a:hlink>
+        <a:srgbClr val="0563C1"/>
+      </a:hlink>
+      <a:folHlink>
+        <a:srgbClr val="954F72"/>
+      </a:folHlink>
+    </a:clrScheme>
+    <a:fontScheme name="Office">
+      <a:majorFont>
+        <a:latin typeface="Calibri Light" panose="020F0302020204030204"/>
+        <a:ea typeface=""/>
+        <a:cs typeface=""/>
+        <a:font script="Jpan" typeface="ＭＳ Ｐゴシック"/>
+        <a:font script="Hang" typeface="맑은 고딕"/>
+        <a:font script="Hans" typeface="宋体"/>
+        <a:font script="Hant" typeface="新細明體"/>
+        <a:font script="Arab" typeface="Times New Roman"/>
+        <a:font script="Hebr" typeface="Times New Roman"/>
+        <a:font script="Thai" typeface="Angsana New"/>
+        <a:font script="Ethi" typeface="Nyala"/>
+        <a:font script="Beng" typeface="Vrinda"/>
+        <a:font script="Gujr" typeface="Shruti"/>
+        <a:font script="Khmr" typeface="MoolBoran"/>
+        <a:font script="Knda" typeface="Tunga"/>
+        <a:font script="Guru" typeface="Raavi"/>
+        <a:font script="Cans" typeface="Euphemia"/>
+        <a:font script="Cher" typeface="Plantagenet Cherokee"/>
+        <a:font script="Yiii" typeface="Microsoft Yi Baiti"/>
+        <a:font script="Tibt" typeface="Microsoft Himalaya"/>
+        <a:font script="Thaa" typeface="MV Boli"/>
+        <a:font script="Deva" typeface="Mangal"/>
+        <a:font script="Telu" typeface="Gautami"/>
+        <a:font script="Taml" typeface="Latha"/>
+        <a:font script="Syrc" typeface="Estrangelo Edessa"/>
+        <a:font script="Orya" typeface="Kalinga"/>
+        <a:font script="Mlym" typeface="Kartika"/>
+        <a:font script="Laoo" typeface="DokChampa"/>
+        <a:font script="Sinh" typeface="Iskoola Pota"/>
+        <a:font script="Mong" typeface="Mongolian Baiti"/>
+        <a:font script="Viet" typeface="Times New Roman"/>
+        <a:font script="Uigh" typeface="Microsoft Uighur"/>
+        <a:font script="Geor" typeface="Sylfaen"/>
+      </a:majorFont>
+      <a:minorFont>
+        <a:latin typeface="Calibri" panose="020F0502020204030204"/>
+        <a:ea typeface=""/>
+        <a:cs typeface=""/>
+        <a:font script="Jpan" typeface="ＭＳ Ｐゴシック"/>
+        <a:font script="Hang" typeface="맑은 고딕"/>
+        <a:font script="Hans" typeface="宋体"/>
+        <a:font script="Hant" typeface="新細明體"/>
+        <a:font script="Arab" typeface="Arial"/>
+        <a:font script="Hebr" typeface="Arial"/>
+        <a:font script="Thai" typeface="Cordia New"/>
+        <a:font script="Ethi" typeface="Nyala"/>
+        <a:font script="Beng" typeface="Vrinda"/>
+        <a:font script="Gujr" typeface="Shruti"/>
+        <a:font script="Khmr" typeface="DaunPenh"/>
+        <a:font script="Knda" typeface="Tunga"/>
+        <a:font script="Guru" typeface="Raavi"/>
+        <a:font script="Cans" typeface="Euphemia"/>
+        <a:font script="Cher" typeface="Plantagenet Cherokee"/>
+        <a:font script="Yiii" typeface="Microsoft Yi Baiti"/>
+        <a:font script="Tibt" typeface="Microsoft Himalaya"/>
+        <a:font script="Thaa" typeface="MV Boli"/>
+        <a:font script="Deva" typeface="Mangal"/>
+        <a:font script="Telu" typeface="Gautami"/>
+        <a:font script="Taml" typeface="Latha"/>
+        <a:font script="Syrc" typeface="Estrangelo Edessa"/>
+        <a:font script="Orya" typeface="Kalinga"/>
+        <a:font script="Mlym" typeface="Kartika"/>
+        <a:font script="Laoo" typeface="DokChampa"/>
+        <a:font script="Sinh" typeface="Iskoola Pota"/>
+        <a:font script="Mong" typeface="Mongolian Baiti"/>
+        <a:font script="Viet" typeface="Arial"/>
+        <a:font script="Uigh" typeface="Microsoft Uighur"/>
+        <a:font script="Geor" typeface="Sylfaen"/>
+      </a:minorFont>
+    </a:fontScheme>
+    <a:fmtScheme name="Office">
+      <a:fillStyleLst>
+        <a:solidFill>
+          <a:schemeClr val="phClr"/>
+        </a:solidFill>
+        <a:gradFill rotWithShape="1">
+          <a:gsLst>
+            <a:gs pos="0">
+              <a:schemeClr val="phClr">
+                <a:lumMod val="110000"/>
+                <a:satMod val="105000"/>
+                <a:tint val="67000"/>
+              </a:schemeClr>
+            </a:gs>
+            <a:gs pos="50000">
+              <a:schemeClr val="phClr">
+                <a:lumMod val="105000"/>
+                <a:satMod val="103000"/>
+                <a:tint val="73000"/>
+              </a:schemeClr>
+            </a:gs>
+            <a:gs pos="100000">
+              <a:schemeClr val="phClr">
+                <a:lumMod val="105000"/>
+                <a:satMod val="109000"/>
+                <a:tint val="81000"/>
+              </a:schemeClr>
+            </a:gs>
+          </a:gsLst>
+          <a:lin ang="5400000" scaled="0"/>
+        </a:gradFill>
+        <a:gradFill rotWithShape="1">
+          <a:gsLst>
+            <a:gs pos="0">
+              <a:schemeClr val="phClr">
+                <a:satMod val="103000"/>
+                <a:lumMod val="102000"/>
+                <a:tint val="94000"/>
+              </a:schemeClr>
+            </a:gs>
+            <a:gs pos="50000">
+              <a:schemeClr val="phClr">
+                <a:satMod val="110000"/>
+                <a:lumMod val="100000"/>
+                <a:shade val="100000"/>
+              </a:schemeClr>
+            </a:gs>
+            <a:gs pos="100000">
+              <a:schemeClr val="phClr">
+                <a:lumMod val="99000"/>
+                <a:satMod val="120000"/>
+                <a:shade val="78000"/>
+              </a:schemeClr>
+            </a:gs>
+          </a:gsLst>
+          <a:lin ang="5400000" scaled="0"/>
+        </a:gradFill>
+      </a:fillStyleLst>
+      <a:lnStyleLst>
+        <a:ln w="6350" cap="flat" cmpd="sng" algn="ctr">
+          <a:solidFill>
+            <a:schemeClr val="phClr"/>
+          </a:solidFill>
+          <a:prstDash val="solid"/>
+          <a:miter lim="800000"/>
+        </a:ln>
+        <a:ln w="12700" cap="flat" cmpd="sng" algn="ctr">
+          <a:solidFill>
+            <a:schemeClr val="phClr"/>
+          </a:solidFill>
+          <a:prstDash val="solid"/>
+          <a:miter lim="800000"/>
+        </a:ln>
+        <a:ln w="19050" cap="flat" cmpd="sng" algn="ctr">
+          <a:solidFill>
+            <a:schemeClr val="phClr"/>
+          </a:solidFill>
+          <a:prstDash val="solid"/>
+          <a:miter lim="800000"/>
+        </a:ln>
+      </a:lnStyleLst>
+      <a:effectStyleLst>
+        <a:effectStyle>
+          <a:effectLst/>
+        </a:effectStyle>
+        <a:effectStyle>
+          <a:effectLst/>
+        </a:effectStyle>
+        <a:effectStyle>
+          <a:effectLst>
+            <a:outerShdw blurRad="57150" dist="19050" dir="5400000" algn="ctr" rotWithShape="0">
+              <a:srgbClr val="000000">
+                <a:alpha val="63000"/>
+              </a:srgbClr>
+            </a:outerShdw>
+          </a:effectLst>
+        </a:effectStyle>
+      </a:effectStyleLst>
+      <a:bgFillStyleLst>
+        <a:solidFill>
+          <a:schemeClr val="phClr"/>
+        </a:solidFill>
+        <a:solidFill>
+          <a:schemeClr val="phClr">
+            <a:tint val="95000"/>
+            <a:satMod val="170000"/>
+          </a:schemeClr>
+        </a:solidFill>
+        <a:gradFill rotWithShape="1">
+          <a:gsLst>
+            <a:gs pos="0">
+              <a:schemeClr val="phClr">
+                <a:tint val="93000"/>
+                <a:satMod val="150000"/>
+                <a:shade val="98000"/>
+                <a:lumMod val="102000"/>
+              </a:schemeClr>
+            </a:gs>
+            <a:gs pos="50000">
+              <a:schemeClr val="phClr">
+                <a:tint val="98000"/>
+                <a:satMod val="130000"/>
+                <a:shade val="90000"/>
+                <a:lumMod val="103000"/>
+              </a:schemeClr>
+            </a:gs>
+            <a:gs pos="100000">
+              <a:schemeClr val="phClr">
+                <a:shade val="63000"/>
+                <a:satMod val="120000"/>
+              </a:schemeClr>
+            </a:gs>
+          </a:gsLst>
+          <a:lin ang="5400000" scaled="0"/>
+        </a:gradFill>
+      </a:bgFillStyleLst>
+    </a:fmtScheme>
+  </a:themeElements>
+  <a:objectDefaults/>
+  <a:extraClrSchemeLst/>
+  <a:extLst>
+    <a:ext uri="{05A4C25C-085E-4340-85A3-A5531E510DB2}">
+      <thm15:themeFamily xmlns:thm15="http://schemas.microsoft.com/office/thememl/2012/main" name="Office Theme" id="{62F939B6-93AF-4DB8-9C6B-D6C7DFDC589F}" vid="{4A3C46E8-61CC-4603-A589-7422A47A8E4A}"/>
+    </a:ext>
+  </a:extLst>
+</a:theme>
 </file>
--- a/Um Algoritmo de Colônia de Formigas para Otimização.pptx
+++ b/Um Algoritmo de Colônia de Formigas para Otimização.pptx
@@ -2,7 +2,7 @@
 <file path=ppt/presentation.xml><?xml version="1.0" encoding="utf-8"?>
 <p:presentation xmlns:a="http://schemas.openxmlformats.org/drawingml/2006/main" xmlns:r="http://schemas.openxmlformats.org/officeDocument/2006/relationships" xmlns:p="http://schemas.openxmlformats.org/presentationml/2006/main" saveSubsetFonts="1">
   <p:sldMasterIdLst>
-    <p:sldMasterId id="2147483708" r:id="rId1"/>
+    <p:sldMasterId id="2147484329" r:id="rId1"/>
   </p:sldMasterIdLst>
   <p:notesMasterIdLst>
     <p:notesMasterId r:id="rId19"/>
@@ -26,7 +26,7 @@
     <p:sldId id="273" r:id="rId17"/>
     <p:sldId id="259" r:id="rId18"/>
   </p:sldIdLst>
-  <p:sldSz cx="12192000" cy="6858000"/>
+  <p:sldSz cx="9144000" cy="6858000" type="screen4x3"/>
   <p:notesSz cx="6858000" cy="9144000"/>
   <p:defaultTextStyle>
     <a:defPPr>
@@ -131,7 +131,7 @@
             <a:srgbClr val="A4A3A4"/>
           </p15:clr>
         </p15:guide>
-        <p15:guide id="2" pos="3840" userDrawn="1">
+        <p15:guide id="2" pos="2880" userDrawn="1">
           <p15:clr>
             <a:srgbClr val="A4A3A4"/>
           </p15:clr>
@@ -256,8 +256,8 @@
         </p:nvSpPr>
         <p:spPr>
           <a:xfrm>
-            <a:off x="685800" y="1143000"/>
-            <a:ext cx="5486400" cy="3086100"/>
+            <a:off x="1371600" y="1143000"/>
+            <a:ext cx="4114800" cy="3086100"/>
           </a:xfrm>
           <a:prstGeom prst="rect">
             <a:avLst/>
@@ -533,7 +533,12 @@
             <p:ph type="sldImg"/>
           </p:nvPr>
         </p:nvSpPr>
-        <p:spPr/>
+        <p:spPr>
+          <a:xfrm>
+            <a:off x="1371600" y="1143000"/>
+            <a:ext cx="4114800" cy="3086100"/>
+          </a:xfrm>
+        </p:spPr>
       </p:sp>
       <p:sp>
         <p:nvSpPr>
@@ -617,7 +622,12 @@
             <p:ph type="sldImg"/>
           </p:nvPr>
         </p:nvSpPr>
-        <p:spPr/>
+        <p:spPr>
+          <a:xfrm>
+            <a:off x="1371600" y="1143000"/>
+            <a:ext cx="4114800" cy="3086100"/>
+          </a:xfrm>
+        </p:spPr>
       </p:sp>
       <p:sp>
         <p:nvSpPr>
@@ -703,8 +713,8 @@
         </p:nvSpPr>
         <p:spPr>
           <a:xfrm>
-            <a:off x="1370693" y="1769540"/>
-            <a:ext cx="9440034" cy="1828801"/>
+            <a:off x="1028020" y="1769541"/>
+            <a:ext cx="7080026" cy="1828801"/>
           </a:xfrm>
         </p:spPr>
         <p:txBody>
@@ -737,8 +747,8 @@
         </p:nvSpPr>
         <p:spPr>
           <a:xfrm>
-            <a:off x="1370693" y="3598339"/>
-            <a:ext cx="9440034" cy="1049867"/>
+            <a:off x="1028020" y="3598339"/>
+            <a:ext cx="7080026" cy="1049867"/>
           </a:xfrm>
         </p:spPr>
         <p:txBody>
@@ -910,7 +920,7 @@
     </p:spTree>
     <p:extLst>
       <p:ext uri="{BB962C8B-B14F-4D97-AF65-F5344CB8AC3E}">
-        <p14:creationId xmlns:p14="http://schemas.microsoft.com/office/powerpoint/2010/main" val="485532197"/>
+        <p14:creationId xmlns:p14="http://schemas.microsoft.com/office/powerpoint/2010/main" val="3886606880"/>
       </p:ext>
     </p:extLst>
   </p:cSld>
@@ -944,7 +954,7 @@
       </p:grpSpPr>
       <p:pic>
         <p:nvPicPr>
-          <p:cNvPr id="16" name="Picture 15" descr="Slate-V2-HD-panoPhotoInset.png"/>
+          <p:cNvPr id="8" name="Picture 7" descr="Slate-V2-SD-panoPhotoInset.png"/>
           <p:cNvPicPr>
             <a:picLocks noChangeAspect="1"/>
           </p:cNvPicPr>
@@ -964,8 +974,8 @@
         </p:blipFill>
         <p:spPr>
           <a:xfrm>
-            <a:off x="1013883" y="547807"/>
-            <a:ext cx="10141799" cy="3816806"/>
+            <a:off x="743995" y="540085"/>
+            <a:ext cx="7656010" cy="3834374"/>
           </a:xfrm>
           <a:prstGeom prst="rect">
             <a:avLst/>
@@ -984,8 +994,8 @@
         </p:nvSpPr>
         <p:spPr>
           <a:xfrm>
-            <a:off x="913806" y="4565255"/>
-            <a:ext cx="10355326" cy="543472"/>
+            <a:off x="685354" y="4565255"/>
+            <a:ext cx="7766495" cy="543472"/>
           </a:xfrm>
         </p:spPr>
         <p:txBody>
@@ -1018,8 +1028,8 @@
         </p:nvSpPr>
         <p:spPr>
           <a:xfrm>
-            <a:off x="1169349" y="695009"/>
-            <a:ext cx="9845346" cy="3525671"/>
+            <a:off x="926217" y="695010"/>
+            <a:ext cx="7285600" cy="3525671"/>
           </a:xfrm>
           <a:effectLst>
             <a:outerShdw blurRad="38100" dist="25400" dir="4440000">
@@ -1092,8 +1102,8 @@
         </p:nvSpPr>
         <p:spPr>
           <a:xfrm>
-            <a:off x="913795" y="5108728"/>
-            <a:ext cx="10353762" cy="682472"/>
+            <a:off x="685346" y="5108728"/>
+            <a:ext cx="7765322" cy="682472"/>
           </a:xfrm>
         </p:spPr>
         <p:txBody>
@@ -1213,7 +1223,7 @@
     </p:spTree>
     <p:extLst>
       <p:ext uri="{BB962C8B-B14F-4D97-AF65-F5344CB8AC3E}">
-        <p14:creationId xmlns:p14="http://schemas.microsoft.com/office/powerpoint/2010/main" val="1684264940"/>
+        <p14:creationId xmlns:p14="http://schemas.microsoft.com/office/powerpoint/2010/main" val="138247441"/>
       </p:ext>
     </p:extLst>
   </p:cSld>
@@ -1252,8 +1262,8 @@
         </p:nvSpPr>
         <p:spPr>
           <a:xfrm>
-            <a:off x="913795" y="608437"/>
-            <a:ext cx="10353762" cy="3534344"/>
+            <a:off x="685346" y="608437"/>
+            <a:ext cx="7765322" cy="3534344"/>
           </a:xfrm>
         </p:spPr>
         <p:txBody>
@@ -1284,8 +1294,8 @@
         </p:nvSpPr>
         <p:spPr>
           <a:xfrm>
-            <a:off x="913794" y="4295180"/>
-            <a:ext cx="10353763" cy="1501826"/>
+            <a:off x="685346" y="4295180"/>
+            <a:ext cx="7765322" cy="1501826"/>
           </a:xfrm>
         </p:spPr>
         <p:txBody>
@@ -1405,7 +1415,7 @@
     </p:spTree>
     <p:extLst>
       <p:ext uri="{BB962C8B-B14F-4D97-AF65-F5344CB8AC3E}">
-        <p14:creationId xmlns:p14="http://schemas.microsoft.com/office/powerpoint/2010/main" val="1332031322"/>
+        <p14:creationId xmlns:p14="http://schemas.microsoft.com/office/powerpoint/2010/main" val="4050145475"/>
       </p:ext>
     </p:extLst>
   </p:cSld>
@@ -1444,8 +1454,8 @@
         </p:nvSpPr>
         <p:spPr>
           <a:xfrm>
-            <a:off x="1446212" y="609600"/>
-            <a:ext cx="9302752" cy="2992904"/>
+            <a:off x="1084659" y="609600"/>
+            <a:ext cx="6977064" cy="2992904"/>
           </a:xfrm>
         </p:spPr>
         <p:txBody>
@@ -1476,8 +1486,8 @@
         </p:nvSpPr>
         <p:spPr>
           <a:xfrm>
-            <a:off x="1720644" y="3610032"/>
-            <a:ext cx="8752299" cy="532749"/>
+            <a:off x="1290484" y="3610033"/>
+            <a:ext cx="6564224" cy="532749"/>
           </a:xfrm>
         </p:spPr>
         <p:txBody>
@@ -1543,8 +1553,8 @@
         </p:nvSpPr>
         <p:spPr>
           <a:xfrm>
-            <a:off x="913794" y="4304353"/>
-            <a:ext cx="10353763" cy="1489496"/>
+            <a:off x="685346" y="4304353"/>
+            <a:ext cx="7765322" cy="1489496"/>
           </a:xfrm>
         </p:spPr>
         <p:txBody>
@@ -1671,8 +1681,8 @@
         </p:nvSpPr>
         <p:spPr>
           <a:xfrm>
-            <a:off x="990600" y="884796"/>
-            <a:ext cx="609600" cy="584776"/>
+            <a:off x="627459" y="873912"/>
+            <a:ext cx="457200" cy="584776"/>
           </a:xfrm>
           <a:prstGeom prst="rect">
             <a:avLst/>
@@ -1787,8 +1797,8 @@
         </p:nvSpPr>
         <p:spPr>
           <a:xfrm>
-            <a:off x="10504716" y="2928258"/>
-            <a:ext cx="609600" cy="584776"/>
+            <a:off x="7828359" y="2933245"/>
+            <a:ext cx="457200" cy="584776"/>
           </a:xfrm>
           <a:prstGeom prst="rect">
             <a:avLst/>
@@ -1898,7 +1908,7 @@
     </p:spTree>
     <p:extLst>
       <p:ext uri="{BB962C8B-B14F-4D97-AF65-F5344CB8AC3E}">
-        <p14:creationId xmlns:p14="http://schemas.microsoft.com/office/powerpoint/2010/main" val="3531410468"/>
+        <p14:creationId xmlns:p14="http://schemas.microsoft.com/office/powerpoint/2010/main" val="1950168608"/>
       </p:ext>
     </p:extLst>
   </p:cSld>
@@ -1937,8 +1947,8 @@
         </p:nvSpPr>
         <p:spPr>
           <a:xfrm>
-            <a:off x="913794" y="2126942"/>
-            <a:ext cx="10353763" cy="2511835"/>
+            <a:off x="685346" y="2126943"/>
+            <a:ext cx="7765322" cy="2511835"/>
           </a:xfrm>
         </p:spPr>
         <p:txBody>
@@ -1969,8 +1979,8 @@
         </p:nvSpPr>
         <p:spPr>
           <a:xfrm>
-            <a:off x="913784" y="4650556"/>
-            <a:ext cx="10352199" cy="1140644"/>
+            <a:off x="685339" y="4650556"/>
+            <a:ext cx="7764149" cy="1140644"/>
           </a:xfrm>
         </p:spPr>
         <p:txBody>
@@ -2090,7 +2100,7 @@
     </p:spTree>
     <p:extLst>
       <p:ext uri="{BB962C8B-B14F-4D97-AF65-F5344CB8AC3E}">
-        <p14:creationId xmlns:p14="http://schemas.microsoft.com/office/powerpoint/2010/main" val="2959705626"/>
+        <p14:creationId xmlns:p14="http://schemas.microsoft.com/office/powerpoint/2010/main" val="4230649819"/>
       </p:ext>
     </p:extLst>
   </p:cSld>
@@ -2129,8 +2139,8 @@
         </p:nvSpPr>
         <p:spPr>
           <a:xfrm>
-            <a:off x="913795" y="609600"/>
-            <a:ext cx="10353762" cy="970450"/>
+            <a:off x="685346" y="609600"/>
+            <a:ext cx="7765322" cy="970450"/>
           </a:xfrm>
         </p:spPr>
         <p:txBody>
@@ -2157,8 +2167,8 @@
         </p:nvSpPr>
         <p:spPr>
           <a:xfrm>
-            <a:off x="913795" y="1885950"/>
-            <a:ext cx="3300984" cy="576262"/>
+            <a:off x="685346" y="1885950"/>
+            <a:ext cx="2475738" cy="576262"/>
           </a:xfrm>
         </p:spPr>
         <p:txBody>
@@ -2228,8 +2238,8 @@
         </p:nvSpPr>
         <p:spPr>
           <a:xfrm>
-            <a:off x="913795" y="2571750"/>
-            <a:ext cx="3300984" cy="3219450"/>
+            <a:off x="685346" y="2571750"/>
+            <a:ext cx="2475738" cy="3219450"/>
           </a:xfrm>
         </p:spPr>
         <p:txBody>
@@ -2295,8 +2305,8 @@
         </p:nvSpPr>
         <p:spPr>
           <a:xfrm>
-            <a:off x="4446711" y="1885950"/>
-            <a:ext cx="3300984" cy="576262"/>
+            <a:off x="3335033" y="1885950"/>
+            <a:ext cx="2475738" cy="576262"/>
           </a:xfrm>
         </p:spPr>
         <p:txBody>
@@ -2366,8 +2376,8 @@
         </p:nvSpPr>
         <p:spPr>
           <a:xfrm>
-            <a:off x="4441435" y="2571750"/>
-            <a:ext cx="3300984" cy="3219450"/>
+            <a:off x="3331076" y="2571750"/>
+            <a:ext cx="2475738" cy="3219450"/>
           </a:xfrm>
         </p:spPr>
         <p:txBody>
@@ -2433,8 +2443,8 @@
         </p:nvSpPr>
         <p:spPr>
           <a:xfrm>
-            <a:off x="7966572" y="1885950"/>
-            <a:ext cx="3300984" cy="576262"/>
+            <a:off x="5974929" y="1885950"/>
+            <a:ext cx="2475738" cy="576262"/>
           </a:xfrm>
         </p:spPr>
         <p:txBody>
@@ -2504,8 +2514,8 @@
         </p:nvSpPr>
         <p:spPr>
           <a:xfrm>
-            <a:off x="7966572" y="2571750"/>
-            <a:ext cx="3300984" cy="3219450"/>
+            <a:off x="5974929" y="2571750"/>
+            <a:ext cx="2475738" cy="3219450"/>
           </a:xfrm>
         </p:spPr>
         <p:txBody>
@@ -2627,7 +2637,7 @@
     </p:spTree>
     <p:extLst>
       <p:ext uri="{BB962C8B-B14F-4D97-AF65-F5344CB8AC3E}">
-        <p14:creationId xmlns:p14="http://schemas.microsoft.com/office/powerpoint/2010/main" val="915579232"/>
+        <p14:creationId xmlns:p14="http://schemas.microsoft.com/office/powerpoint/2010/main" val="3732783825"/>
       </p:ext>
     </p:extLst>
   </p:cSld>
@@ -2656,7 +2666,7 @@
       </p:grpSpPr>
       <p:pic>
         <p:nvPicPr>
-          <p:cNvPr id="2" name="Picture 1" descr="Slate-V2-HD-3colPhotoInset.png"/>
+          <p:cNvPr id="6" name="Picture 5" descr="Slate-V2-SD-3colPhotoInset.png"/>
           <p:cNvPicPr>
             <a:picLocks noChangeAspect="1"/>
           </p:cNvPicPr>
@@ -2676,8 +2686,8 @@
         </p:blipFill>
         <p:spPr>
           <a:xfrm>
-            <a:off x="897962" y="1818214"/>
-            <a:ext cx="3339972" cy="1847851"/>
+            <a:off x="659239" y="1826045"/>
+            <a:ext cx="2529046" cy="1833558"/>
           </a:xfrm>
           <a:prstGeom prst="rect">
             <a:avLst/>
@@ -2686,7 +2696,7 @@
       </p:pic>
       <p:pic>
         <p:nvPicPr>
-          <p:cNvPr id="36" name="Picture 35" descr="Slate-V2-HD-3colPhotoInset.png"/>
+          <p:cNvPr id="28" name="Picture 27" descr="Slate-V2-SD-3colPhotoInset.png"/>
           <p:cNvPicPr>
             <a:picLocks noChangeAspect="1"/>
           </p:cNvPicPr>
@@ -2706,8 +2716,8 @@
         </p:blipFill>
         <p:spPr>
           <a:xfrm>
-            <a:off x="4403800" y="1818214"/>
-            <a:ext cx="3339972" cy="1847851"/>
+            <a:off x="3293813" y="1826045"/>
+            <a:ext cx="2529046" cy="1833558"/>
           </a:xfrm>
           <a:prstGeom prst="rect">
             <a:avLst/>
@@ -2716,7 +2726,7 @@
       </p:pic>
       <p:pic>
         <p:nvPicPr>
-          <p:cNvPr id="37" name="Picture 36" descr="Slate-V2-HD-3colPhotoInset.png"/>
+          <p:cNvPr id="29" name="Picture 28" descr="Slate-V2-SD-3colPhotoInset.png"/>
           <p:cNvPicPr>
             <a:picLocks noChangeAspect="1"/>
           </p:cNvPicPr>
@@ -2736,8 +2746,8 @@
         </p:blipFill>
         <p:spPr>
           <a:xfrm>
-            <a:off x="7936051" y="1818214"/>
-            <a:ext cx="3339972" cy="1847851"/>
+            <a:off x="5921715" y="1826045"/>
+            <a:ext cx="2529046" cy="1833558"/>
           </a:xfrm>
           <a:prstGeom prst="rect">
             <a:avLst/>
@@ -2756,8 +2766,8 @@
         </p:nvSpPr>
         <p:spPr>
           <a:xfrm>
-            <a:off x="913794" y="609600"/>
-            <a:ext cx="10353763" cy="970450"/>
+            <a:off x="685346" y="609600"/>
+            <a:ext cx="7765322" cy="970450"/>
           </a:xfrm>
         </p:spPr>
         <p:txBody>
@@ -2784,8 +2794,8 @@
         </p:nvSpPr>
         <p:spPr>
           <a:xfrm>
-            <a:off x="913795" y="3904106"/>
-            <a:ext cx="3300984" cy="576262"/>
+            <a:off x="685346" y="3904106"/>
+            <a:ext cx="2475738" cy="576262"/>
           </a:xfrm>
         </p:spPr>
         <p:txBody>
@@ -2855,8 +2865,8 @@
         </p:nvSpPr>
         <p:spPr>
           <a:xfrm>
-            <a:off x="1018102" y="1938918"/>
-            <a:ext cx="3092368" cy="1602954"/>
+            <a:off x="763577" y="1938918"/>
+            <a:ext cx="2319276" cy="1602954"/>
           </a:xfrm>
           <a:prstGeom prst="roundRect">
             <a:avLst>
@@ -2934,8 +2944,8 @@
         </p:nvSpPr>
         <p:spPr>
           <a:xfrm>
-            <a:off x="913795" y="4480368"/>
-            <a:ext cx="3300984" cy="1310833"/>
+            <a:off x="685346" y="4480369"/>
+            <a:ext cx="2475738" cy="1310833"/>
           </a:xfrm>
         </p:spPr>
         <p:txBody>
@@ -3001,8 +3011,8 @@
         </p:nvSpPr>
         <p:spPr>
           <a:xfrm>
-            <a:off x="4442788" y="3904106"/>
-            <a:ext cx="3300984" cy="576262"/>
+            <a:off x="3332091" y="3904106"/>
+            <a:ext cx="2475738" cy="576262"/>
           </a:xfrm>
         </p:spPr>
         <p:txBody>
@@ -3072,8 +3082,8 @@
         </p:nvSpPr>
         <p:spPr>
           <a:xfrm>
-            <a:off x="4545743" y="1939094"/>
-            <a:ext cx="3092368" cy="1608164"/>
+            <a:off x="3409307" y="1939094"/>
+            <a:ext cx="2319276" cy="1608164"/>
           </a:xfrm>
           <a:prstGeom prst="roundRect">
             <a:avLst>
@@ -3151,8 +3161,8 @@
         </p:nvSpPr>
         <p:spPr>
           <a:xfrm>
-            <a:off x="4441435" y="4480367"/>
-            <a:ext cx="3300984" cy="1310833"/>
+            <a:off x="3331075" y="4480368"/>
+            <a:ext cx="2476753" cy="1310833"/>
           </a:xfrm>
         </p:spPr>
         <p:txBody>
@@ -3218,8 +3228,8 @@
         </p:nvSpPr>
         <p:spPr>
           <a:xfrm>
-            <a:off x="7966697" y="3904106"/>
-            <a:ext cx="3300984" cy="576262"/>
+            <a:off x="5975023" y="3904106"/>
+            <a:ext cx="2475738" cy="576262"/>
           </a:xfrm>
         </p:spPr>
         <p:txBody>
@@ -3289,8 +3299,8 @@
         </p:nvSpPr>
         <p:spPr>
           <a:xfrm>
-            <a:off x="8075698" y="1934432"/>
-            <a:ext cx="3092368" cy="1607294"/>
+            <a:off x="6056774" y="1934432"/>
+            <a:ext cx="2319276" cy="1607294"/>
           </a:xfrm>
           <a:prstGeom prst="roundRect">
             <a:avLst>
@@ -3368,8 +3378,8 @@
         </p:nvSpPr>
         <p:spPr>
           <a:xfrm>
-            <a:off x="7966572" y="4480365"/>
-            <a:ext cx="3300984" cy="1310835"/>
+            <a:off x="5974929" y="4480366"/>
+            <a:ext cx="2475738" cy="1310835"/>
           </a:xfrm>
         </p:spPr>
         <p:txBody>
@@ -3491,7 +3501,7 @@
     </p:spTree>
     <p:extLst>
       <p:ext uri="{BB962C8B-B14F-4D97-AF65-F5344CB8AC3E}">
-        <p14:creationId xmlns:p14="http://schemas.microsoft.com/office/powerpoint/2010/main" val="3089945925"/>
+        <p14:creationId xmlns:p14="http://schemas.microsoft.com/office/powerpoint/2010/main" val="323343055"/>
       </p:ext>
     </p:extLst>
   </p:cSld>
@@ -3661,7 +3671,7 @@
     </p:spTree>
     <p:extLst>
       <p:ext uri="{BB962C8B-B14F-4D97-AF65-F5344CB8AC3E}">
-        <p14:creationId xmlns:p14="http://schemas.microsoft.com/office/powerpoint/2010/main" val="4086189122"/>
+        <p14:creationId xmlns:p14="http://schemas.microsoft.com/office/powerpoint/2010/main" val="829254501"/>
       </p:ext>
     </p:extLst>
   </p:cSld>
@@ -3700,8 +3710,8 @@
         </p:nvSpPr>
         <p:spPr>
           <a:xfrm>
-            <a:off x="8983068" y="609599"/>
-            <a:ext cx="2284487" cy="5181601"/>
+            <a:off x="6737302" y="609600"/>
+            <a:ext cx="1713365" cy="5181601"/>
           </a:xfrm>
         </p:spPr>
         <p:txBody>
@@ -3732,8 +3742,8 @@
         </p:nvSpPr>
         <p:spPr>
           <a:xfrm>
-            <a:off x="913796" y="609599"/>
-            <a:ext cx="7916872" cy="5181601"/>
+            <a:off x="685347" y="609600"/>
+            <a:ext cx="5937654" cy="5181601"/>
           </a:xfrm>
         </p:spPr>
         <p:txBody>
@@ -3845,7 +3855,7 @@
     </p:spTree>
     <p:extLst>
       <p:ext uri="{BB962C8B-B14F-4D97-AF65-F5344CB8AC3E}">
-        <p14:creationId xmlns:p14="http://schemas.microsoft.com/office/powerpoint/2010/main" val="2634952312"/>
+        <p14:creationId xmlns:p14="http://schemas.microsoft.com/office/powerpoint/2010/main" val="40879911"/>
       </p:ext>
     </p:extLst>
   </p:cSld>
@@ -4020,7 +4030,7 @@
     </p:spTree>
     <p:extLst>
       <p:ext uri="{BB962C8B-B14F-4D97-AF65-F5344CB8AC3E}">
-        <p14:creationId xmlns:p14="http://schemas.microsoft.com/office/powerpoint/2010/main" val="1568843976"/>
+        <p14:creationId xmlns:p14="http://schemas.microsoft.com/office/powerpoint/2010/main" val="4226768145"/>
       </p:ext>
     </p:extLst>
   </p:cSld>
@@ -4059,8 +4069,8 @@
         </p:nvSpPr>
         <p:spPr>
           <a:xfrm>
-            <a:off x="1295401" y="1761067"/>
-            <a:ext cx="9590550" cy="1828813"/>
+            <a:off x="971551" y="1761068"/>
+            <a:ext cx="7192913" cy="1828813"/>
           </a:xfrm>
         </p:spPr>
         <p:txBody>
@@ -4091,8 +4101,8 @@
         </p:nvSpPr>
         <p:spPr>
           <a:xfrm>
-            <a:off x="1295401" y="3589879"/>
-            <a:ext cx="9590550" cy="1507054"/>
+            <a:off x="971551" y="3589879"/>
+            <a:ext cx="7192913" cy="1507054"/>
           </a:xfrm>
         </p:spPr>
         <p:txBody>
@@ -4264,7 +4274,7 @@
     </p:spTree>
     <p:extLst>
       <p:ext uri="{BB962C8B-B14F-4D97-AF65-F5344CB8AC3E}">
-        <p14:creationId xmlns:p14="http://schemas.microsoft.com/office/powerpoint/2010/main" val="691423812"/>
+        <p14:creationId xmlns:p14="http://schemas.microsoft.com/office/powerpoint/2010/main" val="3574290247"/>
       </p:ext>
     </p:extLst>
   </p:cSld>
@@ -4331,8 +4341,8 @@
         </p:nvSpPr>
         <p:spPr>
           <a:xfrm>
-            <a:off x="913795" y="1732449"/>
-            <a:ext cx="5060497" cy="4058750"/>
+            <a:off x="685347" y="1732449"/>
+            <a:ext cx="3795373" cy="4058750"/>
           </a:xfrm>
         </p:spPr>
         <p:txBody>
@@ -4390,8 +4400,8 @@
         </p:nvSpPr>
         <p:spPr>
           <a:xfrm>
-            <a:off x="6202892" y="1732449"/>
-            <a:ext cx="5064665" cy="4058751"/>
+            <a:off x="4652169" y="1732450"/>
+            <a:ext cx="3798499" cy="4058751"/>
           </a:xfrm>
         </p:spPr>
         <p:txBody>
@@ -4505,13 +4515,18 @@
     </p:spTree>
     <p:extLst>
       <p:ext uri="{BB962C8B-B14F-4D97-AF65-F5344CB8AC3E}">
-        <p14:creationId xmlns:p14="http://schemas.microsoft.com/office/powerpoint/2010/main" val="153439299"/>
+        <p14:creationId xmlns:p14="http://schemas.microsoft.com/office/powerpoint/2010/main" val="4235800887"/>
       </p:ext>
     </p:extLst>
   </p:cSld>
   <p:clrMapOvr>
     <a:masterClrMapping/>
   </p:clrMapOvr>
+  <p:extLst>
+    <p:ext uri="{DCECCB84-F9BA-43D5-87BE-67443E8EF086}">
+      <p15:sldGuideLst xmlns:p15="http://schemas.microsoft.com/office/powerpoint/2012/main"/>
+    </p:ext>
+  </p:extLst>
 </p:sldLayout>
 </file>
 
@@ -4534,7 +4549,7 @@
       </p:grpSpPr>
       <p:pic>
         <p:nvPicPr>
-          <p:cNvPr id="20" name="Picture 19" descr="Slate-V2-HD-compPhotoInset.png"/>
+          <p:cNvPr id="10" name="Picture 9" descr="Slate-V2-SD-compPhotoInset.png"/>
           <p:cNvPicPr>
             <a:picLocks noChangeAspect="1"/>
           </p:cNvPicPr>
@@ -4554,8 +4569,8 @@
         </p:blipFill>
         <p:spPr>
           <a:xfrm>
-            <a:off x="913795" y="1734506"/>
-            <a:ext cx="5089072" cy="4148769"/>
+            <a:off x="685345" y="1770323"/>
+            <a:ext cx="3787423" cy="4112953"/>
           </a:xfrm>
           <a:prstGeom prst="rect">
             <a:avLst/>
@@ -4564,7 +4579,7 @@
       </p:pic>
       <p:pic>
         <p:nvPicPr>
-          <p:cNvPr id="21" name="Picture 20" descr="Slate-V2-HD-compPhotoInset.png"/>
+          <p:cNvPr id="14" name="Picture 13" descr="Slate-V2-SD-compPhotoInset.png"/>
           <p:cNvPicPr>
             <a:picLocks noChangeAspect="1"/>
           </p:cNvPicPr>
@@ -4584,8 +4599,8 @@
         </p:blipFill>
         <p:spPr>
           <a:xfrm>
-            <a:off x="6178485" y="1734506"/>
-            <a:ext cx="5089072" cy="4148769"/>
+            <a:off x="4663245" y="1770323"/>
+            <a:ext cx="3787423" cy="4112953"/>
           </a:xfrm>
           <a:prstGeom prst="rect">
             <a:avLst/>
@@ -4631,8 +4646,8 @@
         </p:nvSpPr>
         <p:spPr>
           <a:xfrm>
-            <a:off x="1005872" y="1835254"/>
-            <a:ext cx="4876344" cy="544884"/>
+            <a:off x="754404" y="1835254"/>
+            <a:ext cx="3657258" cy="544884"/>
           </a:xfrm>
         </p:spPr>
         <p:txBody>
@@ -4698,8 +4713,8 @@
         </p:nvSpPr>
         <p:spPr>
           <a:xfrm>
-            <a:off x="1005872" y="2380137"/>
-            <a:ext cx="4876344" cy="3411063"/>
+            <a:off x="754404" y="2380138"/>
+            <a:ext cx="3657258" cy="3411063"/>
           </a:xfrm>
         </p:spPr>
         <p:txBody>
@@ -4773,8 +4788,8 @@
         </p:nvSpPr>
         <p:spPr>
           <a:xfrm>
-            <a:off x="6294967" y="1835254"/>
-            <a:ext cx="4895330" cy="544883"/>
+            <a:off x="4721225" y="1835255"/>
+            <a:ext cx="3671498" cy="544883"/>
           </a:xfrm>
         </p:spPr>
         <p:txBody>
@@ -4840,8 +4855,8 @@
         </p:nvSpPr>
         <p:spPr>
           <a:xfrm>
-            <a:off x="6294967" y="2380137"/>
-            <a:ext cx="4895330" cy="3411063"/>
+            <a:off x="4721225" y="2380138"/>
+            <a:ext cx="3671498" cy="3411063"/>
           </a:xfrm>
         </p:spPr>
         <p:txBody>
@@ -4971,13 +4986,18 @@
     </p:spTree>
     <p:extLst>
       <p:ext uri="{BB962C8B-B14F-4D97-AF65-F5344CB8AC3E}">
-        <p14:creationId xmlns:p14="http://schemas.microsoft.com/office/powerpoint/2010/main" val="1510431052"/>
+        <p14:creationId xmlns:p14="http://schemas.microsoft.com/office/powerpoint/2010/main" val="1016171119"/>
       </p:ext>
     </p:extLst>
   </p:cSld>
   <p:clrMapOvr>
     <a:masterClrMapping/>
   </p:clrMapOvr>
+  <p:extLst>
+    <p:ext uri="{DCECCB84-F9BA-43D5-87BE-67443E8EF086}">
+      <p15:sldGuideLst xmlns:p15="http://schemas.microsoft.com/office/powerpoint/2012/main"/>
+    </p:ext>
+  </p:extLst>
 </p:sldLayout>
 </file>
 
@@ -5089,7 +5109,7 @@
     </p:spTree>
     <p:extLst>
       <p:ext uri="{BB962C8B-B14F-4D97-AF65-F5344CB8AC3E}">
-        <p14:creationId xmlns:p14="http://schemas.microsoft.com/office/powerpoint/2010/main" val="4195384499"/>
+        <p14:creationId xmlns:p14="http://schemas.microsoft.com/office/powerpoint/2010/main" val="4074995732"/>
       </p:ext>
     </p:extLst>
   </p:cSld>
@@ -5184,7 +5204,7 @@
     </p:spTree>
     <p:extLst>
       <p:ext uri="{BB962C8B-B14F-4D97-AF65-F5344CB8AC3E}">
-        <p14:creationId xmlns:p14="http://schemas.microsoft.com/office/powerpoint/2010/main" val="3683899"/>
+        <p14:creationId xmlns:p14="http://schemas.microsoft.com/office/powerpoint/2010/main" val="1021852041"/>
       </p:ext>
     </p:extLst>
   </p:cSld>
@@ -5223,8 +5243,8 @@
         </p:nvSpPr>
         <p:spPr>
           <a:xfrm>
-            <a:off x="913795" y="609600"/>
-            <a:ext cx="3706889" cy="1821918"/>
+            <a:off x="685347" y="609600"/>
+            <a:ext cx="2780167" cy="1821918"/>
           </a:xfrm>
         </p:spPr>
         <p:txBody>
@@ -5257,8 +5277,8 @@
         </p:nvSpPr>
         <p:spPr>
           <a:xfrm>
-            <a:off x="4855633" y="609600"/>
-            <a:ext cx="6411924" cy="5181600"/>
+            <a:off x="3641725" y="609600"/>
+            <a:ext cx="4808943" cy="5181600"/>
           </a:xfrm>
         </p:spPr>
         <p:txBody>
@@ -5316,8 +5336,8 @@
         </p:nvSpPr>
         <p:spPr>
           <a:xfrm>
-            <a:off x="913795" y="2431518"/>
-            <a:ext cx="3706889" cy="3359681"/>
+            <a:off x="685347" y="2431518"/>
+            <a:ext cx="2780167" cy="3359681"/>
           </a:xfrm>
         </p:spPr>
         <p:txBody>
@@ -5439,13 +5459,18 @@
     </p:spTree>
     <p:extLst>
       <p:ext uri="{BB962C8B-B14F-4D97-AF65-F5344CB8AC3E}">
-        <p14:creationId xmlns:p14="http://schemas.microsoft.com/office/powerpoint/2010/main" val="3338483809"/>
+        <p14:creationId xmlns:p14="http://schemas.microsoft.com/office/powerpoint/2010/main" val="2807098573"/>
       </p:ext>
     </p:extLst>
   </p:cSld>
   <p:clrMapOvr>
     <a:masterClrMapping/>
   </p:clrMapOvr>
+  <p:extLst>
+    <p:ext uri="{DCECCB84-F9BA-43D5-87BE-67443E8EF086}">
+      <p15:sldGuideLst xmlns:p15="http://schemas.microsoft.com/office/powerpoint/2012/main"/>
+    </p:ext>
+  </p:extLst>
 </p:sldLayout>
 </file>
 
@@ -5468,7 +5493,7 @@
       </p:grpSpPr>
       <p:pic>
         <p:nvPicPr>
-          <p:cNvPr id="22" name="Picture 21" descr="Slate-V2-HD-vertPhotoInset.png"/>
+          <p:cNvPr id="12" name="Picture 11" descr="Slate-V2-SD-vertPhotoInset.png"/>
           <p:cNvPicPr>
             <a:picLocks noChangeAspect="1"/>
           </p:cNvPicPr>
@@ -5488,8 +5513,8 @@
         </p:blipFill>
         <p:spPr>
           <a:xfrm>
-            <a:off x="7293665" y="609600"/>
-            <a:ext cx="3584166" cy="5204832"/>
+            <a:off x="4844987" y="609923"/>
+            <a:ext cx="3428146" cy="5205472"/>
           </a:xfrm>
           <a:prstGeom prst="rect">
             <a:avLst/>
@@ -5508,8 +5533,8 @@
         </p:nvSpPr>
         <p:spPr>
           <a:xfrm>
-            <a:off x="913795" y="609923"/>
-            <a:ext cx="5934949" cy="1829338"/>
+            <a:off x="685347" y="609923"/>
+            <a:ext cx="3924676" cy="1829338"/>
           </a:xfrm>
         </p:spPr>
         <p:txBody>
@@ -5542,8 +5567,8 @@
         </p:nvSpPr>
         <p:spPr>
           <a:xfrm>
-            <a:off x="7442551" y="763702"/>
-            <a:ext cx="3275751" cy="4912822"/>
+            <a:off x="4976728" y="743989"/>
+            <a:ext cx="3165375" cy="4912822"/>
           </a:xfrm>
           <a:effectLst>
             <a:outerShdw blurRad="38100" dist="25400" dir="4440000">
@@ -5616,8 +5641,8 @@
         </p:nvSpPr>
         <p:spPr>
           <a:xfrm>
-            <a:off x="913795" y="2439261"/>
-            <a:ext cx="5934949" cy="3376134"/>
+            <a:off x="685347" y="2439261"/>
+            <a:ext cx="3924676" cy="3376134"/>
           </a:xfrm>
         </p:spPr>
         <p:txBody>
@@ -5739,7 +5764,7 @@
     </p:spTree>
     <p:extLst>
       <p:ext uri="{BB962C8B-B14F-4D97-AF65-F5344CB8AC3E}">
-        <p14:creationId xmlns:p14="http://schemas.microsoft.com/office/powerpoint/2010/main" val="1020488676"/>
+        <p14:creationId xmlns:p14="http://schemas.microsoft.com/office/powerpoint/2010/main" val="960327087"/>
       </p:ext>
     </p:extLst>
   </p:cSld>
@@ -5783,8 +5808,8 @@
         </p:nvSpPr>
         <p:spPr>
           <a:xfrm>
-            <a:off x="913795" y="609600"/>
-            <a:ext cx="10353762" cy="970450"/>
+            <a:off x="685346" y="609600"/>
+            <a:ext cx="7765322" cy="970450"/>
           </a:xfrm>
           <a:prstGeom prst="rect">
             <a:avLst/>
@@ -5823,8 +5848,8 @@
         </p:nvSpPr>
         <p:spPr>
           <a:xfrm>
-            <a:off x="913795" y="1732449"/>
-            <a:ext cx="10353762" cy="4058751"/>
+            <a:off x="685346" y="1732450"/>
+            <a:ext cx="7765322" cy="4058751"/>
           </a:xfrm>
           <a:prstGeom prst="rect">
             <a:avLst/>
@@ -5892,8 +5917,8 @@
         </p:nvSpPr>
         <p:spPr>
           <a:xfrm>
-            <a:off x="7678736" y="5883275"/>
-            <a:ext cx="2743200" cy="365125"/>
+            <a:off x="5759052" y="5883276"/>
+            <a:ext cx="2057400" cy="365125"/>
           </a:xfrm>
           <a:prstGeom prst="rect">
             <a:avLst/>
@@ -5940,8 +5965,8 @@
         </p:nvSpPr>
         <p:spPr>
           <a:xfrm>
-            <a:off x="913795" y="5883275"/>
-            <a:ext cx="6672865" cy="365125"/>
+            <a:off x="685347" y="5883276"/>
+            <a:ext cx="5004649" cy="365125"/>
           </a:xfrm>
           <a:prstGeom prst="rect">
             <a:avLst/>
@@ -5984,8 +6009,8 @@
         </p:nvSpPr>
         <p:spPr>
           <a:xfrm>
-            <a:off x="10514011" y="5883275"/>
-            <a:ext cx="753545" cy="365125"/>
+            <a:off x="7885509" y="5883276"/>
+            <a:ext cx="565159" cy="365125"/>
           </a:xfrm>
           <a:prstGeom prst="rect">
             <a:avLst/>
@@ -6029,7 +6054,7 @@
         <p:spPr>
           <a:xfrm>
             <a:off x="0" y="6520180"/>
-            <a:ext cx="12192000" cy="369332"/>
+            <a:ext cx="9144000" cy="300082"/>
           </a:xfrm>
           <a:prstGeom prst="rect">
             <a:avLst/>
@@ -6042,7 +6067,7 @@
           </a:bodyPr>
           <a:lstStyle/>
           <a:p>
-            <a:endParaRPr lang="en-US">
+            <a:endParaRPr lang="en-US" sz="1350">
               <a:solidFill>
                 <a:schemeClr val="tx1"/>
               </a:solidFill>
@@ -6053,37 +6078,30 @@
     </p:spTree>
     <p:extLst>
       <p:ext uri="{BB962C8B-B14F-4D97-AF65-F5344CB8AC3E}">
-        <p14:creationId xmlns:p14="http://schemas.microsoft.com/office/powerpoint/2010/main" val="3812761939"/>
+        <p14:creationId xmlns:p14="http://schemas.microsoft.com/office/powerpoint/2010/main" val="4283912744"/>
       </p:ext>
     </p:extLst>
   </p:cSld>
   <p:clrMap bg1="dk1" tx1="lt1" bg2="dk2" tx2="lt2" accent1="accent1" accent2="accent2" accent3="accent3" accent4="accent4" accent5="accent5" accent6="accent6" hlink="hlink" folHlink="folHlink"/>
   <p:sldLayoutIdLst>
-    <p:sldLayoutId id="2147483709" r:id="rId1"/>
-    <p:sldLayoutId id="2147483710" r:id="rId2"/>
-    <p:sldLayoutId id="2147483711" r:id="rId3"/>
-    <p:sldLayoutId id="2147483712" r:id="rId4"/>
-    <p:sldLayoutId id="2147483713" r:id="rId5"/>
-    <p:sldLayoutId id="2147483714" r:id="rId6"/>
-    <p:sldLayoutId id="2147483715" r:id="rId7"/>
-    <p:sldLayoutId id="2147483716" r:id="rId8"/>
-    <p:sldLayoutId id="2147483717" r:id="rId9"/>
-    <p:sldLayoutId id="2147483718" r:id="rId10"/>
-    <p:sldLayoutId id="2147483719" r:id="rId11"/>
-    <p:sldLayoutId id="2147483720" r:id="rId12"/>
-    <p:sldLayoutId id="2147483721" r:id="rId13"/>
-    <p:sldLayoutId id="2147483722" r:id="rId14"/>
-    <p:sldLayoutId id="2147483723" r:id="rId15"/>
-    <p:sldLayoutId id="2147483724" r:id="rId16"/>
-    <p:sldLayoutId id="2147483725" r:id="rId17"/>
+    <p:sldLayoutId id="2147484330" r:id="rId1"/>
+    <p:sldLayoutId id="2147484331" r:id="rId2"/>
+    <p:sldLayoutId id="2147484332" r:id="rId3"/>
+    <p:sldLayoutId id="2147484333" r:id="rId4"/>
+    <p:sldLayoutId id="2147484334" r:id="rId5"/>
+    <p:sldLayoutId id="2147484335" r:id="rId6"/>
+    <p:sldLayoutId id="2147484336" r:id="rId7"/>
+    <p:sldLayoutId id="2147484337" r:id="rId8"/>
+    <p:sldLayoutId id="2147484338" r:id="rId9"/>
+    <p:sldLayoutId id="2147484339" r:id="rId10"/>
+    <p:sldLayoutId id="2147484340" r:id="rId11"/>
+    <p:sldLayoutId id="2147484341" r:id="rId12"/>
+    <p:sldLayoutId id="2147484342" r:id="rId13"/>
+    <p:sldLayoutId id="2147484343" r:id="rId14"/>
+    <p:sldLayoutId id="2147484344" r:id="rId15"/>
+    <p:sldLayoutId id="2147484345" r:id="rId16"/>
+    <p:sldLayoutId id="2147484346" r:id="rId17"/>
   </p:sldLayoutIdLst>
-  <p:timing>
-    <p:tnLst>
-      <p:par>
-        <p:cTn id="1" dur="indefinite" restart="never" nodeType="tmRoot"/>
-      </p:par>
-    </p:tnLst>
-  </p:timing>
   <p:txStyles>
     <p:titleStyle>
       <a:lvl1pPr algn="ctr" defTabSz="457200" rtl="0" eaLnBrk="1" latinLnBrk="0" hangingPunct="1">
@@ -6650,21 +6668,21 @@
         </p:nvSpPr>
         <p:spPr>
           <a:xfrm>
-            <a:off x="626533" y="1769540"/>
-            <a:ext cx="10947400" cy="1828801"/>
+            <a:off x="469900" y="2184405"/>
+            <a:ext cx="8210550" cy="1371601"/>
           </a:xfrm>
         </p:spPr>
         <p:txBody>
           <a:bodyPr>
-            <a:normAutofit fontScale="90000"/>
+            <a:noAutofit/>
           </a:bodyPr>
           <a:lstStyle/>
           <a:p>
             <a:r>
-              <a:rPr lang="pt-BR" dirty="0" smtClean="0"/>
+              <a:rPr lang="pt-BR" sz="4000" dirty="0" smtClean="0"/>
               <a:t>Um Algoritmo de Colônia de Formigas para Otimização de Rotas de Ônibus na Cidade do México</a:t>
             </a:r>
-            <a:endParaRPr lang="pt-BR" dirty="0"/>
+            <a:endParaRPr lang="pt-BR" sz="4000" dirty="0"/>
           </a:p>
         </p:txBody>
       </p:sp>
@@ -6721,8 +6739,8 @@
         </p:nvSpPr>
         <p:spPr>
           <a:xfrm>
-            <a:off x="0" y="6520180"/>
-            <a:ext cx="184731" cy="369332"/>
+            <a:off x="1" y="5747385"/>
+            <a:ext cx="184731" cy="300082"/>
           </a:xfrm>
           <a:prstGeom prst="rect">
             <a:avLst/>
@@ -6735,7 +6753,7 @@
           </a:bodyPr>
           <a:lstStyle/>
           <a:p>
-            <a:endParaRPr lang="en-US"/>
+            <a:endParaRPr lang="en-US" sz="1350"/>
           </a:p>
         </p:txBody>
       </p:sp>
@@ -6751,10 +6769,10 @@
   </p:clrMapOvr>
   <mc:AlternateContent xmlns:mc="http://schemas.openxmlformats.org/markup-compatibility/2006">
     <mc:Choice xmlns:p14="http://schemas.microsoft.com/office/powerpoint/2010/main" Requires="p14">
-      <p:transition spd="slow" p14:dur="2000" advTm="21638"/>
+      <p:transition spd="slow" p14:dur="2000" advTm="2039"/>
     </mc:Choice>
     <mc:Fallback>
-      <p:transition spd="slow" advTm="21638"/>
+      <p:transition spd="slow" advTm="2039"/>
     </mc:Fallback>
   </mc:AlternateContent>
   <p:timing>
@@ -7029,7 +7047,7 @@
         <p:spPr/>
         <p:txBody>
           <a:bodyPr>
-            <a:normAutofit fontScale="92500" lnSpcReduction="10000"/>
+            <a:normAutofit fontScale="92500" lnSpcReduction="20000"/>
           </a:bodyPr>
           <a:lstStyle/>
           <a:p>
@@ -7140,7 +7158,7 @@
         <p:spPr/>
         <p:txBody>
           <a:bodyPr>
-            <a:normAutofit fontScale="92500" lnSpcReduction="10000"/>
+            <a:normAutofit fontScale="92500" lnSpcReduction="20000"/>
           </a:bodyPr>
           <a:lstStyle/>
           <a:p>
@@ -7249,7 +7267,9 @@
         </p:nvSpPr>
         <p:spPr/>
         <p:txBody>
-          <a:bodyPr/>
+          <a:bodyPr>
+            <a:normAutofit/>
+          </a:bodyPr>
           <a:lstStyle/>
           <a:p>
             <a:r>
@@ -7786,7 +7806,7 @@
             </a:r>
           </a:p>
           <a:p>
-            <a:pPr marL="36900" indent="0">
+            <a:pPr marL="27675" indent="0">
               <a:buNone/>
             </a:pPr>
             <a:endParaRPr lang="en-US" dirty="0"/>
@@ -8459,8 +8479,8 @@
         </p:blipFill>
         <p:spPr>
           <a:xfrm>
-            <a:off x="3895926" y="2646301"/>
-            <a:ext cx="4389500" cy="1874682"/>
+            <a:off x="2921945" y="2841976"/>
+            <a:ext cx="3292125" cy="1406012"/>
           </a:xfrm>
           <a:prstGeom prst="rect">
             <a:avLst/>
@@ -8482,8 +8502,8 @@
         </p:nvSpPr>
         <p:spPr>
           <a:xfrm>
-            <a:off x="2354362" y="4673382"/>
-            <a:ext cx="7461979" cy="400110"/>
+            <a:off x="1765771" y="4362287"/>
+            <a:ext cx="5644622" cy="323165"/>
           </a:xfrm>
           <a:prstGeom prst="rect">
             <a:avLst/>
@@ -8497,7 +8517,7 @@
           <a:lstStyle/>
           <a:p>
             <a:r>
-              <a:rPr lang="pt-BR" sz="2000" dirty="0">
+              <a:rPr lang="pt-BR" sz="1500" dirty="0">
                 <a:ln>
                   <a:solidFill>
                     <a:schemeClr val="bg1">
@@ -8520,7 +8540,7 @@
               </a:rPr>
               <a:t>Formigas seguindo a concentração de feromônios. Adaptado de [8]</a:t>
             </a:r>
-            <a:endParaRPr lang="en-US" sz="2000" dirty="0">
+            <a:endParaRPr lang="en-US" sz="1500" dirty="0">
               <a:ln>
                 <a:solidFill>
                   <a:schemeClr val="bg1">
@@ -8630,8 +8650,8 @@
         </p:blipFill>
         <p:spPr>
           <a:xfrm>
-            <a:off x="1410494" y="3018631"/>
-            <a:ext cx="4067175" cy="1485900"/>
+            <a:off x="1057871" y="3121223"/>
+            <a:ext cx="3050381" cy="1114425"/>
           </a:xfrm>
           <a:prstGeom prst="rect">
             <a:avLst/>
@@ -8694,8 +8714,8 @@
         </p:nvSpPr>
         <p:spPr>
           <a:xfrm>
-            <a:off x="611478" y="4656930"/>
-            <a:ext cx="5665205" cy="400110"/>
+            <a:off x="458608" y="4349948"/>
+            <a:ext cx="4299510" cy="323165"/>
           </a:xfrm>
           <a:prstGeom prst="rect">
             <a:avLst/>
@@ -8709,7 +8729,7 @@
           <a:lstStyle/>
           <a:p>
             <a:r>
-              <a:rPr lang="pt-BR" sz="2000" dirty="0">
+              <a:rPr lang="pt-BR" sz="1500" dirty="0">
                 <a:ln>
                   <a:solidFill>
                     <a:schemeClr val="bg1">
@@ -8732,7 +8752,7 @@
               </a:rPr>
               <a:t>Algoritmo genérico de ACO. Adaptado de [16, 19]</a:t>
             </a:r>
-            <a:endParaRPr lang="en-US" sz="2000" dirty="0">
+            <a:endParaRPr lang="en-US" sz="1500" dirty="0">
               <a:ln>
                 <a:solidFill>
                   <a:schemeClr val="bg1">

--- a/Um Algoritmo de Colônia de Formigas para Otimização.pptx
+++ b/Um Algoritmo de Colônia de Formigas para Otimização.pptx
@@ -5,7 +5,7 @@
     <p:sldMasterId id="2147484329" r:id="rId1"/>
   </p:sldMasterIdLst>
   <p:notesMasterIdLst>
-    <p:notesMasterId r:id="rId22"/>
+    <p:notesMasterId r:id="rId23"/>
   </p:notesMasterIdLst>
   <p:sldIdLst>
     <p:sldId id="256" r:id="rId2"/>
@@ -26,8 +26,9 @@
     <p:sldId id="270" r:id="rId17"/>
     <p:sldId id="271" r:id="rId18"/>
     <p:sldId id="272" r:id="rId19"/>
-    <p:sldId id="273" r:id="rId20"/>
-    <p:sldId id="259" r:id="rId21"/>
+    <p:sldId id="277" r:id="rId20"/>
+    <p:sldId id="273" r:id="rId21"/>
+    <p:sldId id="259" r:id="rId22"/>
   </p:sldIdLst>
   <p:sldSz cx="9144000" cy="6858000" type="screen4x3"/>
   <p:notesSz cx="6858000" cy="9144000"/>
@@ -128,7 +129,7 @@
   </p:defaultTextStyle>
   <p:extLst>
     <p:ext uri="{EFAFB233-063F-42B5-8137-9DF3F51BA10A}">
-      <p15:sldGuideLst xmlns:p15="http://schemas.microsoft.com/office/powerpoint/2012/main" xmlns="">
+      <p15:sldGuideLst xmlns:p15="http://schemas.microsoft.com/office/powerpoint/2012/main">
         <p15:guide id="1" orient="horz" pos="2160" userDrawn="1">
           <p15:clr>
             <a:srgbClr val="A4A3A4"/>
@@ -142,7 +143,7 @@
       </p15:sldGuideLst>
     </p:ext>
     <p:ext uri="{2D200454-40CA-4A62-9FC3-DE9A4176ACB9}">
-      <p15:notesGuideLst xmlns:p15="http://schemas.microsoft.com/office/powerpoint/2012/main" xmlns="">
+      <p15:notesGuideLst xmlns:p15="http://schemas.microsoft.com/office/powerpoint/2012/main">
         <p15:guide id="1" orient="horz" pos="2880" userDrawn="1">
           <p15:clr>
             <a:srgbClr val="A4A3A4"/>
@@ -157,6 +158,3940 @@
     </p:ext>
   </p:extLst>
 </p:presentation>
+</file>
+
+<file path=ppt/charts/chart1.xml><?xml version="1.0" encoding="utf-8"?>
+<c:chartSpace xmlns:c="http://schemas.openxmlformats.org/drawingml/2006/chart" xmlns:a="http://schemas.openxmlformats.org/drawingml/2006/main" xmlns:r="http://schemas.openxmlformats.org/officeDocument/2006/relationships">
+  <c:date1904 val="0"/>
+  <c:lang val="en-US"/>
+  <c:roundedCorners val="0"/>
+  <mc:AlternateContent xmlns:mc="http://schemas.openxmlformats.org/markup-compatibility/2006">
+    <mc:Choice xmlns:c14="http://schemas.microsoft.com/office/drawing/2007/8/2/chart" Requires="c14">
+      <c14:style val="102"/>
+    </mc:Choice>
+    <mc:Fallback>
+      <c:style val="2"/>
+    </mc:Fallback>
+  </mc:AlternateContent>
+  <c:chart>
+    <c:title>
+      <c:tx>
+        <c:rich>
+          <a:bodyPr rot="0" spcFirstLastPara="1" vertOverflow="ellipsis" vert="horz" wrap="square" anchor="ctr" anchorCtr="1"/>
+          <a:lstStyle/>
+          <a:p>
+            <a:pPr>
+              <a:defRPr sz="1862" b="0" i="0" u="none" strike="noStrike" kern="1200" spc="0" baseline="0">
+                <a:solidFill>
+                  <a:schemeClr val="tx1">
+                    <a:lumMod val="65000"/>
+                    <a:lumOff val="35000"/>
+                  </a:schemeClr>
+                </a:solidFill>
+                <a:latin typeface="+mn-lt"/>
+                <a:ea typeface="+mn-ea"/>
+                <a:cs typeface="+mn-cs"/>
+              </a:defRPr>
+            </a:pPr>
+            <a:r>
+              <a:rPr lang="en-US" dirty="0" err="1" smtClean="0"/>
+              <a:t>Dist</a:t>
+            </a:r>
+            <a:r>
+              <a:rPr lang="pt-BR" dirty="0" smtClean="0"/>
+              <a:t>ância</a:t>
+            </a:r>
+            <a:endParaRPr lang="en-US" dirty="0"/>
+          </a:p>
+        </c:rich>
+      </c:tx>
+      <c:layout/>
+      <c:overlay val="0"/>
+      <c:spPr>
+        <a:noFill/>
+        <a:ln>
+          <a:noFill/>
+        </a:ln>
+        <a:effectLst/>
+      </c:spPr>
+      <c:txPr>
+        <a:bodyPr rot="0" spcFirstLastPara="1" vertOverflow="ellipsis" vert="horz" wrap="square" anchor="ctr" anchorCtr="1"/>
+        <a:lstStyle/>
+        <a:p>
+          <a:pPr>
+            <a:defRPr sz="1862" b="0" i="0" u="none" strike="noStrike" kern="1200" spc="0" baseline="0">
+              <a:solidFill>
+                <a:schemeClr val="tx1">
+                  <a:lumMod val="65000"/>
+                  <a:lumOff val="35000"/>
+                </a:schemeClr>
+              </a:solidFill>
+              <a:latin typeface="+mn-lt"/>
+              <a:ea typeface="+mn-ea"/>
+              <a:cs typeface="+mn-cs"/>
+            </a:defRPr>
+          </a:pPr>
+          <a:endParaRPr lang="en-US"/>
+        </a:p>
+      </c:txPr>
+    </c:title>
+    <c:autoTitleDeleted val="0"/>
+    <c:plotArea>
+      <c:layout/>
+      <c:barChart>
+        <c:barDir val="col"/>
+        <c:grouping val="clustered"/>
+        <c:varyColors val="0"/>
+        <c:ser>
+          <c:idx val="0"/>
+          <c:order val="0"/>
+          <c:tx>
+            <c:strRef>
+              <c:f>Sheet1!$B$1</c:f>
+              <c:strCache>
+                <c:ptCount val="1"/>
+                <c:pt idx="0">
+                  <c:v>ACO</c:v>
+                </c:pt>
+              </c:strCache>
+            </c:strRef>
+          </c:tx>
+          <c:spPr>
+            <a:solidFill>
+              <a:schemeClr val="accent1"/>
+            </a:solidFill>
+            <a:ln>
+              <a:noFill/>
+            </a:ln>
+            <a:effectLst/>
+          </c:spPr>
+          <c:invertIfNegative val="0"/>
+          <c:cat>
+            <c:numRef>
+              <c:f>Sheet1!$A$2:$A$6</c:f>
+              <c:numCache>
+                <c:formatCode>General</c:formatCode>
+                <c:ptCount val="5"/>
+                <c:pt idx="0">
+                  <c:v>11.7155</c:v>
+                </c:pt>
+                <c:pt idx="1">
+                  <c:v>20.003599999999999</c:v>
+                </c:pt>
+                <c:pt idx="2">
+                  <c:v>31.751899999999999</c:v>
+                </c:pt>
+                <c:pt idx="3">
+                  <c:v>41.419199999999996</c:v>
+                </c:pt>
+                <c:pt idx="4">
+                  <c:v>53.771900000000002</c:v>
+                </c:pt>
+              </c:numCache>
+            </c:numRef>
+          </c:cat>
+          <c:val>
+            <c:numRef>
+              <c:f>Sheet1!$B$2:$B$6</c:f>
+              <c:numCache>
+                <c:formatCode>General</c:formatCode>
+                <c:ptCount val="5"/>
+                <c:pt idx="0">
+                  <c:v>50.286900000000003</c:v>
+                </c:pt>
+                <c:pt idx="1">
+                  <c:v>23.5228</c:v>
+                </c:pt>
+                <c:pt idx="2">
+                  <c:v>66.792100000000005</c:v>
+                </c:pt>
+                <c:pt idx="3">
+                  <c:v>95.741</c:v>
+                </c:pt>
+                <c:pt idx="4">
+                  <c:v>87.027529999999999</c:v>
+                </c:pt>
+              </c:numCache>
+            </c:numRef>
+          </c:val>
+        </c:ser>
+        <c:ser>
+          <c:idx val="1"/>
+          <c:order val="1"/>
+          <c:tx>
+            <c:strRef>
+              <c:f>Sheet1!$C$1</c:f>
+              <c:strCache>
+                <c:ptCount val="1"/>
+                <c:pt idx="0">
+                  <c:v>A*</c:v>
+                </c:pt>
+              </c:strCache>
+            </c:strRef>
+          </c:tx>
+          <c:spPr>
+            <a:solidFill>
+              <a:schemeClr val="accent2"/>
+            </a:solidFill>
+            <a:ln>
+              <a:noFill/>
+            </a:ln>
+            <a:effectLst/>
+          </c:spPr>
+          <c:invertIfNegative val="0"/>
+          <c:cat>
+            <c:numRef>
+              <c:f>Sheet1!$A$2:$A$6</c:f>
+              <c:numCache>
+                <c:formatCode>General</c:formatCode>
+                <c:ptCount val="5"/>
+                <c:pt idx="0">
+                  <c:v>11.7155</c:v>
+                </c:pt>
+                <c:pt idx="1">
+                  <c:v>20.003599999999999</c:v>
+                </c:pt>
+                <c:pt idx="2">
+                  <c:v>31.751899999999999</c:v>
+                </c:pt>
+                <c:pt idx="3">
+                  <c:v>41.419199999999996</c:v>
+                </c:pt>
+                <c:pt idx="4">
+                  <c:v>53.771900000000002</c:v>
+                </c:pt>
+              </c:numCache>
+            </c:numRef>
+          </c:cat>
+          <c:val>
+            <c:numRef>
+              <c:f>Sheet1!$C$2:$C$6</c:f>
+              <c:numCache>
+                <c:formatCode>General</c:formatCode>
+                <c:ptCount val="5"/>
+                <c:pt idx="0">
+                  <c:v>50.286900000000003</c:v>
+                </c:pt>
+                <c:pt idx="1">
+                  <c:v>23.5228</c:v>
+                </c:pt>
+                <c:pt idx="2">
+                  <c:v>66.792100000000005</c:v>
+                </c:pt>
+                <c:pt idx="3">
+                  <c:v>78.625399999999999</c:v>
+                </c:pt>
+                <c:pt idx="4">
+                  <c:v>87.0261</c:v>
+                </c:pt>
+              </c:numCache>
+            </c:numRef>
+          </c:val>
+        </c:ser>
+        <c:ser>
+          <c:idx val="2"/>
+          <c:order val="2"/>
+          <c:tx>
+            <c:strRef>
+              <c:f>Sheet1!$D$1</c:f>
+              <c:strCache>
+                <c:ptCount val="1"/>
+                <c:pt idx="0">
+                  <c:v>Dijkstra</c:v>
+                </c:pt>
+              </c:strCache>
+            </c:strRef>
+          </c:tx>
+          <c:spPr>
+            <a:solidFill>
+              <a:schemeClr val="accent3"/>
+            </a:solidFill>
+            <a:ln>
+              <a:noFill/>
+            </a:ln>
+            <a:effectLst/>
+          </c:spPr>
+          <c:invertIfNegative val="0"/>
+          <c:cat>
+            <c:numRef>
+              <c:f>Sheet1!$A$2:$A$6</c:f>
+              <c:numCache>
+                <c:formatCode>General</c:formatCode>
+                <c:ptCount val="5"/>
+                <c:pt idx="0">
+                  <c:v>11.7155</c:v>
+                </c:pt>
+                <c:pt idx="1">
+                  <c:v>20.003599999999999</c:v>
+                </c:pt>
+                <c:pt idx="2">
+                  <c:v>31.751899999999999</c:v>
+                </c:pt>
+                <c:pt idx="3">
+                  <c:v>41.419199999999996</c:v>
+                </c:pt>
+                <c:pt idx="4">
+                  <c:v>53.771900000000002</c:v>
+                </c:pt>
+              </c:numCache>
+            </c:numRef>
+          </c:cat>
+          <c:val>
+            <c:numRef>
+              <c:f>Sheet1!$D$2:$D$6</c:f>
+              <c:numCache>
+                <c:formatCode>General</c:formatCode>
+                <c:ptCount val="5"/>
+                <c:pt idx="0">
+                  <c:v>50.286900000000003</c:v>
+                </c:pt>
+                <c:pt idx="1">
+                  <c:v>23.5228</c:v>
+                </c:pt>
+                <c:pt idx="2">
+                  <c:v>66.792100000000005</c:v>
+                </c:pt>
+                <c:pt idx="3">
+                  <c:v>78.625399999999999</c:v>
+                </c:pt>
+                <c:pt idx="4">
+                  <c:v>87.0261</c:v>
+                </c:pt>
+              </c:numCache>
+            </c:numRef>
+          </c:val>
+        </c:ser>
+        <c:dLbls>
+          <c:showLegendKey val="0"/>
+          <c:showVal val="0"/>
+          <c:showCatName val="0"/>
+          <c:showSerName val="0"/>
+          <c:showPercent val="0"/>
+          <c:showBubbleSize val="0"/>
+        </c:dLbls>
+        <c:gapWidth val="219"/>
+        <c:overlap val="-27"/>
+        <c:axId val="472355984"/>
+        <c:axId val="472353240"/>
+      </c:barChart>
+      <c:catAx>
+        <c:axId val="472355984"/>
+        <c:scaling>
+          <c:orientation val="minMax"/>
+        </c:scaling>
+        <c:delete val="0"/>
+        <c:axPos val="b"/>
+        <c:numFmt formatCode="General" sourceLinked="1"/>
+        <c:majorTickMark val="none"/>
+        <c:minorTickMark val="none"/>
+        <c:tickLblPos val="nextTo"/>
+        <c:spPr>
+          <a:noFill/>
+          <a:ln w="9525" cap="flat" cmpd="sng" algn="ctr">
+            <a:solidFill>
+              <a:schemeClr val="tx1">
+                <a:lumMod val="15000"/>
+                <a:lumOff val="85000"/>
+              </a:schemeClr>
+            </a:solidFill>
+            <a:round/>
+          </a:ln>
+          <a:effectLst/>
+        </c:spPr>
+        <c:txPr>
+          <a:bodyPr rot="-60000000" spcFirstLastPara="1" vertOverflow="ellipsis" vert="horz" wrap="square" anchor="ctr" anchorCtr="1"/>
+          <a:lstStyle/>
+          <a:p>
+            <a:pPr>
+              <a:defRPr sz="1197" b="0" i="0" u="none" strike="noStrike" kern="1200" baseline="0">
+                <a:solidFill>
+                  <a:schemeClr val="tx1">
+                    <a:lumMod val="65000"/>
+                    <a:lumOff val="35000"/>
+                  </a:schemeClr>
+                </a:solidFill>
+                <a:latin typeface="+mn-lt"/>
+                <a:ea typeface="+mn-ea"/>
+                <a:cs typeface="+mn-cs"/>
+              </a:defRPr>
+            </a:pPr>
+            <a:endParaRPr lang="en-US"/>
+          </a:p>
+        </c:txPr>
+        <c:crossAx val="472353240"/>
+        <c:crosses val="autoZero"/>
+        <c:auto val="1"/>
+        <c:lblAlgn val="ctr"/>
+        <c:lblOffset val="100"/>
+        <c:noMultiLvlLbl val="0"/>
+      </c:catAx>
+      <c:valAx>
+        <c:axId val="472353240"/>
+        <c:scaling>
+          <c:orientation val="minMax"/>
+        </c:scaling>
+        <c:delete val="0"/>
+        <c:axPos val="l"/>
+        <c:majorGridlines>
+          <c:spPr>
+            <a:ln w="9525" cap="flat" cmpd="sng" algn="ctr">
+              <a:solidFill>
+                <a:schemeClr val="tx1">
+                  <a:lumMod val="15000"/>
+                  <a:lumOff val="85000"/>
+                </a:schemeClr>
+              </a:solidFill>
+              <a:round/>
+            </a:ln>
+            <a:effectLst/>
+          </c:spPr>
+        </c:majorGridlines>
+        <c:numFmt formatCode="General" sourceLinked="1"/>
+        <c:majorTickMark val="none"/>
+        <c:minorTickMark val="none"/>
+        <c:tickLblPos val="nextTo"/>
+        <c:spPr>
+          <a:noFill/>
+          <a:ln>
+            <a:noFill/>
+          </a:ln>
+          <a:effectLst/>
+        </c:spPr>
+        <c:txPr>
+          <a:bodyPr rot="-60000000" spcFirstLastPara="1" vertOverflow="ellipsis" vert="horz" wrap="square" anchor="ctr" anchorCtr="1"/>
+          <a:lstStyle/>
+          <a:p>
+            <a:pPr>
+              <a:defRPr sz="1197" b="0" i="0" u="none" strike="noStrike" kern="1200" baseline="0">
+                <a:solidFill>
+                  <a:schemeClr val="tx1">
+                    <a:lumMod val="65000"/>
+                    <a:lumOff val="35000"/>
+                  </a:schemeClr>
+                </a:solidFill>
+                <a:latin typeface="+mn-lt"/>
+                <a:ea typeface="+mn-ea"/>
+                <a:cs typeface="+mn-cs"/>
+              </a:defRPr>
+            </a:pPr>
+            <a:endParaRPr lang="en-US"/>
+          </a:p>
+        </c:txPr>
+        <c:crossAx val="472355984"/>
+        <c:crosses val="autoZero"/>
+        <c:crossBetween val="between"/>
+      </c:valAx>
+      <c:spPr>
+        <a:noFill/>
+        <a:ln>
+          <a:noFill/>
+        </a:ln>
+        <a:effectLst/>
+      </c:spPr>
+    </c:plotArea>
+    <c:plotVisOnly val="1"/>
+    <c:dispBlanksAs val="gap"/>
+    <c:showDLblsOverMax val="0"/>
+  </c:chart>
+  <c:spPr>
+    <a:noFill/>
+    <a:ln>
+      <a:noFill/>
+    </a:ln>
+    <a:effectLst/>
+  </c:spPr>
+  <c:txPr>
+    <a:bodyPr/>
+    <a:lstStyle/>
+    <a:p>
+      <a:pPr>
+        <a:defRPr/>
+      </a:pPr>
+      <a:endParaRPr lang="en-US"/>
+    </a:p>
+  </c:txPr>
+  <c:externalData r:id="rId3">
+    <c:autoUpdate val="0"/>
+  </c:externalData>
+</c:chartSpace>
+</file>
+
+<file path=ppt/charts/chart2.xml><?xml version="1.0" encoding="utf-8"?>
+<c:chartSpace xmlns:c="http://schemas.openxmlformats.org/drawingml/2006/chart" xmlns:a="http://schemas.openxmlformats.org/drawingml/2006/main" xmlns:r="http://schemas.openxmlformats.org/officeDocument/2006/relationships">
+  <c:date1904 val="0"/>
+  <c:lang val="en-US"/>
+  <c:roundedCorners val="0"/>
+  <mc:AlternateContent xmlns:mc="http://schemas.openxmlformats.org/markup-compatibility/2006">
+    <mc:Choice xmlns:c14="http://schemas.microsoft.com/office/drawing/2007/8/2/chart" Requires="c14">
+      <c14:style val="102"/>
+    </mc:Choice>
+    <mc:Fallback>
+      <c:style val="2"/>
+    </mc:Fallback>
+  </mc:AlternateContent>
+  <c:chart>
+    <c:autoTitleDeleted val="1"/>
+    <c:plotArea>
+      <c:layout/>
+      <c:barChart>
+        <c:barDir val="col"/>
+        <c:grouping val="clustered"/>
+        <c:varyColors val="0"/>
+        <c:ser>
+          <c:idx val="0"/>
+          <c:order val="0"/>
+          <c:tx>
+            <c:strRef>
+              <c:f>Sheet1!$B$1</c:f>
+              <c:strCache>
+                <c:ptCount val="1"/>
+                <c:pt idx="0">
+                  <c:v>ACO</c:v>
+                </c:pt>
+              </c:strCache>
+            </c:strRef>
+          </c:tx>
+          <c:spPr>
+            <a:solidFill>
+              <a:schemeClr val="accent1"/>
+            </a:solidFill>
+            <a:ln>
+              <a:noFill/>
+            </a:ln>
+            <a:effectLst/>
+          </c:spPr>
+          <c:invertIfNegative val="0"/>
+          <c:cat>
+            <c:numRef>
+              <c:f>Sheet1!$A$2:$A$6</c:f>
+              <c:numCache>
+                <c:formatCode>General</c:formatCode>
+                <c:ptCount val="5"/>
+                <c:pt idx="0">
+                  <c:v>63.557499999999997</c:v>
+                </c:pt>
+                <c:pt idx="1">
+                  <c:v>72.3459</c:v>
+                </c:pt>
+                <c:pt idx="2">
+                  <c:v>80.5261</c:v>
+                </c:pt>
+                <c:pt idx="3">
+                  <c:v>92.220100000000002</c:v>
+                </c:pt>
+                <c:pt idx="4">
+                  <c:v>100.6024</c:v>
+                </c:pt>
+              </c:numCache>
+            </c:numRef>
+          </c:cat>
+          <c:val>
+            <c:numRef>
+              <c:f>Sheet1!$B$2:$B$6</c:f>
+              <c:numCache>
+                <c:formatCode>General</c:formatCode>
+                <c:ptCount val="5"/>
+                <c:pt idx="0">
+                  <c:v>103.94280000000001</c:v>
+                </c:pt>
+                <c:pt idx="1">
+                  <c:v>94.269400000000005</c:v>
+                </c:pt>
+                <c:pt idx="2">
+                  <c:v>134.74690000000001</c:v>
+                </c:pt>
+                <c:pt idx="3">
+                  <c:v>131.3201</c:v>
+                </c:pt>
+                <c:pt idx="4">
+                  <c:v>147.33109999999999</c:v>
+                </c:pt>
+              </c:numCache>
+            </c:numRef>
+          </c:val>
+        </c:ser>
+        <c:ser>
+          <c:idx val="1"/>
+          <c:order val="1"/>
+          <c:tx>
+            <c:strRef>
+              <c:f>Sheet1!$C$1</c:f>
+              <c:strCache>
+                <c:ptCount val="1"/>
+                <c:pt idx="0">
+                  <c:v>A*</c:v>
+                </c:pt>
+              </c:strCache>
+            </c:strRef>
+          </c:tx>
+          <c:spPr>
+            <a:solidFill>
+              <a:schemeClr val="accent2"/>
+            </a:solidFill>
+            <a:ln>
+              <a:noFill/>
+            </a:ln>
+            <a:effectLst/>
+          </c:spPr>
+          <c:invertIfNegative val="0"/>
+          <c:cat>
+            <c:numRef>
+              <c:f>Sheet1!$A$2:$A$6</c:f>
+              <c:numCache>
+                <c:formatCode>General</c:formatCode>
+                <c:ptCount val="5"/>
+                <c:pt idx="0">
+                  <c:v>63.557499999999997</c:v>
+                </c:pt>
+                <c:pt idx="1">
+                  <c:v>72.3459</c:v>
+                </c:pt>
+                <c:pt idx="2">
+                  <c:v>80.5261</c:v>
+                </c:pt>
+                <c:pt idx="3">
+                  <c:v>92.220100000000002</c:v>
+                </c:pt>
+                <c:pt idx="4">
+                  <c:v>100.6024</c:v>
+                </c:pt>
+              </c:numCache>
+            </c:numRef>
+          </c:cat>
+          <c:val>
+            <c:numRef>
+              <c:f>Sheet1!$C$2:$C$6</c:f>
+              <c:numCache>
+                <c:formatCode>General</c:formatCode>
+                <c:ptCount val="5"/>
+                <c:pt idx="0">
+                  <c:v>103.94280000000001</c:v>
+                </c:pt>
+                <c:pt idx="1">
+                  <c:v>94.269400000000005</c:v>
+                </c:pt>
+                <c:pt idx="2">
+                  <c:v>134.74690000000001</c:v>
+                </c:pt>
+                <c:pt idx="3">
+                  <c:v>131.3201</c:v>
+                </c:pt>
+                <c:pt idx="4">
+                  <c:v>147.33109999999999</c:v>
+                </c:pt>
+              </c:numCache>
+            </c:numRef>
+          </c:val>
+        </c:ser>
+        <c:ser>
+          <c:idx val="2"/>
+          <c:order val="2"/>
+          <c:tx>
+            <c:strRef>
+              <c:f>Sheet1!$D$1</c:f>
+              <c:strCache>
+                <c:ptCount val="1"/>
+                <c:pt idx="0">
+                  <c:v>Dijkstra</c:v>
+                </c:pt>
+              </c:strCache>
+            </c:strRef>
+          </c:tx>
+          <c:spPr>
+            <a:solidFill>
+              <a:schemeClr val="accent3"/>
+            </a:solidFill>
+            <a:ln>
+              <a:noFill/>
+            </a:ln>
+            <a:effectLst/>
+          </c:spPr>
+          <c:invertIfNegative val="0"/>
+          <c:cat>
+            <c:numRef>
+              <c:f>Sheet1!$A$2:$A$6</c:f>
+              <c:numCache>
+                <c:formatCode>General</c:formatCode>
+                <c:ptCount val="5"/>
+                <c:pt idx="0">
+                  <c:v>63.557499999999997</c:v>
+                </c:pt>
+                <c:pt idx="1">
+                  <c:v>72.3459</c:v>
+                </c:pt>
+                <c:pt idx="2">
+                  <c:v>80.5261</c:v>
+                </c:pt>
+                <c:pt idx="3">
+                  <c:v>92.220100000000002</c:v>
+                </c:pt>
+                <c:pt idx="4">
+                  <c:v>100.6024</c:v>
+                </c:pt>
+              </c:numCache>
+            </c:numRef>
+          </c:cat>
+          <c:val>
+            <c:numRef>
+              <c:f>Sheet1!$D$2:$D$6</c:f>
+              <c:numCache>
+                <c:formatCode>General</c:formatCode>
+                <c:ptCount val="5"/>
+                <c:pt idx="0">
+                  <c:v>103.94280000000001</c:v>
+                </c:pt>
+                <c:pt idx="1">
+                  <c:v>94.269400000000005</c:v>
+                </c:pt>
+                <c:pt idx="2">
+                  <c:v>134.74690000000001</c:v>
+                </c:pt>
+                <c:pt idx="3">
+                  <c:v>131.3201</c:v>
+                </c:pt>
+                <c:pt idx="4">
+                  <c:v>147.33109999999999</c:v>
+                </c:pt>
+              </c:numCache>
+            </c:numRef>
+          </c:val>
+        </c:ser>
+        <c:dLbls>
+          <c:showLegendKey val="0"/>
+          <c:showVal val="0"/>
+          <c:showCatName val="0"/>
+          <c:showSerName val="0"/>
+          <c:showPercent val="0"/>
+          <c:showBubbleSize val="0"/>
+        </c:dLbls>
+        <c:gapWidth val="219"/>
+        <c:overlap val="-27"/>
+        <c:axId val="566871344"/>
+        <c:axId val="468466864"/>
+      </c:barChart>
+      <c:catAx>
+        <c:axId val="566871344"/>
+        <c:scaling>
+          <c:orientation val="minMax"/>
+        </c:scaling>
+        <c:delete val="0"/>
+        <c:axPos val="b"/>
+        <c:numFmt formatCode="General" sourceLinked="1"/>
+        <c:majorTickMark val="none"/>
+        <c:minorTickMark val="none"/>
+        <c:tickLblPos val="nextTo"/>
+        <c:spPr>
+          <a:noFill/>
+          <a:ln w="9525" cap="flat" cmpd="sng" algn="ctr">
+            <a:solidFill>
+              <a:schemeClr val="tx1">
+                <a:lumMod val="15000"/>
+                <a:lumOff val="85000"/>
+              </a:schemeClr>
+            </a:solidFill>
+            <a:round/>
+          </a:ln>
+          <a:effectLst/>
+        </c:spPr>
+        <c:txPr>
+          <a:bodyPr rot="-60000000" spcFirstLastPara="1" vertOverflow="ellipsis" vert="horz" wrap="square" anchor="ctr" anchorCtr="1"/>
+          <a:lstStyle/>
+          <a:p>
+            <a:pPr>
+              <a:defRPr sz="1197" b="0" i="0" u="none" strike="noStrike" kern="1200" baseline="0">
+                <a:solidFill>
+                  <a:schemeClr val="tx1">
+                    <a:lumMod val="65000"/>
+                    <a:lumOff val="35000"/>
+                  </a:schemeClr>
+                </a:solidFill>
+                <a:latin typeface="+mn-lt"/>
+                <a:ea typeface="+mn-ea"/>
+                <a:cs typeface="+mn-cs"/>
+              </a:defRPr>
+            </a:pPr>
+            <a:endParaRPr lang="en-US"/>
+          </a:p>
+        </c:txPr>
+        <c:crossAx val="468466864"/>
+        <c:crosses val="autoZero"/>
+        <c:auto val="1"/>
+        <c:lblAlgn val="ctr"/>
+        <c:lblOffset val="100"/>
+        <c:noMultiLvlLbl val="0"/>
+      </c:catAx>
+      <c:valAx>
+        <c:axId val="468466864"/>
+        <c:scaling>
+          <c:orientation val="minMax"/>
+        </c:scaling>
+        <c:delete val="0"/>
+        <c:axPos val="l"/>
+        <c:majorGridlines>
+          <c:spPr>
+            <a:ln w="9525" cap="flat" cmpd="sng" algn="ctr">
+              <a:solidFill>
+                <a:schemeClr val="tx1">
+                  <a:lumMod val="15000"/>
+                  <a:lumOff val="85000"/>
+                </a:schemeClr>
+              </a:solidFill>
+              <a:round/>
+            </a:ln>
+            <a:effectLst/>
+          </c:spPr>
+        </c:majorGridlines>
+        <c:numFmt formatCode="General" sourceLinked="1"/>
+        <c:majorTickMark val="none"/>
+        <c:minorTickMark val="none"/>
+        <c:tickLblPos val="nextTo"/>
+        <c:spPr>
+          <a:noFill/>
+          <a:ln>
+            <a:noFill/>
+          </a:ln>
+          <a:effectLst/>
+        </c:spPr>
+        <c:txPr>
+          <a:bodyPr rot="-60000000" spcFirstLastPara="1" vertOverflow="ellipsis" vert="horz" wrap="square" anchor="ctr" anchorCtr="1"/>
+          <a:lstStyle/>
+          <a:p>
+            <a:pPr>
+              <a:defRPr sz="1197" b="0" i="0" u="none" strike="noStrike" kern="1200" baseline="0">
+                <a:solidFill>
+                  <a:schemeClr val="tx1">
+                    <a:lumMod val="65000"/>
+                    <a:lumOff val="35000"/>
+                  </a:schemeClr>
+                </a:solidFill>
+                <a:latin typeface="+mn-lt"/>
+                <a:ea typeface="+mn-ea"/>
+                <a:cs typeface="+mn-cs"/>
+              </a:defRPr>
+            </a:pPr>
+            <a:endParaRPr lang="en-US"/>
+          </a:p>
+        </c:txPr>
+        <c:crossAx val="566871344"/>
+        <c:crosses val="autoZero"/>
+        <c:crossBetween val="between"/>
+      </c:valAx>
+      <c:spPr>
+        <a:noFill/>
+        <a:ln>
+          <a:noFill/>
+        </a:ln>
+        <a:effectLst/>
+      </c:spPr>
+    </c:plotArea>
+    <c:legend>
+      <c:legendPos val="b"/>
+      <c:layout/>
+      <c:overlay val="0"/>
+      <c:spPr>
+        <a:noFill/>
+        <a:ln>
+          <a:noFill/>
+        </a:ln>
+        <a:effectLst/>
+      </c:spPr>
+      <c:txPr>
+        <a:bodyPr rot="0" spcFirstLastPara="1" vertOverflow="ellipsis" vert="horz" wrap="square" anchor="ctr" anchorCtr="1"/>
+        <a:lstStyle/>
+        <a:p>
+          <a:pPr>
+            <a:defRPr sz="1197" b="0" i="0" u="none" strike="noStrike" kern="1200" baseline="0">
+              <a:solidFill>
+                <a:schemeClr val="tx1">
+                  <a:lumMod val="65000"/>
+                  <a:lumOff val="35000"/>
+                </a:schemeClr>
+              </a:solidFill>
+              <a:latin typeface="+mn-lt"/>
+              <a:ea typeface="+mn-ea"/>
+              <a:cs typeface="+mn-cs"/>
+            </a:defRPr>
+          </a:pPr>
+          <a:endParaRPr lang="en-US"/>
+        </a:p>
+      </c:txPr>
+    </c:legend>
+    <c:plotVisOnly val="1"/>
+    <c:dispBlanksAs val="gap"/>
+    <c:showDLblsOverMax val="0"/>
+  </c:chart>
+  <c:spPr>
+    <a:noFill/>
+    <a:ln>
+      <a:noFill/>
+    </a:ln>
+    <a:effectLst/>
+  </c:spPr>
+  <c:txPr>
+    <a:bodyPr/>
+    <a:lstStyle/>
+    <a:p>
+      <a:pPr>
+        <a:defRPr/>
+      </a:pPr>
+      <a:endParaRPr lang="en-US"/>
+    </a:p>
+  </c:txPr>
+  <c:externalData r:id="rId3">
+    <c:autoUpdate val="0"/>
+  </c:externalData>
+</c:chartSpace>
+</file>
+
+<file path=ppt/charts/chart3.xml><?xml version="1.0" encoding="utf-8"?>
+<c:chartSpace xmlns:c="http://schemas.openxmlformats.org/drawingml/2006/chart" xmlns:a="http://schemas.openxmlformats.org/drawingml/2006/main" xmlns:r="http://schemas.openxmlformats.org/officeDocument/2006/relationships">
+  <c:date1904 val="0"/>
+  <c:lang val="en-US"/>
+  <c:roundedCorners val="0"/>
+  <mc:AlternateContent xmlns:mc="http://schemas.openxmlformats.org/markup-compatibility/2006">
+    <mc:Choice xmlns:c14="http://schemas.microsoft.com/office/drawing/2007/8/2/chart" Requires="c14">
+      <c14:style val="102"/>
+    </mc:Choice>
+    <mc:Fallback>
+      <c:style val="2"/>
+    </mc:Fallback>
+  </mc:AlternateContent>
+  <c:chart>
+    <c:title>
+      <c:tx>
+        <c:rich>
+          <a:bodyPr rot="0" spcFirstLastPara="1" vertOverflow="ellipsis" vert="horz" wrap="square" anchor="ctr" anchorCtr="1"/>
+          <a:lstStyle/>
+          <a:p>
+            <a:pPr>
+              <a:defRPr sz="1862" b="0" i="0" u="none" strike="noStrike" kern="1200" spc="0" baseline="0">
+                <a:solidFill>
+                  <a:schemeClr val="tx1">
+                    <a:lumMod val="65000"/>
+                    <a:lumOff val="35000"/>
+                  </a:schemeClr>
+                </a:solidFill>
+                <a:latin typeface="+mn-lt"/>
+                <a:ea typeface="+mn-ea"/>
+                <a:cs typeface="+mn-cs"/>
+              </a:defRPr>
+            </a:pPr>
+            <a:r>
+              <a:rPr lang="en-US" dirty="0" smtClean="0"/>
+              <a:t>Tempo</a:t>
+            </a:r>
+            <a:endParaRPr lang="en-US" dirty="0"/>
+          </a:p>
+        </c:rich>
+      </c:tx>
+      <c:layout/>
+      <c:overlay val="0"/>
+      <c:spPr>
+        <a:noFill/>
+        <a:ln>
+          <a:noFill/>
+        </a:ln>
+        <a:effectLst/>
+      </c:spPr>
+      <c:txPr>
+        <a:bodyPr rot="0" spcFirstLastPara="1" vertOverflow="ellipsis" vert="horz" wrap="square" anchor="ctr" anchorCtr="1"/>
+        <a:lstStyle/>
+        <a:p>
+          <a:pPr>
+            <a:defRPr sz="1862" b="0" i="0" u="none" strike="noStrike" kern="1200" spc="0" baseline="0">
+              <a:solidFill>
+                <a:schemeClr val="tx1">
+                  <a:lumMod val="65000"/>
+                  <a:lumOff val="35000"/>
+                </a:schemeClr>
+              </a:solidFill>
+              <a:latin typeface="+mn-lt"/>
+              <a:ea typeface="+mn-ea"/>
+              <a:cs typeface="+mn-cs"/>
+            </a:defRPr>
+          </a:pPr>
+          <a:endParaRPr lang="en-US"/>
+        </a:p>
+      </c:txPr>
+    </c:title>
+    <c:autoTitleDeleted val="0"/>
+    <c:plotArea>
+      <c:layout/>
+      <c:barChart>
+        <c:barDir val="col"/>
+        <c:grouping val="clustered"/>
+        <c:varyColors val="0"/>
+        <c:ser>
+          <c:idx val="0"/>
+          <c:order val="0"/>
+          <c:tx>
+            <c:strRef>
+              <c:f>Sheet1!$B$1</c:f>
+              <c:strCache>
+                <c:ptCount val="1"/>
+                <c:pt idx="0">
+                  <c:v>ACO</c:v>
+                </c:pt>
+              </c:strCache>
+            </c:strRef>
+          </c:tx>
+          <c:spPr>
+            <a:solidFill>
+              <a:schemeClr val="accent1"/>
+            </a:solidFill>
+            <a:ln>
+              <a:noFill/>
+            </a:ln>
+            <a:effectLst/>
+          </c:spPr>
+          <c:invertIfNegative val="0"/>
+          <c:cat>
+            <c:numRef>
+              <c:f>Sheet1!$A$2:$A$6</c:f>
+              <c:numCache>
+                <c:formatCode>General</c:formatCode>
+                <c:ptCount val="5"/>
+                <c:pt idx="0">
+                  <c:v>11.7155</c:v>
+                </c:pt>
+                <c:pt idx="1">
+                  <c:v>20.003599999999999</c:v>
+                </c:pt>
+                <c:pt idx="2">
+                  <c:v>31.751899999999999</c:v>
+                </c:pt>
+                <c:pt idx="3">
+                  <c:v>41.419199999999996</c:v>
+                </c:pt>
+                <c:pt idx="4">
+                  <c:v>53.771900000000002</c:v>
+                </c:pt>
+              </c:numCache>
+            </c:numRef>
+          </c:cat>
+          <c:val>
+            <c:numRef>
+              <c:f>Sheet1!$B$2:$B$6</c:f>
+              <c:numCache>
+                <c:formatCode>General</c:formatCode>
+                <c:ptCount val="5"/>
+                <c:pt idx="0">
+                  <c:v>3.8994</c:v>
+                </c:pt>
+                <c:pt idx="1">
+                  <c:v>1.7350000000000001</c:v>
+                </c:pt>
+                <c:pt idx="2">
+                  <c:v>5.4692999999999996</c:v>
+                </c:pt>
+                <c:pt idx="3">
+                  <c:v>6.2435999999999998</c:v>
+                </c:pt>
+                <c:pt idx="4">
+                  <c:v>5.0434000000000001</c:v>
+                </c:pt>
+              </c:numCache>
+            </c:numRef>
+          </c:val>
+        </c:ser>
+        <c:ser>
+          <c:idx val="1"/>
+          <c:order val="1"/>
+          <c:tx>
+            <c:strRef>
+              <c:f>Sheet1!$C$1</c:f>
+              <c:strCache>
+                <c:ptCount val="1"/>
+                <c:pt idx="0">
+                  <c:v>A*</c:v>
+                </c:pt>
+              </c:strCache>
+            </c:strRef>
+          </c:tx>
+          <c:spPr>
+            <a:solidFill>
+              <a:schemeClr val="accent2"/>
+            </a:solidFill>
+            <a:ln>
+              <a:noFill/>
+            </a:ln>
+            <a:effectLst/>
+          </c:spPr>
+          <c:invertIfNegative val="0"/>
+          <c:cat>
+            <c:numRef>
+              <c:f>Sheet1!$A$2:$A$6</c:f>
+              <c:numCache>
+                <c:formatCode>General</c:formatCode>
+                <c:ptCount val="5"/>
+                <c:pt idx="0">
+                  <c:v>11.7155</c:v>
+                </c:pt>
+                <c:pt idx="1">
+                  <c:v>20.003599999999999</c:v>
+                </c:pt>
+                <c:pt idx="2">
+                  <c:v>31.751899999999999</c:v>
+                </c:pt>
+                <c:pt idx="3">
+                  <c:v>41.419199999999996</c:v>
+                </c:pt>
+                <c:pt idx="4">
+                  <c:v>53.771900000000002</c:v>
+                </c:pt>
+              </c:numCache>
+            </c:numRef>
+          </c:cat>
+          <c:val>
+            <c:numRef>
+              <c:f>Sheet1!$C$2:$C$6</c:f>
+              <c:numCache>
+                <c:formatCode>General</c:formatCode>
+                <c:ptCount val="5"/>
+                <c:pt idx="0">
+                  <c:v>3.8994</c:v>
+                </c:pt>
+                <c:pt idx="1">
+                  <c:v>1.7350000000000001</c:v>
+                </c:pt>
+                <c:pt idx="2">
+                  <c:v>4.8056000000000001</c:v>
+                </c:pt>
+                <c:pt idx="3">
+                  <c:v>5.7187999999999999</c:v>
+                </c:pt>
+                <c:pt idx="4">
+                  <c:v>5.0434000000000001</c:v>
+                </c:pt>
+              </c:numCache>
+            </c:numRef>
+          </c:val>
+        </c:ser>
+        <c:ser>
+          <c:idx val="2"/>
+          <c:order val="2"/>
+          <c:tx>
+            <c:strRef>
+              <c:f>Sheet1!$D$1</c:f>
+              <c:strCache>
+                <c:ptCount val="1"/>
+                <c:pt idx="0">
+                  <c:v>Dijkstra</c:v>
+                </c:pt>
+              </c:strCache>
+            </c:strRef>
+          </c:tx>
+          <c:spPr>
+            <a:solidFill>
+              <a:schemeClr val="accent3"/>
+            </a:solidFill>
+            <a:ln>
+              <a:noFill/>
+            </a:ln>
+            <a:effectLst/>
+          </c:spPr>
+          <c:invertIfNegative val="0"/>
+          <c:cat>
+            <c:numRef>
+              <c:f>Sheet1!$A$2:$A$6</c:f>
+              <c:numCache>
+                <c:formatCode>General</c:formatCode>
+                <c:ptCount val="5"/>
+                <c:pt idx="0">
+                  <c:v>11.7155</c:v>
+                </c:pt>
+                <c:pt idx="1">
+                  <c:v>20.003599999999999</c:v>
+                </c:pt>
+                <c:pt idx="2">
+                  <c:v>31.751899999999999</c:v>
+                </c:pt>
+                <c:pt idx="3">
+                  <c:v>41.419199999999996</c:v>
+                </c:pt>
+                <c:pt idx="4">
+                  <c:v>53.771900000000002</c:v>
+                </c:pt>
+              </c:numCache>
+            </c:numRef>
+          </c:cat>
+          <c:val>
+            <c:numRef>
+              <c:f>Sheet1!$D$2:$D$6</c:f>
+              <c:numCache>
+                <c:formatCode>General</c:formatCode>
+                <c:ptCount val="5"/>
+                <c:pt idx="0">
+                  <c:v>3.8994</c:v>
+                </c:pt>
+                <c:pt idx="1">
+                  <c:v>1.7350000000000001</c:v>
+                </c:pt>
+                <c:pt idx="2">
+                  <c:v>4.8056000000000001</c:v>
+                </c:pt>
+                <c:pt idx="3">
+                  <c:v>5.7187999999999999</c:v>
+                </c:pt>
+                <c:pt idx="4">
+                  <c:v>5.0434000000000001</c:v>
+                </c:pt>
+              </c:numCache>
+            </c:numRef>
+          </c:val>
+        </c:ser>
+        <c:dLbls>
+          <c:showLegendKey val="0"/>
+          <c:showVal val="0"/>
+          <c:showCatName val="0"/>
+          <c:showSerName val="0"/>
+          <c:showPercent val="0"/>
+          <c:showBubbleSize val="0"/>
+        </c:dLbls>
+        <c:gapWidth val="219"/>
+        <c:overlap val="-27"/>
+        <c:axId val="576867552"/>
+        <c:axId val="576856968"/>
+      </c:barChart>
+      <c:catAx>
+        <c:axId val="576867552"/>
+        <c:scaling>
+          <c:orientation val="minMax"/>
+        </c:scaling>
+        <c:delete val="0"/>
+        <c:axPos val="b"/>
+        <c:numFmt formatCode="General" sourceLinked="1"/>
+        <c:majorTickMark val="none"/>
+        <c:minorTickMark val="none"/>
+        <c:tickLblPos val="nextTo"/>
+        <c:spPr>
+          <a:noFill/>
+          <a:ln w="9525" cap="flat" cmpd="sng" algn="ctr">
+            <a:solidFill>
+              <a:schemeClr val="tx1">
+                <a:lumMod val="15000"/>
+                <a:lumOff val="85000"/>
+              </a:schemeClr>
+            </a:solidFill>
+            <a:round/>
+          </a:ln>
+          <a:effectLst/>
+        </c:spPr>
+        <c:txPr>
+          <a:bodyPr rot="-60000000" spcFirstLastPara="1" vertOverflow="ellipsis" vert="horz" wrap="square" anchor="ctr" anchorCtr="1"/>
+          <a:lstStyle/>
+          <a:p>
+            <a:pPr>
+              <a:defRPr sz="1197" b="0" i="0" u="none" strike="noStrike" kern="1200" baseline="0">
+                <a:solidFill>
+                  <a:schemeClr val="tx1">
+                    <a:lumMod val="65000"/>
+                    <a:lumOff val="35000"/>
+                  </a:schemeClr>
+                </a:solidFill>
+                <a:latin typeface="+mn-lt"/>
+                <a:ea typeface="+mn-ea"/>
+                <a:cs typeface="+mn-cs"/>
+              </a:defRPr>
+            </a:pPr>
+            <a:endParaRPr lang="en-US"/>
+          </a:p>
+        </c:txPr>
+        <c:crossAx val="576856968"/>
+        <c:crosses val="autoZero"/>
+        <c:auto val="1"/>
+        <c:lblAlgn val="ctr"/>
+        <c:lblOffset val="100"/>
+        <c:noMultiLvlLbl val="0"/>
+      </c:catAx>
+      <c:valAx>
+        <c:axId val="576856968"/>
+        <c:scaling>
+          <c:orientation val="minMax"/>
+        </c:scaling>
+        <c:delete val="0"/>
+        <c:axPos val="l"/>
+        <c:majorGridlines>
+          <c:spPr>
+            <a:ln w="9525" cap="flat" cmpd="sng" algn="ctr">
+              <a:solidFill>
+                <a:schemeClr val="tx1">
+                  <a:lumMod val="15000"/>
+                  <a:lumOff val="85000"/>
+                </a:schemeClr>
+              </a:solidFill>
+              <a:round/>
+            </a:ln>
+            <a:effectLst/>
+          </c:spPr>
+        </c:majorGridlines>
+        <c:numFmt formatCode="General" sourceLinked="1"/>
+        <c:majorTickMark val="none"/>
+        <c:minorTickMark val="none"/>
+        <c:tickLblPos val="nextTo"/>
+        <c:spPr>
+          <a:noFill/>
+          <a:ln>
+            <a:noFill/>
+          </a:ln>
+          <a:effectLst/>
+        </c:spPr>
+        <c:txPr>
+          <a:bodyPr rot="-60000000" spcFirstLastPara="1" vertOverflow="ellipsis" vert="horz" wrap="square" anchor="ctr" anchorCtr="1"/>
+          <a:lstStyle/>
+          <a:p>
+            <a:pPr>
+              <a:defRPr sz="1197" b="0" i="0" u="none" strike="noStrike" kern="1200" baseline="0">
+                <a:solidFill>
+                  <a:schemeClr val="tx1">
+                    <a:lumMod val="65000"/>
+                    <a:lumOff val="35000"/>
+                  </a:schemeClr>
+                </a:solidFill>
+                <a:latin typeface="+mn-lt"/>
+                <a:ea typeface="+mn-ea"/>
+                <a:cs typeface="+mn-cs"/>
+              </a:defRPr>
+            </a:pPr>
+            <a:endParaRPr lang="en-US"/>
+          </a:p>
+        </c:txPr>
+        <c:crossAx val="576867552"/>
+        <c:crosses val="autoZero"/>
+        <c:crossBetween val="between"/>
+      </c:valAx>
+      <c:spPr>
+        <a:noFill/>
+        <a:ln>
+          <a:noFill/>
+        </a:ln>
+        <a:effectLst/>
+      </c:spPr>
+    </c:plotArea>
+    <c:plotVisOnly val="1"/>
+    <c:dispBlanksAs val="gap"/>
+    <c:showDLblsOverMax val="0"/>
+  </c:chart>
+  <c:spPr>
+    <a:noFill/>
+    <a:ln>
+      <a:noFill/>
+    </a:ln>
+    <a:effectLst/>
+  </c:spPr>
+  <c:txPr>
+    <a:bodyPr/>
+    <a:lstStyle/>
+    <a:p>
+      <a:pPr>
+        <a:defRPr/>
+      </a:pPr>
+      <a:endParaRPr lang="en-US"/>
+    </a:p>
+  </c:txPr>
+  <c:externalData r:id="rId3">
+    <c:autoUpdate val="0"/>
+  </c:externalData>
+</c:chartSpace>
+</file>
+
+<file path=ppt/charts/chart4.xml><?xml version="1.0" encoding="utf-8"?>
+<c:chartSpace xmlns:c="http://schemas.openxmlformats.org/drawingml/2006/chart" xmlns:a="http://schemas.openxmlformats.org/drawingml/2006/main" xmlns:r="http://schemas.openxmlformats.org/officeDocument/2006/relationships">
+  <c:date1904 val="0"/>
+  <c:lang val="en-US"/>
+  <c:roundedCorners val="0"/>
+  <mc:AlternateContent xmlns:mc="http://schemas.openxmlformats.org/markup-compatibility/2006">
+    <mc:Choice xmlns:c14="http://schemas.microsoft.com/office/drawing/2007/8/2/chart" Requires="c14">
+      <c14:style val="102"/>
+    </mc:Choice>
+    <mc:Fallback>
+      <c:style val="2"/>
+    </mc:Fallback>
+  </mc:AlternateContent>
+  <c:chart>
+    <c:autoTitleDeleted val="1"/>
+    <c:plotArea>
+      <c:layout/>
+      <c:barChart>
+        <c:barDir val="col"/>
+        <c:grouping val="clustered"/>
+        <c:varyColors val="0"/>
+        <c:ser>
+          <c:idx val="0"/>
+          <c:order val="0"/>
+          <c:tx>
+            <c:strRef>
+              <c:f>Sheet1!$B$1</c:f>
+              <c:strCache>
+                <c:ptCount val="1"/>
+                <c:pt idx="0">
+                  <c:v>ACO</c:v>
+                </c:pt>
+              </c:strCache>
+            </c:strRef>
+          </c:tx>
+          <c:spPr>
+            <a:solidFill>
+              <a:schemeClr val="accent1"/>
+            </a:solidFill>
+            <a:ln>
+              <a:noFill/>
+            </a:ln>
+            <a:effectLst/>
+          </c:spPr>
+          <c:invertIfNegative val="0"/>
+          <c:cat>
+            <c:numRef>
+              <c:f>Sheet1!$A$2:$A$6</c:f>
+              <c:numCache>
+                <c:formatCode>General</c:formatCode>
+                <c:ptCount val="5"/>
+                <c:pt idx="0">
+                  <c:v>63.557499999999997</c:v>
+                </c:pt>
+                <c:pt idx="1">
+                  <c:v>72.3459</c:v>
+                </c:pt>
+                <c:pt idx="2">
+                  <c:v>80.5261</c:v>
+                </c:pt>
+                <c:pt idx="3">
+                  <c:v>92.220100000000002</c:v>
+                </c:pt>
+                <c:pt idx="4">
+                  <c:v>100.6024</c:v>
+                </c:pt>
+              </c:numCache>
+            </c:numRef>
+          </c:cat>
+          <c:val>
+            <c:numRef>
+              <c:f>Sheet1!$B$2:$B$6</c:f>
+              <c:numCache>
+                <c:formatCode>General</c:formatCode>
+                <c:ptCount val="5"/>
+                <c:pt idx="0">
+                  <c:v>0</c:v>
+                </c:pt>
+                <c:pt idx="1">
+                  <c:v>6.6978</c:v>
+                </c:pt>
+                <c:pt idx="2" formatCode="0.00E+00">
+                  <c:v>14.567</c:v>
+                </c:pt>
+                <c:pt idx="3">
+                  <c:v>9.1393000000000004</c:v>
+                </c:pt>
+                <c:pt idx="4" formatCode="0.00E+00">
+                  <c:v>10.233000000000001</c:v>
+                </c:pt>
+              </c:numCache>
+            </c:numRef>
+          </c:val>
+        </c:ser>
+        <c:ser>
+          <c:idx val="1"/>
+          <c:order val="1"/>
+          <c:tx>
+            <c:strRef>
+              <c:f>Sheet1!$C$1</c:f>
+              <c:strCache>
+                <c:ptCount val="1"/>
+                <c:pt idx="0">
+                  <c:v>A*</c:v>
+                </c:pt>
+              </c:strCache>
+            </c:strRef>
+          </c:tx>
+          <c:spPr>
+            <a:solidFill>
+              <a:schemeClr val="accent2"/>
+            </a:solidFill>
+            <a:ln>
+              <a:noFill/>
+            </a:ln>
+            <a:effectLst/>
+          </c:spPr>
+          <c:invertIfNegative val="0"/>
+          <c:cat>
+            <c:numRef>
+              <c:f>Sheet1!$A$2:$A$6</c:f>
+              <c:numCache>
+                <c:formatCode>General</c:formatCode>
+                <c:ptCount val="5"/>
+                <c:pt idx="0">
+                  <c:v>63.557499999999997</c:v>
+                </c:pt>
+                <c:pt idx="1">
+                  <c:v>72.3459</c:v>
+                </c:pt>
+                <c:pt idx="2">
+                  <c:v>80.5261</c:v>
+                </c:pt>
+                <c:pt idx="3">
+                  <c:v>92.220100000000002</c:v>
+                </c:pt>
+                <c:pt idx="4">
+                  <c:v>100.6024</c:v>
+                </c:pt>
+              </c:numCache>
+            </c:numRef>
+          </c:cat>
+          <c:val>
+            <c:numRef>
+              <c:f>Sheet1!$C$2:$C$6</c:f>
+              <c:numCache>
+                <c:formatCode>General</c:formatCode>
+                <c:ptCount val="5"/>
+                <c:pt idx="0">
+                  <c:v>7.2539999999999996</c:v>
+                </c:pt>
+                <c:pt idx="1">
+                  <c:v>6.68</c:v>
+                </c:pt>
+                <c:pt idx="2" formatCode="0.00E+00">
+                  <c:v>14.567</c:v>
+                </c:pt>
+                <c:pt idx="3">
+                  <c:v>9.1393000000000004</c:v>
+                </c:pt>
+                <c:pt idx="4" formatCode="0.00E+00">
+                  <c:v>10.233000000000001</c:v>
+                </c:pt>
+              </c:numCache>
+            </c:numRef>
+          </c:val>
+        </c:ser>
+        <c:ser>
+          <c:idx val="2"/>
+          <c:order val="2"/>
+          <c:tx>
+            <c:strRef>
+              <c:f>Sheet1!$D$1</c:f>
+              <c:strCache>
+                <c:ptCount val="1"/>
+                <c:pt idx="0">
+                  <c:v>Dijkstra</c:v>
+                </c:pt>
+              </c:strCache>
+            </c:strRef>
+          </c:tx>
+          <c:spPr>
+            <a:solidFill>
+              <a:schemeClr val="accent3"/>
+            </a:solidFill>
+            <a:ln>
+              <a:noFill/>
+            </a:ln>
+            <a:effectLst/>
+          </c:spPr>
+          <c:invertIfNegative val="0"/>
+          <c:cat>
+            <c:numRef>
+              <c:f>Sheet1!$A$2:$A$6</c:f>
+              <c:numCache>
+                <c:formatCode>General</c:formatCode>
+                <c:ptCount val="5"/>
+                <c:pt idx="0">
+                  <c:v>63.557499999999997</c:v>
+                </c:pt>
+                <c:pt idx="1">
+                  <c:v>72.3459</c:v>
+                </c:pt>
+                <c:pt idx="2">
+                  <c:v>80.5261</c:v>
+                </c:pt>
+                <c:pt idx="3">
+                  <c:v>92.220100000000002</c:v>
+                </c:pt>
+                <c:pt idx="4">
+                  <c:v>100.6024</c:v>
+                </c:pt>
+              </c:numCache>
+            </c:numRef>
+          </c:cat>
+          <c:val>
+            <c:numRef>
+              <c:f>Sheet1!$D$2:$D$6</c:f>
+              <c:numCache>
+                <c:formatCode>General</c:formatCode>
+                <c:ptCount val="5"/>
+                <c:pt idx="0">
+                  <c:v>7.2539999999999996</c:v>
+                </c:pt>
+                <c:pt idx="1">
+                  <c:v>6.68</c:v>
+                </c:pt>
+                <c:pt idx="2" formatCode="0.00E+00">
+                  <c:v>14.567</c:v>
+                </c:pt>
+                <c:pt idx="3">
+                  <c:v>9.1393000000000004</c:v>
+                </c:pt>
+                <c:pt idx="4" formatCode="0.00E+00">
+                  <c:v>10.233000000000001</c:v>
+                </c:pt>
+              </c:numCache>
+            </c:numRef>
+          </c:val>
+        </c:ser>
+        <c:dLbls>
+          <c:showLegendKey val="0"/>
+          <c:showVal val="0"/>
+          <c:showCatName val="0"/>
+          <c:showSerName val="0"/>
+          <c:showPercent val="0"/>
+          <c:showBubbleSize val="0"/>
+        </c:dLbls>
+        <c:gapWidth val="219"/>
+        <c:overlap val="-27"/>
+        <c:axId val="576861280"/>
+        <c:axId val="576861672"/>
+      </c:barChart>
+      <c:catAx>
+        <c:axId val="576861280"/>
+        <c:scaling>
+          <c:orientation val="minMax"/>
+        </c:scaling>
+        <c:delete val="0"/>
+        <c:axPos val="b"/>
+        <c:numFmt formatCode="General" sourceLinked="1"/>
+        <c:majorTickMark val="none"/>
+        <c:minorTickMark val="none"/>
+        <c:tickLblPos val="nextTo"/>
+        <c:spPr>
+          <a:noFill/>
+          <a:ln w="9525" cap="flat" cmpd="sng" algn="ctr">
+            <a:solidFill>
+              <a:schemeClr val="tx1">
+                <a:lumMod val="15000"/>
+                <a:lumOff val="85000"/>
+              </a:schemeClr>
+            </a:solidFill>
+            <a:round/>
+          </a:ln>
+          <a:effectLst/>
+        </c:spPr>
+        <c:txPr>
+          <a:bodyPr rot="-60000000" spcFirstLastPara="1" vertOverflow="ellipsis" vert="horz" wrap="square" anchor="ctr" anchorCtr="1"/>
+          <a:lstStyle/>
+          <a:p>
+            <a:pPr>
+              <a:defRPr sz="1197" b="0" i="0" u="none" strike="noStrike" kern="1200" baseline="0">
+                <a:solidFill>
+                  <a:schemeClr val="tx1">
+                    <a:lumMod val="65000"/>
+                    <a:lumOff val="35000"/>
+                  </a:schemeClr>
+                </a:solidFill>
+                <a:latin typeface="+mn-lt"/>
+                <a:ea typeface="+mn-ea"/>
+                <a:cs typeface="+mn-cs"/>
+              </a:defRPr>
+            </a:pPr>
+            <a:endParaRPr lang="en-US"/>
+          </a:p>
+        </c:txPr>
+        <c:crossAx val="576861672"/>
+        <c:crosses val="autoZero"/>
+        <c:auto val="1"/>
+        <c:lblAlgn val="ctr"/>
+        <c:lblOffset val="100"/>
+        <c:noMultiLvlLbl val="0"/>
+      </c:catAx>
+      <c:valAx>
+        <c:axId val="576861672"/>
+        <c:scaling>
+          <c:orientation val="minMax"/>
+        </c:scaling>
+        <c:delete val="0"/>
+        <c:axPos val="l"/>
+        <c:majorGridlines>
+          <c:spPr>
+            <a:ln w="9525" cap="flat" cmpd="sng" algn="ctr">
+              <a:solidFill>
+                <a:schemeClr val="tx1">
+                  <a:lumMod val="15000"/>
+                  <a:lumOff val="85000"/>
+                </a:schemeClr>
+              </a:solidFill>
+              <a:round/>
+            </a:ln>
+            <a:effectLst/>
+          </c:spPr>
+        </c:majorGridlines>
+        <c:numFmt formatCode="General" sourceLinked="1"/>
+        <c:majorTickMark val="none"/>
+        <c:minorTickMark val="none"/>
+        <c:tickLblPos val="nextTo"/>
+        <c:spPr>
+          <a:noFill/>
+          <a:ln>
+            <a:noFill/>
+          </a:ln>
+          <a:effectLst/>
+        </c:spPr>
+        <c:txPr>
+          <a:bodyPr rot="-60000000" spcFirstLastPara="1" vertOverflow="ellipsis" vert="horz" wrap="square" anchor="ctr" anchorCtr="1"/>
+          <a:lstStyle/>
+          <a:p>
+            <a:pPr>
+              <a:defRPr sz="1197" b="0" i="0" u="none" strike="noStrike" kern="1200" baseline="0">
+                <a:solidFill>
+                  <a:schemeClr val="tx1">
+                    <a:lumMod val="65000"/>
+                    <a:lumOff val="35000"/>
+                  </a:schemeClr>
+                </a:solidFill>
+                <a:latin typeface="+mn-lt"/>
+                <a:ea typeface="+mn-ea"/>
+                <a:cs typeface="+mn-cs"/>
+              </a:defRPr>
+            </a:pPr>
+            <a:endParaRPr lang="en-US"/>
+          </a:p>
+        </c:txPr>
+        <c:crossAx val="576861280"/>
+        <c:crosses val="autoZero"/>
+        <c:crossBetween val="between"/>
+      </c:valAx>
+      <c:spPr>
+        <a:noFill/>
+        <a:ln>
+          <a:noFill/>
+        </a:ln>
+        <a:effectLst/>
+      </c:spPr>
+    </c:plotArea>
+    <c:legend>
+      <c:legendPos val="b"/>
+      <c:layout/>
+      <c:overlay val="0"/>
+      <c:spPr>
+        <a:noFill/>
+        <a:ln>
+          <a:noFill/>
+        </a:ln>
+        <a:effectLst/>
+      </c:spPr>
+      <c:txPr>
+        <a:bodyPr rot="0" spcFirstLastPara="1" vertOverflow="ellipsis" vert="horz" wrap="square" anchor="ctr" anchorCtr="1"/>
+        <a:lstStyle/>
+        <a:p>
+          <a:pPr>
+            <a:defRPr sz="1197" b="0" i="0" u="none" strike="noStrike" kern="1200" baseline="0">
+              <a:solidFill>
+                <a:schemeClr val="tx1">
+                  <a:lumMod val="65000"/>
+                  <a:lumOff val="35000"/>
+                </a:schemeClr>
+              </a:solidFill>
+              <a:latin typeface="+mn-lt"/>
+              <a:ea typeface="+mn-ea"/>
+              <a:cs typeface="+mn-cs"/>
+            </a:defRPr>
+          </a:pPr>
+          <a:endParaRPr lang="en-US"/>
+        </a:p>
+      </c:txPr>
+    </c:legend>
+    <c:plotVisOnly val="1"/>
+    <c:dispBlanksAs val="gap"/>
+    <c:showDLblsOverMax val="0"/>
+  </c:chart>
+  <c:spPr>
+    <a:noFill/>
+    <a:ln>
+      <a:noFill/>
+    </a:ln>
+    <a:effectLst/>
+  </c:spPr>
+  <c:txPr>
+    <a:bodyPr/>
+    <a:lstStyle/>
+    <a:p>
+      <a:pPr>
+        <a:defRPr/>
+      </a:pPr>
+      <a:endParaRPr lang="en-US"/>
+    </a:p>
+  </c:txPr>
+  <c:externalData r:id="rId3">
+    <c:autoUpdate val="0"/>
+  </c:externalData>
+</c:chartSpace>
+</file>
+
+<file path=ppt/charts/colors1.xml><?xml version="1.0" encoding="utf-8"?>
+<cs:colorStyle xmlns:cs="http://schemas.microsoft.com/office/drawing/2012/chartStyle" xmlns:a="http://schemas.openxmlformats.org/drawingml/2006/main" meth="cycle" id="10">
+  <a:schemeClr val="accent1"/>
+  <a:schemeClr val="accent2"/>
+  <a:schemeClr val="accent3"/>
+  <a:schemeClr val="accent4"/>
+  <a:schemeClr val="accent5"/>
+  <a:schemeClr val="accent6"/>
+  <cs:variation/>
+  <cs:variation>
+    <a:lumMod val="60000"/>
+  </cs:variation>
+  <cs:variation>
+    <a:lumMod val="80000"/>
+    <a:lumOff val="20000"/>
+  </cs:variation>
+  <cs:variation>
+    <a:lumMod val="80000"/>
+  </cs:variation>
+  <cs:variation>
+    <a:lumMod val="60000"/>
+    <a:lumOff val="40000"/>
+  </cs:variation>
+  <cs:variation>
+    <a:lumMod val="50000"/>
+  </cs:variation>
+  <cs:variation>
+    <a:lumMod val="70000"/>
+    <a:lumOff val="30000"/>
+  </cs:variation>
+  <cs:variation>
+    <a:lumMod val="70000"/>
+  </cs:variation>
+  <cs:variation>
+    <a:lumMod val="50000"/>
+    <a:lumOff val="50000"/>
+  </cs:variation>
+</cs:colorStyle>
+</file>
+
+<file path=ppt/charts/colors2.xml><?xml version="1.0" encoding="utf-8"?>
+<cs:colorStyle xmlns:cs="http://schemas.microsoft.com/office/drawing/2012/chartStyle" xmlns:a="http://schemas.openxmlformats.org/drawingml/2006/main" meth="cycle" id="10">
+  <a:schemeClr val="accent1"/>
+  <a:schemeClr val="accent2"/>
+  <a:schemeClr val="accent3"/>
+  <a:schemeClr val="accent4"/>
+  <a:schemeClr val="accent5"/>
+  <a:schemeClr val="accent6"/>
+  <cs:variation/>
+  <cs:variation>
+    <a:lumMod val="60000"/>
+  </cs:variation>
+  <cs:variation>
+    <a:lumMod val="80000"/>
+    <a:lumOff val="20000"/>
+  </cs:variation>
+  <cs:variation>
+    <a:lumMod val="80000"/>
+  </cs:variation>
+  <cs:variation>
+    <a:lumMod val="60000"/>
+    <a:lumOff val="40000"/>
+  </cs:variation>
+  <cs:variation>
+    <a:lumMod val="50000"/>
+  </cs:variation>
+  <cs:variation>
+    <a:lumMod val="70000"/>
+    <a:lumOff val="30000"/>
+  </cs:variation>
+  <cs:variation>
+    <a:lumMod val="70000"/>
+  </cs:variation>
+  <cs:variation>
+    <a:lumMod val="50000"/>
+    <a:lumOff val="50000"/>
+  </cs:variation>
+</cs:colorStyle>
+</file>
+
+<file path=ppt/charts/colors3.xml><?xml version="1.0" encoding="utf-8"?>
+<cs:colorStyle xmlns:cs="http://schemas.microsoft.com/office/drawing/2012/chartStyle" xmlns:a="http://schemas.openxmlformats.org/drawingml/2006/main" meth="cycle" id="10">
+  <a:schemeClr val="accent1"/>
+  <a:schemeClr val="accent2"/>
+  <a:schemeClr val="accent3"/>
+  <a:schemeClr val="accent4"/>
+  <a:schemeClr val="accent5"/>
+  <a:schemeClr val="accent6"/>
+  <cs:variation/>
+  <cs:variation>
+    <a:lumMod val="60000"/>
+  </cs:variation>
+  <cs:variation>
+    <a:lumMod val="80000"/>
+    <a:lumOff val="20000"/>
+  </cs:variation>
+  <cs:variation>
+    <a:lumMod val="80000"/>
+  </cs:variation>
+  <cs:variation>
+    <a:lumMod val="60000"/>
+    <a:lumOff val="40000"/>
+  </cs:variation>
+  <cs:variation>
+    <a:lumMod val="50000"/>
+  </cs:variation>
+  <cs:variation>
+    <a:lumMod val="70000"/>
+    <a:lumOff val="30000"/>
+  </cs:variation>
+  <cs:variation>
+    <a:lumMod val="70000"/>
+  </cs:variation>
+  <cs:variation>
+    <a:lumMod val="50000"/>
+    <a:lumOff val="50000"/>
+  </cs:variation>
+</cs:colorStyle>
+</file>
+
+<file path=ppt/charts/colors4.xml><?xml version="1.0" encoding="utf-8"?>
+<cs:colorStyle xmlns:cs="http://schemas.microsoft.com/office/drawing/2012/chartStyle" xmlns:a="http://schemas.openxmlformats.org/drawingml/2006/main" meth="cycle" id="10">
+  <a:schemeClr val="accent1"/>
+  <a:schemeClr val="accent2"/>
+  <a:schemeClr val="accent3"/>
+  <a:schemeClr val="accent4"/>
+  <a:schemeClr val="accent5"/>
+  <a:schemeClr val="accent6"/>
+  <cs:variation/>
+  <cs:variation>
+    <a:lumMod val="60000"/>
+  </cs:variation>
+  <cs:variation>
+    <a:lumMod val="80000"/>
+    <a:lumOff val="20000"/>
+  </cs:variation>
+  <cs:variation>
+    <a:lumMod val="80000"/>
+  </cs:variation>
+  <cs:variation>
+    <a:lumMod val="60000"/>
+    <a:lumOff val="40000"/>
+  </cs:variation>
+  <cs:variation>
+    <a:lumMod val="50000"/>
+  </cs:variation>
+  <cs:variation>
+    <a:lumMod val="70000"/>
+    <a:lumOff val="30000"/>
+  </cs:variation>
+  <cs:variation>
+    <a:lumMod val="70000"/>
+  </cs:variation>
+  <cs:variation>
+    <a:lumMod val="50000"/>
+    <a:lumOff val="50000"/>
+  </cs:variation>
+</cs:colorStyle>
+</file>
+
+<file path=ppt/charts/style1.xml><?xml version="1.0" encoding="utf-8"?>
+<cs:chartStyle xmlns:cs="http://schemas.microsoft.com/office/drawing/2012/chartStyle" xmlns:a="http://schemas.openxmlformats.org/drawingml/2006/main" id="201">
+  <cs:axisTitle>
+    <cs:lnRef idx="0"/>
+    <cs:fillRef idx="0"/>
+    <cs:effectRef idx="0"/>
+    <cs:fontRef idx="minor">
+      <a:schemeClr val="tx1">
+        <a:lumMod val="65000"/>
+        <a:lumOff val="35000"/>
+      </a:schemeClr>
+    </cs:fontRef>
+    <cs:defRPr sz="1330" kern="1200"/>
+  </cs:axisTitle>
+  <cs:categoryAxis>
+    <cs:lnRef idx="0"/>
+    <cs:fillRef idx="0"/>
+    <cs:effectRef idx="0"/>
+    <cs:fontRef idx="minor">
+      <a:schemeClr val="tx1">
+        <a:lumMod val="65000"/>
+        <a:lumOff val="35000"/>
+      </a:schemeClr>
+    </cs:fontRef>
+    <cs:spPr>
+      <a:ln w="9525" cap="flat" cmpd="sng" algn="ctr">
+        <a:solidFill>
+          <a:schemeClr val="tx1">
+            <a:lumMod val="15000"/>
+            <a:lumOff val="85000"/>
+          </a:schemeClr>
+        </a:solidFill>
+        <a:round/>
+      </a:ln>
+    </cs:spPr>
+    <cs:defRPr sz="1197" kern="1200"/>
+  </cs:categoryAxis>
+  <cs:chartArea mods="allowNoFillOverride allowNoLineOverride">
+    <cs:lnRef idx="0"/>
+    <cs:fillRef idx="0"/>
+    <cs:effectRef idx="0"/>
+    <cs:fontRef idx="minor">
+      <a:schemeClr val="tx1"/>
+    </cs:fontRef>
+    <cs:spPr>
+      <a:solidFill>
+        <a:schemeClr val="bg1"/>
+      </a:solidFill>
+      <a:ln w="9525" cap="flat" cmpd="sng" algn="ctr">
+        <a:solidFill>
+          <a:schemeClr val="tx1">
+            <a:lumMod val="15000"/>
+            <a:lumOff val="85000"/>
+          </a:schemeClr>
+        </a:solidFill>
+        <a:round/>
+      </a:ln>
+    </cs:spPr>
+    <cs:defRPr sz="1330" kern="1200"/>
+  </cs:chartArea>
+  <cs:dataLabel>
+    <cs:lnRef idx="0"/>
+    <cs:fillRef idx="0"/>
+    <cs:effectRef idx="0"/>
+    <cs:fontRef idx="minor">
+      <a:schemeClr val="tx1">
+        <a:lumMod val="75000"/>
+        <a:lumOff val="25000"/>
+      </a:schemeClr>
+    </cs:fontRef>
+    <cs:defRPr sz="1197" kern="1200"/>
+  </cs:dataLabel>
+  <cs:dataLabelCallout>
+    <cs:lnRef idx="0"/>
+    <cs:fillRef idx="0"/>
+    <cs:effectRef idx="0"/>
+    <cs:fontRef idx="minor">
+      <a:schemeClr val="dk1">
+        <a:lumMod val="65000"/>
+        <a:lumOff val="35000"/>
+      </a:schemeClr>
+    </cs:fontRef>
+    <cs:spPr>
+      <a:solidFill>
+        <a:schemeClr val="lt1"/>
+      </a:solidFill>
+      <a:ln>
+        <a:solidFill>
+          <a:schemeClr val="dk1">
+            <a:lumMod val="25000"/>
+            <a:lumOff val="75000"/>
+          </a:schemeClr>
+        </a:solidFill>
+      </a:ln>
+    </cs:spPr>
+    <cs:defRPr sz="1197" kern="1200"/>
+    <cs:bodyPr rot="0" spcFirstLastPara="1" vertOverflow="clip" horzOverflow="clip" vert="horz" wrap="square" lIns="36576" tIns="18288" rIns="36576" bIns="18288" anchor="ctr" anchorCtr="1">
+      <a:spAutoFit/>
+    </cs:bodyPr>
+  </cs:dataLabelCallout>
+  <cs:dataPoint>
+    <cs:lnRef idx="0"/>
+    <cs:fillRef idx="1">
+      <cs:styleClr val="auto"/>
+    </cs:fillRef>
+    <cs:effectRef idx="0"/>
+    <cs:fontRef idx="minor">
+      <a:schemeClr val="tx1"/>
+    </cs:fontRef>
+  </cs:dataPoint>
+  <cs:dataPoint3D>
+    <cs:lnRef idx="0"/>
+    <cs:fillRef idx="1">
+      <cs:styleClr val="auto"/>
+    </cs:fillRef>
+    <cs:effectRef idx="0"/>
+    <cs:fontRef idx="minor">
+      <a:schemeClr val="tx1"/>
+    </cs:fontRef>
+  </cs:dataPoint3D>
+  <cs:dataPointLine>
+    <cs:lnRef idx="0">
+      <cs:styleClr val="auto"/>
+    </cs:lnRef>
+    <cs:fillRef idx="1"/>
+    <cs:effectRef idx="0"/>
+    <cs:fontRef idx="minor">
+      <a:schemeClr val="tx1"/>
+    </cs:fontRef>
+    <cs:spPr>
+      <a:ln w="28575" cap="rnd">
+        <a:solidFill>
+          <a:schemeClr val="phClr"/>
+        </a:solidFill>
+        <a:round/>
+      </a:ln>
+    </cs:spPr>
+  </cs:dataPointLine>
+  <cs:dataPointMarker>
+    <cs:lnRef idx="0">
+      <cs:styleClr val="auto"/>
+    </cs:lnRef>
+    <cs:fillRef idx="1">
+      <cs:styleClr val="auto"/>
+    </cs:fillRef>
+    <cs:effectRef idx="0"/>
+    <cs:fontRef idx="minor">
+      <a:schemeClr val="tx1"/>
+    </cs:fontRef>
+    <cs:spPr>
+      <a:ln w="9525">
+        <a:solidFill>
+          <a:schemeClr val="phClr"/>
+        </a:solidFill>
+      </a:ln>
+    </cs:spPr>
+  </cs:dataPointMarker>
+  <cs:dataPointMarkerLayout symbol="circle" size="5"/>
+  <cs:dataPointWireframe>
+    <cs:lnRef idx="0">
+      <cs:styleClr val="auto"/>
+    </cs:lnRef>
+    <cs:fillRef idx="1"/>
+    <cs:effectRef idx="0"/>
+    <cs:fontRef idx="minor">
+      <a:schemeClr val="tx1"/>
+    </cs:fontRef>
+    <cs:spPr>
+      <a:ln w="9525" cap="rnd">
+        <a:solidFill>
+          <a:schemeClr val="phClr"/>
+        </a:solidFill>
+        <a:round/>
+      </a:ln>
+    </cs:spPr>
+  </cs:dataPointWireframe>
+  <cs:dataTable>
+    <cs:lnRef idx="0"/>
+    <cs:fillRef idx="0"/>
+    <cs:effectRef idx="0"/>
+    <cs:fontRef idx="minor">
+      <a:schemeClr val="tx1">
+        <a:lumMod val="65000"/>
+        <a:lumOff val="35000"/>
+      </a:schemeClr>
+    </cs:fontRef>
+    <cs:spPr>
+      <a:noFill/>
+      <a:ln w="9525" cap="flat" cmpd="sng" algn="ctr">
+        <a:solidFill>
+          <a:schemeClr val="tx1">
+            <a:lumMod val="15000"/>
+            <a:lumOff val="85000"/>
+          </a:schemeClr>
+        </a:solidFill>
+        <a:round/>
+      </a:ln>
+    </cs:spPr>
+    <cs:defRPr sz="1197" kern="1200"/>
+  </cs:dataTable>
+  <cs:downBar>
+    <cs:lnRef idx="0"/>
+    <cs:fillRef idx="0"/>
+    <cs:effectRef idx="0"/>
+    <cs:fontRef idx="minor">
+      <a:schemeClr val="dk1"/>
+    </cs:fontRef>
+    <cs:spPr>
+      <a:solidFill>
+        <a:schemeClr val="dk1">
+          <a:lumMod val="65000"/>
+          <a:lumOff val="35000"/>
+        </a:schemeClr>
+      </a:solidFill>
+      <a:ln w="9525">
+        <a:solidFill>
+          <a:schemeClr val="tx1">
+            <a:lumMod val="65000"/>
+            <a:lumOff val="35000"/>
+          </a:schemeClr>
+        </a:solidFill>
+      </a:ln>
+    </cs:spPr>
+  </cs:downBar>
+  <cs:dropLine>
+    <cs:lnRef idx="0"/>
+    <cs:fillRef idx="0"/>
+    <cs:effectRef idx="0"/>
+    <cs:fontRef idx="minor">
+      <a:schemeClr val="tx1"/>
+    </cs:fontRef>
+    <cs:spPr>
+      <a:ln w="9525" cap="flat" cmpd="sng" algn="ctr">
+        <a:solidFill>
+          <a:schemeClr val="tx1">
+            <a:lumMod val="35000"/>
+            <a:lumOff val="65000"/>
+          </a:schemeClr>
+        </a:solidFill>
+        <a:round/>
+      </a:ln>
+    </cs:spPr>
+  </cs:dropLine>
+  <cs:errorBar>
+    <cs:lnRef idx="0"/>
+    <cs:fillRef idx="0"/>
+    <cs:effectRef idx="0"/>
+    <cs:fontRef idx="minor">
+      <a:schemeClr val="tx1"/>
+    </cs:fontRef>
+    <cs:spPr>
+      <a:ln w="9525" cap="flat" cmpd="sng" algn="ctr">
+        <a:solidFill>
+          <a:schemeClr val="tx1">
+            <a:lumMod val="65000"/>
+            <a:lumOff val="35000"/>
+          </a:schemeClr>
+        </a:solidFill>
+        <a:round/>
+      </a:ln>
+    </cs:spPr>
+  </cs:errorBar>
+  <cs:floor>
+    <cs:lnRef idx="0"/>
+    <cs:fillRef idx="0"/>
+    <cs:effectRef idx="0"/>
+    <cs:fontRef idx="minor">
+      <a:schemeClr val="tx1"/>
+    </cs:fontRef>
+    <cs:spPr>
+      <a:noFill/>
+      <a:ln>
+        <a:noFill/>
+      </a:ln>
+    </cs:spPr>
+  </cs:floor>
+  <cs:gridlineMajor>
+    <cs:lnRef idx="0"/>
+    <cs:fillRef idx="0"/>
+    <cs:effectRef idx="0"/>
+    <cs:fontRef idx="minor">
+      <a:schemeClr val="tx1"/>
+    </cs:fontRef>
+    <cs:spPr>
+      <a:ln w="9525" cap="flat" cmpd="sng" algn="ctr">
+        <a:solidFill>
+          <a:schemeClr val="tx1">
+            <a:lumMod val="15000"/>
+            <a:lumOff val="85000"/>
+          </a:schemeClr>
+        </a:solidFill>
+        <a:round/>
+      </a:ln>
+    </cs:spPr>
+  </cs:gridlineMajor>
+  <cs:gridlineMinor>
+    <cs:lnRef idx="0"/>
+    <cs:fillRef idx="0"/>
+    <cs:effectRef idx="0"/>
+    <cs:fontRef idx="minor">
+      <a:schemeClr val="tx1"/>
+    </cs:fontRef>
+    <cs:spPr>
+      <a:ln w="9525" cap="flat" cmpd="sng" algn="ctr">
+        <a:solidFill>
+          <a:schemeClr val="tx1">
+            <a:lumMod val="5000"/>
+            <a:lumOff val="95000"/>
+          </a:schemeClr>
+        </a:solidFill>
+        <a:round/>
+      </a:ln>
+    </cs:spPr>
+  </cs:gridlineMinor>
+  <cs:hiLoLine>
+    <cs:lnRef idx="0"/>
+    <cs:fillRef idx="0"/>
+    <cs:effectRef idx="0"/>
+    <cs:fontRef idx="minor">
+      <a:schemeClr val="tx1"/>
+    </cs:fontRef>
+    <cs:spPr>
+      <a:ln w="9525" cap="flat" cmpd="sng" algn="ctr">
+        <a:solidFill>
+          <a:schemeClr val="tx1">
+            <a:lumMod val="75000"/>
+            <a:lumOff val="25000"/>
+          </a:schemeClr>
+        </a:solidFill>
+        <a:round/>
+      </a:ln>
+    </cs:spPr>
+  </cs:hiLoLine>
+  <cs:leaderLine>
+    <cs:lnRef idx="0"/>
+    <cs:fillRef idx="0"/>
+    <cs:effectRef idx="0"/>
+    <cs:fontRef idx="minor">
+      <a:schemeClr val="tx1"/>
+    </cs:fontRef>
+    <cs:spPr>
+      <a:ln w="9525" cap="flat" cmpd="sng" algn="ctr">
+        <a:solidFill>
+          <a:schemeClr val="tx1">
+            <a:lumMod val="35000"/>
+            <a:lumOff val="65000"/>
+          </a:schemeClr>
+        </a:solidFill>
+        <a:round/>
+      </a:ln>
+    </cs:spPr>
+  </cs:leaderLine>
+  <cs:legend>
+    <cs:lnRef idx="0"/>
+    <cs:fillRef idx="0"/>
+    <cs:effectRef idx="0"/>
+    <cs:fontRef idx="minor">
+      <a:schemeClr val="tx1">
+        <a:lumMod val="65000"/>
+        <a:lumOff val="35000"/>
+      </a:schemeClr>
+    </cs:fontRef>
+    <cs:defRPr sz="1197" kern="1200"/>
+  </cs:legend>
+  <cs:plotArea mods="allowNoFillOverride allowNoLineOverride">
+    <cs:lnRef idx="0"/>
+    <cs:fillRef idx="0"/>
+    <cs:effectRef idx="0"/>
+    <cs:fontRef idx="minor">
+      <a:schemeClr val="tx1"/>
+    </cs:fontRef>
+  </cs:plotArea>
+  <cs:plotArea3D mods="allowNoFillOverride allowNoLineOverride">
+    <cs:lnRef idx="0"/>
+    <cs:fillRef idx="0"/>
+    <cs:effectRef idx="0"/>
+    <cs:fontRef idx="minor">
+      <a:schemeClr val="tx1"/>
+    </cs:fontRef>
+  </cs:plotArea3D>
+  <cs:seriesAxis>
+    <cs:lnRef idx="0"/>
+    <cs:fillRef idx="0"/>
+    <cs:effectRef idx="0"/>
+    <cs:fontRef idx="minor">
+      <a:schemeClr val="tx1">
+        <a:lumMod val="65000"/>
+        <a:lumOff val="35000"/>
+      </a:schemeClr>
+    </cs:fontRef>
+    <cs:defRPr sz="1197" kern="1200"/>
+  </cs:seriesAxis>
+  <cs:seriesLine>
+    <cs:lnRef idx="0"/>
+    <cs:fillRef idx="0"/>
+    <cs:effectRef idx="0"/>
+    <cs:fontRef idx="minor">
+      <a:schemeClr val="tx1"/>
+    </cs:fontRef>
+    <cs:spPr>
+      <a:ln w="9525" cap="flat" cmpd="sng" algn="ctr">
+        <a:solidFill>
+          <a:schemeClr val="tx1">
+            <a:lumMod val="35000"/>
+            <a:lumOff val="65000"/>
+          </a:schemeClr>
+        </a:solidFill>
+        <a:round/>
+      </a:ln>
+    </cs:spPr>
+  </cs:seriesLine>
+  <cs:title>
+    <cs:lnRef idx="0"/>
+    <cs:fillRef idx="0"/>
+    <cs:effectRef idx="0"/>
+    <cs:fontRef idx="minor">
+      <a:schemeClr val="tx1">
+        <a:lumMod val="65000"/>
+        <a:lumOff val="35000"/>
+      </a:schemeClr>
+    </cs:fontRef>
+    <cs:defRPr sz="1862" b="0" kern="1200" spc="0" baseline="0"/>
+  </cs:title>
+  <cs:trendline>
+    <cs:lnRef idx="0">
+      <cs:styleClr val="auto"/>
+    </cs:lnRef>
+    <cs:fillRef idx="0"/>
+    <cs:effectRef idx="0"/>
+    <cs:fontRef idx="minor">
+      <a:schemeClr val="tx1"/>
+    </cs:fontRef>
+    <cs:spPr>
+      <a:ln w="19050" cap="rnd">
+        <a:solidFill>
+          <a:schemeClr val="phClr"/>
+        </a:solidFill>
+        <a:prstDash val="sysDot"/>
+      </a:ln>
+    </cs:spPr>
+  </cs:trendline>
+  <cs:trendlineLabel>
+    <cs:lnRef idx="0"/>
+    <cs:fillRef idx="0"/>
+    <cs:effectRef idx="0"/>
+    <cs:fontRef idx="minor">
+      <a:schemeClr val="tx1">
+        <a:lumMod val="65000"/>
+        <a:lumOff val="35000"/>
+      </a:schemeClr>
+    </cs:fontRef>
+    <cs:defRPr sz="1197" kern="1200"/>
+  </cs:trendlineLabel>
+  <cs:upBar>
+    <cs:lnRef idx="0"/>
+    <cs:fillRef idx="0"/>
+    <cs:effectRef idx="0"/>
+    <cs:fontRef idx="minor">
+      <a:schemeClr val="dk1"/>
+    </cs:fontRef>
+    <cs:spPr>
+      <a:solidFill>
+        <a:schemeClr val="lt1"/>
+      </a:solidFill>
+      <a:ln w="9525">
+        <a:solidFill>
+          <a:schemeClr val="tx1">
+            <a:lumMod val="15000"/>
+            <a:lumOff val="85000"/>
+          </a:schemeClr>
+        </a:solidFill>
+      </a:ln>
+    </cs:spPr>
+  </cs:upBar>
+  <cs:valueAxis>
+    <cs:lnRef idx="0"/>
+    <cs:fillRef idx="0"/>
+    <cs:effectRef idx="0"/>
+    <cs:fontRef idx="minor">
+      <a:schemeClr val="tx1">
+        <a:lumMod val="65000"/>
+        <a:lumOff val="35000"/>
+      </a:schemeClr>
+    </cs:fontRef>
+    <cs:defRPr sz="1197" kern="1200"/>
+  </cs:valueAxis>
+  <cs:wall>
+    <cs:lnRef idx="0"/>
+    <cs:fillRef idx="0"/>
+    <cs:effectRef idx="0"/>
+    <cs:fontRef idx="minor">
+      <a:schemeClr val="tx1"/>
+    </cs:fontRef>
+    <cs:spPr>
+      <a:noFill/>
+      <a:ln>
+        <a:noFill/>
+      </a:ln>
+    </cs:spPr>
+  </cs:wall>
+</cs:chartStyle>
+</file>
+
+<file path=ppt/charts/style2.xml><?xml version="1.0" encoding="utf-8"?>
+<cs:chartStyle xmlns:cs="http://schemas.microsoft.com/office/drawing/2012/chartStyle" xmlns:a="http://schemas.openxmlformats.org/drawingml/2006/main" id="201">
+  <cs:axisTitle>
+    <cs:lnRef idx="0"/>
+    <cs:fillRef idx="0"/>
+    <cs:effectRef idx="0"/>
+    <cs:fontRef idx="minor">
+      <a:schemeClr val="tx1">
+        <a:lumMod val="65000"/>
+        <a:lumOff val="35000"/>
+      </a:schemeClr>
+    </cs:fontRef>
+    <cs:defRPr sz="1330" kern="1200"/>
+  </cs:axisTitle>
+  <cs:categoryAxis>
+    <cs:lnRef idx="0"/>
+    <cs:fillRef idx="0"/>
+    <cs:effectRef idx="0"/>
+    <cs:fontRef idx="minor">
+      <a:schemeClr val="tx1">
+        <a:lumMod val="65000"/>
+        <a:lumOff val="35000"/>
+      </a:schemeClr>
+    </cs:fontRef>
+    <cs:spPr>
+      <a:ln w="9525" cap="flat" cmpd="sng" algn="ctr">
+        <a:solidFill>
+          <a:schemeClr val="tx1">
+            <a:lumMod val="15000"/>
+            <a:lumOff val="85000"/>
+          </a:schemeClr>
+        </a:solidFill>
+        <a:round/>
+      </a:ln>
+    </cs:spPr>
+    <cs:defRPr sz="1197" kern="1200"/>
+  </cs:categoryAxis>
+  <cs:chartArea mods="allowNoFillOverride allowNoLineOverride">
+    <cs:lnRef idx="0"/>
+    <cs:fillRef idx="0"/>
+    <cs:effectRef idx="0"/>
+    <cs:fontRef idx="minor">
+      <a:schemeClr val="tx1"/>
+    </cs:fontRef>
+    <cs:spPr>
+      <a:solidFill>
+        <a:schemeClr val="bg1"/>
+      </a:solidFill>
+      <a:ln w="9525" cap="flat" cmpd="sng" algn="ctr">
+        <a:solidFill>
+          <a:schemeClr val="tx1">
+            <a:lumMod val="15000"/>
+            <a:lumOff val="85000"/>
+          </a:schemeClr>
+        </a:solidFill>
+        <a:round/>
+      </a:ln>
+    </cs:spPr>
+    <cs:defRPr sz="1330" kern="1200"/>
+  </cs:chartArea>
+  <cs:dataLabel>
+    <cs:lnRef idx="0"/>
+    <cs:fillRef idx="0"/>
+    <cs:effectRef idx="0"/>
+    <cs:fontRef idx="minor">
+      <a:schemeClr val="tx1">
+        <a:lumMod val="75000"/>
+        <a:lumOff val="25000"/>
+      </a:schemeClr>
+    </cs:fontRef>
+    <cs:defRPr sz="1197" kern="1200"/>
+  </cs:dataLabel>
+  <cs:dataLabelCallout>
+    <cs:lnRef idx="0"/>
+    <cs:fillRef idx="0"/>
+    <cs:effectRef idx="0"/>
+    <cs:fontRef idx="minor">
+      <a:schemeClr val="dk1">
+        <a:lumMod val="65000"/>
+        <a:lumOff val="35000"/>
+      </a:schemeClr>
+    </cs:fontRef>
+    <cs:spPr>
+      <a:solidFill>
+        <a:schemeClr val="lt1"/>
+      </a:solidFill>
+      <a:ln>
+        <a:solidFill>
+          <a:schemeClr val="dk1">
+            <a:lumMod val="25000"/>
+            <a:lumOff val="75000"/>
+          </a:schemeClr>
+        </a:solidFill>
+      </a:ln>
+    </cs:spPr>
+    <cs:defRPr sz="1197" kern="1200"/>
+    <cs:bodyPr rot="0" spcFirstLastPara="1" vertOverflow="clip" horzOverflow="clip" vert="horz" wrap="square" lIns="36576" tIns="18288" rIns="36576" bIns="18288" anchor="ctr" anchorCtr="1">
+      <a:spAutoFit/>
+    </cs:bodyPr>
+  </cs:dataLabelCallout>
+  <cs:dataPoint>
+    <cs:lnRef idx="0"/>
+    <cs:fillRef idx="1">
+      <cs:styleClr val="auto"/>
+    </cs:fillRef>
+    <cs:effectRef idx="0"/>
+    <cs:fontRef idx="minor">
+      <a:schemeClr val="tx1"/>
+    </cs:fontRef>
+  </cs:dataPoint>
+  <cs:dataPoint3D>
+    <cs:lnRef idx="0"/>
+    <cs:fillRef idx="1">
+      <cs:styleClr val="auto"/>
+    </cs:fillRef>
+    <cs:effectRef idx="0"/>
+    <cs:fontRef idx="minor">
+      <a:schemeClr val="tx1"/>
+    </cs:fontRef>
+  </cs:dataPoint3D>
+  <cs:dataPointLine>
+    <cs:lnRef idx="0">
+      <cs:styleClr val="auto"/>
+    </cs:lnRef>
+    <cs:fillRef idx="1"/>
+    <cs:effectRef idx="0"/>
+    <cs:fontRef idx="minor">
+      <a:schemeClr val="tx1"/>
+    </cs:fontRef>
+    <cs:spPr>
+      <a:ln w="28575" cap="rnd">
+        <a:solidFill>
+          <a:schemeClr val="phClr"/>
+        </a:solidFill>
+        <a:round/>
+      </a:ln>
+    </cs:spPr>
+  </cs:dataPointLine>
+  <cs:dataPointMarker>
+    <cs:lnRef idx="0">
+      <cs:styleClr val="auto"/>
+    </cs:lnRef>
+    <cs:fillRef idx="1">
+      <cs:styleClr val="auto"/>
+    </cs:fillRef>
+    <cs:effectRef idx="0"/>
+    <cs:fontRef idx="minor">
+      <a:schemeClr val="tx1"/>
+    </cs:fontRef>
+    <cs:spPr>
+      <a:ln w="9525">
+        <a:solidFill>
+          <a:schemeClr val="phClr"/>
+        </a:solidFill>
+      </a:ln>
+    </cs:spPr>
+  </cs:dataPointMarker>
+  <cs:dataPointMarkerLayout symbol="circle" size="5"/>
+  <cs:dataPointWireframe>
+    <cs:lnRef idx="0">
+      <cs:styleClr val="auto"/>
+    </cs:lnRef>
+    <cs:fillRef idx="1"/>
+    <cs:effectRef idx="0"/>
+    <cs:fontRef idx="minor">
+      <a:schemeClr val="tx1"/>
+    </cs:fontRef>
+    <cs:spPr>
+      <a:ln w="9525" cap="rnd">
+        <a:solidFill>
+          <a:schemeClr val="phClr"/>
+        </a:solidFill>
+        <a:round/>
+      </a:ln>
+    </cs:spPr>
+  </cs:dataPointWireframe>
+  <cs:dataTable>
+    <cs:lnRef idx="0"/>
+    <cs:fillRef idx="0"/>
+    <cs:effectRef idx="0"/>
+    <cs:fontRef idx="minor">
+      <a:schemeClr val="tx1">
+        <a:lumMod val="65000"/>
+        <a:lumOff val="35000"/>
+      </a:schemeClr>
+    </cs:fontRef>
+    <cs:spPr>
+      <a:noFill/>
+      <a:ln w="9525" cap="flat" cmpd="sng" algn="ctr">
+        <a:solidFill>
+          <a:schemeClr val="tx1">
+            <a:lumMod val="15000"/>
+            <a:lumOff val="85000"/>
+          </a:schemeClr>
+        </a:solidFill>
+        <a:round/>
+      </a:ln>
+    </cs:spPr>
+    <cs:defRPr sz="1197" kern="1200"/>
+  </cs:dataTable>
+  <cs:downBar>
+    <cs:lnRef idx="0"/>
+    <cs:fillRef idx="0"/>
+    <cs:effectRef idx="0"/>
+    <cs:fontRef idx="minor">
+      <a:schemeClr val="dk1"/>
+    </cs:fontRef>
+    <cs:spPr>
+      <a:solidFill>
+        <a:schemeClr val="dk1">
+          <a:lumMod val="65000"/>
+          <a:lumOff val="35000"/>
+        </a:schemeClr>
+      </a:solidFill>
+      <a:ln w="9525">
+        <a:solidFill>
+          <a:schemeClr val="tx1">
+            <a:lumMod val="65000"/>
+            <a:lumOff val="35000"/>
+          </a:schemeClr>
+        </a:solidFill>
+      </a:ln>
+    </cs:spPr>
+  </cs:downBar>
+  <cs:dropLine>
+    <cs:lnRef idx="0"/>
+    <cs:fillRef idx="0"/>
+    <cs:effectRef idx="0"/>
+    <cs:fontRef idx="minor">
+      <a:schemeClr val="tx1"/>
+    </cs:fontRef>
+    <cs:spPr>
+      <a:ln w="9525" cap="flat" cmpd="sng" algn="ctr">
+        <a:solidFill>
+          <a:schemeClr val="tx1">
+            <a:lumMod val="35000"/>
+            <a:lumOff val="65000"/>
+          </a:schemeClr>
+        </a:solidFill>
+        <a:round/>
+      </a:ln>
+    </cs:spPr>
+  </cs:dropLine>
+  <cs:errorBar>
+    <cs:lnRef idx="0"/>
+    <cs:fillRef idx="0"/>
+    <cs:effectRef idx="0"/>
+    <cs:fontRef idx="minor">
+      <a:schemeClr val="tx1"/>
+    </cs:fontRef>
+    <cs:spPr>
+      <a:ln w="9525" cap="flat" cmpd="sng" algn="ctr">
+        <a:solidFill>
+          <a:schemeClr val="tx1">
+            <a:lumMod val="65000"/>
+            <a:lumOff val="35000"/>
+          </a:schemeClr>
+        </a:solidFill>
+        <a:round/>
+      </a:ln>
+    </cs:spPr>
+  </cs:errorBar>
+  <cs:floor>
+    <cs:lnRef idx="0"/>
+    <cs:fillRef idx="0"/>
+    <cs:effectRef idx="0"/>
+    <cs:fontRef idx="minor">
+      <a:schemeClr val="tx1"/>
+    </cs:fontRef>
+    <cs:spPr>
+      <a:noFill/>
+      <a:ln>
+        <a:noFill/>
+      </a:ln>
+    </cs:spPr>
+  </cs:floor>
+  <cs:gridlineMajor>
+    <cs:lnRef idx="0"/>
+    <cs:fillRef idx="0"/>
+    <cs:effectRef idx="0"/>
+    <cs:fontRef idx="minor">
+      <a:schemeClr val="tx1"/>
+    </cs:fontRef>
+    <cs:spPr>
+      <a:ln w="9525" cap="flat" cmpd="sng" algn="ctr">
+        <a:solidFill>
+          <a:schemeClr val="tx1">
+            <a:lumMod val="15000"/>
+            <a:lumOff val="85000"/>
+          </a:schemeClr>
+        </a:solidFill>
+        <a:round/>
+      </a:ln>
+    </cs:spPr>
+  </cs:gridlineMajor>
+  <cs:gridlineMinor>
+    <cs:lnRef idx="0"/>
+    <cs:fillRef idx="0"/>
+    <cs:effectRef idx="0"/>
+    <cs:fontRef idx="minor">
+      <a:schemeClr val="tx1"/>
+    </cs:fontRef>
+    <cs:spPr>
+      <a:ln w="9525" cap="flat" cmpd="sng" algn="ctr">
+        <a:solidFill>
+          <a:schemeClr val="tx1">
+            <a:lumMod val="5000"/>
+            <a:lumOff val="95000"/>
+          </a:schemeClr>
+        </a:solidFill>
+        <a:round/>
+      </a:ln>
+    </cs:spPr>
+  </cs:gridlineMinor>
+  <cs:hiLoLine>
+    <cs:lnRef idx="0"/>
+    <cs:fillRef idx="0"/>
+    <cs:effectRef idx="0"/>
+    <cs:fontRef idx="minor">
+      <a:schemeClr val="tx1"/>
+    </cs:fontRef>
+    <cs:spPr>
+      <a:ln w="9525" cap="flat" cmpd="sng" algn="ctr">
+        <a:solidFill>
+          <a:schemeClr val="tx1">
+            <a:lumMod val="75000"/>
+            <a:lumOff val="25000"/>
+          </a:schemeClr>
+        </a:solidFill>
+        <a:round/>
+      </a:ln>
+    </cs:spPr>
+  </cs:hiLoLine>
+  <cs:leaderLine>
+    <cs:lnRef idx="0"/>
+    <cs:fillRef idx="0"/>
+    <cs:effectRef idx="0"/>
+    <cs:fontRef idx="minor">
+      <a:schemeClr val="tx1"/>
+    </cs:fontRef>
+    <cs:spPr>
+      <a:ln w="9525" cap="flat" cmpd="sng" algn="ctr">
+        <a:solidFill>
+          <a:schemeClr val="tx1">
+            <a:lumMod val="35000"/>
+            <a:lumOff val="65000"/>
+          </a:schemeClr>
+        </a:solidFill>
+        <a:round/>
+      </a:ln>
+    </cs:spPr>
+  </cs:leaderLine>
+  <cs:legend>
+    <cs:lnRef idx="0"/>
+    <cs:fillRef idx="0"/>
+    <cs:effectRef idx="0"/>
+    <cs:fontRef idx="minor">
+      <a:schemeClr val="tx1">
+        <a:lumMod val="65000"/>
+        <a:lumOff val="35000"/>
+      </a:schemeClr>
+    </cs:fontRef>
+    <cs:defRPr sz="1197" kern="1200"/>
+  </cs:legend>
+  <cs:plotArea mods="allowNoFillOverride allowNoLineOverride">
+    <cs:lnRef idx="0"/>
+    <cs:fillRef idx="0"/>
+    <cs:effectRef idx="0"/>
+    <cs:fontRef idx="minor">
+      <a:schemeClr val="tx1"/>
+    </cs:fontRef>
+  </cs:plotArea>
+  <cs:plotArea3D mods="allowNoFillOverride allowNoLineOverride">
+    <cs:lnRef idx="0"/>
+    <cs:fillRef idx="0"/>
+    <cs:effectRef idx="0"/>
+    <cs:fontRef idx="minor">
+      <a:schemeClr val="tx1"/>
+    </cs:fontRef>
+  </cs:plotArea3D>
+  <cs:seriesAxis>
+    <cs:lnRef idx="0"/>
+    <cs:fillRef idx="0"/>
+    <cs:effectRef idx="0"/>
+    <cs:fontRef idx="minor">
+      <a:schemeClr val="tx1">
+        <a:lumMod val="65000"/>
+        <a:lumOff val="35000"/>
+      </a:schemeClr>
+    </cs:fontRef>
+    <cs:defRPr sz="1197" kern="1200"/>
+  </cs:seriesAxis>
+  <cs:seriesLine>
+    <cs:lnRef idx="0"/>
+    <cs:fillRef idx="0"/>
+    <cs:effectRef idx="0"/>
+    <cs:fontRef idx="minor">
+      <a:schemeClr val="tx1"/>
+    </cs:fontRef>
+    <cs:spPr>
+      <a:ln w="9525" cap="flat" cmpd="sng" algn="ctr">
+        <a:solidFill>
+          <a:schemeClr val="tx1">
+            <a:lumMod val="35000"/>
+            <a:lumOff val="65000"/>
+          </a:schemeClr>
+        </a:solidFill>
+        <a:round/>
+      </a:ln>
+    </cs:spPr>
+  </cs:seriesLine>
+  <cs:title>
+    <cs:lnRef idx="0"/>
+    <cs:fillRef idx="0"/>
+    <cs:effectRef idx="0"/>
+    <cs:fontRef idx="minor">
+      <a:schemeClr val="tx1">
+        <a:lumMod val="65000"/>
+        <a:lumOff val="35000"/>
+      </a:schemeClr>
+    </cs:fontRef>
+    <cs:defRPr sz="1862" b="0" kern="1200" spc="0" baseline="0"/>
+  </cs:title>
+  <cs:trendline>
+    <cs:lnRef idx="0">
+      <cs:styleClr val="auto"/>
+    </cs:lnRef>
+    <cs:fillRef idx="0"/>
+    <cs:effectRef idx="0"/>
+    <cs:fontRef idx="minor">
+      <a:schemeClr val="tx1"/>
+    </cs:fontRef>
+    <cs:spPr>
+      <a:ln w="19050" cap="rnd">
+        <a:solidFill>
+          <a:schemeClr val="phClr"/>
+        </a:solidFill>
+        <a:prstDash val="sysDot"/>
+      </a:ln>
+    </cs:spPr>
+  </cs:trendline>
+  <cs:trendlineLabel>
+    <cs:lnRef idx="0"/>
+    <cs:fillRef idx="0"/>
+    <cs:effectRef idx="0"/>
+    <cs:fontRef idx="minor">
+      <a:schemeClr val="tx1">
+        <a:lumMod val="65000"/>
+        <a:lumOff val="35000"/>
+      </a:schemeClr>
+    </cs:fontRef>
+    <cs:defRPr sz="1197" kern="1200"/>
+  </cs:trendlineLabel>
+  <cs:upBar>
+    <cs:lnRef idx="0"/>
+    <cs:fillRef idx="0"/>
+    <cs:effectRef idx="0"/>
+    <cs:fontRef idx="minor">
+      <a:schemeClr val="dk1"/>
+    </cs:fontRef>
+    <cs:spPr>
+      <a:solidFill>
+        <a:schemeClr val="lt1"/>
+      </a:solidFill>
+      <a:ln w="9525">
+        <a:solidFill>
+          <a:schemeClr val="tx1">
+            <a:lumMod val="15000"/>
+            <a:lumOff val="85000"/>
+          </a:schemeClr>
+        </a:solidFill>
+      </a:ln>
+    </cs:spPr>
+  </cs:upBar>
+  <cs:valueAxis>
+    <cs:lnRef idx="0"/>
+    <cs:fillRef idx="0"/>
+    <cs:effectRef idx="0"/>
+    <cs:fontRef idx="minor">
+      <a:schemeClr val="tx1">
+        <a:lumMod val="65000"/>
+        <a:lumOff val="35000"/>
+      </a:schemeClr>
+    </cs:fontRef>
+    <cs:defRPr sz="1197" kern="1200"/>
+  </cs:valueAxis>
+  <cs:wall>
+    <cs:lnRef idx="0"/>
+    <cs:fillRef idx="0"/>
+    <cs:effectRef idx="0"/>
+    <cs:fontRef idx="minor">
+      <a:schemeClr val="tx1"/>
+    </cs:fontRef>
+    <cs:spPr>
+      <a:noFill/>
+      <a:ln>
+        <a:noFill/>
+      </a:ln>
+    </cs:spPr>
+  </cs:wall>
+</cs:chartStyle>
+</file>
+
+<file path=ppt/charts/style3.xml><?xml version="1.0" encoding="utf-8"?>
+<cs:chartStyle xmlns:cs="http://schemas.microsoft.com/office/drawing/2012/chartStyle" xmlns:a="http://schemas.openxmlformats.org/drawingml/2006/main" id="201">
+  <cs:axisTitle>
+    <cs:lnRef idx="0"/>
+    <cs:fillRef idx="0"/>
+    <cs:effectRef idx="0"/>
+    <cs:fontRef idx="minor">
+      <a:schemeClr val="tx1">
+        <a:lumMod val="65000"/>
+        <a:lumOff val="35000"/>
+      </a:schemeClr>
+    </cs:fontRef>
+    <cs:defRPr sz="1330" kern="1200"/>
+  </cs:axisTitle>
+  <cs:categoryAxis>
+    <cs:lnRef idx="0"/>
+    <cs:fillRef idx="0"/>
+    <cs:effectRef idx="0"/>
+    <cs:fontRef idx="minor">
+      <a:schemeClr val="tx1">
+        <a:lumMod val="65000"/>
+        <a:lumOff val="35000"/>
+      </a:schemeClr>
+    </cs:fontRef>
+    <cs:spPr>
+      <a:ln w="9525" cap="flat" cmpd="sng" algn="ctr">
+        <a:solidFill>
+          <a:schemeClr val="tx1">
+            <a:lumMod val="15000"/>
+            <a:lumOff val="85000"/>
+          </a:schemeClr>
+        </a:solidFill>
+        <a:round/>
+      </a:ln>
+    </cs:spPr>
+    <cs:defRPr sz="1197" kern="1200"/>
+  </cs:categoryAxis>
+  <cs:chartArea mods="allowNoFillOverride allowNoLineOverride">
+    <cs:lnRef idx="0"/>
+    <cs:fillRef idx="0"/>
+    <cs:effectRef idx="0"/>
+    <cs:fontRef idx="minor">
+      <a:schemeClr val="tx1"/>
+    </cs:fontRef>
+    <cs:spPr>
+      <a:solidFill>
+        <a:schemeClr val="bg1"/>
+      </a:solidFill>
+      <a:ln w="9525" cap="flat" cmpd="sng" algn="ctr">
+        <a:solidFill>
+          <a:schemeClr val="tx1">
+            <a:lumMod val="15000"/>
+            <a:lumOff val="85000"/>
+          </a:schemeClr>
+        </a:solidFill>
+        <a:round/>
+      </a:ln>
+    </cs:spPr>
+    <cs:defRPr sz="1330" kern="1200"/>
+  </cs:chartArea>
+  <cs:dataLabel>
+    <cs:lnRef idx="0"/>
+    <cs:fillRef idx="0"/>
+    <cs:effectRef idx="0"/>
+    <cs:fontRef idx="minor">
+      <a:schemeClr val="tx1">
+        <a:lumMod val="75000"/>
+        <a:lumOff val="25000"/>
+      </a:schemeClr>
+    </cs:fontRef>
+    <cs:defRPr sz="1197" kern="1200"/>
+  </cs:dataLabel>
+  <cs:dataLabelCallout>
+    <cs:lnRef idx="0"/>
+    <cs:fillRef idx="0"/>
+    <cs:effectRef idx="0"/>
+    <cs:fontRef idx="minor">
+      <a:schemeClr val="dk1">
+        <a:lumMod val="65000"/>
+        <a:lumOff val="35000"/>
+      </a:schemeClr>
+    </cs:fontRef>
+    <cs:spPr>
+      <a:solidFill>
+        <a:schemeClr val="lt1"/>
+      </a:solidFill>
+      <a:ln>
+        <a:solidFill>
+          <a:schemeClr val="dk1">
+            <a:lumMod val="25000"/>
+            <a:lumOff val="75000"/>
+          </a:schemeClr>
+        </a:solidFill>
+      </a:ln>
+    </cs:spPr>
+    <cs:defRPr sz="1197" kern="1200"/>
+    <cs:bodyPr rot="0" spcFirstLastPara="1" vertOverflow="clip" horzOverflow="clip" vert="horz" wrap="square" lIns="36576" tIns="18288" rIns="36576" bIns="18288" anchor="ctr" anchorCtr="1">
+      <a:spAutoFit/>
+    </cs:bodyPr>
+  </cs:dataLabelCallout>
+  <cs:dataPoint>
+    <cs:lnRef idx="0"/>
+    <cs:fillRef idx="1">
+      <cs:styleClr val="auto"/>
+    </cs:fillRef>
+    <cs:effectRef idx="0"/>
+    <cs:fontRef idx="minor">
+      <a:schemeClr val="tx1"/>
+    </cs:fontRef>
+  </cs:dataPoint>
+  <cs:dataPoint3D>
+    <cs:lnRef idx="0"/>
+    <cs:fillRef idx="1">
+      <cs:styleClr val="auto"/>
+    </cs:fillRef>
+    <cs:effectRef idx="0"/>
+    <cs:fontRef idx="minor">
+      <a:schemeClr val="tx1"/>
+    </cs:fontRef>
+  </cs:dataPoint3D>
+  <cs:dataPointLine>
+    <cs:lnRef idx="0">
+      <cs:styleClr val="auto"/>
+    </cs:lnRef>
+    <cs:fillRef idx="1"/>
+    <cs:effectRef idx="0"/>
+    <cs:fontRef idx="minor">
+      <a:schemeClr val="tx1"/>
+    </cs:fontRef>
+    <cs:spPr>
+      <a:ln w="28575" cap="rnd">
+        <a:solidFill>
+          <a:schemeClr val="phClr"/>
+        </a:solidFill>
+        <a:round/>
+      </a:ln>
+    </cs:spPr>
+  </cs:dataPointLine>
+  <cs:dataPointMarker>
+    <cs:lnRef idx="0">
+      <cs:styleClr val="auto"/>
+    </cs:lnRef>
+    <cs:fillRef idx="1">
+      <cs:styleClr val="auto"/>
+    </cs:fillRef>
+    <cs:effectRef idx="0"/>
+    <cs:fontRef idx="minor">
+      <a:schemeClr val="tx1"/>
+    </cs:fontRef>
+    <cs:spPr>
+      <a:ln w="9525">
+        <a:solidFill>
+          <a:schemeClr val="phClr"/>
+        </a:solidFill>
+      </a:ln>
+    </cs:spPr>
+  </cs:dataPointMarker>
+  <cs:dataPointMarkerLayout symbol="circle" size="5"/>
+  <cs:dataPointWireframe>
+    <cs:lnRef idx="0">
+      <cs:styleClr val="auto"/>
+    </cs:lnRef>
+    <cs:fillRef idx="1"/>
+    <cs:effectRef idx="0"/>
+    <cs:fontRef idx="minor">
+      <a:schemeClr val="tx1"/>
+    </cs:fontRef>
+    <cs:spPr>
+      <a:ln w="9525" cap="rnd">
+        <a:solidFill>
+          <a:schemeClr val="phClr"/>
+        </a:solidFill>
+        <a:round/>
+      </a:ln>
+    </cs:spPr>
+  </cs:dataPointWireframe>
+  <cs:dataTable>
+    <cs:lnRef idx="0"/>
+    <cs:fillRef idx="0"/>
+    <cs:effectRef idx="0"/>
+    <cs:fontRef idx="minor">
+      <a:schemeClr val="tx1">
+        <a:lumMod val="65000"/>
+        <a:lumOff val="35000"/>
+      </a:schemeClr>
+    </cs:fontRef>
+    <cs:spPr>
+      <a:noFill/>
+      <a:ln w="9525" cap="flat" cmpd="sng" algn="ctr">
+        <a:solidFill>
+          <a:schemeClr val="tx1">
+            <a:lumMod val="15000"/>
+            <a:lumOff val="85000"/>
+          </a:schemeClr>
+        </a:solidFill>
+        <a:round/>
+      </a:ln>
+    </cs:spPr>
+    <cs:defRPr sz="1197" kern="1200"/>
+  </cs:dataTable>
+  <cs:downBar>
+    <cs:lnRef idx="0"/>
+    <cs:fillRef idx="0"/>
+    <cs:effectRef idx="0"/>
+    <cs:fontRef idx="minor">
+      <a:schemeClr val="dk1"/>
+    </cs:fontRef>
+    <cs:spPr>
+      <a:solidFill>
+        <a:schemeClr val="dk1">
+          <a:lumMod val="65000"/>
+          <a:lumOff val="35000"/>
+        </a:schemeClr>
+      </a:solidFill>
+      <a:ln w="9525">
+        <a:solidFill>
+          <a:schemeClr val="tx1">
+            <a:lumMod val="65000"/>
+            <a:lumOff val="35000"/>
+          </a:schemeClr>
+        </a:solidFill>
+      </a:ln>
+    </cs:spPr>
+  </cs:downBar>
+  <cs:dropLine>
+    <cs:lnRef idx="0"/>
+    <cs:fillRef idx="0"/>
+    <cs:effectRef idx="0"/>
+    <cs:fontRef idx="minor">
+      <a:schemeClr val="tx1"/>
+    </cs:fontRef>
+    <cs:spPr>
+      <a:ln w="9525" cap="flat" cmpd="sng" algn="ctr">
+        <a:solidFill>
+          <a:schemeClr val="tx1">
+            <a:lumMod val="35000"/>
+            <a:lumOff val="65000"/>
+          </a:schemeClr>
+        </a:solidFill>
+        <a:round/>
+      </a:ln>
+    </cs:spPr>
+  </cs:dropLine>
+  <cs:errorBar>
+    <cs:lnRef idx="0"/>
+    <cs:fillRef idx="0"/>
+    <cs:effectRef idx="0"/>
+    <cs:fontRef idx="minor">
+      <a:schemeClr val="tx1"/>
+    </cs:fontRef>
+    <cs:spPr>
+      <a:ln w="9525" cap="flat" cmpd="sng" algn="ctr">
+        <a:solidFill>
+          <a:schemeClr val="tx1">
+            <a:lumMod val="65000"/>
+            <a:lumOff val="35000"/>
+          </a:schemeClr>
+        </a:solidFill>
+        <a:round/>
+      </a:ln>
+    </cs:spPr>
+  </cs:errorBar>
+  <cs:floor>
+    <cs:lnRef idx="0"/>
+    <cs:fillRef idx="0"/>
+    <cs:effectRef idx="0"/>
+    <cs:fontRef idx="minor">
+      <a:schemeClr val="tx1"/>
+    </cs:fontRef>
+    <cs:spPr>
+      <a:noFill/>
+      <a:ln>
+        <a:noFill/>
+      </a:ln>
+    </cs:spPr>
+  </cs:floor>
+  <cs:gridlineMajor>
+    <cs:lnRef idx="0"/>
+    <cs:fillRef idx="0"/>
+    <cs:effectRef idx="0"/>
+    <cs:fontRef idx="minor">
+      <a:schemeClr val="tx1"/>
+    </cs:fontRef>
+    <cs:spPr>
+      <a:ln w="9525" cap="flat" cmpd="sng" algn="ctr">
+        <a:solidFill>
+          <a:schemeClr val="tx1">
+            <a:lumMod val="15000"/>
+            <a:lumOff val="85000"/>
+          </a:schemeClr>
+        </a:solidFill>
+        <a:round/>
+      </a:ln>
+    </cs:spPr>
+  </cs:gridlineMajor>
+  <cs:gridlineMinor>
+    <cs:lnRef idx="0"/>
+    <cs:fillRef idx="0"/>
+    <cs:effectRef idx="0"/>
+    <cs:fontRef idx="minor">
+      <a:schemeClr val="tx1"/>
+    </cs:fontRef>
+    <cs:spPr>
+      <a:ln w="9525" cap="flat" cmpd="sng" algn="ctr">
+        <a:solidFill>
+          <a:schemeClr val="tx1">
+            <a:lumMod val="5000"/>
+            <a:lumOff val="95000"/>
+          </a:schemeClr>
+        </a:solidFill>
+        <a:round/>
+      </a:ln>
+    </cs:spPr>
+  </cs:gridlineMinor>
+  <cs:hiLoLine>
+    <cs:lnRef idx="0"/>
+    <cs:fillRef idx="0"/>
+    <cs:effectRef idx="0"/>
+    <cs:fontRef idx="minor">
+      <a:schemeClr val="tx1"/>
+    </cs:fontRef>
+    <cs:spPr>
+      <a:ln w="9525" cap="flat" cmpd="sng" algn="ctr">
+        <a:solidFill>
+          <a:schemeClr val="tx1">
+            <a:lumMod val="75000"/>
+            <a:lumOff val="25000"/>
+          </a:schemeClr>
+        </a:solidFill>
+        <a:round/>
+      </a:ln>
+    </cs:spPr>
+  </cs:hiLoLine>
+  <cs:leaderLine>
+    <cs:lnRef idx="0"/>
+    <cs:fillRef idx="0"/>
+    <cs:effectRef idx="0"/>
+    <cs:fontRef idx="minor">
+      <a:schemeClr val="tx1"/>
+    </cs:fontRef>
+    <cs:spPr>
+      <a:ln w="9525" cap="flat" cmpd="sng" algn="ctr">
+        <a:solidFill>
+          <a:schemeClr val="tx1">
+            <a:lumMod val="35000"/>
+            <a:lumOff val="65000"/>
+          </a:schemeClr>
+        </a:solidFill>
+        <a:round/>
+      </a:ln>
+    </cs:spPr>
+  </cs:leaderLine>
+  <cs:legend>
+    <cs:lnRef idx="0"/>
+    <cs:fillRef idx="0"/>
+    <cs:effectRef idx="0"/>
+    <cs:fontRef idx="minor">
+      <a:schemeClr val="tx1">
+        <a:lumMod val="65000"/>
+        <a:lumOff val="35000"/>
+      </a:schemeClr>
+    </cs:fontRef>
+    <cs:defRPr sz="1197" kern="1200"/>
+  </cs:legend>
+  <cs:plotArea mods="allowNoFillOverride allowNoLineOverride">
+    <cs:lnRef idx="0"/>
+    <cs:fillRef idx="0"/>
+    <cs:effectRef idx="0"/>
+    <cs:fontRef idx="minor">
+      <a:schemeClr val="tx1"/>
+    </cs:fontRef>
+  </cs:plotArea>
+  <cs:plotArea3D mods="allowNoFillOverride allowNoLineOverride">
+    <cs:lnRef idx="0"/>
+    <cs:fillRef idx="0"/>
+    <cs:effectRef idx="0"/>
+    <cs:fontRef idx="minor">
+      <a:schemeClr val="tx1"/>
+    </cs:fontRef>
+  </cs:plotArea3D>
+  <cs:seriesAxis>
+    <cs:lnRef idx="0"/>
+    <cs:fillRef idx="0"/>
+    <cs:effectRef idx="0"/>
+    <cs:fontRef idx="minor">
+      <a:schemeClr val="tx1">
+        <a:lumMod val="65000"/>
+        <a:lumOff val="35000"/>
+      </a:schemeClr>
+    </cs:fontRef>
+    <cs:defRPr sz="1197" kern="1200"/>
+  </cs:seriesAxis>
+  <cs:seriesLine>
+    <cs:lnRef idx="0"/>
+    <cs:fillRef idx="0"/>
+    <cs:effectRef idx="0"/>
+    <cs:fontRef idx="minor">
+      <a:schemeClr val="tx1"/>
+    </cs:fontRef>
+    <cs:spPr>
+      <a:ln w="9525" cap="flat" cmpd="sng" algn="ctr">
+        <a:solidFill>
+          <a:schemeClr val="tx1">
+            <a:lumMod val="35000"/>
+            <a:lumOff val="65000"/>
+          </a:schemeClr>
+        </a:solidFill>
+        <a:round/>
+      </a:ln>
+    </cs:spPr>
+  </cs:seriesLine>
+  <cs:title>
+    <cs:lnRef idx="0"/>
+    <cs:fillRef idx="0"/>
+    <cs:effectRef idx="0"/>
+    <cs:fontRef idx="minor">
+      <a:schemeClr val="tx1">
+        <a:lumMod val="65000"/>
+        <a:lumOff val="35000"/>
+      </a:schemeClr>
+    </cs:fontRef>
+    <cs:defRPr sz="1862" b="0" kern="1200" spc="0" baseline="0"/>
+  </cs:title>
+  <cs:trendline>
+    <cs:lnRef idx="0">
+      <cs:styleClr val="auto"/>
+    </cs:lnRef>
+    <cs:fillRef idx="0"/>
+    <cs:effectRef idx="0"/>
+    <cs:fontRef idx="minor">
+      <a:schemeClr val="tx1"/>
+    </cs:fontRef>
+    <cs:spPr>
+      <a:ln w="19050" cap="rnd">
+        <a:solidFill>
+          <a:schemeClr val="phClr"/>
+        </a:solidFill>
+        <a:prstDash val="sysDot"/>
+      </a:ln>
+    </cs:spPr>
+  </cs:trendline>
+  <cs:trendlineLabel>
+    <cs:lnRef idx="0"/>
+    <cs:fillRef idx="0"/>
+    <cs:effectRef idx="0"/>
+    <cs:fontRef idx="minor">
+      <a:schemeClr val="tx1">
+        <a:lumMod val="65000"/>
+        <a:lumOff val="35000"/>
+      </a:schemeClr>
+    </cs:fontRef>
+    <cs:defRPr sz="1197" kern="1200"/>
+  </cs:trendlineLabel>
+  <cs:upBar>
+    <cs:lnRef idx="0"/>
+    <cs:fillRef idx="0"/>
+    <cs:effectRef idx="0"/>
+    <cs:fontRef idx="minor">
+      <a:schemeClr val="dk1"/>
+    </cs:fontRef>
+    <cs:spPr>
+      <a:solidFill>
+        <a:schemeClr val="lt1"/>
+      </a:solidFill>
+      <a:ln w="9525">
+        <a:solidFill>
+          <a:schemeClr val="tx1">
+            <a:lumMod val="15000"/>
+            <a:lumOff val="85000"/>
+          </a:schemeClr>
+        </a:solidFill>
+      </a:ln>
+    </cs:spPr>
+  </cs:upBar>
+  <cs:valueAxis>
+    <cs:lnRef idx="0"/>
+    <cs:fillRef idx="0"/>
+    <cs:effectRef idx="0"/>
+    <cs:fontRef idx="minor">
+      <a:schemeClr val="tx1">
+        <a:lumMod val="65000"/>
+        <a:lumOff val="35000"/>
+      </a:schemeClr>
+    </cs:fontRef>
+    <cs:defRPr sz="1197" kern="1200"/>
+  </cs:valueAxis>
+  <cs:wall>
+    <cs:lnRef idx="0"/>
+    <cs:fillRef idx="0"/>
+    <cs:effectRef idx="0"/>
+    <cs:fontRef idx="minor">
+      <a:schemeClr val="tx1"/>
+    </cs:fontRef>
+    <cs:spPr>
+      <a:noFill/>
+      <a:ln>
+        <a:noFill/>
+      </a:ln>
+    </cs:spPr>
+  </cs:wall>
+</cs:chartStyle>
+</file>
+
+<file path=ppt/charts/style4.xml><?xml version="1.0" encoding="utf-8"?>
+<cs:chartStyle xmlns:cs="http://schemas.microsoft.com/office/drawing/2012/chartStyle" xmlns:a="http://schemas.openxmlformats.org/drawingml/2006/main" id="201">
+  <cs:axisTitle>
+    <cs:lnRef idx="0"/>
+    <cs:fillRef idx="0"/>
+    <cs:effectRef idx="0"/>
+    <cs:fontRef idx="minor">
+      <a:schemeClr val="tx1">
+        <a:lumMod val="65000"/>
+        <a:lumOff val="35000"/>
+      </a:schemeClr>
+    </cs:fontRef>
+    <cs:defRPr sz="1330" kern="1200"/>
+  </cs:axisTitle>
+  <cs:categoryAxis>
+    <cs:lnRef idx="0"/>
+    <cs:fillRef idx="0"/>
+    <cs:effectRef idx="0"/>
+    <cs:fontRef idx="minor">
+      <a:schemeClr val="tx1">
+        <a:lumMod val="65000"/>
+        <a:lumOff val="35000"/>
+      </a:schemeClr>
+    </cs:fontRef>
+    <cs:spPr>
+      <a:ln w="9525" cap="flat" cmpd="sng" algn="ctr">
+        <a:solidFill>
+          <a:schemeClr val="tx1">
+            <a:lumMod val="15000"/>
+            <a:lumOff val="85000"/>
+          </a:schemeClr>
+        </a:solidFill>
+        <a:round/>
+      </a:ln>
+    </cs:spPr>
+    <cs:defRPr sz="1197" kern="1200"/>
+  </cs:categoryAxis>
+  <cs:chartArea mods="allowNoFillOverride allowNoLineOverride">
+    <cs:lnRef idx="0"/>
+    <cs:fillRef idx="0"/>
+    <cs:effectRef idx="0"/>
+    <cs:fontRef idx="minor">
+      <a:schemeClr val="tx1"/>
+    </cs:fontRef>
+    <cs:spPr>
+      <a:solidFill>
+        <a:schemeClr val="bg1"/>
+      </a:solidFill>
+      <a:ln w="9525" cap="flat" cmpd="sng" algn="ctr">
+        <a:solidFill>
+          <a:schemeClr val="tx1">
+            <a:lumMod val="15000"/>
+            <a:lumOff val="85000"/>
+          </a:schemeClr>
+        </a:solidFill>
+        <a:round/>
+      </a:ln>
+    </cs:spPr>
+    <cs:defRPr sz="1330" kern="1200"/>
+  </cs:chartArea>
+  <cs:dataLabel>
+    <cs:lnRef idx="0"/>
+    <cs:fillRef idx="0"/>
+    <cs:effectRef idx="0"/>
+    <cs:fontRef idx="minor">
+      <a:schemeClr val="tx1">
+        <a:lumMod val="75000"/>
+        <a:lumOff val="25000"/>
+      </a:schemeClr>
+    </cs:fontRef>
+    <cs:defRPr sz="1197" kern="1200"/>
+  </cs:dataLabel>
+  <cs:dataLabelCallout>
+    <cs:lnRef idx="0"/>
+    <cs:fillRef idx="0"/>
+    <cs:effectRef idx="0"/>
+    <cs:fontRef idx="minor">
+      <a:schemeClr val="dk1">
+        <a:lumMod val="65000"/>
+        <a:lumOff val="35000"/>
+      </a:schemeClr>
+    </cs:fontRef>
+    <cs:spPr>
+      <a:solidFill>
+        <a:schemeClr val="lt1"/>
+      </a:solidFill>
+      <a:ln>
+        <a:solidFill>
+          <a:schemeClr val="dk1">
+            <a:lumMod val="25000"/>
+            <a:lumOff val="75000"/>
+          </a:schemeClr>
+        </a:solidFill>
+      </a:ln>
+    </cs:spPr>
+    <cs:defRPr sz="1197" kern="1200"/>
+    <cs:bodyPr rot="0" spcFirstLastPara="1" vertOverflow="clip" horzOverflow="clip" vert="horz" wrap="square" lIns="36576" tIns="18288" rIns="36576" bIns="18288" anchor="ctr" anchorCtr="1">
+      <a:spAutoFit/>
+    </cs:bodyPr>
+  </cs:dataLabelCallout>
+  <cs:dataPoint>
+    <cs:lnRef idx="0"/>
+    <cs:fillRef idx="1">
+      <cs:styleClr val="auto"/>
+    </cs:fillRef>
+    <cs:effectRef idx="0"/>
+    <cs:fontRef idx="minor">
+      <a:schemeClr val="tx1"/>
+    </cs:fontRef>
+  </cs:dataPoint>
+  <cs:dataPoint3D>
+    <cs:lnRef idx="0"/>
+    <cs:fillRef idx="1">
+      <cs:styleClr val="auto"/>
+    </cs:fillRef>
+    <cs:effectRef idx="0"/>
+    <cs:fontRef idx="minor">
+      <a:schemeClr val="tx1"/>
+    </cs:fontRef>
+  </cs:dataPoint3D>
+  <cs:dataPointLine>
+    <cs:lnRef idx="0">
+      <cs:styleClr val="auto"/>
+    </cs:lnRef>
+    <cs:fillRef idx="1"/>
+    <cs:effectRef idx="0"/>
+    <cs:fontRef idx="minor">
+      <a:schemeClr val="tx1"/>
+    </cs:fontRef>
+    <cs:spPr>
+      <a:ln w="28575" cap="rnd">
+        <a:solidFill>
+          <a:schemeClr val="phClr"/>
+        </a:solidFill>
+        <a:round/>
+      </a:ln>
+    </cs:spPr>
+  </cs:dataPointLine>
+  <cs:dataPointMarker>
+    <cs:lnRef idx="0">
+      <cs:styleClr val="auto"/>
+    </cs:lnRef>
+    <cs:fillRef idx="1">
+      <cs:styleClr val="auto"/>
+    </cs:fillRef>
+    <cs:effectRef idx="0"/>
+    <cs:fontRef idx="minor">
+      <a:schemeClr val="tx1"/>
+    </cs:fontRef>
+    <cs:spPr>
+      <a:ln w="9525">
+        <a:solidFill>
+          <a:schemeClr val="phClr"/>
+        </a:solidFill>
+      </a:ln>
+    </cs:spPr>
+  </cs:dataPointMarker>
+  <cs:dataPointMarkerLayout symbol="circle" size="5"/>
+  <cs:dataPointWireframe>
+    <cs:lnRef idx="0">
+      <cs:styleClr val="auto"/>
+    </cs:lnRef>
+    <cs:fillRef idx="1"/>
+    <cs:effectRef idx="0"/>
+    <cs:fontRef idx="minor">
+      <a:schemeClr val="tx1"/>
+    </cs:fontRef>
+    <cs:spPr>
+      <a:ln w="9525" cap="rnd">
+        <a:solidFill>
+          <a:schemeClr val="phClr"/>
+        </a:solidFill>
+        <a:round/>
+      </a:ln>
+    </cs:spPr>
+  </cs:dataPointWireframe>
+  <cs:dataTable>
+    <cs:lnRef idx="0"/>
+    <cs:fillRef idx="0"/>
+    <cs:effectRef idx="0"/>
+    <cs:fontRef idx="minor">
+      <a:schemeClr val="tx1">
+        <a:lumMod val="65000"/>
+        <a:lumOff val="35000"/>
+      </a:schemeClr>
+    </cs:fontRef>
+    <cs:spPr>
+      <a:noFill/>
+      <a:ln w="9525" cap="flat" cmpd="sng" algn="ctr">
+        <a:solidFill>
+          <a:schemeClr val="tx1">
+            <a:lumMod val="15000"/>
+            <a:lumOff val="85000"/>
+          </a:schemeClr>
+        </a:solidFill>
+        <a:round/>
+      </a:ln>
+    </cs:spPr>
+    <cs:defRPr sz="1197" kern="1200"/>
+  </cs:dataTable>
+  <cs:downBar>
+    <cs:lnRef idx="0"/>
+    <cs:fillRef idx="0"/>
+    <cs:effectRef idx="0"/>
+    <cs:fontRef idx="minor">
+      <a:schemeClr val="dk1"/>
+    </cs:fontRef>
+    <cs:spPr>
+      <a:solidFill>
+        <a:schemeClr val="dk1">
+          <a:lumMod val="65000"/>
+          <a:lumOff val="35000"/>
+        </a:schemeClr>
+      </a:solidFill>
+      <a:ln w="9525">
+        <a:solidFill>
+          <a:schemeClr val="tx1">
+            <a:lumMod val="65000"/>
+            <a:lumOff val="35000"/>
+          </a:schemeClr>
+        </a:solidFill>
+      </a:ln>
+    </cs:spPr>
+  </cs:downBar>
+  <cs:dropLine>
+    <cs:lnRef idx="0"/>
+    <cs:fillRef idx="0"/>
+    <cs:effectRef idx="0"/>
+    <cs:fontRef idx="minor">
+      <a:schemeClr val="tx1"/>
+    </cs:fontRef>
+    <cs:spPr>
+      <a:ln w="9525" cap="flat" cmpd="sng" algn="ctr">
+        <a:solidFill>
+          <a:schemeClr val="tx1">
+            <a:lumMod val="35000"/>
+            <a:lumOff val="65000"/>
+          </a:schemeClr>
+        </a:solidFill>
+        <a:round/>
+      </a:ln>
+    </cs:spPr>
+  </cs:dropLine>
+  <cs:errorBar>
+    <cs:lnRef idx="0"/>
+    <cs:fillRef idx="0"/>
+    <cs:effectRef idx="0"/>
+    <cs:fontRef idx="minor">
+      <a:schemeClr val="tx1"/>
+    </cs:fontRef>
+    <cs:spPr>
+      <a:ln w="9525" cap="flat" cmpd="sng" algn="ctr">
+        <a:solidFill>
+          <a:schemeClr val="tx1">
+            <a:lumMod val="65000"/>
+            <a:lumOff val="35000"/>
+          </a:schemeClr>
+        </a:solidFill>
+        <a:round/>
+      </a:ln>
+    </cs:spPr>
+  </cs:errorBar>
+  <cs:floor>
+    <cs:lnRef idx="0"/>
+    <cs:fillRef idx="0"/>
+    <cs:effectRef idx="0"/>
+    <cs:fontRef idx="minor">
+      <a:schemeClr val="tx1"/>
+    </cs:fontRef>
+    <cs:spPr>
+      <a:noFill/>
+      <a:ln>
+        <a:noFill/>
+      </a:ln>
+    </cs:spPr>
+  </cs:floor>
+  <cs:gridlineMajor>
+    <cs:lnRef idx="0"/>
+    <cs:fillRef idx="0"/>
+    <cs:effectRef idx="0"/>
+    <cs:fontRef idx="minor">
+      <a:schemeClr val="tx1"/>
+    </cs:fontRef>
+    <cs:spPr>
+      <a:ln w="9525" cap="flat" cmpd="sng" algn="ctr">
+        <a:solidFill>
+          <a:schemeClr val="tx1">
+            <a:lumMod val="15000"/>
+            <a:lumOff val="85000"/>
+          </a:schemeClr>
+        </a:solidFill>
+        <a:round/>
+      </a:ln>
+    </cs:spPr>
+  </cs:gridlineMajor>
+  <cs:gridlineMinor>
+    <cs:lnRef idx="0"/>
+    <cs:fillRef idx="0"/>
+    <cs:effectRef idx="0"/>
+    <cs:fontRef idx="minor">
+      <a:schemeClr val="tx1"/>
+    </cs:fontRef>
+    <cs:spPr>
+      <a:ln w="9525" cap="flat" cmpd="sng" algn="ctr">
+        <a:solidFill>
+          <a:schemeClr val="tx1">
+            <a:lumMod val="5000"/>
+            <a:lumOff val="95000"/>
+          </a:schemeClr>
+        </a:solidFill>
+        <a:round/>
+      </a:ln>
+    </cs:spPr>
+  </cs:gridlineMinor>
+  <cs:hiLoLine>
+    <cs:lnRef idx="0"/>
+    <cs:fillRef idx="0"/>
+    <cs:effectRef idx="0"/>
+    <cs:fontRef idx="minor">
+      <a:schemeClr val="tx1"/>
+    </cs:fontRef>
+    <cs:spPr>
+      <a:ln w="9525" cap="flat" cmpd="sng" algn="ctr">
+        <a:solidFill>
+          <a:schemeClr val="tx1">
+            <a:lumMod val="75000"/>
+            <a:lumOff val="25000"/>
+          </a:schemeClr>
+        </a:solidFill>
+        <a:round/>
+      </a:ln>
+    </cs:spPr>
+  </cs:hiLoLine>
+  <cs:leaderLine>
+    <cs:lnRef idx="0"/>
+    <cs:fillRef idx="0"/>
+    <cs:effectRef idx="0"/>
+    <cs:fontRef idx="minor">
+      <a:schemeClr val="tx1"/>
+    </cs:fontRef>
+    <cs:spPr>
+      <a:ln w="9525" cap="flat" cmpd="sng" algn="ctr">
+        <a:solidFill>
+          <a:schemeClr val="tx1">
+            <a:lumMod val="35000"/>
+            <a:lumOff val="65000"/>
+          </a:schemeClr>
+        </a:solidFill>
+        <a:round/>
+      </a:ln>
+    </cs:spPr>
+  </cs:leaderLine>
+  <cs:legend>
+    <cs:lnRef idx="0"/>
+    <cs:fillRef idx="0"/>
+    <cs:effectRef idx="0"/>
+    <cs:fontRef idx="minor">
+      <a:schemeClr val="tx1">
+        <a:lumMod val="65000"/>
+        <a:lumOff val="35000"/>
+      </a:schemeClr>
+    </cs:fontRef>
+    <cs:defRPr sz="1197" kern="1200"/>
+  </cs:legend>
+  <cs:plotArea mods="allowNoFillOverride allowNoLineOverride">
+    <cs:lnRef idx="0"/>
+    <cs:fillRef idx="0"/>
+    <cs:effectRef idx="0"/>
+    <cs:fontRef idx="minor">
+      <a:schemeClr val="tx1"/>
+    </cs:fontRef>
+  </cs:plotArea>
+  <cs:plotArea3D mods="allowNoFillOverride allowNoLineOverride">
+    <cs:lnRef idx="0"/>
+    <cs:fillRef idx="0"/>
+    <cs:effectRef idx="0"/>
+    <cs:fontRef idx="minor">
+      <a:schemeClr val="tx1"/>
+    </cs:fontRef>
+  </cs:plotArea3D>
+  <cs:seriesAxis>
+    <cs:lnRef idx="0"/>
+    <cs:fillRef idx="0"/>
+    <cs:effectRef idx="0"/>
+    <cs:fontRef idx="minor">
+      <a:schemeClr val="tx1">
+        <a:lumMod val="65000"/>
+        <a:lumOff val="35000"/>
+      </a:schemeClr>
+    </cs:fontRef>
+    <cs:defRPr sz="1197" kern="1200"/>
+  </cs:seriesAxis>
+  <cs:seriesLine>
+    <cs:lnRef idx="0"/>
+    <cs:fillRef idx="0"/>
+    <cs:effectRef idx="0"/>
+    <cs:fontRef idx="minor">
+      <a:schemeClr val="tx1"/>
+    </cs:fontRef>
+    <cs:spPr>
+      <a:ln w="9525" cap="flat" cmpd="sng" algn="ctr">
+        <a:solidFill>
+          <a:schemeClr val="tx1">
+            <a:lumMod val="35000"/>
+            <a:lumOff val="65000"/>
+          </a:schemeClr>
+        </a:solidFill>
+        <a:round/>
+      </a:ln>
+    </cs:spPr>
+  </cs:seriesLine>
+  <cs:title>
+    <cs:lnRef idx="0"/>
+    <cs:fillRef idx="0"/>
+    <cs:effectRef idx="0"/>
+    <cs:fontRef idx="minor">
+      <a:schemeClr val="tx1">
+        <a:lumMod val="65000"/>
+        <a:lumOff val="35000"/>
+      </a:schemeClr>
+    </cs:fontRef>
+    <cs:defRPr sz="1862" b="0" kern="1200" spc="0" baseline="0"/>
+  </cs:title>
+  <cs:trendline>
+    <cs:lnRef idx="0">
+      <cs:styleClr val="auto"/>
+    </cs:lnRef>
+    <cs:fillRef idx="0"/>
+    <cs:effectRef idx="0"/>
+    <cs:fontRef idx="minor">
+      <a:schemeClr val="tx1"/>
+    </cs:fontRef>
+    <cs:spPr>
+      <a:ln w="19050" cap="rnd">
+        <a:solidFill>
+          <a:schemeClr val="phClr"/>
+        </a:solidFill>
+        <a:prstDash val="sysDot"/>
+      </a:ln>
+    </cs:spPr>
+  </cs:trendline>
+  <cs:trendlineLabel>
+    <cs:lnRef idx="0"/>
+    <cs:fillRef idx="0"/>
+    <cs:effectRef idx="0"/>
+    <cs:fontRef idx="minor">
+      <a:schemeClr val="tx1">
+        <a:lumMod val="65000"/>
+        <a:lumOff val="35000"/>
+      </a:schemeClr>
+    </cs:fontRef>
+    <cs:defRPr sz="1197" kern="1200"/>
+  </cs:trendlineLabel>
+  <cs:upBar>
+    <cs:lnRef idx="0"/>
+    <cs:fillRef idx="0"/>
+    <cs:effectRef idx="0"/>
+    <cs:fontRef idx="minor">
+      <a:schemeClr val="dk1"/>
+    </cs:fontRef>
+    <cs:spPr>
+      <a:solidFill>
+        <a:schemeClr val="lt1"/>
+      </a:solidFill>
+      <a:ln w="9525">
+        <a:solidFill>
+          <a:schemeClr val="tx1">
+            <a:lumMod val="15000"/>
+            <a:lumOff val="85000"/>
+          </a:schemeClr>
+        </a:solidFill>
+      </a:ln>
+    </cs:spPr>
+  </cs:upBar>
+  <cs:valueAxis>
+    <cs:lnRef idx="0"/>
+    <cs:fillRef idx="0"/>
+    <cs:effectRef idx="0"/>
+    <cs:fontRef idx="minor">
+      <a:schemeClr val="tx1">
+        <a:lumMod val="65000"/>
+        <a:lumOff val="35000"/>
+      </a:schemeClr>
+    </cs:fontRef>
+    <cs:defRPr sz="1197" kern="1200"/>
+  </cs:valueAxis>
+  <cs:wall>
+    <cs:lnRef idx="0"/>
+    <cs:fillRef idx="0"/>
+    <cs:effectRef idx="0"/>
+    <cs:fontRef idx="minor">
+      <a:schemeClr val="tx1"/>
+    </cs:fontRef>
+    <cs:spPr>
+      <a:noFill/>
+      <a:ln>
+        <a:noFill/>
+      </a:ln>
+    </cs:spPr>
+  </cs:wall>
+</cs:chartStyle>
 </file>
 
 <file path=ppt/notesMasters/notesMaster1.xml><?xml version="1.0" encoding="utf-8"?>
@@ -241,7 +4176,7 @@
           <a:p>
             <a:fld id="{FE4B5F3C-4E97-4791-AF82-E013943474B6}" type="datetimeFigureOut">
               <a:rPr lang="en-US" smtClean="0"/>
-              <a:t>11/28/2017</a:t>
+              <a:t>11/27/2017</a:t>
             </a:fld>
             <a:endParaRPr lang="en-US"/>
           </a:p>
@@ -400,7 +4335,7 @@
           <a:p>
             <a:fld id="{BED062FB-354B-4EDE-924A-EAFF7698A06E}" type="slidenum">
               <a:rPr lang="en-US" smtClean="0"/>
-              <a:t>‹nº›</a:t>
+              <a:t>‹#›</a:t>
             </a:fld>
             <a:endParaRPr lang="en-US"/>
           </a:p>
@@ -872,7 +4807,7 @@
           <a:p>
             <a:fld id="{1453F4C1-D305-4231-817D-8E4804B7754D}" type="datetimeFigureOut">
               <a:rPr lang="en-US" smtClean="0"/>
-              <a:t>11/28/2017</a:t>
+              <a:t>11/27/2017</a:t>
             </a:fld>
             <a:endParaRPr lang="en-US"/>
           </a:p>
@@ -914,7 +4849,7 @@
           <a:p>
             <a:fld id="{167B5D15-BF7F-41E8-8161-C2F6D2DC88EB}" type="slidenum">
               <a:rPr lang="en-US" smtClean="0"/>
-              <a:t>‹nº›</a:t>
+              <a:t>‹#›</a:t>
             </a:fld>
             <a:endParaRPr lang="en-US"/>
           </a:p>
@@ -932,7 +4867,7 @@
   </p:clrMapOvr>
   <p:extLst>
     <p:ext uri="{DCECCB84-F9BA-43D5-87BE-67443E8EF086}">
-      <p15:sldGuideLst xmlns:p15="http://schemas.microsoft.com/office/powerpoint/2012/main" xmlns=""/>
+      <p15:sldGuideLst xmlns:p15="http://schemas.microsoft.com/office/powerpoint/2012/main"/>
     </p:ext>
   </p:extLst>
 </p:sldLayout>
@@ -1175,7 +5110,7 @@
           <a:p>
             <a:fld id="{1453F4C1-D305-4231-817D-8E4804B7754D}" type="datetimeFigureOut">
               <a:rPr lang="en-US" smtClean="0"/>
-              <a:t>11/28/2017</a:t>
+              <a:t>11/27/2017</a:t>
             </a:fld>
             <a:endParaRPr lang="en-US"/>
           </a:p>
@@ -1217,7 +5152,7 @@
           <a:p>
             <a:fld id="{167B5D15-BF7F-41E8-8161-C2F6D2DC88EB}" type="slidenum">
               <a:rPr lang="en-US" smtClean="0"/>
-              <a:t>‹nº›</a:t>
+              <a:t>‹#›</a:t>
             </a:fld>
             <a:endParaRPr lang="en-US"/>
           </a:p>
@@ -1367,7 +5302,7 @@
           <a:p>
             <a:fld id="{1453F4C1-D305-4231-817D-8E4804B7754D}" type="datetimeFigureOut">
               <a:rPr lang="en-US" smtClean="0"/>
-              <a:t>11/28/2017</a:t>
+              <a:t>11/27/2017</a:t>
             </a:fld>
             <a:endParaRPr lang="en-US"/>
           </a:p>
@@ -1409,7 +5344,7 @@
           <a:p>
             <a:fld id="{167B5D15-BF7F-41E8-8161-C2F6D2DC88EB}" type="slidenum">
               <a:rPr lang="en-US" smtClean="0"/>
-              <a:t>‹nº›</a:t>
+              <a:t>‹#›</a:t>
             </a:fld>
             <a:endParaRPr lang="en-US"/>
           </a:p>
@@ -1628,7 +5563,7 @@
           <a:p>
             <a:fld id="{1453F4C1-D305-4231-817D-8E4804B7754D}" type="datetimeFigureOut">
               <a:rPr lang="en-US" smtClean="0"/>
-              <a:t>11/28/2017</a:t>
+              <a:t>11/27/2017</a:t>
             </a:fld>
             <a:endParaRPr lang="en-US"/>
           </a:p>
@@ -1670,7 +5605,7 @@
           <a:p>
             <a:fld id="{167B5D15-BF7F-41E8-8161-C2F6D2DC88EB}" type="slidenum">
               <a:rPr lang="en-US" smtClean="0"/>
-              <a:t>‹nº›</a:t>
+              <a:t>‹#›</a:t>
             </a:fld>
             <a:endParaRPr lang="en-US"/>
           </a:p>
@@ -2052,7 +5987,7 @@
           <a:p>
             <a:fld id="{1453F4C1-D305-4231-817D-8E4804B7754D}" type="datetimeFigureOut">
               <a:rPr lang="en-US" smtClean="0"/>
-              <a:t>11/28/2017</a:t>
+              <a:t>11/27/2017</a:t>
             </a:fld>
             <a:endParaRPr lang="en-US"/>
           </a:p>
@@ -2094,7 +6029,7 @@
           <a:p>
             <a:fld id="{167B5D15-BF7F-41E8-8161-C2F6D2DC88EB}" type="slidenum">
               <a:rPr lang="en-US" smtClean="0"/>
-              <a:t>‹nº›</a:t>
+              <a:t>‹#›</a:t>
             </a:fld>
             <a:endParaRPr lang="en-US"/>
           </a:p>
@@ -2589,7 +6524,7 @@
           <a:p>
             <a:fld id="{1453F4C1-D305-4231-817D-8E4804B7754D}" type="datetimeFigureOut">
               <a:rPr lang="en-US" smtClean="0"/>
-              <a:t>11/28/2017</a:t>
+              <a:t>11/27/2017</a:t>
             </a:fld>
             <a:endParaRPr lang="en-US"/>
           </a:p>
@@ -2631,7 +6566,7 @@
           <a:p>
             <a:fld id="{167B5D15-BF7F-41E8-8161-C2F6D2DC88EB}" type="slidenum">
               <a:rPr lang="en-US" smtClean="0"/>
-              <a:t>‹nº›</a:t>
+              <a:t>‹#›</a:t>
             </a:fld>
             <a:endParaRPr lang="en-US"/>
           </a:p>
@@ -3453,7 +7388,7 @@
           <a:p>
             <a:fld id="{1453F4C1-D305-4231-817D-8E4804B7754D}" type="datetimeFigureOut">
               <a:rPr lang="en-US" smtClean="0"/>
-              <a:t>11/28/2017</a:t>
+              <a:t>11/27/2017</a:t>
             </a:fld>
             <a:endParaRPr lang="en-US"/>
           </a:p>
@@ -3495,7 +7430,7 @@
           <a:p>
             <a:fld id="{167B5D15-BF7F-41E8-8161-C2F6D2DC88EB}" type="slidenum">
               <a:rPr lang="en-US" smtClean="0"/>
-              <a:t>‹nº›</a:t>
+              <a:t>‹#›</a:t>
             </a:fld>
             <a:endParaRPr lang="en-US"/>
           </a:p>
@@ -3623,7 +7558,7 @@
           <a:p>
             <a:fld id="{1453F4C1-D305-4231-817D-8E4804B7754D}" type="datetimeFigureOut">
               <a:rPr lang="en-US" smtClean="0"/>
-              <a:t>11/28/2017</a:t>
+              <a:t>11/27/2017</a:t>
             </a:fld>
             <a:endParaRPr lang="en-US"/>
           </a:p>
@@ -3665,7 +7600,7 @@
           <a:p>
             <a:fld id="{167B5D15-BF7F-41E8-8161-C2F6D2DC88EB}" type="slidenum">
               <a:rPr lang="en-US" smtClean="0"/>
-              <a:t>‹nº›</a:t>
+              <a:t>‹#›</a:t>
             </a:fld>
             <a:endParaRPr lang="en-US"/>
           </a:p>
@@ -3807,7 +7742,7 @@
           <a:p>
             <a:fld id="{1453F4C1-D305-4231-817D-8E4804B7754D}" type="datetimeFigureOut">
               <a:rPr lang="en-US" smtClean="0"/>
-              <a:t>11/28/2017</a:t>
+              <a:t>11/27/2017</a:t>
             </a:fld>
             <a:endParaRPr lang="en-US"/>
           </a:p>
@@ -3849,7 +7784,7 @@
           <a:p>
             <a:fld id="{167B5D15-BF7F-41E8-8161-C2F6D2DC88EB}" type="slidenum">
               <a:rPr lang="en-US" smtClean="0"/>
-              <a:t>‹nº›</a:t>
+              <a:t>‹#›</a:t>
             </a:fld>
             <a:endParaRPr lang="en-US"/>
           </a:p>
@@ -3867,7 +7802,7 @@
   </p:clrMapOvr>
   <p:extLst>
     <p:ext uri="{DCECCB84-F9BA-43D5-87BE-67443E8EF086}">
-      <p15:sldGuideLst xmlns:p15="http://schemas.microsoft.com/office/powerpoint/2012/main" xmlns=""/>
+      <p15:sldGuideLst xmlns:p15="http://schemas.microsoft.com/office/powerpoint/2012/main"/>
     </p:ext>
   </p:extLst>
 </p:sldLayout>
@@ -3982,7 +7917,7 @@
           <a:p>
             <a:fld id="{1453F4C1-D305-4231-817D-8E4804B7754D}" type="datetimeFigureOut">
               <a:rPr lang="en-US" smtClean="0"/>
-              <a:t>11/28/2017</a:t>
+              <a:t>11/27/2017</a:t>
             </a:fld>
             <a:endParaRPr lang="en-US"/>
           </a:p>
@@ -4024,7 +7959,7 @@
           <a:p>
             <a:fld id="{167B5D15-BF7F-41E8-8161-C2F6D2DC88EB}" type="slidenum">
               <a:rPr lang="en-US" smtClean="0"/>
-              <a:t>‹nº›</a:t>
+              <a:t>‹#›</a:t>
             </a:fld>
             <a:endParaRPr lang="en-US"/>
           </a:p>
@@ -4226,7 +8161,7 @@
           <a:p>
             <a:fld id="{1453F4C1-D305-4231-817D-8E4804B7754D}" type="datetimeFigureOut">
               <a:rPr lang="en-US" smtClean="0"/>
-              <a:t>11/28/2017</a:t>
+              <a:t>11/27/2017</a:t>
             </a:fld>
             <a:endParaRPr lang="en-US"/>
           </a:p>
@@ -4268,7 +8203,7 @@
           <a:p>
             <a:fld id="{167B5D15-BF7F-41E8-8161-C2F6D2DC88EB}" type="slidenum">
               <a:rPr lang="en-US" smtClean="0"/>
-              <a:t>‹nº›</a:t>
+              <a:t>‹#›</a:t>
             </a:fld>
             <a:endParaRPr lang="en-US"/>
           </a:p>
@@ -4286,7 +8221,7 @@
   </p:clrMapOvr>
   <p:extLst>
     <p:ext uri="{DCECCB84-F9BA-43D5-87BE-67443E8EF086}">
-      <p15:sldGuideLst xmlns:p15="http://schemas.microsoft.com/office/powerpoint/2012/main" xmlns=""/>
+      <p15:sldGuideLst xmlns:p15="http://schemas.microsoft.com/office/powerpoint/2012/main"/>
     </p:ext>
   </p:extLst>
 </p:sldLayout>
@@ -4467,7 +8402,7 @@
           <a:p>
             <a:fld id="{1453F4C1-D305-4231-817D-8E4804B7754D}" type="datetimeFigureOut">
               <a:rPr lang="en-US" smtClean="0"/>
-              <a:t>11/28/2017</a:t>
+              <a:t>11/27/2017</a:t>
             </a:fld>
             <a:endParaRPr lang="en-US"/>
           </a:p>
@@ -4509,7 +8444,7 @@
           <a:p>
             <a:fld id="{167B5D15-BF7F-41E8-8161-C2F6D2DC88EB}" type="slidenum">
               <a:rPr lang="en-US" smtClean="0"/>
-              <a:t>‹nº›</a:t>
+              <a:t>‹#›</a:t>
             </a:fld>
             <a:endParaRPr lang="en-US"/>
           </a:p>
@@ -4527,7 +8462,7 @@
   </p:clrMapOvr>
   <p:extLst>
     <p:ext uri="{DCECCB84-F9BA-43D5-87BE-67443E8EF086}">
-      <p15:sldGuideLst xmlns:p15="http://schemas.microsoft.com/office/powerpoint/2012/main" xmlns=""/>
+      <p15:sldGuideLst xmlns:p15="http://schemas.microsoft.com/office/powerpoint/2012/main"/>
     </p:ext>
   </p:extLst>
 </p:sldLayout>
@@ -4938,7 +8873,7 @@
           <a:p>
             <a:fld id="{1453F4C1-D305-4231-817D-8E4804B7754D}" type="datetimeFigureOut">
               <a:rPr lang="en-US" smtClean="0"/>
-              <a:t>11/28/2017</a:t>
+              <a:t>11/27/2017</a:t>
             </a:fld>
             <a:endParaRPr lang="en-US"/>
           </a:p>
@@ -4980,7 +8915,7 @@
           <a:p>
             <a:fld id="{167B5D15-BF7F-41E8-8161-C2F6D2DC88EB}" type="slidenum">
               <a:rPr lang="en-US" smtClean="0"/>
-              <a:t>‹nº›</a:t>
+              <a:t>‹#›</a:t>
             </a:fld>
             <a:endParaRPr lang="en-US"/>
           </a:p>
@@ -4998,7 +8933,7 @@
   </p:clrMapOvr>
   <p:extLst>
     <p:ext uri="{DCECCB84-F9BA-43D5-87BE-67443E8EF086}">
-      <p15:sldGuideLst xmlns:p15="http://schemas.microsoft.com/office/powerpoint/2012/main" xmlns=""/>
+      <p15:sldGuideLst xmlns:p15="http://schemas.microsoft.com/office/powerpoint/2012/main"/>
     </p:ext>
   </p:extLst>
 </p:sldLayout>
@@ -5061,7 +8996,7 @@
           <a:p>
             <a:fld id="{1453F4C1-D305-4231-817D-8E4804B7754D}" type="datetimeFigureOut">
               <a:rPr lang="en-US" smtClean="0"/>
-              <a:t>11/28/2017</a:t>
+              <a:t>11/27/2017</a:t>
             </a:fld>
             <a:endParaRPr lang="en-US"/>
           </a:p>
@@ -5103,7 +9038,7 @@
           <a:p>
             <a:fld id="{167B5D15-BF7F-41E8-8161-C2F6D2DC88EB}" type="slidenum">
               <a:rPr lang="en-US" smtClean="0"/>
-              <a:t>‹nº›</a:t>
+              <a:t>‹#›</a:t>
             </a:fld>
             <a:endParaRPr lang="en-US"/>
           </a:p>
@@ -5156,7 +9091,7 @@
           <a:p>
             <a:fld id="{1453F4C1-D305-4231-817D-8E4804B7754D}" type="datetimeFigureOut">
               <a:rPr lang="en-US" smtClean="0"/>
-              <a:t>11/28/2017</a:t>
+              <a:t>11/27/2017</a:t>
             </a:fld>
             <a:endParaRPr lang="en-US"/>
           </a:p>
@@ -5198,7 +9133,7 @@
           <a:p>
             <a:fld id="{167B5D15-BF7F-41E8-8161-C2F6D2DC88EB}" type="slidenum">
               <a:rPr lang="en-US" smtClean="0"/>
-              <a:t>‹nº›</a:t>
+              <a:t>‹#›</a:t>
             </a:fld>
             <a:endParaRPr lang="en-US"/>
           </a:p>
@@ -5411,7 +9346,7 @@
           <a:p>
             <a:fld id="{1453F4C1-D305-4231-817D-8E4804B7754D}" type="datetimeFigureOut">
               <a:rPr lang="en-US" smtClean="0"/>
-              <a:t>11/28/2017</a:t>
+              <a:t>11/27/2017</a:t>
             </a:fld>
             <a:endParaRPr lang="en-US"/>
           </a:p>
@@ -5453,7 +9388,7 @@
           <a:p>
             <a:fld id="{167B5D15-BF7F-41E8-8161-C2F6D2DC88EB}" type="slidenum">
               <a:rPr lang="en-US" smtClean="0"/>
-              <a:t>‹nº›</a:t>
+              <a:t>‹#›</a:t>
             </a:fld>
             <a:endParaRPr lang="en-US"/>
           </a:p>
@@ -5471,7 +9406,7 @@
   </p:clrMapOvr>
   <p:extLst>
     <p:ext uri="{DCECCB84-F9BA-43D5-87BE-67443E8EF086}">
-      <p15:sldGuideLst xmlns:p15="http://schemas.microsoft.com/office/powerpoint/2012/main" xmlns=""/>
+      <p15:sldGuideLst xmlns:p15="http://schemas.microsoft.com/office/powerpoint/2012/main"/>
     </p:ext>
   </p:extLst>
 </p:sldLayout>
@@ -5716,7 +9651,7 @@
           <a:p>
             <a:fld id="{1453F4C1-D305-4231-817D-8E4804B7754D}" type="datetimeFigureOut">
               <a:rPr lang="en-US" smtClean="0"/>
-              <a:t>11/28/2017</a:t>
+              <a:t>11/27/2017</a:t>
             </a:fld>
             <a:endParaRPr lang="en-US"/>
           </a:p>
@@ -5758,7 +9693,7 @@
           <a:p>
             <a:fld id="{167B5D15-BF7F-41E8-8161-C2F6D2DC88EB}" type="slidenum">
               <a:rPr lang="en-US" smtClean="0"/>
-              <a:t>‹nº›</a:t>
+              <a:t>‹#›</a:t>
             </a:fld>
             <a:endParaRPr lang="en-US"/>
           </a:p>
@@ -5950,7 +9885,7 @@
           <a:p>
             <a:fld id="{1453F4C1-D305-4231-817D-8E4804B7754D}" type="datetimeFigureOut">
               <a:rPr lang="en-US" smtClean="0"/>
-              <a:t>11/28/2017</a:t>
+              <a:t>11/27/2017</a:t>
             </a:fld>
             <a:endParaRPr lang="en-US"/>
           </a:p>
@@ -6042,7 +9977,7 @@
           <a:p>
             <a:fld id="{167B5D15-BF7F-41E8-8161-C2F6D2DC88EB}" type="slidenum">
               <a:rPr lang="en-US" smtClean="0"/>
-              <a:t>‹nº›</a:t>
+              <a:t>‹#›</a:t>
             </a:fld>
             <a:endParaRPr lang="en-US"/>
           </a:p>
@@ -6056,7 +9991,7 @@
         </p:nvSpPr>
         <p:spPr>
           <a:xfrm>
-            <a:off x="0" y="6520180"/>
+            <a:off x="0" y="6461760"/>
             <a:ext cx="9144000" cy="300082"/>
           </a:xfrm>
           <a:prstGeom prst="rect">
@@ -6634,9 +10569,9 @@
       </a:lvl9pPr>
     </p:otherStyle>
   </p:txStyles>
-  <p:extLst>
+  <p:extLst mod="1">
     <p:ext uri="{27BBF7A9-308A-43DC-89C8-2F10F3537804}">
-      <p15:sldGuideLst xmlns:p15="http://schemas.microsoft.com/office/powerpoint/2012/main" xmlns=""/>
+      <p15:sldGuideLst xmlns:p15="http://schemas.microsoft.com/office/powerpoint/2012/main"/>
     </p:ext>
   </p:extLst>
 </p:sldMaster>
@@ -6738,7 +10673,7 @@
         </p:nvSpPr>
         <p:spPr>
           <a:xfrm>
-            <a:off x="1" y="5747385"/>
+            <a:off x="0" y="6461760"/>
             <a:ext cx="184731" cy="300082"/>
           </a:xfrm>
           <a:prstGeom prst="rect">
@@ -7496,11 +11431,7 @@
           <a:p>
             <a:r>
               <a:rPr lang="pt-BR" sz="2400" dirty="0" smtClean="0"/>
-              <a:t>Construir </a:t>
-            </a:r>
-            <a:r>
-              <a:rPr lang="pt-BR" sz="2400" dirty="0" smtClean="0"/>
-              <a:t>Solução</a:t>
+              <a:t>Construir Solução</a:t>
             </a:r>
           </a:p>
           <a:p>
@@ -7645,15 +11576,7 @@
           <a:p>
             <a:r>
               <a:rPr lang="pt-BR" dirty="0" smtClean="0"/>
-              <a:t>Algoritmo </a:t>
-            </a:r>
-            <a:r>
-              <a:rPr lang="pt-BR" dirty="0" smtClean="0"/>
-              <a:t>A</a:t>
-            </a:r>
-            <a:r>
-              <a:rPr lang="pt-BR" dirty="0" smtClean="0"/>
-              <a:t>*</a:t>
+              <a:t>Algoritmo A*</a:t>
             </a:r>
           </a:p>
           <a:p>
@@ -7688,11 +11611,7 @@
           <a:p>
             <a:r>
               <a:rPr lang="pt-BR" dirty="0" smtClean="0"/>
-              <a:t>Algoritmo </a:t>
-            </a:r>
-            <a:r>
-              <a:rPr lang="pt-BR" dirty="0" smtClean="0"/>
-              <a:t>de </a:t>
+              <a:t>Algoritmo de </a:t>
             </a:r>
             <a:r>
               <a:rPr lang="pt-BR" dirty="0" err="1" smtClean="0"/>
@@ -8230,29 +12149,55 @@
           </a:p>
         </p:txBody>
       </p:sp>
-      <p:sp>
-        <p:nvSpPr>
-          <p:cNvPr id="3" name="Content Placeholder 2"/>
-          <p:cNvSpPr>
-            <a:spLocks noGrp="1"/>
-          </p:cNvSpPr>
+      <p:graphicFrame>
+        <p:nvGraphicFramePr>
+          <p:cNvPr id="6" name="Content Placeholder 5"/>
+          <p:cNvGraphicFramePr>
+            <a:graphicFrameLocks noGrp="1"/>
+          </p:cNvGraphicFramePr>
           <p:nvPr>
             <p:ph idx="1"/>
-          </p:nvPr>
-        </p:nvSpPr>
-        <p:spPr/>
-        <p:txBody>
-          <a:bodyPr/>
-          <a:lstStyle/>
-          <a:p>
-            <a:r>
-              <a:rPr lang="pt-BR" dirty="0" smtClean="0"/>
-              <a:t>Cola tabelas</a:t>
-            </a:r>
-            <a:endParaRPr lang="en-US" dirty="0"/>
-          </a:p>
-        </p:txBody>
-      </p:sp>
+            <p:extLst>
+              <p:ext uri="{D42A27DB-BD31-4B8C-83A1-F6EECF244321}">
+                <p14:modId xmlns:p14="http://schemas.microsoft.com/office/powerpoint/2010/main" val="2155742763"/>
+              </p:ext>
+            </p:extLst>
+          </p:nvPr>
+        </p:nvGraphicFramePr>
+        <p:xfrm>
+          <a:off x="1428269" y="1580050"/>
+          <a:ext cx="6279476" cy="2453565"/>
+        </p:xfrm>
+        <a:graphic>
+          <a:graphicData uri="http://schemas.openxmlformats.org/drawingml/2006/chart">
+            <c:chart xmlns:c="http://schemas.openxmlformats.org/drawingml/2006/chart" xmlns:r="http://schemas.openxmlformats.org/officeDocument/2006/relationships" r:id="rId2"/>
+          </a:graphicData>
+        </a:graphic>
+      </p:graphicFrame>
+      <p:graphicFrame>
+        <p:nvGraphicFramePr>
+          <p:cNvPr id="7" name="Content Placeholder 5"/>
+          <p:cNvGraphicFramePr>
+            <a:graphicFrameLocks/>
+          </p:cNvGraphicFramePr>
+          <p:nvPr>
+            <p:extLst>
+              <p:ext uri="{D42A27DB-BD31-4B8C-83A1-F6EECF244321}">
+                <p14:modId xmlns:p14="http://schemas.microsoft.com/office/powerpoint/2010/main" val="1128476742"/>
+              </p:ext>
+            </p:extLst>
+          </p:nvPr>
+        </p:nvGraphicFramePr>
+        <p:xfrm>
+          <a:off x="1428269" y="4033615"/>
+          <a:ext cx="6279476" cy="2440746"/>
+        </p:xfrm>
+        <a:graphic>
+          <a:graphicData uri="http://schemas.openxmlformats.org/drawingml/2006/chart">
+            <c:chart xmlns:c="http://schemas.openxmlformats.org/drawingml/2006/chart" xmlns:r="http://schemas.openxmlformats.org/officeDocument/2006/relationships" r:id="rId3"/>
+          </a:graphicData>
+        </a:graphic>
+      </p:graphicFrame>
     </p:spTree>
     <p:extLst>
       <p:ext uri="{BB962C8B-B14F-4D97-AF65-F5344CB8AC3E}">
@@ -8302,77 +12247,76 @@
         </p:nvSpPr>
         <p:spPr/>
         <p:txBody>
-          <a:bodyPr>
-            <a:normAutofit/>
-          </a:bodyPr>
-          <a:lstStyle/>
-          <a:p>
-            <a:r>
-              <a:rPr lang="pt-BR" dirty="0" smtClean="0"/>
-              <a:t>Conclusão</a:t>
-            </a:r>
-            <a:endParaRPr lang="en-US" dirty="0"/>
-          </a:p>
-        </p:txBody>
-      </p:sp>
-      <p:sp>
-        <p:nvSpPr>
-          <p:cNvPr id="3" name="Content Placeholder 2"/>
-          <p:cNvSpPr>
-            <a:spLocks noGrp="1"/>
-          </p:cNvSpPr>
-          <p:nvPr>
-            <p:ph idx="1"/>
-          </p:nvPr>
-        </p:nvSpPr>
-        <p:spPr/>
-        <p:txBody>
           <a:bodyPr/>
           <a:lstStyle/>
           <a:p>
             <a:r>
-              <a:rPr lang="pt-BR" dirty="0" smtClean="0"/>
-              <a:t>Repete introdução</a:t>
-            </a:r>
-          </a:p>
-          <a:p>
-            <a:r>
-              <a:rPr lang="pt-BR" dirty="0" smtClean="0"/>
-              <a:t>Fala que os resultados foram coco</a:t>
-            </a:r>
-          </a:p>
-          <a:p>
-            <a:r>
-              <a:rPr lang="pt-BR" dirty="0" smtClean="0"/>
-              <a:t>Problemas encontrados</a:t>
-            </a:r>
-          </a:p>
-          <a:p>
-            <a:r>
-              <a:rPr lang="pt-BR" dirty="0" smtClean="0"/>
-              <a:t>Trabalhos futuros</a:t>
+              <a:rPr lang="en-US" dirty="0" err="1" smtClean="0"/>
+              <a:t>Análises</a:t>
             </a:r>
             <a:endParaRPr lang="en-US" dirty="0"/>
           </a:p>
         </p:txBody>
       </p:sp>
+      <p:graphicFrame>
+        <p:nvGraphicFramePr>
+          <p:cNvPr id="4" name="Content Placeholder 5"/>
+          <p:cNvGraphicFramePr>
+            <a:graphicFrameLocks noGrp="1"/>
+          </p:cNvGraphicFramePr>
+          <p:nvPr>
+            <p:ph idx="1"/>
+            <p:extLst>
+              <p:ext uri="{D42A27DB-BD31-4B8C-83A1-F6EECF244321}">
+                <p14:modId xmlns:p14="http://schemas.microsoft.com/office/powerpoint/2010/main" val="3554069257"/>
+              </p:ext>
+            </p:extLst>
+          </p:nvPr>
+        </p:nvGraphicFramePr>
+        <p:xfrm>
+          <a:off x="1428269" y="1580050"/>
+          <a:ext cx="6279476" cy="2453565"/>
+        </p:xfrm>
+        <a:graphic>
+          <a:graphicData uri="http://schemas.openxmlformats.org/drawingml/2006/chart">
+            <c:chart xmlns:c="http://schemas.openxmlformats.org/drawingml/2006/chart" xmlns:r="http://schemas.openxmlformats.org/officeDocument/2006/relationships" r:id="rId2"/>
+          </a:graphicData>
+        </a:graphic>
+      </p:graphicFrame>
+      <p:graphicFrame>
+        <p:nvGraphicFramePr>
+          <p:cNvPr id="5" name="Content Placeholder 5"/>
+          <p:cNvGraphicFramePr>
+            <a:graphicFrameLocks/>
+          </p:cNvGraphicFramePr>
+          <p:nvPr>
+            <p:extLst>
+              <p:ext uri="{D42A27DB-BD31-4B8C-83A1-F6EECF244321}">
+                <p14:modId xmlns:p14="http://schemas.microsoft.com/office/powerpoint/2010/main" val="3647876804"/>
+              </p:ext>
+            </p:extLst>
+          </p:nvPr>
+        </p:nvGraphicFramePr>
+        <p:xfrm>
+          <a:off x="1428269" y="4033615"/>
+          <a:ext cx="6279476" cy="2440746"/>
+        </p:xfrm>
+        <a:graphic>
+          <a:graphicData uri="http://schemas.openxmlformats.org/drawingml/2006/chart">
+            <c:chart xmlns:c="http://schemas.openxmlformats.org/drawingml/2006/chart" xmlns:r="http://schemas.openxmlformats.org/officeDocument/2006/relationships" r:id="rId3"/>
+          </a:graphicData>
+        </a:graphic>
+      </p:graphicFrame>
     </p:spTree>
     <p:extLst>
       <p:ext uri="{BB962C8B-B14F-4D97-AF65-F5344CB8AC3E}">
-        <p14:creationId xmlns:p14="http://schemas.microsoft.com/office/powerpoint/2010/main" val="921413125"/>
+        <p14:creationId xmlns:p14="http://schemas.microsoft.com/office/powerpoint/2010/main" val="4173260434"/>
       </p:ext>
     </p:extLst>
   </p:cSld>
   <p:clrMapOvr>
     <a:masterClrMapping/>
   </p:clrMapOvr>
-  <p:timing>
-    <p:tnLst>
-      <p:par>
-        <p:cTn id="1" dur="indefinite" restart="never" nodeType="tmRoot"/>
-      </p:par>
-    </p:tnLst>
-  </p:timing>
 </p:sld>
 </file>
 
@@ -8503,6 +12447,109 @@
 </file>
 
 <file path=ppt/slides/slide20.xml><?xml version="1.0" encoding="utf-8"?>
+<p:sld xmlns:a="http://schemas.openxmlformats.org/drawingml/2006/main" xmlns:r="http://schemas.openxmlformats.org/officeDocument/2006/relationships" xmlns:p="http://schemas.openxmlformats.org/presentationml/2006/main">
+  <p:cSld>
+    <p:spTree>
+      <p:nvGrpSpPr>
+        <p:cNvPr id="1" name=""/>
+        <p:cNvGrpSpPr/>
+        <p:nvPr/>
+      </p:nvGrpSpPr>
+      <p:grpSpPr>
+        <a:xfrm>
+          <a:off x="0" y="0"/>
+          <a:ext cx="0" cy="0"/>
+          <a:chOff x="0" y="0"/>
+          <a:chExt cx="0" cy="0"/>
+        </a:xfrm>
+      </p:grpSpPr>
+      <p:sp>
+        <p:nvSpPr>
+          <p:cNvPr id="2" name="Title 1"/>
+          <p:cNvSpPr>
+            <a:spLocks noGrp="1"/>
+          </p:cNvSpPr>
+          <p:nvPr>
+            <p:ph type="title"/>
+          </p:nvPr>
+        </p:nvSpPr>
+        <p:spPr/>
+        <p:txBody>
+          <a:bodyPr>
+            <a:normAutofit/>
+          </a:bodyPr>
+          <a:lstStyle/>
+          <a:p>
+            <a:r>
+              <a:rPr lang="pt-BR" dirty="0" smtClean="0"/>
+              <a:t>Conclusão</a:t>
+            </a:r>
+            <a:endParaRPr lang="en-US" dirty="0"/>
+          </a:p>
+        </p:txBody>
+      </p:sp>
+      <p:sp>
+        <p:nvSpPr>
+          <p:cNvPr id="3" name="Content Placeholder 2"/>
+          <p:cNvSpPr>
+            <a:spLocks noGrp="1"/>
+          </p:cNvSpPr>
+          <p:nvPr>
+            <p:ph idx="1"/>
+          </p:nvPr>
+        </p:nvSpPr>
+        <p:spPr/>
+        <p:txBody>
+          <a:bodyPr/>
+          <a:lstStyle/>
+          <a:p>
+            <a:r>
+              <a:rPr lang="pt-BR" dirty="0" smtClean="0"/>
+              <a:t>Repete introdução</a:t>
+            </a:r>
+          </a:p>
+          <a:p>
+            <a:r>
+              <a:rPr lang="pt-BR" dirty="0" smtClean="0"/>
+              <a:t>Fala que os resultados foram coco</a:t>
+            </a:r>
+          </a:p>
+          <a:p>
+            <a:r>
+              <a:rPr lang="pt-BR" dirty="0" smtClean="0"/>
+              <a:t>Problemas encontrados</a:t>
+            </a:r>
+          </a:p>
+          <a:p>
+            <a:r>
+              <a:rPr lang="pt-BR" dirty="0" smtClean="0"/>
+              <a:t>Trabalhos futuros</a:t>
+            </a:r>
+            <a:endParaRPr lang="en-US" dirty="0"/>
+          </a:p>
+        </p:txBody>
+      </p:sp>
+    </p:spTree>
+    <p:extLst>
+      <p:ext uri="{BB962C8B-B14F-4D97-AF65-F5344CB8AC3E}">
+        <p14:creationId xmlns:p14="http://schemas.microsoft.com/office/powerpoint/2010/main" val="921413125"/>
+      </p:ext>
+    </p:extLst>
+  </p:cSld>
+  <p:clrMapOvr>
+    <a:masterClrMapping/>
+  </p:clrMapOvr>
+  <p:timing>
+    <p:tnLst>
+      <p:par>
+        <p:cTn id="1" dur="indefinite" restart="never" nodeType="tmRoot"/>
+      </p:par>
+    </p:tnLst>
+  </p:timing>
+</p:sld>
+</file>
+
+<file path=ppt/slides/slide21.xml><?xml version="1.0" encoding="utf-8"?>
 <p:sld xmlns:a="http://schemas.openxmlformats.org/drawingml/2006/main" xmlns:r="http://schemas.openxmlformats.org/officeDocument/2006/relationships" xmlns:p="http://schemas.openxmlformats.org/presentationml/2006/main">
   <p:cSld>
     <p:spTree>
@@ -9884,7 +13931,7 @@
   <a:extraClrSchemeLst/>
   <a:extLst>
     <a:ext uri="{05A4C25C-085E-4340-85A3-A5531E510DB2}">
-      <thm15:themeFamily xmlns:thm15="http://schemas.microsoft.com/office/thememl/2012/main" xmlns="" name="Slate" id="{C3F70B94-7CE9-428E-ADC1-3269CC2C3385}" vid="{3F2DE9A5-64E6-437C-A389-CC4477E817E8}"/>
+      <thm15:themeFamily xmlns:thm15="http://schemas.microsoft.com/office/thememl/2012/main" name="Slate" id="{C3F70B94-7CE9-428E-ADC1-3269CC2C3385}" vid="{3F2DE9A5-64E6-437C-A389-CC4477E817E8}"/>
     </a:ext>
   </a:extLst>
 </a:theme>
@@ -10145,7 +14192,7 @@
   <a:extraClrSchemeLst/>
   <a:extLst>
     <a:ext uri="{05A4C25C-085E-4340-85A3-A5531E510DB2}">
-      <thm15:themeFamily xmlns:thm15="http://schemas.microsoft.com/office/thememl/2012/main" xmlns="" name="Office Theme" id="{62F939B6-93AF-4DB8-9C6B-D6C7DFDC589F}" vid="{4A3C46E8-61CC-4603-A589-7422A47A8E4A}"/>
+      <thm15:themeFamily xmlns:thm15="http://schemas.microsoft.com/office/thememl/2012/main" name="Office Theme" id="{62F939B6-93AF-4DB8-9C6B-D6C7DFDC589F}" vid="{4A3C46E8-61CC-4603-A589-7422A47A8E4A}"/>
     </a:ext>
   </a:extLst>
 </a:theme>

--- a/Um Algoritmo de Colônia de Formigas para Otimização.pptx
+++ b/Um Algoritmo de Colônia de Formigas para Otimização.pptx
@@ -5,7 +5,7 @@
     <p:sldMasterId id="2147484329" r:id="rId1"/>
   </p:sldMasterIdLst>
   <p:notesMasterIdLst>
-    <p:notesMasterId r:id="rId19"/>
+    <p:notesMasterId r:id="rId22"/>
   </p:notesMasterIdLst>
   <p:sldIdLst>
     <p:sldId id="256" r:id="rId2"/>
@@ -16,15 +16,18 @@
     <p:sldId id="263" r:id="rId7"/>
     <p:sldId id="264" r:id="rId8"/>
     <p:sldId id="265" r:id="rId9"/>
-    <p:sldId id="266" r:id="rId10"/>
-    <p:sldId id="267" r:id="rId11"/>
-    <p:sldId id="268" r:id="rId12"/>
-    <p:sldId id="269" r:id="rId13"/>
-    <p:sldId id="270" r:id="rId14"/>
-    <p:sldId id="271" r:id="rId15"/>
-    <p:sldId id="272" r:id="rId16"/>
-    <p:sldId id="273" r:id="rId17"/>
-    <p:sldId id="259" r:id="rId18"/>
+    <p:sldId id="274" r:id="rId10"/>
+    <p:sldId id="275" r:id="rId11"/>
+    <p:sldId id="276" r:id="rId12"/>
+    <p:sldId id="266" r:id="rId13"/>
+    <p:sldId id="267" r:id="rId14"/>
+    <p:sldId id="268" r:id="rId15"/>
+    <p:sldId id="269" r:id="rId16"/>
+    <p:sldId id="270" r:id="rId17"/>
+    <p:sldId id="271" r:id="rId18"/>
+    <p:sldId id="272" r:id="rId19"/>
+    <p:sldId id="273" r:id="rId20"/>
+    <p:sldId id="259" r:id="rId21"/>
   </p:sldIdLst>
   <p:sldSz cx="9144000" cy="6858000" type="screen4x3"/>
   <p:notesSz cx="6858000" cy="9144000"/>
@@ -125,7 +128,7 @@
   </p:defaultTextStyle>
   <p:extLst>
     <p:ext uri="{EFAFB233-063F-42B5-8137-9DF3F51BA10A}">
-      <p15:sldGuideLst xmlns:p15="http://schemas.microsoft.com/office/powerpoint/2012/main">
+      <p15:sldGuideLst xmlns:p15="http://schemas.microsoft.com/office/powerpoint/2012/main" xmlns="">
         <p15:guide id="1" orient="horz" pos="2160" userDrawn="1">
           <p15:clr>
             <a:srgbClr val="A4A3A4"/>
@@ -139,7 +142,7 @@
       </p15:sldGuideLst>
     </p:ext>
     <p:ext uri="{2D200454-40CA-4A62-9FC3-DE9A4176ACB9}">
-      <p15:notesGuideLst xmlns:p15="http://schemas.microsoft.com/office/powerpoint/2012/main">
+      <p15:notesGuideLst xmlns:p15="http://schemas.microsoft.com/office/powerpoint/2012/main" xmlns="">
         <p15:guide id="1" orient="horz" pos="2880" userDrawn="1">
           <p15:clr>
             <a:srgbClr val="A4A3A4"/>
@@ -238,7 +241,7 @@
           <a:p>
             <a:fld id="{FE4B5F3C-4E97-4791-AF82-E013943474B6}" type="datetimeFigureOut">
               <a:rPr lang="en-US" smtClean="0"/>
-              <a:t>11/26/2017</a:t>
+              <a:t>11/28/2017</a:t>
             </a:fld>
             <a:endParaRPr lang="en-US"/>
           </a:p>
@@ -397,7 +400,7 @@
           <a:p>
             <a:fld id="{BED062FB-354B-4EDE-924A-EAFF7698A06E}" type="slidenum">
               <a:rPr lang="en-US" smtClean="0"/>
-              <a:t>‹#›</a:t>
+              <a:t>‹nº›</a:t>
             </a:fld>
             <a:endParaRPr lang="en-US"/>
           </a:p>
@@ -869,7 +872,7 @@
           <a:p>
             <a:fld id="{1453F4C1-D305-4231-817D-8E4804B7754D}" type="datetimeFigureOut">
               <a:rPr lang="en-US" smtClean="0"/>
-              <a:t>11/26/2017</a:t>
+              <a:t>11/28/2017</a:t>
             </a:fld>
             <a:endParaRPr lang="en-US"/>
           </a:p>
@@ -911,7 +914,7 @@
           <a:p>
             <a:fld id="{167B5D15-BF7F-41E8-8161-C2F6D2DC88EB}" type="slidenum">
               <a:rPr lang="en-US" smtClean="0"/>
-              <a:t>‹#›</a:t>
+              <a:t>‹nº›</a:t>
             </a:fld>
             <a:endParaRPr lang="en-US"/>
           </a:p>
@@ -929,7 +932,7 @@
   </p:clrMapOvr>
   <p:extLst>
     <p:ext uri="{DCECCB84-F9BA-43D5-87BE-67443E8EF086}">
-      <p15:sldGuideLst xmlns:p15="http://schemas.microsoft.com/office/powerpoint/2012/main"/>
+      <p15:sldGuideLst xmlns:p15="http://schemas.microsoft.com/office/powerpoint/2012/main" xmlns=""/>
     </p:ext>
   </p:extLst>
 </p:sldLayout>
@@ -1172,7 +1175,7 @@
           <a:p>
             <a:fld id="{1453F4C1-D305-4231-817D-8E4804B7754D}" type="datetimeFigureOut">
               <a:rPr lang="en-US" smtClean="0"/>
-              <a:t>11/26/2017</a:t>
+              <a:t>11/28/2017</a:t>
             </a:fld>
             <a:endParaRPr lang="en-US"/>
           </a:p>
@@ -1214,7 +1217,7 @@
           <a:p>
             <a:fld id="{167B5D15-BF7F-41E8-8161-C2F6D2DC88EB}" type="slidenum">
               <a:rPr lang="en-US" smtClean="0"/>
-              <a:t>‹#›</a:t>
+              <a:t>‹nº›</a:t>
             </a:fld>
             <a:endParaRPr lang="en-US"/>
           </a:p>
@@ -1364,7 +1367,7 @@
           <a:p>
             <a:fld id="{1453F4C1-D305-4231-817D-8E4804B7754D}" type="datetimeFigureOut">
               <a:rPr lang="en-US" smtClean="0"/>
-              <a:t>11/26/2017</a:t>
+              <a:t>11/28/2017</a:t>
             </a:fld>
             <a:endParaRPr lang="en-US"/>
           </a:p>
@@ -1406,7 +1409,7 @@
           <a:p>
             <a:fld id="{167B5D15-BF7F-41E8-8161-C2F6D2DC88EB}" type="slidenum">
               <a:rPr lang="en-US" smtClean="0"/>
-              <a:t>‹#›</a:t>
+              <a:t>‹nº›</a:t>
             </a:fld>
             <a:endParaRPr lang="en-US"/>
           </a:p>
@@ -1625,7 +1628,7 @@
           <a:p>
             <a:fld id="{1453F4C1-D305-4231-817D-8E4804B7754D}" type="datetimeFigureOut">
               <a:rPr lang="en-US" smtClean="0"/>
-              <a:t>11/26/2017</a:t>
+              <a:t>11/28/2017</a:t>
             </a:fld>
             <a:endParaRPr lang="en-US"/>
           </a:p>
@@ -1667,7 +1670,7 @@
           <a:p>
             <a:fld id="{167B5D15-BF7F-41E8-8161-C2F6D2DC88EB}" type="slidenum">
               <a:rPr lang="en-US" smtClean="0"/>
-              <a:t>‹#›</a:t>
+              <a:t>‹nº›</a:t>
             </a:fld>
             <a:endParaRPr lang="en-US"/>
           </a:p>
@@ -2049,7 +2052,7 @@
           <a:p>
             <a:fld id="{1453F4C1-D305-4231-817D-8E4804B7754D}" type="datetimeFigureOut">
               <a:rPr lang="en-US" smtClean="0"/>
-              <a:t>11/26/2017</a:t>
+              <a:t>11/28/2017</a:t>
             </a:fld>
             <a:endParaRPr lang="en-US"/>
           </a:p>
@@ -2091,7 +2094,7 @@
           <a:p>
             <a:fld id="{167B5D15-BF7F-41E8-8161-C2F6D2DC88EB}" type="slidenum">
               <a:rPr lang="en-US" smtClean="0"/>
-              <a:t>‹#›</a:t>
+              <a:t>‹nº›</a:t>
             </a:fld>
             <a:endParaRPr lang="en-US"/>
           </a:p>
@@ -2586,7 +2589,7 @@
           <a:p>
             <a:fld id="{1453F4C1-D305-4231-817D-8E4804B7754D}" type="datetimeFigureOut">
               <a:rPr lang="en-US" smtClean="0"/>
-              <a:t>11/26/2017</a:t>
+              <a:t>11/28/2017</a:t>
             </a:fld>
             <a:endParaRPr lang="en-US"/>
           </a:p>
@@ -2628,7 +2631,7 @@
           <a:p>
             <a:fld id="{167B5D15-BF7F-41E8-8161-C2F6D2DC88EB}" type="slidenum">
               <a:rPr lang="en-US" smtClean="0"/>
-              <a:t>‹#›</a:t>
+              <a:t>‹nº›</a:t>
             </a:fld>
             <a:endParaRPr lang="en-US"/>
           </a:p>
@@ -3450,7 +3453,7 @@
           <a:p>
             <a:fld id="{1453F4C1-D305-4231-817D-8E4804B7754D}" type="datetimeFigureOut">
               <a:rPr lang="en-US" smtClean="0"/>
-              <a:t>11/26/2017</a:t>
+              <a:t>11/28/2017</a:t>
             </a:fld>
             <a:endParaRPr lang="en-US"/>
           </a:p>
@@ -3492,7 +3495,7 @@
           <a:p>
             <a:fld id="{167B5D15-BF7F-41E8-8161-C2F6D2DC88EB}" type="slidenum">
               <a:rPr lang="en-US" smtClean="0"/>
-              <a:t>‹#›</a:t>
+              <a:t>‹nº›</a:t>
             </a:fld>
             <a:endParaRPr lang="en-US"/>
           </a:p>
@@ -3620,7 +3623,7 @@
           <a:p>
             <a:fld id="{1453F4C1-D305-4231-817D-8E4804B7754D}" type="datetimeFigureOut">
               <a:rPr lang="en-US" smtClean="0"/>
-              <a:t>11/26/2017</a:t>
+              <a:t>11/28/2017</a:t>
             </a:fld>
             <a:endParaRPr lang="en-US"/>
           </a:p>
@@ -3662,7 +3665,7 @@
           <a:p>
             <a:fld id="{167B5D15-BF7F-41E8-8161-C2F6D2DC88EB}" type="slidenum">
               <a:rPr lang="en-US" smtClean="0"/>
-              <a:t>‹#›</a:t>
+              <a:t>‹nº›</a:t>
             </a:fld>
             <a:endParaRPr lang="en-US"/>
           </a:p>
@@ -3804,7 +3807,7 @@
           <a:p>
             <a:fld id="{1453F4C1-D305-4231-817D-8E4804B7754D}" type="datetimeFigureOut">
               <a:rPr lang="en-US" smtClean="0"/>
-              <a:t>11/26/2017</a:t>
+              <a:t>11/28/2017</a:t>
             </a:fld>
             <a:endParaRPr lang="en-US"/>
           </a:p>
@@ -3846,7 +3849,7 @@
           <a:p>
             <a:fld id="{167B5D15-BF7F-41E8-8161-C2F6D2DC88EB}" type="slidenum">
               <a:rPr lang="en-US" smtClean="0"/>
-              <a:t>‹#›</a:t>
+              <a:t>‹nº›</a:t>
             </a:fld>
             <a:endParaRPr lang="en-US"/>
           </a:p>
@@ -3864,7 +3867,7 @@
   </p:clrMapOvr>
   <p:extLst>
     <p:ext uri="{DCECCB84-F9BA-43D5-87BE-67443E8EF086}">
-      <p15:sldGuideLst xmlns:p15="http://schemas.microsoft.com/office/powerpoint/2012/main"/>
+      <p15:sldGuideLst xmlns:p15="http://schemas.microsoft.com/office/powerpoint/2012/main" xmlns=""/>
     </p:ext>
   </p:extLst>
 </p:sldLayout>
@@ -3979,7 +3982,7 @@
           <a:p>
             <a:fld id="{1453F4C1-D305-4231-817D-8E4804B7754D}" type="datetimeFigureOut">
               <a:rPr lang="en-US" smtClean="0"/>
-              <a:t>11/26/2017</a:t>
+              <a:t>11/28/2017</a:t>
             </a:fld>
             <a:endParaRPr lang="en-US"/>
           </a:p>
@@ -4021,7 +4024,7 @@
           <a:p>
             <a:fld id="{167B5D15-BF7F-41E8-8161-C2F6D2DC88EB}" type="slidenum">
               <a:rPr lang="en-US" smtClean="0"/>
-              <a:t>‹#›</a:t>
+              <a:t>‹nº›</a:t>
             </a:fld>
             <a:endParaRPr lang="en-US"/>
           </a:p>
@@ -4223,7 +4226,7 @@
           <a:p>
             <a:fld id="{1453F4C1-D305-4231-817D-8E4804B7754D}" type="datetimeFigureOut">
               <a:rPr lang="en-US" smtClean="0"/>
-              <a:t>11/26/2017</a:t>
+              <a:t>11/28/2017</a:t>
             </a:fld>
             <a:endParaRPr lang="en-US"/>
           </a:p>
@@ -4265,7 +4268,7 @@
           <a:p>
             <a:fld id="{167B5D15-BF7F-41E8-8161-C2F6D2DC88EB}" type="slidenum">
               <a:rPr lang="en-US" smtClean="0"/>
-              <a:t>‹#›</a:t>
+              <a:t>‹nº›</a:t>
             </a:fld>
             <a:endParaRPr lang="en-US"/>
           </a:p>
@@ -4283,7 +4286,7 @@
   </p:clrMapOvr>
   <p:extLst>
     <p:ext uri="{DCECCB84-F9BA-43D5-87BE-67443E8EF086}">
-      <p15:sldGuideLst xmlns:p15="http://schemas.microsoft.com/office/powerpoint/2012/main"/>
+      <p15:sldGuideLst xmlns:p15="http://schemas.microsoft.com/office/powerpoint/2012/main" xmlns=""/>
     </p:ext>
   </p:extLst>
 </p:sldLayout>
@@ -4464,7 +4467,7 @@
           <a:p>
             <a:fld id="{1453F4C1-D305-4231-817D-8E4804B7754D}" type="datetimeFigureOut">
               <a:rPr lang="en-US" smtClean="0"/>
-              <a:t>11/26/2017</a:t>
+              <a:t>11/28/2017</a:t>
             </a:fld>
             <a:endParaRPr lang="en-US"/>
           </a:p>
@@ -4506,7 +4509,7 @@
           <a:p>
             <a:fld id="{167B5D15-BF7F-41E8-8161-C2F6D2DC88EB}" type="slidenum">
               <a:rPr lang="en-US" smtClean="0"/>
-              <a:t>‹#›</a:t>
+              <a:t>‹nº›</a:t>
             </a:fld>
             <a:endParaRPr lang="en-US"/>
           </a:p>
@@ -4524,7 +4527,7 @@
   </p:clrMapOvr>
   <p:extLst>
     <p:ext uri="{DCECCB84-F9BA-43D5-87BE-67443E8EF086}">
-      <p15:sldGuideLst xmlns:p15="http://schemas.microsoft.com/office/powerpoint/2012/main"/>
+      <p15:sldGuideLst xmlns:p15="http://schemas.microsoft.com/office/powerpoint/2012/main" xmlns=""/>
     </p:ext>
   </p:extLst>
 </p:sldLayout>
@@ -4935,7 +4938,7 @@
           <a:p>
             <a:fld id="{1453F4C1-D305-4231-817D-8E4804B7754D}" type="datetimeFigureOut">
               <a:rPr lang="en-US" smtClean="0"/>
-              <a:t>11/26/2017</a:t>
+              <a:t>11/28/2017</a:t>
             </a:fld>
             <a:endParaRPr lang="en-US"/>
           </a:p>
@@ -4977,7 +4980,7 @@
           <a:p>
             <a:fld id="{167B5D15-BF7F-41E8-8161-C2F6D2DC88EB}" type="slidenum">
               <a:rPr lang="en-US" smtClean="0"/>
-              <a:t>‹#›</a:t>
+              <a:t>‹nº›</a:t>
             </a:fld>
             <a:endParaRPr lang="en-US"/>
           </a:p>
@@ -4995,7 +4998,7 @@
   </p:clrMapOvr>
   <p:extLst>
     <p:ext uri="{DCECCB84-F9BA-43D5-87BE-67443E8EF086}">
-      <p15:sldGuideLst xmlns:p15="http://schemas.microsoft.com/office/powerpoint/2012/main"/>
+      <p15:sldGuideLst xmlns:p15="http://schemas.microsoft.com/office/powerpoint/2012/main" xmlns=""/>
     </p:ext>
   </p:extLst>
 </p:sldLayout>
@@ -5058,7 +5061,7 @@
           <a:p>
             <a:fld id="{1453F4C1-D305-4231-817D-8E4804B7754D}" type="datetimeFigureOut">
               <a:rPr lang="en-US" smtClean="0"/>
-              <a:t>11/26/2017</a:t>
+              <a:t>11/28/2017</a:t>
             </a:fld>
             <a:endParaRPr lang="en-US"/>
           </a:p>
@@ -5100,7 +5103,7 @@
           <a:p>
             <a:fld id="{167B5D15-BF7F-41E8-8161-C2F6D2DC88EB}" type="slidenum">
               <a:rPr lang="en-US" smtClean="0"/>
-              <a:t>‹#›</a:t>
+              <a:t>‹nº›</a:t>
             </a:fld>
             <a:endParaRPr lang="en-US"/>
           </a:p>
@@ -5153,7 +5156,7 @@
           <a:p>
             <a:fld id="{1453F4C1-D305-4231-817D-8E4804B7754D}" type="datetimeFigureOut">
               <a:rPr lang="en-US" smtClean="0"/>
-              <a:t>11/26/2017</a:t>
+              <a:t>11/28/2017</a:t>
             </a:fld>
             <a:endParaRPr lang="en-US"/>
           </a:p>
@@ -5195,7 +5198,7 @@
           <a:p>
             <a:fld id="{167B5D15-BF7F-41E8-8161-C2F6D2DC88EB}" type="slidenum">
               <a:rPr lang="en-US" smtClean="0"/>
-              <a:t>‹#›</a:t>
+              <a:t>‹nº›</a:t>
             </a:fld>
             <a:endParaRPr lang="en-US"/>
           </a:p>
@@ -5408,7 +5411,7 @@
           <a:p>
             <a:fld id="{1453F4C1-D305-4231-817D-8E4804B7754D}" type="datetimeFigureOut">
               <a:rPr lang="en-US" smtClean="0"/>
-              <a:t>11/26/2017</a:t>
+              <a:t>11/28/2017</a:t>
             </a:fld>
             <a:endParaRPr lang="en-US"/>
           </a:p>
@@ -5450,7 +5453,7 @@
           <a:p>
             <a:fld id="{167B5D15-BF7F-41E8-8161-C2F6D2DC88EB}" type="slidenum">
               <a:rPr lang="en-US" smtClean="0"/>
-              <a:t>‹#›</a:t>
+              <a:t>‹nº›</a:t>
             </a:fld>
             <a:endParaRPr lang="en-US"/>
           </a:p>
@@ -5468,7 +5471,7 @@
   </p:clrMapOvr>
   <p:extLst>
     <p:ext uri="{DCECCB84-F9BA-43D5-87BE-67443E8EF086}">
-      <p15:sldGuideLst xmlns:p15="http://schemas.microsoft.com/office/powerpoint/2012/main"/>
+      <p15:sldGuideLst xmlns:p15="http://schemas.microsoft.com/office/powerpoint/2012/main" xmlns=""/>
     </p:ext>
   </p:extLst>
 </p:sldLayout>
@@ -5713,7 +5716,7 @@
           <a:p>
             <a:fld id="{1453F4C1-D305-4231-817D-8E4804B7754D}" type="datetimeFigureOut">
               <a:rPr lang="en-US" smtClean="0"/>
-              <a:t>11/26/2017</a:t>
+              <a:t>11/28/2017</a:t>
             </a:fld>
             <a:endParaRPr lang="en-US"/>
           </a:p>
@@ -5755,7 +5758,7 @@
           <a:p>
             <a:fld id="{167B5D15-BF7F-41E8-8161-C2F6D2DC88EB}" type="slidenum">
               <a:rPr lang="en-US" smtClean="0"/>
-              <a:t>‹#›</a:t>
+              <a:t>‹nº›</a:t>
             </a:fld>
             <a:endParaRPr lang="en-US"/>
           </a:p>
@@ -5947,7 +5950,7 @@
           <a:p>
             <a:fld id="{1453F4C1-D305-4231-817D-8E4804B7754D}" type="datetimeFigureOut">
               <a:rPr lang="en-US" smtClean="0"/>
-              <a:t>11/26/2017</a:t>
+              <a:t>11/28/2017</a:t>
             </a:fld>
             <a:endParaRPr lang="en-US"/>
           </a:p>
@@ -6039,7 +6042,7 @@
           <a:p>
             <a:fld id="{167B5D15-BF7F-41E8-8161-C2F6D2DC88EB}" type="slidenum">
               <a:rPr lang="en-US" smtClean="0"/>
-              <a:t>‹#›</a:t>
+              <a:t>‹nº›</a:t>
             </a:fld>
             <a:endParaRPr lang="en-US"/>
           </a:p>
@@ -6633,7 +6636,7 @@
   </p:txStyles>
   <p:extLst>
     <p:ext uri="{27BBF7A9-308A-43DC-89C8-2F10F3537804}">
-      <p15:sldGuideLst xmlns:p15="http://schemas.microsoft.com/office/powerpoint/2012/main"/>
+      <p15:sldGuideLst xmlns:p15="http://schemas.microsoft.com/office/powerpoint/2012/main" xmlns=""/>
     </p:ext>
   </p:extLst>
 </p:sldMaster>
@@ -6721,11 +6724,7 @@
             </a:r>
             <a:r>
               <a:rPr lang="en-US" dirty="0" smtClean="0"/>
-              <a:t>: </a:t>
-            </a:r>
-            <a:r>
-              <a:rPr lang="en-US" dirty="0" smtClean="0"/>
-              <a:t>Prof. Dr. Rodrigo Coelho Barros</a:t>
+              <a:t>: Prof. Dr. Rodrigo Coelho Barros</a:t>
             </a:r>
             <a:endParaRPr lang="en-US" dirty="0"/>
           </a:p>
@@ -6767,11 +6766,11 @@
   <p:clrMapOvr>
     <a:masterClrMapping/>
   </p:clrMapOvr>
-  <mc:AlternateContent xmlns:mc="http://schemas.openxmlformats.org/markup-compatibility/2006">
-    <mc:Choice xmlns:p14="http://schemas.microsoft.com/office/powerpoint/2010/main" Requires="p14">
+  <mc:AlternateContent xmlns:mc="http://schemas.openxmlformats.org/markup-compatibility/2006" xmlns:p14="http://schemas.microsoft.com/office/powerpoint/2010/main">
+    <mc:Choice Requires="p14">
       <p:transition spd="slow" p14:dur="2000" advTm="2039"/>
     </mc:Choice>
-    <mc:Fallback>
+    <mc:Fallback xmlns="">
       <p:transition spd="slow" advTm="2039"/>
     </mc:Fallback>
   </mc:AlternateContent>
@@ -6804,12 +6803,12 @@
       </p:grpSpPr>
       <p:sp>
         <p:nvSpPr>
-          <p:cNvPr id="3" name="Content Placeholder 2"/>
-          <p:cNvSpPr>
-            <a:spLocks noGrp="1"/>
-          </p:cNvSpPr>
-          <p:nvPr>
-            <p:ph sz="half" idx="1"/>
+          <p:cNvPr id="2" name="Título 1"/>
+          <p:cNvSpPr>
+            <a:spLocks noGrp="1"/>
+          </p:cNvSpPr>
+          <p:nvPr>
+            <p:ph type="title"/>
           </p:nvPr>
         </p:nvSpPr>
         <p:spPr/>
@@ -6819,20 +6818,28 @@
           <a:p>
             <a:r>
               <a:rPr lang="pt-BR" dirty="0" smtClean="0"/>
-              <a:t>Construir Solução</a:t>
-            </a:r>
-            <a:endParaRPr lang="en-US" dirty="0"/>
-          </a:p>
-        </p:txBody>
-      </p:sp>
-      <p:sp>
-        <p:nvSpPr>
-          <p:cNvPr id="4" name="Content Placeholder 3"/>
-          <p:cNvSpPr>
-            <a:spLocks noGrp="1"/>
-          </p:cNvSpPr>
-          <p:nvPr>
-            <p:ph sz="half" idx="2"/>
+              <a:t>MAX-MIN </a:t>
+            </a:r>
+            <a:r>
+              <a:rPr lang="pt-BR" dirty="0" err="1" smtClean="0"/>
+              <a:t>Ant</a:t>
+            </a:r>
+            <a:r>
+              <a:rPr lang="pt-BR" dirty="0" smtClean="0"/>
+              <a:t> System(MMAS)</a:t>
+            </a:r>
+            <a:endParaRPr lang="pt-BR" dirty="0"/>
+          </a:p>
+        </p:txBody>
+      </p:sp>
+      <p:sp>
+        <p:nvSpPr>
+          <p:cNvPr id="3" name="Espaço Reservado para Conteúdo 2"/>
+          <p:cNvSpPr>
+            <a:spLocks noGrp="1"/>
+          </p:cNvSpPr>
+          <p:nvPr>
+            <p:ph idx="1"/>
           </p:nvPr>
         </p:nvSpPr>
         <p:spPr/>
@@ -6842,30 +6849,174 @@
           <a:p>
             <a:r>
               <a:rPr lang="pt-BR" dirty="0" smtClean="0"/>
-              <a:t>Atualizar Feromônios</a:t>
-            </a:r>
-            <a:endParaRPr lang="en-US" dirty="0"/>
+              <a:t>Criado devido ao AS não ser competitivo</a:t>
+            </a:r>
+          </a:p>
+          <a:p>
+            <a:r>
+              <a:rPr lang="pt-BR" dirty="0" smtClean="0"/>
+              <a:t>Utiliza somente a melhor formiga</a:t>
+            </a:r>
+          </a:p>
+          <a:p>
+            <a:r>
+              <a:rPr lang="pt-BR" dirty="0" smtClean="0"/>
+              <a:t>Melhor formiga da iteração ou global (ou combinação)</a:t>
+            </a:r>
+          </a:p>
+          <a:p>
+            <a:r>
+              <a:rPr lang="pt-BR" dirty="0" smtClean="0"/>
+              <a:t>Novo </a:t>
+            </a:r>
+            <a:r>
+              <a:rPr lang="pt-BR" dirty="0" err="1" smtClean="0"/>
+              <a:t>feromônio</a:t>
+            </a:r>
+            <a:r>
+              <a:rPr lang="pt-BR" dirty="0" smtClean="0"/>
+              <a:t> entre </a:t>
+            </a:r>
+            <a:r>
+              <a:rPr lang="pt-BR" dirty="0" err="1" smtClean="0"/>
+              <a:t>Tmin</a:t>
+            </a:r>
+            <a:r>
+              <a:rPr lang="pt-BR" dirty="0" smtClean="0"/>
+              <a:t> e </a:t>
+            </a:r>
+            <a:r>
+              <a:rPr lang="pt-BR" dirty="0" err="1" smtClean="0"/>
+              <a:t>Tmax</a:t>
+            </a:r>
+            <a:endParaRPr lang="pt-BR" dirty="0" smtClean="0"/>
+          </a:p>
+          <a:p>
+            <a:pPr marL="36900" indent="0">
+              <a:buNone/>
+            </a:pPr>
+            <a:endParaRPr lang="pt-BR" dirty="0" smtClean="0"/>
+          </a:p>
+          <a:p>
+            <a:endParaRPr lang="pt-BR" dirty="0" smtClean="0"/>
+          </a:p>
+          <a:p>
+            <a:endParaRPr lang="pt-BR" dirty="0"/>
+          </a:p>
+        </p:txBody>
+      </p:sp>
+      <p:pic>
+        <p:nvPicPr>
+          <p:cNvPr id="2050" name="Picture 2"/>
+          <p:cNvPicPr>
+            <a:picLocks noChangeAspect="1" noChangeArrowheads="1"/>
+          </p:cNvPicPr>
+          <p:nvPr/>
+        </p:nvPicPr>
+        <p:blipFill>
+          <a:blip r:embed="rId2">
+            <a:extLst>
+              <a:ext uri="{28A0092B-C50C-407E-A947-70E740481C1C}">
+                <a14:useLocalDpi xmlns:a14="http://schemas.microsoft.com/office/drawing/2010/main" val="0"/>
+              </a:ext>
+            </a:extLst>
+          </a:blip>
+          <a:srcRect/>
+          <a:stretch>
+            <a:fillRect/>
+          </a:stretch>
+        </p:blipFill>
+        <p:spPr bwMode="auto">
+          <a:xfrm>
+            <a:off x="2925836" y="4490862"/>
+            <a:ext cx="2705100" cy="714375"/>
+          </a:xfrm>
+          <a:prstGeom prst="rect">
+            <a:avLst/>
+          </a:prstGeom>
+          <a:noFill/>
+          <a:ln>
+            <a:noFill/>
+          </a:ln>
+          <a:effectLst/>
+          <a:extLst>
+            <a:ext uri="{909E8E84-426E-40DD-AFC4-6F175D3DCCD1}">
+              <a14:hiddenFill xmlns:a14="http://schemas.microsoft.com/office/drawing/2010/main">
+                <a:solidFill>
+                  <a:schemeClr val="accent1"/>
+                </a:solidFill>
+              </a14:hiddenFill>
+            </a:ext>
+            <a:ext uri="{91240B29-F687-4F45-9708-019B960494DF}">
+              <a14:hiddenLine xmlns:a14="http://schemas.microsoft.com/office/drawing/2010/main" w="9525">
+                <a:solidFill>
+                  <a:schemeClr val="tx1"/>
+                </a:solidFill>
+                <a:miter lim="800000"/>
+                <a:headEnd/>
+                <a:tailEnd/>
+              </a14:hiddenLine>
+            </a:ext>
+            <a:ext uri="{AF507438-7753-43E0-B8FC-AC1667EBCBE1}">
+              <a14:hiddenEffects xmlns:a14="http://schemas.microsoft.com/office/drawing/2010/main">
+                <a:effectLst>
+                  <a:outerShdw dist="35921" dir="2700000" algn="ctr" rotWithShape="0">
+                    <a:schemeClr val="bg2"/>
+                  </a:outerShdw>
+                </a:effectLst>
+              </a14:hiddenEffects>
+            </a:ext>
+          </a:extLst>
+        </p:spPr>
+      </p:pic>
+      <p:sp>
+        <p:nvSpPr>
+          <p:cNvPr id="5" name="CaixaDeTexto 4"/>
+          <p:cNvSpPr txBox="1"/>
+          <p:nvPr/>
+        </p:nvSpPr>
+        <p:spPr>
+          <a:xfrm>
+            <a:off x="3024677" y="4098899"/>
+            <a:ext cx="2507418" cy="369332"/>
+          </a:xfrm>
+          <a:prstGeom prst="rect">
+            <a:avLst/>
+          </a:prstGeom>
+          <a:noFill/>
+        </p:spPr>
+        <p:txBody>
+          <a:bodyPr wrap="none" rtlCol="0">
+            <a:spAutoFit/>
+          </a:bodyPr>
+          <a:lstStyle/>
+          <a:p>
+            <a:r>
+              <a:rPr lang="pt-BR" dirty="0" smtClean="0"/>
+              <a:t>Atualização </a:t>
+            </a:r>
+            <a:r>
+              <a:rPr lang="pt-BR" dirty="0" err="1" smtClean="0"/>
+              <a:t>feromônio</a:t>
+            </a:r>
+            <a:r>
+              <a:rPr lang="pt-BR" dirty="0" smtClean="0"/>
+              <a:t>:</a:t>
+            </a:r>
+            <a:endParaRPr lang="pt-BR" dirty="0"/>
           </a:p>
         </p:txBody>
       </p:sp>
     </p:spTree>
     <p:extLst>
       <p:ext uri="{BB962C8B-B14F-4D97-AF65-F5344CB8AC3E}">
-        <p14:creationId xmlns:p14="http://schemas.microsoft.com/office/powerpoint/2010/main" val="1792934434"/>
+        <p14:creationId xmlns:p14="http://schemas.microsoft.com/office/powerpoint/2010/main" val="1483429300"/>
       </p:ext>
     </p:extLst>
   </p:cSld>
   <p:clrMapOvr>
     <a:masterClrMapping/>
   </p:clrMapOvr>
-  <mc:AlternateContent xmlns:mc="http://schemas.openxmlformats.org/markup-compatibility/2006">
-    <mc:Choice xmlns:p14="http://schemas.microsoft.com/office/powerpoint/2010/main" Requires="p14">
-      <p:transition spd="slow" p14:dur="2000" advTm="88110"/>
-    </mc:Choice>
-    <mc:Fallback>
-      <p:transition spd="slow" advTm="88110"/>
-    </mc:Fallback>
-  </mc:AlternateContent>
   <p:timing>
     <p:tnLst>
       <p:par>
@@ -6895,7 +7046,7 @@
       </p:grpSpPr>
       <p:sp>
         <p:nvSpPr>
-          <p:cNvPr id="2" name="Title 1"/>
+          <p:cNvPr id="2" name="Título 1"/>
           <p:cNvSpPr>
             <a:spLocks noGrp="1"/>
           </p:cNvSpPr>
@@ -6909,21 +7060,33 @@
           <a:lstStyle/>
           <a:p>
             <a:r>
+              <a:rPr lang="pt-BR" dirty="0" err="1" smtClean="0"/>
+              <a:t>Ant</a:t>
+            </a:r>
+            <a:r>
               <a:rPr lang="pt-BR" dirty="0" smtClean="0"/>
-              <a:t>Trabalhos Relacionados</a:t>
-            </a:r>
-            <a:endParaRPr lang="en-US" dirty="0"/>
-          </a:p>
-        </p:txBody>
-      </p:sp>
-      <p:sp>
-        <p:nvSpPr>
-          <p:cNvPr id="3" name="Content Placeholder 2"/>
-          <p:cNvSpPr>
-            <a:spLocks noGrp="1"/>
-          </p:cNvSpPr>
-          <p:nvPr>
-            <p:ph sz="half" idx="1"/>
+              <a:t> </a:t>
+            </a:r>
+            <a:r>
+              <a:rPr lang="pt-BR" dirty="0" err="1" smtClean="0"/>
+              <a:t>Colony</a:t>
+            </a:r>
+            <a:r>
+              <a:rPr lang="pt-BR" dirty="0" smtClean="0"/>
+              <a:t> System (ACS)</a:t>
+            </a:r>
+            <a:endParaRPr lang="pt-BR" dirty="0"/>
+          </a:p>
+        </p:txBody>
+      </p:sp>
+      <p:sp>
+        <p:nvSpPr>
+          <p:cNvPr id="3" name="Espaço Reservado para Conteúdo 2"/>
+          <p:cNvSpPr>
+            <a:spLocks noGrp="1"/>
+          </p:cNvSpPr>
+          <p:nvPr>
+            <p:ph idx="1"/>
           </p:nvPr>
         </p:nvSpPr>
         <p:spPr/>
@@ -6933,57 +7096,150 @@
           <a:p>
             <a:r>
               <a:rPr lang="pt-BR" dirty="0" smtClean="0"/>
-              <a:t>Algoritmo A*</a:t>
-            </a:r>
-            <a:endParaRPr lang="en-US" dirty="0"/>
-          </a:p>
-        </p:txBody>
-      </p:sp>
-      <p:sp>
-        <p:nvSpPr>
-          <p:cNvPr id="4" name="Content Placeholder 3"/>
-          <p:cNvSpPr>
-            <a:spLocks noGrp="1"/>
-          </p:cNvSpPr>
-          <p:nvPr>
-            <p:ph sz="half" idx="2"/>
-          </p:nvPr>
-        </p:nvSpPr>
-        <p:spPr/>
-        <p:txBody>
-          <a:bodyPr/>
-          <a:lstStyle/>
-          <a:p>
+              <a:t>Atualização ‘</a:t>
+            </a:r>
+            <a:r>
+              <a:rPr lang="pt-BR" dirty="0" err="1" smtClean="0"/>
+              <a:t>offline</a:t>
+            </a:r>
             <a:r>
               <a:rPr lang="pt-BR" dirty="0" smtClean="0"/>
-              <a:t>Algoritmo de </a:t>
+              <a:t>’ de </a:t>
             </a:r>
             <a:r>
               <a:rPr lang="pt-BR" dirty="0" err="1" smtClean="0"/>
-              <a:t>Dijkstra</a:t>
-            </a:r>
-            <a:endParaRPr lang="en-US" dirty="0"/>
+              <a:t>feromônio</a:t>
+            </a:r>
+            <a:endParaRPr lang="pt-BR" dirty="0" smtClean="0"/>
+          </a:p>
+          <a:p>
+            <a:r>
+              <a:rPr lang="pt-BR" dirty="0" err="1" smtClean="0"/>
+              <a:t>Feromônio</a:t>
+            </a:r>
+            <a:r>
+              <a:rPr lang="pt-BR" dirty="0" smtClean="0"/>
+              <a:t> aplicado a última aresta utilizada</a:t>
+            </a:r>
+            <a:endParaRPr lang="pt-BR" dirty="0"/>
+          </a:p>
+          <a:p>
+            <a:endParaRPr lang="pt-BR" dirty="0"/>
+          </a:p>
+        </p:txBody>
+      </p:sp>
+      <p:pic>
+        <p:nvPicPr>
+          <p:cNvPr id="3074" name="Picture 2"/>
+          <p:cNvPicPr>
+            <a:picLocks noChangeAspect="1" noChangeArrowheads="1"/>
+          </p:cNvPicPr>
+          <p:nvPr/>
+        </p:nvPicPr>
+        <p:blipFill>
+          <a:blip r:embed="rId2">
+            <a:extLst>
+              <a:ext uri="{28A0092B-C50C-407E-A947-70E740481C1C}">
+                <a14:useLocalDpi xmlns:a14="http://schemas.microsoft.com/office/drawing/2010/main" val="0"/>
+              </a:ext>
+            </a:extLst>
+          </a:blip>
+          <a:srcRect/>
+          <a:stretch>
+            <a:fillRect/>
+          </a:stretch>
+        </p:blipFill>
+        <p:spPr bwMode="auto">
+          <a:xfrm>
+            <a:off x="2947114" y="3943133"/>
+            <a:ext cx="2981325" cy="733425"/>
+          </a:xfrm>
+          <a:prstGeom prst="rect">
+            <a:avLst/>
+          </a:prstGeom>
+          <a:noFill/>
+          <a:ln>
+            <a:noFill/>
+          </a:ln>
+          <a:effectLst/>
+          <a:extLst>
+            <a:ext uri="{909E8E84-426E-40DD-AFC4-6F175D3DCCD1}">
+              <a14:hiddenFill xmlns:a14="http://schemas.microsoft.com/office/drawing/2010/main">
+                <a:solidFill>
+                  <a:schemeClr val="accent1"/>
+                </a:solidFill>
+              </a14:hiddenFill>
+            </a:ext>
+            <a:ext uri="{91240B29-F687-4F45-9708-019B960494DF}">
+              <a14:hiddenLine xmlns:a14="http://schemas.microsoft.com/office/drawing/2010/main" w="9525">
+                <a:solidFill>
+                  <a:schemeClr val="tx1"/>
+                </a:solidFill>
+                <a:miter lim="800000"/>
+                <a:headEnd/>
+                <a:tailEnd/>
+              </a14:hiddenLine>
+            </a:ext>
+            <a:ext uri="{AF507438-7753-43E0-B8FC-AC1667EBCBE1}">
+              <a14:hiddenEffects xmlns:a14="http://schemas.microsoft.com/office/drawing/2010/main">
+                <a:effectLst>
+                  <a:outerShdw dist="35921" dir="2700000" algn="ctr" rotWithShape="0">
+                    <a:schemeClr val="bg2"/>
+                  </a:outerShdw>
+                </a:effectLst>
+              </a14:hiddenEffects>
+            </a:ext>
+          </a:extLst>
+        </p:spPr>
+      </p:pic>
+      <p:sp>
+        <p:nvSpPr>
+          <p:cNvPr id="5" name="CaixaDeTexto 4"/>
+          <p:cNvSpPr txBox="1"/>
+          <p:nvPr/>
+        </p:nvSpPr>
+        <p:spPr>
+          <a:xfrm>
+            <a:off x="3184067" y="3553706"/>
+            <a:ext cx="2507418" cy="369332"/>
+          </a:xfrm>
+          <a:prstGeom prst="rect">
+            <a:avLst/>
+          </a:prstGeom>
+          <a:noFill/>
+        </p:spPr>
+        <p:txBody>
+          <a:bodyPr wrap="none" rtlCol="0">
+            <a:spAutoFit/>
+          </a:bodyPr>
+          <a:lstStyle/>
+          <a:p>
+            <a:r>
+              <a:rPr lang="pt-BR" dirty="0" smtClean="0"/>
+              <a:t>Atualização </a:t>
+            </a:r>
+            <a:r>
+              <a:rPr lang="pt-BR" dirty="0" err="1" smtClean="0"/>
+              <a:t>feromônio</a:t>
+            </a:r>
+            <a:r>
+              <a:rPr lang="pt-BR" dirty="0" smtClean="0"/>
+              <a:t>:</a:t>
+            </a:r>
+            <a:endParaRPr lang="pt-BR" dirty="0"/>
           </a:p>
         </p:txBody>
       </p:sp>
     </p:spTree>
     <p:extLst>
       <p:ext uri="{BB962C8B-B14F-4D97-AF65-F5344CB8AC3E}">
-        <p14:creationId xmlns:p14="http://schemas.microsoft.com/office/powerpoint/2010/main" val="704920574"/>
+        <p14:creationId xmlns:p14="http://schemas.microsoft.com/office/powerpoint/2010/main" val="978568221"/>
       </p:ext>
     </p:extLst>
   </p:cSld>
   <p:clrMapOvr>
     <a:masterClrMapping/>
   </p:clrMapOvr>
-  <mc:AlternateContent xmlns:mc="http://schemas.openxmlformats.org/markup-compatibility/2006">
-    <mc:Choice xmlns:p14="http://schemas.microsoft.com/office/powerpoint/2010/main" Requires="p14">
-      <p:transition spd="slow" p14:dur="2000" advTm="70223"/>
-    </mc:Choice>
-    <mc:Fallback>
-      <p:transition spd="slow" advTm="70223"/>
-    </mc:Fallback>
-  </mc:AlternateContent>
   <p:timing>
     <p:tnLst>
       <p:par>
@@ -7013,7 +7269,7 @@
       </p:grpSpPr>
       <p:sp>
         <p:nvSpPr>
-          <p:cNvPr id="2" name="Title 1"/>
+          <p:cNvPr id="11" name="Title 10"/>
           <p:cNvSpPr>
             <a:spLocks noGrp="1"/>
           </p:cNvSpPr>
@@ -7028,183 +7284,174 @@
           <a:p>
             <a:r>
               <a:rPr lang="pt-BR" dirty="0" smtClean="0"/>
-              <a:t>Metodologia</a:t>
+              <a:t>Pseudocódigo</a:t>
             </a:r>
             <a:endParaRPr lang="en-US" dirty="0"/>
           </a:p>
         </p:txBody>
       </p:sp>
-      <p:sp>
-        <p:nvSpPr>
-          <p:cNvPr id="3" name="Content Placeholder 2"/>
-          <p:cNvSpPr>
-            <a:spLocks noGrp="1"/>
-          </p:cNvSpPr>
+      <p:pic>
+        <p:nvPicPr>
+          <p:cNvPr id="8" name="Content Placeholder 7"/>
+          <p:cNvPicPr>
+            <a:picLocks noGrp="1" noChangeAspect="1"/>
+          </p:cNvPicPr>
           <p:nvPr>
             <p:ph sz="half" idx="1"/>
           </p:nvPr>
-        </p:nvSpPr>
-        <p:spPr/>
-        <p:txBody>
-          <a:bodyPr>
-            <a:normAutofit fontScale="92500" lnSpcReduction="20000"/>
+        </p:nvPicPr>
+        <p:blipFill>
+          <a:blip r:embed="rId2"/>
+          <a:stretch>
+            <a:fillRect/>
+          </a:stretch>
+        </p:blipFill>
+        <p:spPr>
+          <a:xfrm>
+            <a:off x="1057871" y="3121223"/>
+            <a:ext cx="3050381" cy="1114425"/>
+          </a:xfrm>
+          <a:prstGeom prst="rect">
+            <a:avLst/>
+          </a:prstGeom>
+        </p:spPr>
+      </p:pic>
+      <p:sp>
+        <p:nvSpPr>
+          <p:cNvPr id="14" name="Content Placeholder 13"/>
+          <p:cNvSpPr>
+            <a:spLocks noGrp="1"/>
+          </p:cNvSpPr>
+          <p:nvPr>
+            <p:ph sz="half" idx="2"/>
+          </p:nvPr>
+        </p:nvSpPr>
+        <p:spPr/>
+        <p:txBody>
+          <a:bodyPr/>
+          <a:lstStyle/>
+          <a:p>
+            <a:r>
+              <a:rPr lang="pt-BR" dirty="0" smtClean="0"/>
+              <a:t>Construir Solução</a:t>
+            </a:r>
+          </a:p>
+          <a:p>
+            <a:endParaRPr lang="pt-BR" dirty="0" smtClean="0"/>
+          </a:p>
+          <a:p>
+            <a:r>
+              <a:rPr lang="pt-BR" dirty="0" smtClean="0"/>
+              <a:t>Fazer Busca Local</a:t>
+            </a:r>
+          </a:p>
+          <a:p>
+            <a:endParaRPr lang="pt-BR" dirty="0" smtClean="0"/>
+          </a:p>
+          <a:p>
+            <a:r>
+              <a:rPr lang="pt-BR" dirty="0" smtClean="0"/>
+              <a:t>Atualizar </a:t>
+            </a:r>
+            <a:r>
+              <a:rPr lang="pt-BR" dirty="0" err="1" smtClean="0"/>
+              <a:t>Feromônios</a:t>
+            </a:r>
+            <a:endParaRPr lang="pt-BR" dirty="0" smtClean="0"/>
+          </a:p>
+          <a:p>
+            <a:endParaRPr lang="en-US" dirty="0"/>
+          </a:p>
+        </p:txBody>
+      </p:sp>
+      <p:sp>
+        <p:nvSpPr>
+          <p:cNvPr id="15" name="TextBox 14"/>
+          <p:cNvSpPr txBox="1"/>
+          <p:nvPr/>
+        </p:nvSpPr>
+        <p:spPr>
+          <a:xfrm>
+            <a:off x="458608" y="4349948"/>
+            <a:ext cx="4299510" cy="323165"/>
+          </a:xfrm>
+          <a:prstGeom prst="rect">
+            <a:avLst/>
+          </a:prstGeom>
+          <a:noFill/>
+        </p:spPr>
+        <p:txBody>
+          <a:bodyPr wrap="none" rtlCol="0">
+            <a:spAutoFit/>
           </a:bodyPr>
           <a:lstStyle/>
           <a:p>
             <a:r>
-              <a:rPr lang="pt-BR" dirty="0" smtClean="0"/>
-              <a:t>O que foi utilizado para construir a solução</a:t>
-            </a:r>
-          </a:p>
-          <a:p>
-            <a:pPr lvl="1"/>
-            <a:r>
-              <a:rPr lang="pt-BR" dirty="0" smtClean="0"/>
-              <a:t>Dados</a:t>
-            </a:r>
-          </a:p>
-          <a:p>
-            <a:pPr lvl="1"/>
-            <a:r>
-              <a:rPr lang="pt-BR" dirty="0" smtClean="0"/>
-              <a:t>SQL Server</a:t>
-            </a:r>
-          </a:p>
-          <a:p>
-            <a:pPr lvl="1"/>
-            <a:r>
-              <a:rPr lang="pt-BR" dirty="0" smtClean="0"/>
-              <a:t>Python</a:t>
-            </a:r>
-          </a:p>
-          <a:p>
-            <a:pPr lvl="1"/>
-            <a:r>
-              <a:rPr lang="pt-BR" dirty="0" smtClean="0"/>
-              <a:t>Java</a:t>
-            </a:r>
-          </a:p>
-          <a:p>
-            <a:pPr lvl="1"/>
-            <a:r>
-              <a:rPr lang="pt-BR" dirty="0" err="1"/>
-              <a:t>NetworkX</a:t>
-            </a:r>
-            <a:endParaRPr lang="pt-BR" dirty="0"/>
-          </a:p>
-          <a:p>
-            <a:pPr lvl="1"/>
-            <a:r>
-              <a:rPr lang="pt-BR" dirty="0" err="1"/>
-              <a:t>Matplotlib</a:t>
-            </a:r>
-            <a:endParaRPr lang="pt-BR" dirty="0"/>
-          </a:p>
-          <a:p>
-            <a:pPr lvl="1"/>
-            <a:r>
-              <a:rPr lang="pt-BR" dirty="0"/>
-              <a:t>Pandas</a:t>
-            </a:r>
-          </a:p>
-          <a:p>
-            <a:pPr lvl="1"/>
-            <a:r>
-              <a:rPr lang="pt-BR" dirty="0"/>
-              <a:t>Visual Studio </a:t>
-            </a:r>
-            <a:r>
-              <a:rPr lang="pt-BR" dirty="0" err="1"/>
-              <a:t>Code</a:t>
-            </a:r>
-            <a:endParaRPr lang="pt-BR" dirty="0"/>
-          </a:p>
-          <a:p>
-            <a:pPr lvl="1"/>
-            <a:r>
-              <a:rPr lang="pt-BR" dirty="0"/>
-              <a:t>Sublime </a:t>
-            </a:r>
-            <a:r>
-              <a:rPr lang="pt-BR" dirty="0" err="1"/>
-              <a:t>Text</a:t>
-            </a:r>
-            <a:endParaRPr lang="pt-BR" dirty="0"/>
-          </a:p>
-          <a:p>
-            <a:pPr lvl="1"/>
-            <a:r>
-              <a:rPr lang="pt-BR" dirty="0"/>
-              <a:t>GitHub</a:t>
-            </a:r>
-            <a:endParaRPr lang="en-US" dirty="0"/>
-          </a:p>
-          <a:p>
-            <a:pPr lvl="1"/>
-            <a:endParaRPr lang="en-US" dirty="0" smtClean="0"/>
-          </a:p>
-        </p:txBody>
-      </p:sp>
-      <p:sp>
-        <p:nvSpPr>
-          <p:cNvPr id="4" name="Content Placeholder 3"/>
-          <p:cNvSpPr>
-            <a:spLocks noGrp="1"/>
-          </p:cNvSpPr>
-          <p:nvPr>
-            <p:ph sz="half" idx="2"/>
-          </p:nvPr>
-        </p:nvSpPr>
-        <p:spPr/>
-        <p:txBody>
-          <a:bodyPr>
-            <a:normAutofit fontScale="92500" lnSpcReduction="20000"/>
-          </a:bodyPr>
-          <a:lstStyle/>
-          <a:p>
-            <a:r>
-              <a:rPr lang="pt-BR" dirty="0"/>
-              <a:t>Construção do </a:t>
-            </a:r>
-            <a:r>
-              <a:rPr lang="pt-BR" dirty="0" smtClean="0"/>
-              <a:t>Grafo</a:t>
-            </a:r>
-          </a:p>
-          <a:p>
-            <a:pPr lvl="1"/>
-            <a:r>
-              <a:rPr lang="pt-BR" dirty="0" smtClean="0"/>
-              <a:t>300m de distância</a:t>
-            </a:r>
-          </a:p>
-          <a:p>
-            <a:pPr lvl="1"/>
-            <a:r>
-              <a:rPr lang="pt-BR" dirty="0" smtClean="0"/>
-              <a:t>Paradas = nodos</a:t>
-            </a:r>
-          </a:p>
-          <a:p>
-            <a:pPr lvl="1"/>
-            <a:r>
-              <a:rPr lang="pt-BR" dirty="0" smtClean="0"/>
-              <a:t>Distâncias ou tempos = arestas</a:t>
-            </a:r>
-            <a:endParaRPr lang="pt-BR" dirty="0"/>
+              <a:rPr lang="pt-BR" sz="1500" dirty="0">
+                <a:ln>
+                  <a:solidFill>
+                    <a:schemeClr val="bg1">
+                      <a:lumMod val="75000"/>
+                      <a:lumOff val="25000"/>
+                      <a:alpha val="10000"/>
+                    </a:schemeClr>
+                  </a:solidFill>
+                </a:ln>
+                <a:solidFill>
+                  <a:schemeClr val="tx2"/>
+                </a:solidFill>
+                <a:effectLst>
+                  <a:outerShdw blurRad="9525" dist="25400" dir="14640000" algn="tl" rotWithShape="0">
+                    <a:schemeClr val="bg1">
+                      <a:alpha val="30000"/>
+                    </a:schemeClr>
+                  </a:outerShdw>
+                </a:effectLst>
+              </a:rPr>
+              <a:t>Algoritmo genérico de ACO. Adaptado de [16, 19]</a:t>
+            </a:r>
+            <a:endParaRPr lang="en-US" sz="1500" dirty="0">
+              <a:ln>
+                <a:solidFill>
+                  <a:schemeClr val="bg1">
+                    <a:lumMod val="75000"/>
+                    <a:lumOff val="25000"/>
+                    <a:alpha val="10000"/>
+                  </a:schemeClr>
+                </a:solidFill>
+              </a:ln>
+              <a:solidFill>
+                <a:schemeClr val="tx2"/>
+              </a:solidFill>
+              <a:effectLst>
+                <a:outerShdw blurRad="9525" dist="25400" dir="14640000" algn="tl" rotWithShape="0">
+                  <a:schemeClr val="bg1">
+                    <a:alpha val="30000"/>
+                  </a:schemeClr>
+                </a:outerShdw>
+              </a:effectLst>
+            </a:endParaRPr>
           </a:p>
         </p:txBody>
       </p:sp>
     </p:spTree>
     <p:extLst>
       <p:ext uri="{BB962C8B-B14F-4D97-AF65-F5344CB8AC3E}">
-        <p14:creationId xmlns:p14="http://schemas.microsoft.com/office/powerpoint/2010/main" val="2470447900"/>
+        <p14:creationId xmlns:p14="http://schemas.microsoft.com/office/powerpoint/2010/main" val="1169595047"/>
       </p:ext>
     </p:extLst>
   </p:cSld>
   <p:clrMapOvr>
     <a:masterClrMapping/>
   </p:clrMapOvr>
+  <mc:AlternateContent xmlns:mc="http://schemas.openxmlformats.org/markup-compatibility/2006" xmlns:p14="http://schemas.microsoft.com/office/powerpoint/2010/main">
+    <mc:Choice Requires="p14">
+      <p:transition spd="slow" p14:dur="2000" advTm="36034"/>
+    </mc:Choice>
+    <mc:Fallback xmlns="">
+      <p:transition spd="slow" advTm="36034"/>
+    </mc:Fallback>
+  </mc:AlternateContent>
   <p:timing>
     <p:tnLst>
       <p:par>
@@ -7234,12 +7481,12 @@
       </p:grpSpPr>
       <p:sp>
         <p:nvSpPr>
-          <p:cNvPr id="2" name="Title 1"/>
-          <p:cNvSpPr>
-            <a:spLocks noGrp="1"/>
-          </p:cNvSpPr>
-          <p:nvPr>
-            <p:ph type="title"/>
+          <p:cNvPr id="3" name="Content Placeholder 2"/>
+          <p:cNvSpPr>
+            <a:spLocks noGrp="1"/>
+          </p:cNvSpPr>
+          <p:nvPr>
+            <p:ph sz="half" idx="1"/>
           </p:nvPr>
         </p:nvSpPr>
         <p:spPr/>
@@ -7248,21 +7495,39 @@
           <a:lstStyle/>
           <a:p>
             <a:r>
+              <a:rPr lang="pt-BR" sz="2400" dirty="0" smtClean="0"/>
+              <a:t>Construir </a:t>
+            </a:r>
+            <a:r>
+              <a:rPr lang="pt-BR" sz="2400" dirty="0" smtClean="0"/>
+              <a:t>Solução</a:t>
+            </a:r>
+          </a:p>
+          <a:p>
+            <a:r>
               <a:rPr lang="pt-BR" dirty="0" smtClean="0"/>
-              <a:t>Metodologia de Testes</a:t>
-            </a:r>
+              <a:t>Cada formiga constrói sua solução de caminho</a:t>
+            </a:r>
+          </a:p>
+          <a:p>
+            <a:r>
+              <a:rPr lang="pt-BR" dirty="0" smtClean="0"/>
+              <a:t>Função de probabilidade</a:t>
+            </a:r>
+          </a:p>
+          <a:p>
             <a:endParaRPr lang="en-US" dirty="0"/>
           </a:p>
         </p:txBody>
       </p:sp>
       <p:sp>
         <p:nvSpPr>
-          <p:cNvPr id="3" name="Content Placeholder 2"/>
-          <p:cNvSpPr>
-            <a:spLocks noGrp="1"/>
-          </p:cNvSpPr>
-          <p:nvPr>
-            <p:ph idx="1"/>
+          <p:cNvPr id="4" name="Content Placeholder 3"/>
+          <p:cNvSpPr>
+            <a:spLocks noGrp="1"/>
+          </p:cNvSpPr>
+          <p:nvPr>
+            <p:ph sz="half" idx="2"/>
           </p:nvPr>
         </p:nvSpPr>
         <p:spPr/>
@@ -7273,81 +7538,46 @@
           <a:lstStyle/>
           <a:p>
             <a:r>
+              <a:rPr lang="pt-BR" sz="2400" dirty="0" smtClean="0"/>
+              <a:t>Atualizar </a:t>
+            </a:r>
+            <a:r>
+              <a:rPr lang="pt-BR" sz="2400" dirty="0" err="1" smtClean="0"/>
+              <a:t>Feromônios</a:t>
+            </a:r>
+            <a:endParaRPr lang="pt-BR" sz="2400" dirty="0" smtClean="0"/>
+          </a:p>
+          <a:p>
+            <a:r>
               <a:rPr lang="pt-BR" dirty="0" smtClean="0"/>
-              <a:t>Região de Parâmetros</a:t>
-            </a:r>
-          </a:p>
-          <a:p>
-            <a:pPr lvl="1"/>
-            <a:r>
-              <a:rPr lang="pt-BR" dirty="0" smtClean="0"/>
-              <a:t>10 pares de distâncias </a:t>
-            </a:r>
-          </a:p>
-          <a:p>
-            <a:pPr lvl="1"/>
-            <a:r>
-              <a:rPr lang="pt-BR" dirty="0" smtClean="0"/>
-              <a:t>Configuração dos parâmetros</a:t>
-            </a:r>
-          </a:p>
-          <a:p>
-            <a:pPr lvl="1"/>
-            <a:r>
-              <a:rPr lang="pt-BR" dirty="0" smtClean="0"/>
-              <a:t>Todos os parâmetros e ranges</a:t>
-            </a:r>
-          </a:p>
-          <a:p>
-            <a:pPr lvl="1"/>
-            <a:r>
-              <a:rPr lang="pt-BR" dirty="0" smtClean="0"/>
-              <a:t>Roda 20 configurações diferentes</a:t>
-            </a:r>
-          </a:p>
-          <a:p>
-            <a:pPr lvl="1"/>
-            <a:r>
-              <a:rPr lang="pt-BR" dirty="0" smtClean="0"/>
-              <a:t>Cada configuração roda 5x</a:t>
-            </a:r>
-          </a:p>
-          <a:p>
-            <a:pPr lvl="1"/>
-            <a:r>
-              <a:rPr lang="pt-BR" dirty="0" smtClean="0"/>
-              <a:t>Salva os melhores resultados</a:t>
-            </a:r>
-          </a:p>
-          <a:p>
-            <a:r>
-              <a:rPr lang="pt-BR" dirty="0"/>
-              <a:t>Região de Testes</a:t>
-            </a:r>
-          </a:p>
-          <a:p>
-            <a:pPr lvl="1"/>
-            <a:r>
-              <a:rPr lang="pt-BR" dirty="0"/>
-              <a:t>Aplica os melhores parâmetros coletados</a:t>
-            </a:r>
-            <a:endParaRPr lang="en-US" dirty="0"/>
-          </a:p>
-          <a:p>
-            <a:endParaRPr lang="en-US" dirty="0"/>
+              <a:t>Em cada aresta é aplicada  a função de atualização e decaimento do </a:t>
+            </a:r>
+            <a:r>
+              <a:rPr lang="pt-BR" dirty="0" err="1" smtClean="0"/>
+              <a:t>feromônio</a:t>
+            </a:r>
+            <a:endParaRPr lang="pt-BR" dirty="0"/>
           </a:p>
         </p:txBody>
       </p:sp>
     </p:spTree>
     <p:extLst>
       <p:ext uri="{BB962C8B-B14F-4D97-AF65-F5344CB8AC3E}">
-        <p14:creationId xmlns:p14="http://schemas.microsoft.com/office/powerpoint/2010/main" val="3999211973"/>
+        <p14:creationId xmlns:p14="http://schemas.microsoft.com/office/powerpoint/2010/main" val="1792934434"/>
       </p:ext>
     </p:extLst>
   </p:cSld>
   <p:clrMapOvr>
     <a:masterClrMapping/>
   </p:clrMapOvr>
+  <mc:AlternateContent xmlns:mc="http://schemas.openxmlformats.org/markup-compatibility/2006" xmlns:p14="http://schemas.microsoft.com/office/powerpoint/2010/main">
+    <mc:Choice Requires="p14">
+      <p:transition spd="slow" p14:dur="2000" advTm="88110"/>
+    </mc:Choice>
+    <mc:Fallback xmlns="">
+      <p:transition spd="slow" advTm="88110"/>
+    </mc:Fallback>
+  </mc:AlternateContent>
   <p:timing>
     <p:tnLst>
       <p:par>
@@ -7392,7 +7622,7 @@
           <a:p>
             <a:r>
               <a:rPr lang="pt-BR" dirty="0" smtClean="0"/>
-              <a:t>Resultados</a:t>
+              <a:t>Trabalhos Relacionados</a:t>
             </a:r>
             <a:endParaRPr lang="en-US" dirty="0"/>
           </a:p>
@@ -7405,7 +7635,7 @@
             <a:spLocks noGrp="1"/>
           </p:cNvSpPr>
           <p:nvPr>
-            <p:ph idx="1"/>
+            <p:ph sz="half" idx="1"/>
           </p:nvPr>
         </p:nvSpPr>
         <p:spPr/>
@@ -7415,7 +7645,71 @@
           <a:p>
             <a:r>
               <a:rPr lang="pt-BR" dirty="0" smtClean="0"/>
-              <a:t>Colar as tabelas</a:t>
+              <a:t>Algoritmo </a:t>
+            </a:r>
+            <a:r>
+              <a:rPr lang="pt-BR" dirty="0" smtClean="0"/>
+              <a:t>A</a:t>
+            </a:r>
+            <a:r>
+              <a:rPr lang="pt-BR" dirty="0" smtClean="0"/>
+              <a:t>*</a:t>
+            </a:r>
+          </a:p>
+          <a:p>
+            <a:r>
+              <a:rPr lang="pt-BR" dirty="0" smtClean="0"/>
+              <a:t>Utiliza uma heurística otimista para escolha próximo nodo</a:t>
+            </a:r>
+          </a:p>
+          <a:p>
+            <a:r>
+              <a:rPr lang="pt-BR" dirty="0" smtClean="0"/>
+              <a:t>Lista de prioridades</a:t>
+            </a:r>
+            <a:endParaRPr lang="en-US" dirty="0"/>
+          </a:p>
+        </p:txBody>
+      </p:sp>
+      <p:sp>
+        <p:nvSpPr>
+          <p:cNvPr id="4" name="Content Placeholder 3"/>
+          <p:cNvSpPr>
+            <a:spLocks noGrp="1"/>
+          </p:cNvSpPr>
+          <p:nvPr>
+            <p:ph sz="half" idx="2"/>
+          </p:nvPr>
+        </p:nvSpPr>
+        <p:spPr/>
+        <p:txBody>
+          <a:bodyPr/>
+          <a:lstStyle/>
+          <a:p>
+            <a:r>
+              <a:rPr lang="pt-BR" dirty="0" smtClean="0"/>
+              <a:t>Algoritmo </a:t>
+            </a:r>
+            <a:r>
+              <a:rPr lang="pt-BR" dirty="0" smtClean="0"/>
+              <a:t>de </a:t>
+            </a:r>
+            <a:r>
+              <a:rPr lang="pt-BR" dirty="0" err="1" smtClean="0"/>
+              <a:t>Dijkstra</a:t>
+            </a:r>
+            <a:endParaRPr lang="pt-BR" dirty="0" smtClean="0"/>
+          </a:p>
+          <a:p>
+            <a:r>
+              <a:rPr lang="pt-BR" dirty="0" smtClean="0"/>
+              <a:t>Menor caminho a partir de um nodo para os demais</a:t>
+            </a:r>
+          </a:p>
+          <a:p>
+            <a:r>
+              <a:rPr lang="pt-BR" dirty="0" smtClean="0"/>
+              <a:t>Interrompido quando nodo destino encontrado</a:t>
             </a:r>
             <a:endParaRPr lang="en-US" dirty="0"/>
           </a:p>
@@ -7424,13 +7718,21 @@
     </p:spTree>
     <p:extLst>
       <p:ext uri="{BB962C8B-B14F-4D97-AF65-F5344CB8AC3E}">
-        <p14:creationId xmlns:p14="http://schemas.microsoft.com/office/powerpoint/2010/main" val="1649514800"/>
+        <p14:creationId xmlns:p14="http://schemas.microsoft.com/office/powerpoint/2010/main" val="704920574"/>
       </p:ext>
     </p:extLst>
   </p:cSld>
   <p:clrMapOvr>
     <a:masterClrMapping/>
   </p:clrMapOvr>
+  <mc:AlternateContent xmlns:mc="http://schemas.openxmlformats.org/markup-compatibility/2006" xmlns:p14="http://schemas.microsoft.com/office/powerpoint/2010/main">
+    <mc:Choice Requires="p14">
+      <p:transition spd="slow" p14:dur="2000" advTm="70223"/>
+    </mc:Choice>
+    <mc:Fallback xmlns="">
+      <p:transition spd="slow" advTm="70223"/>
+    </mc:Fallback>
+  </mc:AlternateContent>
   <p:timing>
     <p:tnLst>
       <p:par>
@@ -7475,7 +7777,7 @@
           <a:p>
             <a:r>
               <a:rPr lang="pt-BR" dirty="0" smtClean="0"/>
-              <a:t>Análises</a:t>
+              <a:t>Metodologia</a:t>
             </a:r>
             <a:endParaRPr lang="en-US" dirty="0"/>
           </a:p>
@@ -7488,26 +7790,164 @@
             <a:spLocks noGrp="1"/>
           </p:cNvSpPr>
           <p:nvPr>
-            <p:ph idx="1"/>
-          </p:nvPr>
-        </p:nvSpPr>
-        <p:spPr/>
-        <p:txBody>
-          <a:bodyPr/>
+            <p:ph sz="half" idx="1"/>
+          </p:nvPr>
+        </p:nvSpPr>
+        <p:spPr/>
+        <p:txBody>
+          <a:bodyPr>
+            <a:normAutofit fontScale="92500" lnSpcReduction="20000"/>
+          </a:bodyPr>
           <a:lstStyle/>
           <a:p>
             <a:r>
               <a:rPr lang="pt-BR" dirty="0" smtClean="0"/>
-              <a:t>Cola tabelas</a:t>
+              <a:t>O que foi utilizado para construir a solução</a:t>
+            </a:r>
+          </a:p>
+          <a:p>
+            <a:pPr lvl="1"/>
+            <a:r>
+              <a:rPr lang="pt-BR" dirty="0" smtClean="0"/>
+              <a:t>Dados</a:t>
+            </a:r>
+          </a:p>
+          <a:p>
+            <a:pPr lvl="1"/>
+            <a:r>
+              <a:rPr lang="pt-BR" dirty="0" smtClean="0"/>
+              <a:t>SQL Server</a:t>
+            </a:r>
+          </a:p>
+          <a:p>
+            <a:pPr lvl="1"/>
+            <a:r>
+              <a:rPr lang="pt-BR" dirty="0" smtClean="0"/>
+              <a:t>Python</a:t>
+            </a:r>
+          </a:p>
+          <a:p>
+            <a:pPr lvl="1"/>
+            <a:r>
+              <a:rPr lang="pt-BR" dirty="0" smtClean="0"/>
+              <a:t>Java</a:t>
+            </a:r>
+          </a:p>
+          <a:p>
+            <a:pPr lvl="1"/>
+            <a:r>
+              <a:rPr lang="pt-BR" dirty="0" err="1"/>
+              <a:t>NetworkX</a:t>
+            </a:r>
+            <a:endParaRPr lang="pt-BR" dirty="0"/>
+          </a:p>
+          <a:p>
+            <a:pPr lvl="1"/>
+            <a:r>
+              <a:rPr lang="pt-BR" dirty="0" err="1"/>
+              <a:t>Matplotlib</a:t>
+            </a:r>
+            <a:endParaRPr lang="pt-BR" dirty="0"/>
+          </a:p>
+          <a:p>
+            <a:pPr lvl="1"/>
+            <a:r>
+              <a:rPr lang="pt-BR" dirty="0"/>
+              <a:t>Pandas</a:t>
+            </a:r>
+          </a:p>
+          <a:p>
+            <a:pPr lvl="1"/>
+            <a:r>
+              <a:rPr lang="pt-BR" dirty="0"/>
+              <a:t>Visual Studio </a:t>
+            </a:r>
+            <a:r>
+              <a:rPr lang="pt-BR" dirty="0" err="1"/>
+              <a:t>Code</a:t>
+            </a:r>
+            <a:endParaRPr lang="pt-BR" dirty="0"/>
+          </a:p>
+          <a:p>
+            <a:pPr lvl="1"/>
+            <a:r>
+              <a:rPr lang="pt-BR" dirty="0"/>
+              <a:t>Sublime </a:t>
+            </a:r>
+            <a:r>
+              <a:rPr lang="pt-BR" dirty="0" err="1"/>
+              <a:t>Text</a:t>
+            </a:r>
+            <a:endParaRPr lang="pt-BR" dirty="0"/>
+          </a:p>
+          <a:p>
+            <a:pPr lvl="1"/>
+            <a:r>
+              <a:rPr lang="pt-BR" dirty="0"/>
+              <a:t>GitHub</a:t>
             </a:r>
             <a:endParaRPr lang="en-US" dirty="0"/>
+          </a:p>
+          <a:p>
+            <a:pPr lvl="1"/>
+            <a:endParaRPr lang="en-US" dirty="0" smtClean="0"/>
+          </a:p>
+        </p:txBody>
+      </p:sp>
+      <p:sp>
+        <p:nvSpPr>
+          <p:cNvPr id="4" name="Content Placeholder 3"/>
+          <p:cNvSpPr>
+            <a:spLocks noGrp="1"/>
+          </p:cNvSpPr>
+          <p:nvPr>
+            <p:ph sz="half" idx="2"/>
+          </p:nvPr>
+        </p:nvSpPr>
+        <p:spPr/>
+        <p:txBody>
+          <a:bodyPr>
+            <a:normAutofit fontScale="92500" lnSpcReduction="20000"/>
+          </a:bodyPr>
+          <a:lstStyle/>
+          <a:p>
+            <a:r>
+              <a:rPr lang="pt-BR" dirty="0"/>
+              <a:t>Construção do </a:t>
+            </a:r>
+            <a:r>
+              <a:rPr lang="pt-BR" dirty="0" smtClean="0"/>
+              <a:t>Grafo</a:t>
+            </a:r>
+          </a:p>
+          <a:p>
+            <a:pPr lvl="1"/>
+            <a:r>
+              <a:rPr lang="pt-BR" dirty="0" smtClean="0"/>
+              <a:t>300m de distância</a:t>
+            </a:r>
+          </a:p>
+          <a:p>
+            <a:pPr lvl="1"/>
+            <a:r>
+              <a:rPr lang="pt-BR" dirty="0" smtClean="0"/>
+              <a:t>Paradas = nodos</a:t>
+            </a:r>
+          </a:p>
+          <a:p>
+            <a:pPr lvl="1"/>
+            <a:r>
+              <a:rPr lang="pt-BR" dirty="0" smtClean="0"/>
+              <a:t>Distâncias ou tempos = arestas</a:t>
+            </a:r>
+            <a:endParaRPr lang="pt-BR" dirty="0"/>
           </a:p>
         </p:txBody>
       </p:sp>
     </p:spTree>
     <p:extLst>
       <p:ext uri="{BB962C8B-B14F-4D97-AF65-F5344CB8AC3E}">
-        <p14:creationId xmlns:p14="http://schemas.microsoft.com/office/powerpoint/2010/main" val="1087596411"/>
+        <p14:creationId xmlns:p14="http://schemas.microsoft.com/office/powerpoint/2010/main" val="2470447900"/>
       </p:ext>
     </p:extLst>
   </p:cSld>
@@ -7553,6 +7993,29 @@
         </p:nvSpPr>
         <p:spPr/>
         <p:txBody>
+          <a:bodyPr/>
+          <a:lstStyle/>
+          <a:p>
+            <a:r>
+              <a:rPr lang="pt-BR" dirty="0" smtClean="0"/>
+              <a:t>Metodologia de Testes</a:t>
+            </a:r>
+            <a:endParaRPr lang="en-US" dirty="0"/>
+          </a:p>
+        </p:txBody>
+      </p:sp>
+      <p:sp>
+        <p:nvSpPr>
+          <p:cNvPr id="3" name="Content Placeholder 2"/>
+          <p:cNvSpPr>
+            <a:spLocks noGrp="1"/>
+          </p:cNvSpPr>
+          <p:nvPr>
+            <p:ph idx="1"/>
+          </p:nvPr>
+        </p:nvSpPr>
+        <p:spPr/>
+        <p:txBody>
           <a:bodyPr>
             <a:normAutofit/>
           </a:bodyPr>
@@ -7560,49 +8023,66 @@
           <a:p>
             <a:r>
               <a:rPr lang="pt-BR" dirty="0" smtClean="0"/>
-              <a:t>Conclusão</a:t>
+              <a:t>Região de Parâmetros</a:t>
+            </a:r>
+          </a:p>
+          <a:p>
+            <a:pPr lvl="1"/>
+            <a:r>
+              <a:rPr lang="pt-BR" dirty="0" smtClean="0"/>
+              <a:t>10 pares de distâncias </a:t>
+            </a:r>
+          </a:p>
+          <a:p>
+            <a:pPr lvl="1"/>
+            <a:r>
+              <a:rPr lang="pt-BR" dirty="0" smtClean="0"/>
+              <a:t>Configuração dos parâmetros</a:t>
+            </a:r>
+          </a:p>
+          <a:p>
+            <a:pPr lvl="1"/>
+            <a:r>
+              <a:rPr lang="pt-BR" dirty="0" smtClean="0"/>
+              <a:t>Todos os parâmetros e ranges</a:t>
+            </a:r>
+          </a:p>
+          <a:p>
+            <a:pPr lvl="1"/>
+            <a:r>
+              <a:rPr lang="pt-BR" dirty="0" smtClean="0"/>
+              <a:t>Roda 20 configurações diferentes</a:t>
+            </a:r>
+          </a:p>
+          <a:p>
+            <a:pPr lvl="1"/>
+            <a:r>
+              <a:rPr lang="pt-BR" dirty="0" smtClean="0"/>
+              <a:t>Cada configuração roda 5x</a:t>
+            </a:r>
+          </a:p>
+          <a:p>
+            <a:pPr lvl="1"/>
+            <a:r>
+              <a:rPr lang="pt-BR" dirty="0" smtClean="0"/>
+              <a:t>Salva os melhores resultados</a:t>
+            </a:r>
+          </a:p>
+          <a:p>
+            <a:r>
+              <a:rPr lang="pt-BR" dirty="0"/>
+              <a:t>Região de Testes</a:t>
+            </a:r>
+          </a:p>
+          <a:p>
+            <a:pPr lvl="1"/>
+            <a:r>
+              <a:rPr lang="pt-BR" dirty="0"/>
+              <a:t>Aplica os melhores parâmetros coletados</a:t>
             </a:r>
             <a:endParaRPr lang="en-US" dirty="0"/>
           </a:p>
-        </p:txBody>
-      </p:sp>
-      <p:sp>
-        <p:nvSpPr>
-          <p:cNvPr id="3" name="Content Placeholder 2"/>
-          <p:cNvSpPr>
-            <a:spLocks noGrp="1"/>
-          </p:cNvSpPr>
-          <p:nvPr>
-            <p:ph idx="1"/>
-          </p:nvPr>
-        </p:nvSpPr>
-        <p:spPr/>
-        <p:txBody>
-          <a:bodyPr/>
-          <a:lstStyle/>
-          <a:p>
-            <a:r>
-              <a:rPr lang="pt-BR" dirty="0" smtClean="0"/>
-              <a:t>Repete introdução</a:t>
-            </a:r>
-          </a:p>
-          <a:p>
-            <a:r>
-              <a:rPr lang="pt-BR" dirty="0" smtClean="0"/>
-              <a:t>Fala que os resultados foram coco</a:t>
-            </a:r>
-          </a:p>
-          <a:p>
-            <a:r>
-              <a:rPr lang="pt-BR" dirty="0" smtClean="0"/>
-              <a:t>Problemas encontrados</a:t>
-            </a:r>
-          </a:p>
-          <a:p>
-            <a:r>
-              <a:rPr lang="pt-BR" dirty="0" smtClean="0"/>
-              <a:t>Trabalhos futuros</a:t>
-            </a:r>
+          <a:p>
             <a:endParaRPr lang="en-US" dirty="0"/>
           </a:p>
         </p:txBody>
@@ -7610,7 +8090,7 @@
     </p:spTree>
     <p:extLst>
       <p:ext uri="{BB962C8B-B14F-4D97-AF65-F5344CB8AC3E}">
-        <p14:creationId xmlns:p14="http://schemas.microsoft.com/office/powerpoint/2010/main" val="921413125"/>
+        <p14:creationId xmlns:p14="http://schemas.microsoft.com/office/powerpoint/2010/main" val="3999211973"/>
       </p:ext>
     </p:extLst>
   </p:cSld>
@@ -7661,9 +8141,9 @@
           <a:p>
             <a:r>
               <a:rPr lang="pt-BR" dirty="0" smtClean="0"/>
-              <a:t>Referências Bibliográficas	</a:t>
-            </a:r>
-            <a:endParaRPr lang="pt-BR" dirty="0"/>
+              <a:t>Resultados</a:t>
+            </a:r>
+            <a:endParaRPr lang="en-US" dirty="0"/>
           </a:p>
         </p:txBody>
       </p:sp>
@@ -7682,6 +8162,10 @@
           <a:bodyPr/>
           <a:lstStyle/>
           <a:p>
+            <a:r>
+              <a:rPr lang="pt-BR" dirty="0" smtClean="0"/>
+              <a:t>Colar as tabelas</a:t>
+            </a:r>
             <a:endParaRPr lang="en-US" dirty="0"/>
           </a:p>
         </p:txBody>
@@ -7689,21 +8173,199 @@
     </p:spTree>
     <p:extLst>
       <p:ext uri="{BB962C8B-B14F-4D97-AF65-F5344CB8AC3E}">
-        <p14:creationId xmlns:p14="http://schemas.microsoft.com/office/powerpoint/2010/main" val="4262234390"/>
+        <p14:creationId xmlns:p14="http://schemas.microsoft.com/office/powerpoint/2010/main" val="1649514800"/>
       </p:ext>
     </p:extLst>
   </p:cSld>
   <p:clrMapOvr>
     <a:masterClrMapping/>
   </p:clrMapOvr>
-  <mc:AlternateContent xmlns:mc="http://schemas.openxmlformats.org/markup-compatibility/2006">
-    <mc:Choice xmlns:p14="http://schemas.microsoft.com/office/powerpoint/2010/main" Requires="p14">
-      <p:transition spd="slow" p14:dur="2000" advTm="8297"/>
-    </mc:Choice>
-    <mc:Fallback>
-      <p:transition spd="slow" advTm="8297"/>
-    </mc:Fallback>
-  </mc:AlternateContent>
+  <p:timing>
+    <p:tnLst>
+      <p:par>
+        <p:cTn id="1" dur="indefinite" restart="never" nodeType="tmRoot"/>
+      </p:par>
+    </p:tnLst>
+  </p:timing>
+</p:sld>
+</file>
+
+<file path=ppt/slides/slide18.xml><?xml version="1.0" encoding="utf-8"?>
+<p:sld xmlns:a="http://schemas.openxmlformats.org/drawingml/2006/main" xmlns:r="http://schemas.openxmlformats.org/officeDocument/2006/relationships" xmlns:p="http://schemas.openxmlformats.org/presentationml/2006/main">
+  <p:cSld>
+    <p:spTree>
+      <p:nvGrpSpPr>
+        <p:cNvPr id="1" name=""/>
+        <p:cNvGrpSpPr/>
+        <p:nvPr/>
+      </p:nvGrpSpPr>
+      <p:grpSpPr>
+        <a:xfrm>
+          <a:off x="0" y="0"/>
+          <a:ext cx="0" cy="0"/>
+          <a:chOff x="0" y="0"/>
+          <a:chExt cx="0" cy="0"/>
+        </a:xfrm>
+      </p:grpSpPr>
+      <p:sp>
+        <p:nvSpPr>
+          <p:cNvPr id="2" name="Title 1"/>
+          <p:cNvSpPr>
+            <a:spLocks noGrp="1"/>
+          </p:cNvSpPr>
+          <p:nvPr>
+            <p:ph type="title"/>
+          </p:nvPr>
+        </p:nvSpPr>
+        <p:spPr/>
+        <p:txBody>
+          <a:bodyPr/>
+          <a:lstStyle/>
+          <a:p>
+            <a:r>
+              <a:rPr lang="pt-BR" dirty="0" smtClean="0"/>
+              <a:t>Análises</a:t>
+            </a:r>
+            <a:endParaRPr lang="en-US" dirty="0"/>
+          </a:p>
+        </p:txBody>
+      </p:sp>
+      <p:sp>
+        <p:nvSpPr>
+          <p:cNvPr id="3" name="Content Placeholder 2"/>
+          <p:cNvSpPr>
+            <a:spLocks noGrp="1"/>
+          </p:cNvSpPr>
+          <p:nvPr>
+            <p:ph idx="1"/>
+          </p:nvPr>
+        </p:nvSpPr>
+        <p:spPr/>
+        <p:txBody>
+          <a:bodyPr/>
+          <a:lstStyle/>
+          <a:p>
+            <a:r>
+              <a:rPr lang="pt-BR" dirty="0" smtClean="0"/>
+              <a:t>Cola tabelas</a:t>
+            </a:r>
+            <a:endParaRPr lang="en-US" dirty="0"/>
+          </a:p>
+        </p:txBody>
+      </p:sp>
+    </p:spTree>
+    <p:extLst>
+      <p:ext uri="{BB962C8B-B14F-4D97-AF65-F5344CB8AC3E}">
+        <p14:creationId xmlns:p14="http://schemas.microsoft.com/office/powerpoint/2010/main" val="1087596411"/>
+      </p:ext>
+    </p:extLst>
+  </p:cSld>
+  <p:clrMapOvr>
+    <a:masterClrMapping/>
+  </p:clrMapOvr>
+  <p:timing>
+    <p:tnLst>
+      <p:par>
+        <p:cTn id="1" dur="indefinite" restart="never" nodeType="tmRoot"/>
+      </p:par>
+    </p:tnLst>
+  </p:timing>
+</p:sld>
+</file>
+
+<file path=ppt/slides/slide19.xml><?xml version="1.0" encoding="utf-8"?>
+<p:sld xmlns:a="http://schemas.openxmlformats.org/drawingml/2006/main" xmlns:r="http://schemas.openxmlformats.org/officeDocument/2006/relationships" xmlns:p="http://schemas.openxmlformats.org/presentationml/2006/main">
+  <p:cSld>
+    <p:spTree>
+      <p:nvGrpSpPr>
+        <p:cNvPr id="1" name=""/>
+        <p:cNvGrpSpPr/>
+        <p:nvPr/>
+      </p:nvGrpSpPr>
+      <p:grpSpPr>
+        <a:xfrm>
+          <a:off x="0" y="0"/>
+          <a:ext cx="0" cy="0"/>
+          <a:chOff x="0" y="0"/>
+          <a:chExt cx="0" cy="0"/>
+        </a:xfrm>
+      </p:grpSpPr>
+      <p:sp>
+        <p:nvSpPr>
+          <p:cNvPr id="2" name="Title 1"/>
+          <p:cNvSpPr>
+            <a:spLocks noGrp="1"/>
+          </p:cNvSpPr>
+          <p:nvPr>
+            <p:ph type="title"/>
+          </p:nvPr>
+        </p:nvSpPr>
+        <p:spPr/>
+        <p:txBody>
+          <a:bodyPr>
+            <a:normAutofit/>
+          </a:bodyPr>
+          <a:lstStyle/>
+          <a:p>
+            <a:r>
+              <a:rPr lang="pt-BR" dirty="0" smtClean="0"/>
+              <a:t>Conclusão</a:t>
+            </a:r>
+            <a:endParaRPr lang="en-US" dirty="0"/>
+          </a:p>
+        </p:txBody>
+      </p:sp>
+      <p:sp>
+        <p:nvSpPr>
+          <p:cNvPr id="3" name="Content Placeholder 2"/>
+          <p:cNvSpPr>
+            <a:spLocks noGrp="1"/>
+          </p:cNvSpPr>
+          <p:nvPr>
+            <p:ph idx="1"/>
+          </p:nvPr>
+        </p:nvSpPr>
+        <p:spPr/>
+        <p:txBody>
+          <a:bodyPr/>
+          <a:lstStyle/>
+          <a:p>
+            <a:r>
+              <a:rPr lang="pt-BR" dirty="0" smtClean="0"/>
+              <a:t>Repete introdução</a:t>
+            </a:r>
+          </a:p>
+          <a:p>
+            <a:r>
+              <a:rPr lang="pt-BR" dirty="0" smtClean="0"/>
+              <a:t>Fala que os resultados foram coco</a:t>
+            </a:r>
+          </a:p>
+          <a:p>
+            <a:r>
+              <a:rPr lang="pt-BR" dirty="0" smtClean="0"/>
+              <a:t>Problemas encontrados</a:t>
+            </a:r>
+          </a:p>
+          <a:p>
+            <a:r>
+              <a:rPr lang="pt-BR" dirty="0" smtClean="0"/>
+              <a:t>Trabalhos futuros</a:t>
+            </a:r>
+            <a:endParaRPr lang="en-US" dirty="0"/>
+          </a:p>
+        </p:txBody>
+      </p:sp>
+    </p:spTree>
+    <p:extLst>
+      <p:ext uri="{BB962C8B-B14F-4D97-AF65-F5344CB8AC3E}">
+        <p14:creationId xmlns:p14="http://schemas.microsoft.com/office/powerpoint/2010/main" val="921413125"/>
+      </p:ext>
+    </p:extLst>
+  </p:cSld>
+  <p:clrMapOvr>
+    <a:masterClrMapping/>
+  </p:clrMapOvr>
   <p:timing>
     <p:tnLst>
       <p:par>
@@ -7791,7 +8453,6 @@
               <a:rPr lang="pt-BR" dirty="0" smtClean="0"/>
               <a:t>Cidades Inteligentes</a:t>
             </a:r>
-            <a:endParaRPr lang="pt-BR" dirty="0" smtClean="0"/>
           </a:p>
           <a:p>
             <a:r>
@@ -7823,12 +8484,99 @@
   <p:clrMapOvr>
     <a:masterClrMapping/>
   </p:clrMapOvr>
-  <mc:AlternateContent xmlns:mc="http://schemas.openxmlformats.org/markup-compatibility/2006">
-    <mc:Choice xmlns:p14="http://schemas.microsoft.com/office/powerpoint/2010/main" Requires="p14">
+  <mc:AlternateContent xmlns:mc="http://schemas.openxmlformats.org/markup-compatibility/2006" xmlns:p14="http://schemas.microsoft.com/office/powerpoint/2010/main">
+    <mc:Choice Requires="p14">
       <p:transition spd="slow" p14:dur="2000" advTm="60821"/>
     </mc:Choice>
-    <mc:Fallback>
+    <mc:Fallback xmlns="">
       <p:transition spd="slow" advTm="60821"/>
+    </mc:Fallback>
+  </mc:AlternateContent>
+  <p:timing>
+    <p:tnLst>
+      <p:par>
+        <p:cTn id="1" dur="indefinite" restart="never" nodeType="tmRoot"/>
+      </p:par>
+    </p:tnLst>
+  </p:timing>
+</p:sld>
+</file>
+
+<file path=ppt/slides/slide20.xml><?xml version="1.0" encoding="utf-8"?>
+<p:sld xmlns:a="http://schemas.openxmlformats.org/drawingml/2006/main" xmlns:r="http://schemas.openxmlformats.org/officeDocument/2006/relationships" xmlns:p="http://schemas.openxmlformats.org/presentationml/2006/main">
+  <p:cSld>
+    <p:spTree>
+      <p:nvGrpSpPr>
+        <p:cNvPr id="1" name=""/>
+        <p:cNvGrpSpPr/>
+        <p:nvPr/>
+      </p:nvGrpSpPr>
+      <p:grpSpPr>
+        <a:xfrm>
+          <a:off x="0" y="0"/>
+          <a:ext cx="0" cy="0"/>
+          <a:chOff x="0" y="0"/>
+          <a:chExt cx="0" cy="0"/>
+        </a:xfrm>
+      </p:grpSpPr>
+      <p:sp>
+        <p:nvSpPr>
+          <p:cNvPr id="2" name="Title 1"/>
+          <p:cNvSpPr>
+            <a:spLocks noGrp="1"/>
+          </p:cNvSpPr>
+          <p:nvPr>
+            <p:ph type="title"/>
+          </p:nvPr>
+        </p:nvSpPr>
+        <p:spPr/>
+        <p:txBody>
+          <a:bodyPr/>
+          <a:lstStyle/>
+          <a:p>
+            <a:r>
+              <a:rPr lang="pt-BR" dirty="0" smtClean="0"/>
+              <a:t>Referências Bibliográficas	</a:t>
+            </a:r>
+            <a:endParaRPr lang="pt-BR" dirty="0"/>
+          </a:p>
+        </p:txBody>
+      </p:sp>
+      <p:sp>
+        <p:nvSpPr>
+          <p:cNvPr id="3" name="Content Placeholder 2"/>
+          <p:cNvSpPr>
+            <a:spLocks noGrp="1"/>
+          </p:cNvSpPr>
+          <p:nvPr>
+            <p:ph idx="1"/>
+          </p:nvPr>
+        </p:nvSpPr>
+        <p:spPr/>
+        <p:txBody>
+          <a:bodyPr/>
+          <a:lstStyle/>
+          <a:p>
+            <a:endParaRPr lang="en-US" dirty="0"/>
+          </a:p>
+        </p:txBody>
+      </p:sp>
+    </p:spTree>
+    <p:extLst>
+      <p:ext uri="{BB962C8B-B14F-4D97-AF65-F5344CB8AC3E}">
+        <p14:creationId xmlns:p14="http://schemas.microsoft.com/office/powerpoint/2010/main" val="4262234390"/>
+      </p:ext>
+    </p:extLst>
+  </p:cSld>
+  <p:clrMapOvr>
+    <a:masterClrMapping/>
+  </p:clrMapOvr>
+  <mc:AlternateContent xmlns:mc="http://schemas.openxmlformats.org/markup-compatibility/2006" xmlns:p14="http://schemas.microsoft.com/office/powerpoint/2010/main">
+    <mc:Choice Requires="p14">
+      <p:transition spd="slow" p14:dur="2000" advTm="8297"/>
+    </mc:Choice>
+    <mc:Fallback xmlns="">
+      <p:transition spd="slow" advTm="8297"/>
     </mc:Fallback>
   </mc:AlternateContent>
   <p:timing>
@@ -7937,11 +8685,11 @@
   <p:clrMapOvr>
     <a:masterClrMapping/>
   </p:clrMapOvr>
-  <mc:AlternateContent xmlns:mc="http://schemas.openxmlformats.org/markup-compatibility/2006">
-    <mc:Choice xmlns:p14="http://schemas.microsoft.com/office/powerpoint/2010/main" Requires="p14">
+  <mc:AlternateContent xmlns:mc="http://schemas.openxmlformats.org/markup-compatibility/2006" xmlns:p14="http://schemas.microsoft.com/office/powerpoint/2010/main">
+    <mc:Choice Requires="p14">
       <p:transition spd="slow" p14:dur="2000" advTm="65649"/>
     </mc:Choice>
-    <mc:Fallback>
+    <mc:Fallback xmlns="">
       <p:transition spd="slow" advTm="65649"/>
     </mc:Fallback>
   </mc:AlternateContent>
@@ -8041,11 +8789,11 @@
   <p:clrMapOvr>
     <a:masterClrMapping/>
   </p:clrMapOvr>
-  <mc:AlternateContent xmlns:mc="http://schemas.openxmlformats.org/markup-compatibility/2006">
-    <mc:Choice xmlns:p14="http://schemas.microsoft.com/office/powerpoint/2010/main" Requires="p14">
+  <mc:AlternateContent xmlns:mc="http://schemas.openxmlformats.org/markup-compatibility/2006" xmlns:p14="http://schemas.microsoft.com/office/powerpoint/2010/main">
+    <mc:Choice Requires="p14">
       <p:transition spd="slow" p14:dur="2000" advTm="35364"/>
     </mc:Choice>
-    <mc:Fallback>
+    <mc:Fallback xmlns="">
       <p:transition spd="slow" advTm="35364"/>
     </mc:Fallback>
   </mc:AlternateContent>
@@ -8143,11 +8891,11 @@
   <p:clrMapOvr>
     <a:masterClrMapping/>
   </p:clrMapOvr>
-  <mc:AlternateContent xmlns:mc="http://schemas.openxmlformats.org/markup-compatibility/2006">
-    <mc:Choice xmlns:p14="http://schemas.microsoft.com/office/powerpoint/2010/main" Requires="p14">
+  <mc:AlternateContent xmlns:mc="http://schemas.openxmlformats.org/markup-compatibility/2006" xmlns:p14="http://schemas.microsoft.com/office/powerpoint/2010/main">
+    <mc:Choice Requires="p14">
       <p:transition spd="slow" p14:dur="2000" advTm="32272"/>
     </mc:Choice>
-    <mc:Fallback>
+    <mc:Fallback xmlns="">
       <p:transition spd="slow" advTm="32272"/>
     </mc:Fallback>
   </mc:AlternateContent>
@@ -8246,11 +8994,11 @@
   <p:clrMapOvr>
     <a:masterClrMapping/>
   </p:clrMapOvr>
-  <mc:AlternateContent xmlns:mc="http://schemas.openxmlformats.org/markup-compatibility/2006">
-    <mc:Choice xmlns:p14="http://schemas.microsoft.com/office/powerpoint/2010/main" Requires="p14">
+  <mc:AlternateContent xmlns:mc="http://schemas.openxmlformats.org/markup-compatibility/2006" xmlns:p14="http://schemas.microsoft.com/office/powerpoint/2010/main">
+    <mc:Choice Requires="p14">
       <p:transition spd="slow" p14:dur="2000" advTm="29792"/>
     </mc:Choice>
-    <mc:Fallback>
+    <mc:Fallback xmlns="">
       <p:transition spd="slow" advTm="29792"/>
     </mc:Fallback>
   </mc:AlternateContent>
@@ -8354,11 +9102,11 @@
   <p:clrMapOvr>
     <a:masterClrMapping/>
   </p:clrMapOvr>
-  <mc:AlternateContent xmlns:mc="http://schemas.openxmlformats.org/markup-compatibility/2006">
-    <mc:Choice xmlns:p14="http://schemas.microsoft.com/office/powerpoint/2010/main" Requires="p14">
+  <mc:AlternateContent xmlns:mc="http://schemas.openxmlformats.org/markup-compatibility/2006" xmlns:p14="http://schemas.microsoft.com/office/powerpoint/2010/main">
+    <mc:Choice Requires="p14">
       <p:transition spd="slow" p14:dur="2000" advTm="60953"/>
     </mc:Choice>
-    <mc:Fallback>
+    <mc:Fallback xmlns="">
       <p:transition spd="slow" advTm="60953"/>
     </mc:Fallback>
   </mc:AlternateContent>
@@ -8574,11 +9322,11 @@
   <p:clrMapOvr>
     <a:masterClrMapping/>
   </p:clrMapOvr>
-  <mc:AlternateContent xmlns:mc="http://schemas.openxmlformats.org/markup-compatibility/2006">
-    <mc:Choice xmlns:p14="http://schemas.microsoft.com/office/powerpoint/2010/main" Requires="p14">
+  <mc:AlternateContent xmlns:mc="http://schemas.openxmlformats.org/markup-compatibility/2006" xmlns:p14="http://schemas.microsoft.com/office/powerpoint/2010/main">
+    <mc:Choice Requires="p14">
       <p:transition spd="slow" p14:dur="2000" advTm="77718"/>
     </mc:Choice>
-    <mc:Fallback>
+    <mc:Fallback xmlns="">
       <p:transition spd="slow" advTm="77718"/>
     </mc:Fallback>
   </mc:AlternateContent>
@@ -8611,7 +9359,7 @@
       </p:grpSpPr>
       <p:sp>
         <p:nvSpPr>
-          <p:cNvPr id="11" name="Title 10"/>
+          <p:cNvPr id="2" name="Título 1"/>
           <p:cNvSpPr>
             <a:spLocks noGrp="1"/>
           </p:cNvSpPr>
@@ -8626,96 +9374,194 @@
           <a:p>
             <a:r>
               <a:rPr lang="pt-BR" dirty="0" err="1" smtClean="0"/>
-              <a:t>Pseudocodigo</a:t>
-            </a:r>
-            <a:endParaRPr lang="en-US" dirty="0"/>
+              <a:t>Ant</a:t>
+            </a:r>
+            <a:r>
+              <a:rPr lang="pt-BR" dirty="0" smtClean="0"/>
+              <a:t> System (AS)</a:t>
+            </a:r>
+            <a:endParaRPr lang="pt-BR" dirty="0"/>
+          </a:p>
+        </p:txBody>
+      </p:sp>
+      <p:sp>
+        <p:nvSpPr>
+          <p:cNvPr id="3" name="Espaço Reservado para Conteúdo 2"/>
+          <p:cNvSpPr>
+            <a:spLocks noGrp="1"/>
+          </p:cNvSpPr>
+          <p:nvPr>
+            <p:ph idx="1"/>
+          </p:nvPr>
+        </p:nvSpPr>
+        <p:spPr/>
+        <p:txBody>
+          <a:bodyPr/>
+          <a:lstStyle/>
+          <a:p>
+            <a:r>
+              <a:rPr lang="pt-BR" dirty="0" smtClean="0"/>
+              <a:t>Primeiro algoritmo proposto</a:t>
+            </a:r>
+          </a:p>
+          <a:p>
+            <a:r>
+              <a:rPr lang="pt-BR" dirty="0" smtClean="0"/>
+              <a:t>Todas as formigas realizam a atualização de </a:t>
+            </a:r>
+            <a:r>
+              <a:rPr lang="pt-BR" dirty="0" err="1" smtClean="0"/>
+              <a:t>feromônio</a:t>
+            </a:r>
+            <a:endParaRPr lang="pt-BR" dirty="0" smtClean="0"/>
+          </a:p>
+          <a:p>
+            <a:pPr lvl="5"/>
+            <a:endParaRPr lang="pt-BR" dirty="0" smtClean="0"/>
+          </a:p>
+          <a:p>
+            <a:endParaRPr lang="pt-BR" dirty="0"/>
           </a:p>
         </p:txBody>
       </p:sp>
       <p:pic>
         <p:nvPicPr>
-          <p:cNvPr id="8" name="Content Placeholder 7"/>
+          <p:cNvPr id="1026" name="Picture 2"/>
           <p:cNvPicPr>
-            <a:picLocks noGrp="1" noChangeAspect="1"/>
+            <a:picLocks noChangeAspect="1" noChangeArrowheads="1"/>
           </p:cNvPicPr>
-          <p:nvPr>
-            <p:ph sz="half" idx="1"/>
-          </p:nvPr>
+          <p:nvPr/>
         </p:nvPicPr>
         <p:blipFill>
-          <a:blip r:embed="rId2"/>
+          <a:blip r:embed="rId2">
+            <a:extLst>
+              <a:ext uri="{28A0092B-C50C-407E-A947-70E740481C1C}">
+                <a14:useLocalDpi xmlns:a14="http://schemas.microsoft.com/office/drawing/2010/main" val="0"/>
+              </a:ext>
+            </a:extLst>
+          </a:blip>
+          <a:srcRect/>
           <a:stretch>
             <a:fillRect/>
           </a:stretch>
         </p:blipFill>
-        <p:spPr>
+        <p:spPr bwMode="auto">
           <a:xfrm>
-            <a:off x="1057871" y="3121223"/>
-            <a:ext cx="3050381" cy="1114425"/>
+            <a:off x="2378149" y="3139754"/>
+            <a:ext cx="3800475" cy="1333500"/>
           </a:xfrm>
           <a:prstGeom prst="rect">
             <a:avLst/>
           </a:prstGeom>
+          <a:noFill/>
+          <a:ln>
+            <a:noFill/>
+          </a:ln>
+          <a:effectLst/>
+          <a:extLst>
+            <a:ext uri="{909E8E84-426E-40DD-AFC4-6F175D3DCCD1}">
+              <a14:hiddenFill xmlns:a14="http://schemas.microsoft.com/office/drawing/2010/main">
+                <a:solidFill>
+                  <a:schemeClr val="accent1"/>
+                </a:solidFill>
+              </a14:hiddenFill>
+            </a:ext>
+            <a:ext uri="{91240B29-F687-4F45-9708-019B960494DF}">
+              <a14:hiddenLine xmlns:a14="http://schemas.microsoft.com/office/drawing/2010/main" w="9525">
+                <a:solidFill>
+                  <a:schemeClr val="tx1"/>
+                </a:solidFill>
+                <a:miter lim="800000"/>
+                <a:headEnd/>
+                <a:tailEnd/>
+              </a14:hiddenLine>
+            </a:ext>
+            <a:ext uri="{AF507438-7753-43E0-B8FC-AC1667EBCBE1}">
+              <a14:hiddenEffects xmlns:a14="http://schemas.microsoft.com/office/drawing/2010/main">
+                <a:effectLst>
+                  <a:outerShdw dist="35921" dir="2700000" algn="ctr" rotWithShape="0">
+                    <a:schemeClr val="bg2"/>
+                  </a:outerShdw>
+                </a:effectLst>
+              </a14:hiddenEffects>
+            </a:ext>
+          </a:extLst>
         </p:spPr>
       </p:pic>
-      <p:sp>
-        <p:nvSpPr>
-          <p:cNvPr id="14" name="Content Placeholder 13"/>
-          <p:cNvSpPr>
-            <a:spLocks noGrp="1"/>
-          </p:cNvSpPr>
-          <p:nvPr>
-            <p:ph sz="half" idx="2"/>
-          </p:nvPr>
-        </p:nvSpPr>
-        <p:spPr/>
-        <p:txBody>
-          <a:bodyPr/>
-          <a:lstStyle/>
-          <a:p>
-            <a:r>
-              <a:rPr lang="pt-BR" dirty="0" smtClean="0"/>
-              <a:t>Construir Solução</a:t>
-            </a:r>
-          </a:p>
-          <a:p>
-            <a:endParaRPr lang="pt-BR" dirty="0" smtClean="0"/>
-          </a:p>
-          <a:p>
-            <a:r>
-              <a:rPr lang="pt-BR" dirty="0" smtClean="0"/>
-              <a:t>Fazer Busca Local</a:t>
-            </a:r>
-          </a:p>
-          <a:p>
-            <a:endParaRPr lang="pt-BR" dirty="0" smtClean="0"/>
-          </a:p>
-          <a:p>
-            <a:r>
-              <a:rPr lang="pt-BR" dirty="0" smtClean="0"/>
-              <a:t>Atualizar </a:t>
-            </a:r>
-            <a:r>
-              <a:rPr lang="pt-BR" dirty="0" err="1" smtClean="0"/>
-              <a:t>Feromonios</a:t>
-            </a:r>
-            <a:endParaRPr lang="pt-BR" dirty="0" smtClean="0"/>
-          </a:p>
-          <a:p>
-            <a:endParaRPr lang="en-US" dirty="0"/>
-          </a:p>
-        </p:txBody>
-      </p:sp>
-      <p:sp>
-        <p:nvSpPr>
-          <p:cNvPr id="15" name="TextBox 14"/>
+      <p:pic>
+        <p:nvPicPr>
+          <p:cNvPr id="1027" name="Picture 3"/>
+          <p:cNvPicPr>
+            <a:picLocks noChangeAspect="1" noChangeArrowheads="1"/>
+          </p:cNvPicPr>
+          <p:nvPr/>
+        </p:nvPicPr>
+        <p:blipFill>
+          <a:blip r:embed="rId3">
+            <a:extLst>
+              <a:ext uri="{28A0092B-C50C-407E-A947-70E740481C1C}">
+                <a14:useLocalDpi xmlns:a14="http://schemas.microsoft.com/office/drawing/2010/main" val="0"/>
+              </a:ext>
+            </a:extLst>
+          </a:blip>
+          <a:srcRect/>
+          <a:stretch>
+            <a:fillRect/>
+          </a:stretch>
+        </p:blipFill>
+        <p:spPr bwMode="auto">
+          <a:xfrm>
+            <a:off x="3044898" y="5096880"/>
+            <a:ext cx="2466975" cy="1362075"/>
+          </a:xfrm>
+          <a:prstGeom prst="rect">
+            <a:avLst/>
+          </a:prstGeom>
+          <a:noFill/>
+          <a:ln>
+            <a:noFill/>
+          </a:ln>
+          <a:effectLst/>
+          <a:extLst>
+            <a:ext uri="{909E8E84-426E-40DD-AFC4-6F175D3DCCD1}">
+              <a14:hiddenFill xmlns:a14="http://schemas.microsoft.com/office/drawing/2010/main">
+                <a:solidFill>
+                  <a:schemeClr val="accent1"/>
+                </a:solidFill>
+              </a14:hiddenFill>
+            </a:ext>
+            <a:ext uri="{91240B29-F687-4F45-9708-019B960494DF}">
+              <a14:hiddenLine xmlns:a14="http://schemas.microsoft.com/office/drawing/2010/main" w="9525">
+                <a:solidFill>
+                  <a:schemeClr val="tx1"/>
+                </a:solidFill>
+                <a:miter lim="800000"/>
+                <a:headEnd/>
+                <a:tailEnd/>
+              </a14:hiddenLine>
+            </a:ext>
+            <a:ext uri="{AF507438-7753-43E0-B8FC-AC1667EBCBE1}">
+              <a14:hiddenEffects xmlns:a14="http://schemas.microsoft.com/office/drawing/2010/main">
+                <a:effectLst>
+                  <a:outerShdw dist="35921" dir="2700000" algn="ctr" rotWithShape="0">
+                    <a:schemeClr val="bg2"/>
+                  </a:outerShdw>
+                </a:effectLst>
+              </a14:hiddenEffects>
+            </a:ext>
+          </a:extLst>
+        </p:spPr>
+      </p:pic>
+      <p:sp>
+        <p:nvSpPr>
+          <p:cNvPr id="4" name="CaixaDeTexto 3"/>
           <p:cNvSpPr txBox="1"/>
           <p:nvPr/>
         </p:nvSpPr>
         <p:spPr>
           <a:xfrm>
-            <a:off x="458608" y="4349948"/>
-            <a:ext cx="4299510" cy="323165"/>
+            <a:off x="2855400" y="2770422"/>
+            <a:ext cx="2507418" cy="369332"/>
           </a:xfrm>
           <a:prstGeom prst="rect">
             <a:avLst/>
@@ -8729,71 +9575,69 @@
           <a:lstStyle/>
           <a:p>
             <a:r>
-              <a:rPr lang="pt-BR" sz="1500" dirty="0">
-                <a:ln>
-                  <a:solidFill>
-                    <a:schemeClr val="bg1">
-                      <a:lumMod val="75000"/>
-                      <a:lumOff val="25000"/>
-                      <a:alpha val="10000"/>
-                    </a:schemeClr>
-                  </a:solidFill>
-                </a:ln>
-                <a:solidFill>
-                  <a:schemeClr val="tx2"/>
-                </a:solidFill>
-                <a:effectLst>
-                  <a:outerShdw blurRad="9525" dist="25400" dir="14640000" algn="tl" rotWithShape="0">
-                    <a:schemeClr val="bg1">
-                      <a:alpha val="30000"/>
-                    </a:schemeClr>
-                  </a:outerShdw>
-                </a:effectLst>
-              </a:rPr>
-              <a:t>Algoritmo genérico de ACO. Adaptado de [16, 19]</a:t>
-            </a:r>
-            <a:endParaRPr lang="en-US" sz="1500" dirty="0">
-              <a:ln>
-                <a:solidFill>
-                  <a:schemeClr val="bg1">
-                    <a:lumMod val="75000"/>
-                    <a:lumOff val="25000"/>
-                    <a:alpha val="10000"/>
-                  </a:schemeClr>
-                </a:solidFill>
-              </a:ln>
-              <a:solidFill>
-                <a:schemeClr val="tx2"/>
-              </a:solidFill>
-              <a:effectLst>
-                <a:outerShdw blurRad="9525" dist="25400" dir="14640000" algn="tl" rotWithShape="0">
-                  <a:schemeClr val="bg1">
-                    <a:alpha val="30000"/>
-                  </a:schemeClr>
-                </a:outerShdw>
-              </a:effectLst>
-            </a:endParaRPr>
+              <a:rPr lang="pt-BR" dirty="0" smtClean="0"/>
+              <a:t>Atualização </a:t>
+            </a:r>
+            <a:r>
+              <a:rPr lang="pt-BR" dirty="0" err="1" smtClean="0"/>
+              <a:t>feromônio</a:t>
+            </a:r>
+            <a:r>
+              <a:rPr lang="pt-BR" dirty="0" smtClean="0"/>
+              <a:t>:</a:t>
+            </a:r>
+            <a:endParaRPr lang="pt-BR" dirty="0"/>
+          </a:p>
+        </p:txBody>
+      </p:sp>
+      <p:sp>
+        <p:nvSpPr>
+          <p:cNvPr id="5" name="CaixaDeTexto 4"/>
+          <p:cNvSpPr txBox="1"/>
+          <p:nvPr/>
+        </p:nvSpPr>
+        <p:spPr>
+          <a:xfrm>
+            <a:off x="2526270" y="4715316"/>
+            <a:ext cx="3504229" cy="369332"/>
+          </a:xfrm>
+          <a:prstGeom prst="rect">
+            <a:avLst/>
+          </a:prstGeom>
+          <a:noFill/>
+        </p:spPr>
+        <p:txBody>
+          <a:bodyPr wrap="none" rtlCol="0">
+            <a:spAutoFit/>
+          </a:bodyPr>
+          <a:lstStyle/>
+          <a:p>
+            <a:r>
+              <a:rPr lang="pt-BR" dirty="0" smtClean="0"/>
+              <a:t>Volume de </a:t>
+            </a:r>
+            <a:r>
+              <a:rPr lang="pt-BR" dirty="0" err="1" smtClean="0"/>
+              <a:t>feromônio</a:t>
+            </a:r>
+            <a:r>
+              <a:rPr lang="pt-BR" dirty="0" smtClean="0"/>
+              <a:t> depositado:</a:t>
+            </a:r>
+            <a:endParaRPr lang="pt-BR" dirty="0"/>
           </a:p>
         </p:txBody>
       </p:sp>
     </p:spTree>
     <p:extLst>
       <p:ext uri="{BB962C8B-B14F-4D97-AF65-F5344CB8AC3E}">
-        <p14:creationId xmlns:p14="http://schemas.microsoft.com/office/powerpoint/2010/main" val="1169595047"/>
+        <p14:creationId xmlns:p14="http://schemas.microsoft.com/office/powerpoint/2010/main" val="3400207061"/>
       </p:ext>
     </p:extLst>
   </p:cSld>
   <p:clrMapOvr>
     <a:masterClrMapping/>
   </p:clrMapOvr>
-  <mc:AlternateContent xmlns:mc="http://schemas.openxmlformats.org/markup-compatibility/2006">
-    <mc:Choice xmlns:p14="http://schemas.microsoft.com/office/powerpoint/2010/main" Requires="p14">
-      <p:transition spd="slow" p14:dur="2000" advTm="36034"/>
-    </mc:Choice>
-    <mc:Fallback>
-      <p:transition spd="slow" advTm="36034"/>
-    </mc:Fallback>
-  </mc:AlternateContent>
   <p:timing>
     <p:tnLst>
       <p:par>
@@ -8847,7 +9691,7 @@
     </a:clrScheme>
     <a:fontScheme name="Slate">
       <a:majorFont>
-        <a:latin typeface="Calisto MT" panose="02040603050505030304"/>
+        <a:latin typeface="Calisto MT"/>
         <a:ea typeface=""/>
         <a:cs typeface=""/>
         <a:font script="Jpan" typeface="ＭＳ Ｐゴシック"/>
@@ -8882,7 +9726,7 @@
         <a:font script="Geor" typeface="Sylfaen"/>
       </a:majorFont>
       <a:minorFont>
-        <a:latin typeface="Calisto MT" panose="02040603050505030304"/>
+        <a:latin typeface="Calisto MT"/>
         <a:ea typeface=""/>
         <a:cs typeface=""/>
         <a:font script="Jpan" typeface="ＭＳ Ｐゴシック"/>
@@ -9040,7 +9884,7 @@
   <a:extraClrSchemeLst/>
   <a:extLst>
     <a:ext uri="{05A4C25C-085E-4340-85A3-A5531E510DB2}">
-      <thm15:themeFamily xmlns:thm15="http://schemas.microsoft.com/office/thememl/2012/main" name="Slate" id="{C3F70B94-7CE9-428E-ADC1-3269CC2C3385}" vid="{3F2DE9A5-64E6-437C-A389-CC4477E817E8}"/>
+      <thm15:themeFamily xmlns:thm15="http://schemas.microsoft.com/office/thememl/2012/main" xmlns="" name="Slate" id="{C3F70B94-7CE9-428E-ADC1-3269CC2C3385}" vid="{3F2DE9A5-64E6-437C-A389-CC4477E817E8}"/>
     </a:ext>
   </a:extLst>
 </a:theme>
@@ -9089,7 +9933,7 @@
     </a:clrScheme>
     <a:fontScheme name="Office">
       <a:majorFont>
-        <a:latin typeface="Calibri Light" panose="020F0302020204030204"/>
+        <a:latin typeface="Calibri Light"/>
         <a:ea typeface=""/>
         <a:cs typeface=""/>
         <a:font script="Jpan" typeface="ＭＳ Ｐゴシック"/>
@@ -9124,7 +9968,7 @@
         <a:font script="Geor" typeface="Sylfaen"/>
       </a:majorFont>
       <a:minorFont>
-        <a:latin typeface="Calibri" panose="020F0502020204030204"/>
+        <a:latin typeface="Calibri"/>
         <a:ea typeface=""/>
         <a:cs typeface=""/>
         <a:font script="Jpan" typeface="ＭＳ Ｐゴシック"/>
@@ -9301,7 +10145,7 @@
   <a:extraClrSchemeLst/>
   <a:extLst>
     <a:ext uri="{05A4C25C-085E-4340-85A3-A5531E510DB2}">
-      <thm15:themeFamily xmlns:thm15="http://schemas.microsoft.com/office/thememl/2012/main" name="Office Theme" id="{62F939B6-93AF-4DB8-9C6B-D6C7DFDC589F}" vid="{4A3C46E8-61CC-4603-A589-7422A47A8E4A}"/>
+      <thm15:themeFamily xmlns:thm15="http://schemas.microsoft.com/office/thememl/2012/main" xmlns="" name="Office Theme" id="{62F939B6-93AF-4DB8-9C6B-D6C7DFDC589F}" vid="{4A3C46E8-61CC-4603-A589-7422A47A8E4A}"/>
     </a:ext>
   </a:extLst>
 </a:theme>
